--- a/cell_arrangement.pptx
+++ b/cell_arrangement.pptx
@@ -15957,14 +15957,14 @@
               <p:nvPr>
                 <p:extLst>
                   <p:ext uri="{D42A27DB-BD31-4B8C-83A1-F6EECF244321}">
-                    <p14:modId xmlns:p14="http://schemas.microsoft.com/office/powerpoint/2010/main" val="2372218777"/>
+                    <p14:modId xmlns:p14="http://schemas.microsoft.com/office/powerpoint/2010/main" val="2303257678"/>
                   </p:ext>
                 </p:extLst>
               </p:nvPr>
             </p:nvGraphicFramePr>
             <p:xfrm>
               <a:off x="7066503" y="2186326"/>
-              <a:ext cx="3191167" cy="1416789"/>
+              <a:ext cx="3345715" cy="1416789"/>
             </p:xfrm>
             <a:graphic>
               <a:graphicData uri="http://schemas.openxmlformats.org/drawingml/2006/table">
@@ -15973,35 +15973,35 @@
                     <a:tableStyleId>{E8B1032C-EA38-4F05-BA0D-38AFFFC7BED3}</a:tableStyleId>
                   </a:tblPr>
                   <a:tblGrid>
-                    <a:gridCol w="456880">
+                    <a:gridCol w="479007">
                       <a:extLst>
                         <a:ext uri="{9D8B030D-6E8A-4147-A177-3AD203B41FA5}">
                           <a16:colId xmlns:a16="http://schemas.microsoft.com/office/drawing/2014/main" val="2554078952"/>
                         </a:ext>
                       </a:extLst>
                     </a:gridCol>
-                    <a:gridCol w="449705">
+                    <a:gridCol w="471484">
                       <a:extLst>
                         <a:ext uri="{9D8B030D-6E8A-4147-A177-3AD203B41FA5}">
                           <a16:colId xmlns:a16="http://schemas.microsoft.com/office/drawing/2014/main" val="2620954992"/>
                         </a:ext>
                       </a:extLst>
                     </a:gridCol>
-                    <a:gridCol w="876924">
+                    <a:gridCol w="919393">
                       <a:extLst>
                         <a:ext uri="{9D8B030D-6E8A-4147-A177-3AD203B41FA5}">
                           <a16:colId xmlns:a16="http://schemas.microsoft.com/office/drawing/2014/main" val="3856786377"/>
                         </a:ext>
                       </a:extLst>
                     </a:gridCol>
-                    <a:gridCol w="719528">
+                    <a:gridCol w="653927">
                       <a:extLst>
                         <a:ext uri="{9D8B030D-6E8A-4147-A177-3AD203B41FA5}">
                           <a16:colId xmlns:a16="http://schemas.microsoft.com/office/drawing/2014/main" val="351867179"/>
                         </a:ext>
                       </a:extLst>
                     </a:gridCol>
-                    <a:gridCol w="688130">
+                    <a:gridCol w="821904">
                       <a:extLst>
                         <a:ext uri="{9D8B030D-6E8A-4147-A177-3AD203B41FA5}">
                           <a16:colId xmlns:a16="http://schemas.microsoft.com/office/drawing/2014/main" val="1509407727"/>
@@ -16125,7 +16125,7 @@
                           </a14:m>
                           <a:r>
                             <a:rPr kumimoji="1" lang="en-US" altLang="ja-JP" sz="1100" dirty="0"/>
-                            <a:t>b</a:t>
+                            <a:t>b~0</a:t>
                           </a:r>
                           <a:endParaRPr kumimoji="1" lang="ja-JP" altLang="en-US" sz="1100"/>
                         </a:p>
@@ -16215,7 +16215,7 @@
                           <a:pPr algn="ctr"/>
                           <a:r>
                             <a:rPr kumimoji="1" lang="en-US" altLang="ja-JP" sz="1100" dirty="0"/>
-                            <a:t>–</a:t>
+                            <a:t>0</a:t>
                           </a:r>
                           <a:endParaRPr kumimoji="1" lang="ja-JP" altLang="en-US" sz="1100"/>
                         </a:p>
@@ -16353,7 +16353,7 @@
                           </a:pPr>
                           <a:r>
                             <a:rPr kumimoji="1" lang="en-US" altLang="ja-JP" sz="1100" dirty="0"/>
-                            <a:t>–</a:t>
+                            <a:t>0</a:t>
                           </a:r>
                           <a:endParaRPr kumimoji="1" lang="ja-JP" altLang="en-US" sz="1100"/>
                         </a:p>
@@ -16525,14 +16525,14 @@
               <p:nvPr>
                 <p:extLst>
                   <p:ext uri="{D42A27DB-BD31-4B8C-83A1-F6EECF244321}">
-                    <p14:modId xmlns:p14="http://schemas.microsoft.com/office/powerpoint/2010/main" val="2372218777"/>
+                    <p14:modId xmlns:p14="http://schemas.microsoft.com/office/powerpoint/2010/main" val="2303257678"/>
                   </p:ext>
                 </p:extLst>
               </p:nvPr>
             </p:nvGraphicFramePr>
             <p:xfrm>
               <a:off x="7066503" y="2186326"/>
-              <a:ext cx="3191167" cy="1416789"/>
+              <a:ext cx="3345715" cy="1416789"/>
             </p:xfrm>
             <a:graphic>
               <a:graphicData uri="http://schemas.openxmlformats.org/drawingml/2006/table">
@@ -16541,35 +16541,35 @@
                     <a:tableStyleId>{E8B1032C-EA38-4F05-BA0D-38AFFFC7BED3}</a:tableStyleId>
                   </a:tblPr>
                   <a:tblGrid>
-                    <a:gridCol w="456880">
+                    <a:gridCol w="479007">
                       <a:extLst>
                         <a:ext uri="{9D8B030D-6E8A-4147-A177-3AD203B41FA5}">
                           <a16:colId xmlns:a16="http://schemas.microsoft.com/office/drawing/2014/main" val="2554078952"/>
                         </a:ext>
                       </a:extLst>
                     </a:gridCol>
-                    <a:gridCol w="449705">
+                    <a:gridCol w="471484">
                       <a:extLst>
                         <a:ext uri="{9D8B030D-6E8A-4147-A177-3AD203B41FA5}">
                           <a16:colId xmlns:a16="http://schemas.microsoft.com/office/drawing/2014/main" val="2620954992"/>
                         </a:ext>
                       </a:extLst>
                     </a:gridCol>
-                    <a:gridCol w="876924">
+                    <a:gridCol w="919393">
                       <a:extLst>
                         <a:ext uri="{9D8B030D-6E8A-4147-A177-3AD203B41FA5}">
                           <a16:colId xmlns:a16="http://schemas.microsoft.com/office/drawing/2014/main" val="3856786377"/>
                         </a:ext>
                       </a:extLst>
                     </a:gridCol>
-                    <a:gridCol w="719528">
+                    <a:gridCol w="653927">
                       <a:extLst>
                         <a:ext uri="{9D8B030D-6E8A-4147-A177-3AD203B41FA5}">
                           <a16:colId xmlns:a16="http://schemas.microsoft.com/office/drawing/2014/main" val="351867179"/>
                         </a:ext>
                       </a:extLst>
                     </a:gridCol>
-                    <a:gridCol w="688130">
+                    <a:gridCol w="821904">
                       <a:extLst>
                         <a:ext uri="{9D8B030D-6E8A-4147-A177-3AD203B41FA5}">
                           <a16:colId xmlns:a16="http://schemas.microsoft.com/office/drawing/2014/main" val="1509407727"/>
@@ -16635,7 +16635,7 @@
                         <a:blipFill>
                           <a:blip r:embed="rId2"/>
                           <a:stretch>
-                            <a:fillRect l="-249123" t="-5000" r="-98246" b="-470000"/>
+                            <a:fillRect l="-292157" t="-5000" r="-131373" b="-470000"/>
                           </a:stretch>
                         </a:blipFill>
                       </a:tcPr>
@@ -16652,7 +16652,7 @@
                         <a:blipFill>
                           <a:blip r:embed="rId2"/>
                           <a:stretch>
-                            <a:fillRect l="-368519" t="-5000" r="-3704" b="-470000"/>
+                            <a:fillRect l="-307692" t="-5000" r="-3077" b="-470000"/>
                           </a:stretch>
                         </a:blipFill>
                       </a:tcPr>
@@ -16740,7 +16740,7 @@
                           <a:pPr algn="ctr"/>
                           <a:r>
                             <a:rPr kumimoji="1" lang="en-US" altLang="ja-JP" sz="1100" dirty="0"/>
-                            <a:t>–</a:t>
+                            <a:t>0</a:t>
                           </a:r>
                           <a:endParaRPr kumimoji="1" lang="ja-JP" altLang="en-US" sz="1100"/>
                         </a:p>
@@ -16878,7 +16878,7 @@
                           </a:pPr>
                           <a:r>
                             <a:rPr kumimoji="1" lang="en-US" altLang="ja-JP" sz="1100" dirty="0"/>
-                            <a:t>–</a:t>
+                            <a:t>0</a:t>
                           </a:r>
                           <a:endParaRPr kumimoji="1" lang="ja-JP" altLang="en-US" sz="1100"/>
                         </a:p>
@@ -18560,7 +18560,7 @@
         </p:nvSpPr>
         <p:spPr>
           <a:xfrm>
-            <a:off x="1595133" y="6354375"/>
+            <a:off x="1455269" y="6275881"/>
             <a:ext cx="3163045" cy="276999"/>
           </a:xfrm>
           <a:prstGeom prst="rect">
@@ -21208,6 +21208,82 @@
           </a:graphicData>
         </a:graphic>
       </p:graphicFrame>
+      <p:sp>
+        <p:nvSpPr>
+          <p:cNvPr id="104" name="テキスト ボックス 103">
+            <a:extLst>
+              <a:ext uri="{FF2B5EF4-FFF2-40B4-BE49-F238E27FC236}">
+                <a16:creationId xmlns:a16="http://schemas.microsoft.com/office/drawing/2014/main" id="{32BF6921-0790-99E7-692D-769B143E613C}"/>
+              </a:ext>
+            </a:extLst>
+          </p:cNvPr>
+          <p:cNvSpPr txBox="1"/>
+          <p:nvPr/>
+        </p:nvSpPr>
+        <p:spPr>
+          <a:xfrm>
+            <a:off x="2235802" y="6552880"/>
+            <a:ext cx="2773516" cy="307777"/>
+          </a:xfrm>
+          <a:prstGeom prst="rect">
+            <a:avLst/>
+          </a:prstGeom>
+          <a:noFill/>
+        </p:spPr>
+        <p:txBody>
+          <a:bodyPr wrap="none" rtlCol="0">
+            <a:spAutoFit/>
+          </a:bodyPr>
+          <a:lstStyle/>
+          <a:p>
+            <a:r>
+              <a:rPr kumimoji="1" lang="ja-JP" altLang="en-US" sz="1400"/>
+              <a:t>外部境界では断熱処理のみで</a:t>
+            </a:r>
+            <a:r>
+              <a:rPr kumimoji="1" lang="en-US" altLang="ja-JP" sz="1400" dirty="0"/>
+              <a:t>OK</a:t>
+            </a:r>
+            <a:endParaRPr kumimoji="1" lang="ja-JP" altLang="en-US" sz="1400"/>
+          </a:p>
+        </p:txBody>
+      </p:sp>
+      <p:sp>
+        <p:nvSpPr>
+          <p:cNvPr id="105" name="テキスト ボックス 104">
+            <a:extLst>
+              <a:ext uri="{FF2B5EF4-FFF2-40B4-BE49-F238E27FC236}">
+                <a16:creationId xmlns:a16="http://schemas.microsoft.com/office/drawing/2014/main" id="{376D614D-0946-2A67-87A4-81B1E790E049}"/>
+              </a:ext>
+            </a:extLst>
+          </p:cNvPr>
+          <p:cNvSpPr txBox="1"/>
+          <p:nvPr/>
+        </p:nvSpPr>
+        <p:spPr>
+          <a:xfrm>
+            <a:off x="10736327" y="3166579"/>
+            <a:ext cx="954107" cy="276999"/>
+          </a:xfrm>
+          <a:prstGeom prst="rect">
+            <a:avLst/>
+          </a:prstGeom>
+          <a:noFill/>
+        </p:spPr>
+        <p:txBody>
+          <a:bodyPr wrap="none" rtlCol="0">
+            <a:spAutoFit/>
+          </a:bodyPr>
+          <a:lstStyle/>
+          <a:p>
+            <a:r>
+              <a:rPr lang="ja-JP" altLang="en-US" sz="1200"/>
+              <a:t>ディリクレ</a:t>
+            </a:r>
+            <a:endParaRPr lang="en-US" altLang="ja-JP" sz="1200" dirty="0"/>
+          </a:p>
+        </p:txBody>
+      </p:sp>
     </p:spTree>
     <p:extLst>
       <p:ext uri="{BB962C8B-B14F-4D97-AF65-F5344CB8AC3E}">

--- a/cell_arrangement.pptx
+++ b/cell_arrangement.pptx
@@ -9,13 +9,15 @@
     <p:sldId id="257" r:id="rId3"/>
     <p:sldId id="258" r:id="rId4"/>
     <p:sldId id="259" r:id="rId5"/>
-    <p:sldId id="260" r:id="rId6"/>
-    <p:sldId id="261" r:id="rId7"/>
-    <p:sldId id="262" r:id="rId8"/>
-    <p:sldId id="263" r:id="rId9"/>
-    <p:sldId id="264" r:id="rId10"/>
-    <p:sldId id="265" r:id="rId11"/>
-    <p:sldId id="266" r:id="rId12"/>
+    <p:sldId id="267" r:id="rId6"/>
+    <p:sldId id="268" r:id="rId7"/>
+    <p:sldId id="260" r:id="rId8"/>
+    <p:sldId id="261" r:id="rId9"/>
+    <p:sldId id="262" r:id="rId10"/>
+    <p:sldId id="263" r:id="rId11"/>
+    <p:sldId id="264" r:id="rId12"/>
+    <p:sldId id="265" r:id="rId13"/>
+    <p:sldId id="266" r:id="rId14"/>
   </p:sldIdLst>
   <p:sldSz cx="12192000" cy="6858000"/>
   <p:notesSz cx="6858000" cy="9144000"/>
@@ -1650,7 +1652,7 @@
           <a:p>
             <a:fld id="{C6284FE7-8644-9241-8BAC-8FFB84B8C7A6}" type="datetimeFigureOut">
               <a:rPr kumimoji="1" lang="ja-JP" altLang="en-US" smtClean="0"/>
-              <a:t>2025/8/22</a:t>
+              <a:t>2025/9/8</a:t>
             </a:fld>
             <a:endParaRPr kumimoji="1" lang="ja-JP" altLang="en-US"/>
           </a:p>
@@ -1880,7 +1882,7 @@
           <a:p>
             <a:fld id="{C6284FE7-8644-9241-8BAC-8FFB84B8C7A6}" type="datetimeFigureOut">
               <a:rPr kumimoji="1" lang="ja-JP" altLang="en-US" smtClean="0"/>
-              <a:t>2025/8/22</a:t>
+              <a:t>2025/9/8</a:t>
             </a:fld>
             <a:endParaRPr kumimoji="1" lang="ja-JP" altLang="en-US"/>
           </a:p>
@@ -2120,7 +2122,7 @@
           <a:p>
             <a:fld id="{C6284FE7-8644-9241-8BAC-8FFB84B8C7A6}" type="datetimeFigureOut">
               <a:rPr kumimoji="1" lang="ja-JP" altLang="en-US" smtClean="0"/>
-              <a:t>2025/8/22</a:t>
+              <a:t>2025/9/8</a:t>
             </a:fld>
             <a:endParaRPr kumimoji="1" lang="ja-JP" altLang="en-US"/>
           </a:p>
@@ -2350,7 +2352,7 @@
           <a:p>
             <a:fld id="{C6284FE7-8644-9241-8BAC-8FFB84B8C7A6}" type="datetimeFigureOut">
               <a:rPr kumimoji="1" lang="ja-JP" altLang="en-US" smtClean="0"/>
-              <a:t>2025/8/22</a:t>
+              <a:t>2025/9/8</a:t>
             </a:fld>
             <a:endParaRPr kumimoji="1" lang="ja-JP" altLang="en-US"/>
           </a:p>
@@ -2625,7 +2627,7 @@
           <a:p>
             <a:fld id="{C6284FE7-8644-9241-8BAC-8FFB84B8C7A6}" type="datetimeFigureOut">
               <a:rPr kumimoji="1" lang="ja-JP" altLang="en-US" smtClean="0"/>
-              <a:t>2025/8/22</a:t>
+              <a:t>2025/9/8</a:t>
             </a:fld>
             <a:endParaRPr kumimoji="1" lang="ja-JP" altLang="en-US"/>
           </a:p>
@@ -2954,7 +2956,7 @@
           <a:p>
             <a:fld id="{C6284FE7-8644-9241-8BAC-8FFB84B8C7A6}" type="datetimeFigureOut">
               <a:rPr kumimoji="1" lang="ja-JP" altLang="en-US" smtClean="0"/>
-              <a:t>2025/8/22</a:t>
+              <a:t>2025/9/8</a:t>
             </a:fld>
             <a:endParaRPr kumimoji="1" lang="ja-JP" altLang="en-US"/>
           </a:p>
@@ -3430,7 +3432,7 @@
           <a:p>
             <a:fld id="{C6284FE7-8644-9241-8BAC-8FFB84B8C7A6}" type="datetimeFigureOut">
               <a:rPr kumimoji="1" lang="ja-JP" altLang="en-US" smtClean="0"/>
-              <a:t>2025/8/22</a:t>
+              <a:t>2025/9/8</a:t>
             </a:fld>
             <a:endParaRPr kumimoji="1" lang="ja-JP" altLang="en-US"/>
           </a:p>
@@ -3571,7 +3573,7 @@
           <a:p>
             <a:fld id="{C6284FE7-8644-9241-8BAC-8FFB84B8C7A6}" type="datetimeFigureOut">
               <a:rPr kumimoji="1" lang="ja-JP" altLang="en-US" smtClean="0"/>
-              <a:t>2025/8/22</a:t>
+              <a:t>2025/9/8</a:t>
             </a:fld>
             <a:endParaRPr kumimoji="1" lang="ja-JP" altLang="en-US"/>
           </a:p>
@@ -3684,7 +3686,7 @@
           <a:p>
             <a:fld id="{C6284FE7-8644-9241-8BAC-8FFB84B8C7A6}" type="datetimeFigureOut">
               <a:rPr kumimoji="1" lang="ja-JP" altLang="en-US" smtClean="0"/>
-              <a:t>2025/8/22</a:t>
+              <a:t>2025/9/8</a:t>
             </a:fld>
             <a:endParaRPr kumimoji="1" lang="ja-JP" altLang="en-US"/>
           </a:p>
@@ -4027,7 +4029,7 @@
           <a:p>
             <a:fld id="{C6284FE7-8644-9241-8BAC-8FFB84B8C7A6}" type="datetimeFigureOut">
               <a:rPr kumimoji="1" lang="ja-JP" altLang="en-US" smtClean="0"/>
-              <a:t>2025/8/22</a:t>
+              <a:t>2025/9/8</a:t>
             </a:fld>
             <a:endParaRPr kumimoji="1" lang="ja-JP" altLang="en-US"/>
           </a:p>
@@ -4315,7 +4317,7 @@
           <a:p>
             <a:fld id="{C6284FE7-8644-9241-8BAC-8FFB84B8C7A6}" type="datetimeFigureOut">
               <a:rPr kumimoji="1" lang="ja-JP" altLang="en-US" smtClean="0"/>
-              <a:t>2025/8/22</a:t>
+              <a:t>2025/9/8</a:t>
             </a:fld>
             <a:endParaRPr kumimoji="1" lang="ja-JP" altLang="en-US"/>
           </a:p>
@@ -4588,7 +4590,7 @@
           <a:p>
             <a:fld id="{C6284FE7-8644-9241-8BAC-8FFB84B8C7A6}" type="datetimeFigureOut">
               <a:rPr kumimoji="1" lang="ja-JP" altLang="en-US" smtClean="0"/>
-              <a:t>2025/8/22</a:t>
+              <a:t>2025/9/8</a:t>
             </a:fld>
             <a:endParaRPr kumimoji="1" lang="ja-JP" altLang="en-US"/>
           </a:p>
@@ -10479,6 +10481,189 @@
       </p:grpSpPr>
       <p:pic>
         <p:nvPicPr>
+          <p:cNvPr id="5" name="図 4" descr="グラフ, 折れ線グラフ&#10;&#10;AI 生成コンテンツは誤りを含む可能性があります。">
+            <a:extLst>
+              <a:ext uri="{FF2B5EF4-FFF2-40B4-BE49-F238E27FC236}">
+                <a16:creationId xmlns:a16="http://schemas.microsoft.com/office/drawing/2014/main" id="{BEBADFE1-46C4-90E5-16DF-9F49E1AB6448}"/>
+              </a:ext>
+            </a:extLst>
+          </p:cNvPr>
+          <p:cNvPicPr>
+            <a:picLocks noChangeAspect="1"/>
+          </p:cNvPicPr>
+          <p:nvPr/>
+        </p:nvPicPr>
+        <p:blipFill>
+          <a:blip r:embed="rId2"/>
+          <a:stretch>
+            <a:fillRect/>
+          </a:stretch>
+        </p:blipFill>
+        <p:spPr>
+          <a:xfrm>
+            <a:off x="4191000" y="1524000"/>
+            <a:ext cx="3810000" cy="3810000"/>
+          </a:xfrm>
+          <a:prstGeom prst="rect">
+            <a:avLst/>
+          </a:prstGeom>
+        </p:spPr>
+      </p:pic>
+      <p:pic>
+        <p:nvPicPr>
+          <p:cNvPr id="7" name="図 6" descr="グラフ&#10;&#10;AI 生成コンテンツは誤りを含む可能性があります。">
+            <a:extLst>
+              <a:ext uri="{FF2B5EF4-FFF2-40B4-BE49-F238E27FC236}">
+                <a16:creationId xmlns:a16="http://schemas.microsoft.com/office/drawing/2014/main" id="{C21D10C7-59DA-A55E-3DBD-A6FDEE02BE33}"/>
+              </a:ext>
+            </a:extLst>
+          </p:cNvPr>
+          <p:cNvPicPr>
+            <a:picLocks noChangeAspect="1"/>
+          </p:cNvPicPr>
+          <p:nvPr/>
+        </p:nvPicPr>
+        <p:blipFill>
+          <a:blip r:embed="rId3"/>
+          <a:srcRect l="29953" t="24415" r="19223" b="67700"/>
+          <a:stretch>
+            <a:fillRect/>
+          </a:stretch>
+        </p:blipFill>
+        <p:spPr>
+          <a:xfrm>
+            <a:off x="4686116" y="1129553"/>
+            <a:ext cx="3178021" cy="591672"/>
+          </a:xfrm>
+          <a:prstGeom prst="rect">
+            <a:avLst/>
+          </a:prstGeom>
+        </p:spPr>
+      </p:pic>
+    </p:spTree>
+    <p:extLst>
+      <p:ext uri="{BB962C8B-B14F-4D97-AF65-F5344CB8AC3E}">
+        <p14:creationId xmlns:p14="http://schemas.microsoft.com/office/powerpoint/2010/main" val="1462179153"/>
+      </p:ext>
+    </p:extLst>
+  </p:cSld>
+  <p:clrMapOvr>
+    <a:masterClrMapping/>
+  </p:clrMapOvr>
+</p:sld>
+</file>
+
+<file path=ppt/slides/slide11.xml><?xml version="1.0" encoding="utf-8"?>
+<p:sld xmlns:a="http://schemas.openxmlformats.org/drawingml/2006/main" xmlns:r="http://schemas.openxmlformats.org/officeDocument/2006/relationships" xmlns:p="http://schemas.openxmlformats.org/presentationml/2006/main">
+  <p:cSld>
+    <p:spTree>
+      <p:nvGrpSpPr>
+        <p:cNvPr id="1" name=""/>
+        <p:cNvGrpSpPr/>
+        <p:nvPr/>
+      </p:nvGrpSpPr>
+      <p:grpSpPr>
+        <a:xfrm>
+          <a:off x="0" y="0"/>
+          <a:ext cx="0" cy="0"/>
+          <a:chOff x="0" y="0"/>
+          <a:chExt cx="0" cy="0"/>
+        </a:xfrm>
+      </p:grpSpPr>
+      <p:pic>
+        <p:nvPicPr>
+          <p:cNvPr id="5" name="図 4" descr="グラフ, 棒グラフ&#10;&#10;AI 生成コンテンツは誤りを含む可能性があります。">
+            <a:extLst>
+              <a:ext uri="{FF2B5EF4-FFF2-40B4-BE49-F238E27FC236}">
+                <a16:creationId xmlns:a16="http://schemas.microsoft.com/office/drawing/2014/main" id="{7A544E78-638E-74D9-71DA-8CFEF48ABAF4}"/>
+              </a:ext>
+            </a:extLst>
+          </p:cNvPr>
+          <p:cNvPicPr>
+            <a:picLocks noChangeAspect="1"/>
+          </p:cNvPicPr>
+          <p:nvPr/>
+        </p:nvPicPr>
+        <p:blipFill>
+          <a:blip r:embed="rId2"/>
+          <a:srcRect l="21662" r="21835"/>
+          <a:stretch>
+            <a:fillRect/>
+          </a:stretch>
+        </p:blipFill>
+        <p:spPr>
+          <a:xfrm>
+            <a:off x="7094486" y="2525636"/>
+            <a:ext cx="2405539" cy="3193041"/>
+          </a:xfrm>
+          <a:prstGeom prst="rect">
+            <a:avLst/>
+          </a:prstGeom>
+        </p:spPr>
+      </p:pic>
+      <p:pic>
+        <p:nvPicPr>
+          <p:cNvPr id="7" name="図 6" descr="グラフィカル ユーザー インターフェイス&#10;&#10;AI 生成コンテンツは誤りを含む可能性があります。">
+            <a:extLst>
+              <a:ext uri="{FF2B5EF4-FFF2-40B4-BE49-F238E27FC236}">
+                <a16:creationId xmlns:a16="http://schemas.microsoft.com/office/drawing/2014/main" id="{B7A40539-F888-7C65-8662-BA04C63B9ED0}"/>
+              </a:ext>
+            </a:extLst>
+          </p:cNvPr>
+          <p:cNvPicPr>
+            <a:picLocks noChangeAspect="1"/>
+          </p:cNvPicPr>
+          <p:nvPr/>
+        </p:nvPicPr>
+        <p:blipFill>
+          <a:blip r:embed="rId3"/>
+          <a:srcRect t="4206" r="14594"/>
+          <a:stretch>
+            <a:fillRect/>
+          </a:stretch>
+        </p:blipFill>
+        <p:spPr>
+          <a:xfrm>
+            <a:off x="2413877" y="2624960"/>
+            <a:ext cx="4475209" cy="3011738"/>
+          </a:xfrm>
+          <a:prstGeom prst="rect">
+            <a:avLst/>
+          </a:prstGeom>
+        </p:spPr>
+      </p:pic>
+    </p:spTree>
+    <p:extLst>
+      <p:ext uri="{BB962C8B-B14F-4D97-AF65-F5344CB8AC3E}">
+        <p14:creationId xmlns:p14="http://schemas.microsoft.com/office/powerpoint/2010/main" val="564147582"/>
+      </p:ext>
+    </p:extLst>
+  </p:cSld>
+  <p:clrMapOvr>
+    <a:masterClrMapping/>
+  </p:clrMapOvr>
+</p:sld>
+</file>
+
+<file path=ppt/slides/slide12.xml><?xml version="1.0" encoding="utf-8"?>
+<p:sld xmlns:a="http://schemas.openxmlformats.org/drawingml/2006/main" xmlns:r="http://schemas.openxmlformats.org/officeDocument/2006/relationships" xmlns:p="http://schemas.openxmlformats.org/presentationml/2006/main">
+  <p:cSld>
+    <p:spTree>
+      <p:nvGrpSpPr>
+        <p:cNvPr id="1" name=""/>
+        <p:cNvGrpSpPr/>
+        <p:nvPr/>
+      </p:nvGrpSpPr>
+      <p:grpSpPr>
+        <a:xfrm>
+          <a:off x="0" y="0"/>
+          <a:ext cx="0" cy="0"/>
+          <a:chOff x="0" y="0"/>
+          <a:chExt cx="0" cy="0"/>
+        </a:xfrm>
+      </p:grpSpPr>
+      <p:pic>
+        <p:nvPicPr>
           <p:cNvPr id="7" name="図 6" descr="グラフ, 折れ線グラフ&#10;&#10;AI 生成コンテンツは誤りを含む可能性があります。">
             <a:extLst>
               <a:ext uri="{FF2B5EF4-FFF2-40B4-BE49-F238E27FC236}">
@@ -10550,7 +10735,7 @@
 </p:sld>
 </file>
 
-<file path=ppt/slides/slide11.xml><?xml version="1.0" encoding="utf-8"?>
+<file path=ppt/slides/slide13.xml><?xml version="1.0" encoding="utf-8"?>
 <p:sld xmlns:a="http://schemas.openxmlformats.org/drawingml/2006/main" xmlns:r="http://schemas.openxmlformats.org/officeDocument/2006/relationships" xmlns:p="http://schemas.openxmlformats.org/presentationml/2006/main">
   <p:cSld>
     <p:spTree>
@@ -17646,8 +17831,8 @@
           </p:txBody>
         </p:sp>
       </p:grpSp>
-      <mc:AlternateContent xmlns:mc="http://schemas.openxmlformats.org/markup-compatibility/2006" xmlns:a14="http://schemas.microsoft.com/office/drawing/2010/main">
-        <mc:Choice Requires="a14">
+      <mc:AlternateContent xmlns:mc="http://schemas.openxmlformats.org/markup-compatibility/2006">
+        <mc:Choice xmlns:a14="http://schemas.microsoft.com/office/drawing/2010/main" Requires="a14">
           <p:graphicFrame>
             <p:nvGraphicFramePr>
               <p:cNvPr id="14" name="表 13">
@@ -17663,7 +17848,7 @@
               <p:nvPr>
                 <p:extLst>
                   <p:ext uri="{D42A27DB-BD31-4B8C-83A1-F6EECF244321}">
-                    <p14:modId xmlns:p14="http://schemas.microsoft.com/office/powerpoint/2010/main" val="3622504524"/>
+                    <p14:modId xmlns:p14="http://schemas.microsoft.com/office/powerpoint/2010/main" val="688428351"/>
                   </p:ext>
                 </p:extLst>
               </p:nvPr>
@@ -17902,7 +18087,7 @@
                           <a:pPr algn="ctr"/>
                           <a:r>
                             <a:rPr kumimoji="1" lang="en-US" altLang="ja-JP" sz="1100" dirty="0"/>
-                            <a:t>(a-0)</a:t>
+                            <a:t>(a=0)</a:t>
                           </a:r>
                           <a:endParaRPr kumimoji="1" lang="ja-JP" altLang="en-US" sz="1100"/>
                         </a:p>
@@ -18196,7 +18381,7 @@
             </a:graphic>
           </p:graphicFrame>
         </mc:Choice>
-        <mc:Fallback xmlns="">
+        <mc:Fallback>
           <p:graphicFrame>
             <p:nvGraphicFramePr>
               <p:cNvPr id="14" name="表 13">
@@ -18212,7 +18397,7 @@
               <p:nvPr>
                 <p:extLst>
                   <p:ext uri="{D42A27DB-BD31-4B8C-83A1-F6EECF244321}">
-                    <p14:modId xmlns:p14="http://schemas.microsoft.com/office/powerpoint/2010/main" val="3622504524"/>
+                    <p14:modId xmlns:p14="http://schemas.microsoft.com/office/powerpoint/2010/main" val="688428351"/>
                   </p:ext>
                 </p:extLst>
               </p:nvPr>
@@ -18428,7 +18613,7 @@
                           <a:pPr algn="ctr"/>
                           <a:r>
                             <a:rPr kumimoji="1" lang="en-US" altLang="ja-JP" sz="1100" dirty="0"/>
-                            <a:t>(a-0)</a:t>
+                            <a:t>(a=0)</a:t>
                           </a:r>
                           <a:endParaRPr kumimoji="1" lang="ja-JP" altLang="en-US" sz="1100"/>
                         </a:p>
@@ -27342,8 +27527,8 @@
           </p:txBody>
         </p:sp>
       </p:grpSp>
-      <mc:AlternateContent xmlns:mc="http://schemas.openxmlformats.org/markup-compatibility/2006">
-        <mc:Choice xmlns:a14="http://schemas.microsoft.com/office/drawing/2010/main" Requires="a14">
+      <mc:AlternateContent xmlns:mc="http://schemas.openxmlformats.org/markup-compatibility/2006" xmlns:a14="http://schemas.microsoft.com/office/drawing/2010/main">
+        <mc:Choice Requires="a14">
           <p:sp>
             <p:nvSpPr>
               <p:cNvPr id="105" name="テキスト ボックス 104">
@@ -27796,7 +27981,7 @@
             </p:txBody>
           </p:sp>
         </mc:Choice>
-        <mc:Fallback>
+        <mc:Fallback xmlns="">
           <p:sp>
             <p:nvSpPr>
               <p:cNvPr id="105" name="テキスト ボックス 104">
@@ -27871,8 +28056,6934 @@
           <a:chExt cx="0" cy="0"/>
         </a:xfrm>
       </p:grpSpPr>
+      <p:sp>
+        <p:nvSpPr>
+          <p:cNvPr id="2" name="テキスト ボックス 1">
+            <a:extLst>
+              <a:ext uri="{FF2B5EF4-FFF2-40B4-BE49-F238E27FC236}">
+                <a16:creationId xmlns:a16="http://schemas.microsoft.com/office/drawing/2014/main" id="{451B3520-730F-086A-525C-531D78638948}"/>
+              </a:ext>
+            </a:extLst>
+          </p:cNvPr>
+          <p:cNvSpPr txBox="1"/>
+          <p:nvPr/>
+        </p:nvSpPr>
+        <p:spPr>
+          <a:xfrm>
+            <a:off x="769434" y="524108"/>
+            <a:ext cx="2791149" cy="369332"/>
+          </a:xfrm>
+          <a:prstGeom prst="rect">
+            <a:avLst/>
+          </a:prstGeom>
+          <a:noFill/>
+        </p:spPr>
+        <p:txBody>
+          <a:bodyPr wrap="none" rtlCol="0">
+            <a:spAutoFit/>
+          </a:bodyPr>
+          <a:lstStyle/>
+          <a:p>
+            <a:r>
+              <a:rPr kumimoji="1" lang="en-US" altLang="ja-JP" dirty="0"/>
+              <a:t>XY</a:t>
+            </a:r>
+            <a:r>
+              <a:rPr kumimoji="1" lang="ja-JP" altLang="en-US"/>
+              <a:t>方向の境界条件の実装</a:t>
+            </a:r>
+          </a:p>
+        </p:txBody>
+      </p:sp>
+      <p:sp>
+        <p:nvSpPr>
+          <p:cNvPr id="17" name="テキスト ボックス 16">
+            <a:extLst>
+              <a:ext uri="{FF2B5EF4-FFF2-40B4-BE49-F238E27FC236}">
+                <a16:creationId xmlns:a16="http://schemas.microsoft.com/office/drawing/2014/main" id="{0278838B-AE49-AD05-DF33-B4A6E912DFDE}"/>
+              </a:ext>
+            </a:extLst>
+          </p:cNvPr>
+          <p:cNvSpPr txBox="1"/>
+          <p:nvPr/>
+        </p:nvSpPr>
+        <p:spPr>
+          <a:xfrm>
+            <a:off x="769434" y="1119651"/>
+            <a:ext cx="2031325" cy="4524315"/>
+          </a:xfrm>
+          <a:prstGeom prst="rect">
+            <a:avLst/>
+          </a:prstGeom>
+          <a:noFill/>
+        </p:spPr>
+        <p:txBody>
+          <a:bodyPr wrap="none" rtlCol="0">
+            <a:spAutoFit/>
+          </a:bodyPr>
+          <a:lstStyle/>
+          <a:p>
+            <a:r>
+              <a:rPr kumimoji="1" lang="ja-JP" altLang="en-US"/>
+              <a:t>ディリクレ条件：</a:t>
+            </a:r>
+            <a:endParaRPr kumimoji="1" lang="en-US" altLang="ja-JP" dirty="0"/>
+          </a:p>
+          <a:p>
+            <a:r>
+              <a:rPr lang="ja-JP" altLang="en-US"/>
+              <a:t>　</a:t>
+            </a:r>
+            <a:r>
+              <a:rPr lang="en-US" altLang="ja-JP" dirty="0"/>
+              <a:t>m1=0, m2=1</a:t>
+            </a:r>
+          </a:p>
+          <a:p>
+            <a:r>
+              <a:rPr kumimoji="1" lang="ja-JP" altLang="en-US"/>
+              <a:t>　</a:t>
+            </a:r>
+            <a:r>
+              <a:rPr lang="en-US" altLang="ja-JP" dirty="0"/>
+              <a:t>λ1= λ2</a:t>
+            </a:r>
+          </a:p>
+          <a:p>
+            <a:endParaRPr kumimoji="1" lang="en-US" altLang="ja-JP" dirty="0"/>
+          </a:p>
+          <a:p>
+            <a:endParaRPr lang="en-US" altLang="ja-JP" dirty="0"/>
+          </a:p>
+          <a:p>
+            <a:endParaRPr kumimoji="1" lang="en-US" altLang="ja-JP" dirty="0"/>
+          </a:p>
+          <a:p>
+            <a:r>
+              <a:rPr lang="ja-JP" altLang="en-US"/>
+              <a:t>熱伝達条件：</a:t>
+            </a:r>
+            <a:endParaRPr lang="en-US" altLang="ja-JP" dirty="0"/>
+          </a:p>
+          <a:p>
+            <a:r>
+              <a:rPr kumimoji="1" lang="ja-JP" altLang="en-US"/>
+              <a:t>　</a:t>
+            </a:r>
+            <a:r>
+              <a:rPr kumimoji="1" lang="en-US" altLang="ja-JP" dirty="0"/>
+              <a:t>m1=0, m2=1</a:t>
+            </a:r>
+          </a:p>
+          <a:p>
+            <a:r>
+              <a:rPr kumimoji="1" lang="ja-JP" altLang="en-US"/>
+              <a:t>　</a:t>
+            </a:r>
+            <a:r>
+              <a:rPr lang="en-US" altLang="ja-JP" dirty="0"/>
+              <a:t>λ1= 0</a:t>
+            </a:r>
+          </a:p>
+          <a:p>
+            <a:r>
+              <a:rPr lang="ja-JP" altLang="en-US"/>
+              <a:t>　</a:t>
+            </a:r>
+            <a:r>
+              <a:rPr lang="en-US" altLang="ja-JP" dirty="0"/>
+              <a:t>θ1= </a:t>
+            </a:r>
+            <a:r>
+              <a:rPr lang="en-US" altLang="ja-JP" dirty="0" err="1"/>
+              <a:t>θref</a:t>
+            </a:r>
+            <a:endParaRPr lang="en-US" altLang="ja-JP" dirty="0"/>
+          </a:p>
+          <a:p>
+            <a:endParaRPr lang="en-US" altLang="ja-JP" dirty="0"/>
+          </a:p>
+          <a:p>
+            <a:r>
+              <a:rPr lang="ja-JP" altLang="en-US"/>
+              <a:t>熱流束条件：</a:t>
+            </a:r>
+            <a:endParaRPr lang="en-US" altLang="ja-JP" dirty="0"/>
+          </a:p>
+          <a:p>
+            <a:r>
+              <a:rPr lang="ja-JP" altLang="en-US"/>
+              <a:t>　</a:t>
+            </a:r>
+            <a:r>
+              <a:rPr lang="en-US" altLang="ja-JP" dirty="0"/>
+              <a:t>m1=0, m2=1</a:t>
+            </a:r>
+          </a:p>
+          <a:p>
+            <a:r>
+              <a:rPr lang="ja-JP" altLang="en-US"/>
+              <a:t>　</a:t>
+            </a:r>
+            <a:r>
+              <a:rPr lang="en-US" altLang="ja-JP" dirty="0"/>
+              <a:t>λ1= 0</a:t>
+            </a:r>
+          </a:p>
+          <a:p>
+            <a:endParaRPr lang="en-US" altLang="ja-JP" dirty="0"/>
+          </a:p>
+          <a:p>
+            <a:endParaRPr kumimoji="1" lang="ja-JP" altLang="en-US"/>
+          </a:p>
+        </p:txBody>
+      </p:sp>
+      <p:grpSp>
+        <p:nvGrpSpPr>
+          <p:cNvPr id="20" name="グループ化 19">
+            <a:extLst>
+              <a:ext uri="{FF2B5EF4-FFF2-40B4-BE49-F238E27FC236}">
+                <a16:creationId xmlns:a16="http://schemas.microsoft.com/office/drawing/2014/main" id="{1DDF68DA-65DD-025D-B40D-41B1B999DAC6}"/>
+              </a:ext>
+            </a:extLst>
+          </p:cNvPr>
+          <p:cNvGrpSpPr/>
+          <p:nvPr/>
+        </p:nvGrpSpPr>
+        <p:grpSpPr>
+          <a:xfrm>
+            <a:off x="8735543" y="524108"/>
+            <a:ext cx="1469977" cy="1599163"/>
+            <a:chOff x="4442325" y="391652"/>
+            <a:chExt cx="1469977" cy="1599163"/>
+          </a:xfrm>
+        </p:grpSpPr>
+        <p:grpSp>
+          <p:nvGrpSpPr>
+            <p:cNvPr id="3" name="グループ化 2">
+              <a:extLst>
+                <a:ext uri="{FF2B5EF4-FFF2-40B4-BE49-F238E27FC236}">
+                  <a16:creationId xmlns:a16="http://schemas.microsoft.com/office/drawing/2014/main" id="{EC240D5C-2366-EE86-61C9-6B4D65489404}"/>
+                </a:ext>
+              </a:extLst>
+            </p:cNvPr>
+            <p:cNvGrpSpPr/>
+            <p:nvPr/>
+          </p:nvGrpSpPr>
+          <p:grpSpPr>
+            <a:xfrm>
+              <a:off x="4512872" y="708774"/>
+              <a:ext cx="1399430" cy="977842"/>
+              <a:chOff x="6096000" y="2388266"/>
+              <a:chExt cx="1399430" cy="977842"/>
+            </a:xfrm>
+          </p:grpSpPr>
+          <p:sp>
+            <p:nvSpPr>
+              <p:cNvPr id="4" name="正方形/長方形 3">
+                <a:extLst>
+                  <a:ext uri="{FF2B5EF4-FFF2-40B4-BE49-F238E27FC236}">
+                    <a16:creationId xmlns:a16="http://schemas.microsoft.com/office/drawing/2014/main" id="{C8B6F9F0-A887-A487-DB5E-D3F51E568968}"/>
+                  </a:ext>
+                </a:extLst>
+              </p:cNvPr>
+              <p:cNvSpPr/>
+              <p:nvPr/>
+            </p:nvSpPr>
+            <p:spPr>
+              <a:xfrm>
+                <a:off x="6096000" y="2666393"/>
+                <a:ext cx="699715" cy="699715"/>
+              </a:xfrm>
+              <a:prstGeom prst="rect">
+                <a:avLst/>
+              </a:prstGeom>
+              <a:noFill/>
+              <a:ln w="12700">
+                <a:solidFill>
+                  <a:schemeClr val="tx1"/>
+                </a:solidFill>
+              </a:ln>
+            </p:spPr>
+            <p:style>
+              <a:lnRef idx="2">
+                <a:schemeClr val="accent1">
+                  <a:shade val="15000"/>
+                </a:schemeClr>
+              </a:lnRef>
+              <a:fillRef idx="1">
+                <a:schemeClr val="accent1"/>
+              </a:fillRef>
+              <a:effectRef idx="0">
+                <a:schemeClr val="accent1"/>
+              </a:effectRef>
+              <a:fontRef idx="minor">
+                <a:schemeClr val="lt1"/>
+              </a:fontRef>
+            </p:style>
+            <p:txBody>
+              <a:bodyPr rtlCol="0" anchor="ctr"/>
+              <a:lstStyle/>
+              <a:p>
+                <a:pPr algn="ctr"/>
+                <a:endParaRPr kumimoji="1" lang="ja-JP" altLang="en-US"/>
+              </a:p>
+            </p:txBody>
+          </p:sp>
+          <p:sp>
+            <p:nvSpPr>
+              <p:cNvPr id="5" name="正方形/長方形 4">
+                <a:extLst>
+                  <a:ext uri="{FF2B5EF4-FFF2-40B4-BE49-F238E27FC236}">
+                    <a16:creationId xmlns:a16="http://schemas.microsoft.com/office/drawing/2014/main" id="{DF19ABA3-5264-0295-766A-A671A9C4DC78}"/>
+                  </a:ext>
+                </a:extLst>
+              </p:cNvPr>
+              <p:cNvSpPr/>
+              <p:nvPr/>
+            </p:nvSpPr>
+            <p:spPr>
+              <a:xfrm>
+                <a:off x="6795715" y="2666392"/>
+                <a:ext cx="699715" cy="699715"/>
+              </a:xfrm>
+              <a:prstGeom prst="rect">
+                <a:avLst/>
+              </a:prstGeom>
+              <a:noFill/>
+              <a:ln w="12700">
+                <a:solidFill>
+                  <a:schemeClr val="tx1"/>
+                </a:solidFill>
+              </a:ln>
+            </p:spPr>
+            <p:style>
+              <a:lnRef idx="2">
+                <a:schemeClr val="accent1">
+                  <a:shade val="15000"/>
+                </a:schemeClr>
+              </a:lnRef>
+              <a:fillRef idx="1">
+                <a:schemeClr val="accent1"/>
+              </a:fillRef>
+              <a:effectRef idx="0">
+                <a:schemeClr val="accent1"/>
+              </a:effectRef>
+              <a:fontRef idx="minor">
+                <a:schemeClr val="lt1"/>
+              </a:fontRef>
+            </p:style>
+            <p:txBody>
+              <a:bodyPr rtlCol="0" anchor="ctr"/>
+              <a:lstStyle/>
+              <a:p>
+                <a:pPr algn="ctr"/>
+                <a:endParaRPr kumimoji="1" lang="ja-JP" altLang="en-US"/>
+              </a:p>
+            </p:txBody>
+          </p:sp>
+          <p:sp>
+            <p:nvSpPr>
+              <p:cNvPr id="6" name="円/楕円 5">
+                <a:extLst>
+                  <a:ext uri="{FF2B5EF4-FFF2-40B4-BE49-F238E27FC236}">
+                    <a16:creationId xmlns:a16="http://schemas.microsoft.com/office/drawing/2014/main" id="{58F99759-0369-2258-8C4B-87B41624DFB3}"/>
+                  </a:ext>
+                </a:extLst>
+              </p:cNvPr>
+              <p:cNvSpPr/>
+              <p:nvPr/>
+            </p:nvSpPr>
+            <p:spPr>
+              <a:xfrm>
+                <a:off x="6420805" y="2996095"/>
+                <a:ext cx="50104" cy="50104"/>
+              </a:xfrm>
+              <a:prstGeom prst="ellipse">
+                <a:avLst/>
+              </a:prstGeom>
+              <a:solidFill>
+                <a:schemeClr val="bg1"/>
+              </a:solidFill>
+              <a:ln w="12700">
+                <a:solidFill>
+                  <a:srgbClr val="00B0F0"/>
+                </a:solidFill>
+              </a:ln>
+            </p:spPr>
+            <p:style>
+              <a:lnRef idx="2">
+                <a:schemeClr val="accent1">
+                  <a:shade val="15000"/>
+                </a:schemeClr>
+              </a:lnRef>
+              <a:fillRef idx="1">
+                <a:schemeClr val="accent1"/>
+              </a:fillRef>
+              <a:effectRef idx="0">
+                <a:schemeClr val="accent1"/>
+              </a:effectRef>
+              <a:fontRef idx="minor">
+                <a:schemeClr val="lt1"/>
+              </a:fontRef>
+            </p:style>
+            <p:txBody>
+              <a:bodyPr rtlCol="0" anchor="ctr"/>
+              <a:lstStyle/>
+              <a:p>
+                <a:pPr algn="ctr"/>
+                <a:endParaRPr kumimoji="1" lang="ja-JP" altLang="en-US"/>
+              </a:p>
+            </p:txBody>
+          </p:sp>
+          <p:sp>
+            <p:nvSpPr>
+              <p:cNvPr id="7" name="円/楕円 6">
+                <a:extLst>
+                  <a:ext uri="{FF2B5EF4-FFF2-40B4-BE49-F238E27FC236}">
+                    <a16:creationId xmlns:a16="http://schemas.microsoft.com/office/drawing/2014/main" id="{8C5DADE0-21F4-A1D4-DCC0-1914BC543ACE}"/>
+                  </a:ext>
+                </a:extLst>
+              </p:cNvPr>
+              <p:cNvSpPr/>
+              <p:nvPr/>
+            </p:nvSpPr>
+            <p:spPr>
+              <a:xfrm>
+                <a:off x="7120520" y="2988278"/>
+                <a:ext cx="50104" cy="50104"/>
+              </a:xfrm>
+              <a:prstGeom prst="ellipse">
+                <a:avLst/>
+              </a:prstGeom>
+              <a:solidFill>
+                <a:schemeClr val="bg1"/>
+              </a:solidFill>
+              <a:ln w="12700">
+                <a:solidFill>
+                  <a:srgbClr val="00B0F0"/>
+                </a:solidFill>
+              </a:ln>
+            </p:spPr>
+            <p:style>
+              <a:lnRef idx="2">
+                <a:schemeClr val="accent1">
+                  <a:shade val="15000"/>
+                </a:schemeClr>
+              </a:lnRef>
+              <a:fillRef idx="1">
+                <a:schemeClr val="accent1"/>
+              </a:fillRef>
+              <a:effectRef idx="0">
+                <a:schemeClr val="accent1"/>
+              </a:effectRef>
+              <a:fontRef idx="minor">
+                <a:schemeClr val="lt1"/>
+              </a:fontRef>
+            </p:style>
+            <p:txBody>
+              <a:bodyPr rtlCol="0" anchor="ctr"/>
+              <a:lstStyle/>
+              <a:p>
+                <a:pPr algn="ctr"/>
+                <a:endParaRPr kumimoji="1" lang="ja-JP" altLang="en-US"/>
+              </a:p>
+            </p:txBody>
+          </p:sp>
+          <p:sp>
+            <p:nvSpPr>
+              <p:cNvPr id="8" name="テキスト ボックス 7">
+                <a:extLst>
+                  <a:ext uri="{FF2B5EF4-FFF2-40B4-BE49-F238E27FC236}">
+                    <a16:creationId xmlns:a16="http://schemas.microsoft.com/office/drawing/2014/main" id="{07C343F1-3140-8407-E2B8-C1069927F251}"/>
+                  </a:ext>
+                </a:extLst>
+              </p:cNvPr>
+              <p:cNvSpPr txBox="1"/>
+              <p:nvPr/>
+            </p:nvSpPr>
+            <p:spPr>
+              <a:xfrm>
+                <a:off x="6178060" y="3046199"/>
+                <a:ext cx="404278" cy="261610"/>
+              </a:xfrm>
+              <a:prstGeom prst="rect">
+                <a:avLst/>
+              </a:prstGeom>
+              <a:noFill/>
+            </p:spPr>
+            <p:txBody>
+              <a:bodyPr wrap="none" rtlCol="0">
+                <a:spAutoFit/>
+              </a:bodyPr>
+              <a:lstStyle/>
+              <a:p>
+                <a:r>
+                  <a:rPr kumimoji="1" lang="en-US" altLang="ja-JP" sz="1100" dirty="0"/>
+                  <a:t>λ1</a:t>
+                </a:r>
+                <a:endParaRPr kumimoji="1" lang="ja-JP" altLang="en-US" sz="1100" baseline="-25000"/>
+              </a:p>
+            </p:txBody>
+          </p:sp>
+          <p:sp>
+            <p:nvSpPr>
+              <p:cNvPr id="9" name="テキスト ボックス 8">
+                <a:extLst>
+                  <a:ext uri="{FF2B5EF4-FFF2-40B4-BE49-F238E27FC236}">
+                    <a16:creationId xmlns:a16="http://schemas.microsoft.com/office/drawing/2014/main" id="{33E5BE8A-0D50-5CC3-E6ED-704E157DB744}"/>
+                  </a:ext>
+                </a:extLst>
+              </p:cNvPr>
+              <p:cNvSpPr txBox="1"/>
+              <p:nvPr/>
+            </p:nvSpPr>
+            <p:spPr>
+              <a:xfrm>
+                <a:off x="7066289" y="3046199"/>
+                <a:ext cx="404278" cy="261610"/>
+              </a:xfrm>
+              <a:prstGeom prst="rect">
+                <a:avLst/>
+              </a:prstGeom>
+              <a:noFill/>
+            </p:spPr>
+            <p:txBody>
+              <a:bodyPr wrap="none" rtlCol="0">
+                <a:spAutoFit/>
+              </a:bodyPr>
+              <a:lstStyle/>
+              <a:p>
+                <a:r>
+                  <a:rPr kumimoji="1" lang="en-US" altLang="ja-JP" sz="1100" dirty="0"/>
+                  <a:t>λ2</a:t>
+                </a:r>
+                <a:endParaRPr kumimoji="1" lang="ja-JP" altLang="en-US" sz="1100" baseline="-25000"/>
+              </a:p>
+            </p:txBody>
+          </p:sp>
+          <p:sp>
+            <p:nvSpPr>
+              <p:cNvPr id="10" name="テキスト ボックス 9">
+                <a:extLst>
+                  <a:ext uri="{FF2B5EF4-FFF2-40B4-BE49-F238E27FC236}">
+                    <a16:creationId xmlns:a16="http://schemas.microsoft.com/office/drawing/2014/main" id="{7D2BAC64-CEEC-443E-F182-B38AE9C6BBC7}"/>
+                  </a:ext>
+                </a:extLst>
+              </p:cNvPr>
+              <p:cNvSpPr txBox="1"/>
+              <p:nvPr/>
+            </p:nvSpPr>
+            <p:spPr>
+              <a:xfrm>
+                <a:off x="6253080" y="2643310"/>
+                <a:ext cx="380232" cy="261610"/>
+              </a:xfrm>
+              <a:prstGeom prst="rect">
+                <a:avLst/>
+              </a:prstGeom>
+              <a:noFill/>
+            </p:spPr>
+            <p:txBody>
+              <a:bodyPr wrap="none" rtlCol="0">
+                <a:spAutoFit/>
+              </a:bodyPr>
+              <a:lstStyle/>
+              <a:p>
+                <a:r>
+                  <a:rPr kumimoji="1" lang="en-US" altLang="ja-JP" sz="1100" i="1" dirty="0">
+                    <a:latin typeface="Aptos" panose="020B0004020202020204" pitchFamily="34" charset="0"/>
+                  </a:rPr>
+                  <a:t>m1</a:t>
+                </a:r>
+                <a:endParaRPr kumimoji="1" lang="ja-JP" altLang="en-US" sz="1100" i="1">
+                  <a:latin typeface="Aptos" panose="020B0004020202020204" pitchFamily="34" charset="0"/>
+                </a:endParaRPr>
+              </a:p>
+            </p:txBody>
+          </p:sp>
+          <p:sp>
+            <p:nvSpPr>
+              <p:cNvPr id="11" name="テキスト ボックス 10">
+                <a:extLst>
+                  <a:ext uri="{FF2B5EF4-FFF2-40B4-BE49-F238E27FC236}">
+                    <a16:creationId xmlns:a16="http://schemas.microsoft.com/office/drawing/2014/main" id="{066F4999-DC30-E32A-F8D0-E1742C565C58}"/>
+                  </a:ext>
+                </a:extLst>
+              </p:cNvPr>
+              <p:cNvSpPr txBox="1"/>
+              <p:nvPr/>
+            </p:nvSpPr>
+            <p:spPr>
+              <a:xfrm>
+                <a:off x="6978905" y="2649876"/>
+                <a:ext cx="380232" cy="261610"/>
+              </a:xfrm>
+              <a:prstGeom prst="rect">
+                <a:avLst/>
+              </a:prstGeom>
+              <a:noFill/>
+            </p:spPr>
+            <p:txBody>
+              <a:bodyPr wrap="none" rtlCol="0">
+                <a:spAutoFit/>
+              </a:bodyPr>
+              <a:lstStyle/>
+              <a:p>
+                <a:r>
+                  <a:rPr kumimoji="1" lang="en-US" altLang="ja-JP" sz="1100" i="1" dirty="0">
+                    <a:latin typeface="Aptos" panose="020B0004020202020204" pitchFamily="34" charset="0"/>
+                  </a:rPr>
+                  <a:t>m2</a:t>
+                </a:r>
+                <a:endParaRPr kumimoji="1" lang="ja-JP" altLang="en-US" sz="1100" i="1">
+                  <a:latin typeface="Aptos" panose="020B0004020202020204" pitchFamily="34" charset="0"/>
+                </a:endParaRPr>
+              </a:p>
+            </p:txBody>
+          </p:sp>
+          <p:sp>
+            <p:nvSpPr>
+              <p:cNvPr id="12" name="テキスト ボックス 11">
+                <a:extLst>
+                  <a:ext uri="{FF2B5EF4-FFF2-40B4-BE49-F238E27FC236}">
+                    <a16:creationId xmlns:a16="http://schemas.microsoft.com/office/drawing/2014/main" id="{5987C0AE-7A47-C82C-DF13-760D9EDE1DD2}"/>
+                  </a:ext>
+                </a:extLst>
+              </p:cNvPr>
+              <p:cNvSpPr txBox="1"/>
+              <p:nvPr/>
+            </p:nvSpPr>
+            <p:spPr>
+              <a:xfrm>
+                <a:off x="6611497" y="2388266"/>
+                <a:ext cx="357790" cy="261610"/>
+              </a:xfrm>
+              <a:prstGeom prst="rect">
+                <a:avLst/>
+              </a:prstGeom>
+              <a:noFill/>
+            </p:spPr>
+            <p:txBody>
+              <a:bodyPr wrap="none" rtlCol="0">
+                <a:spAutoFit/>
+              </a:bodyPr>
+              <a:lstStyle/>
+              <a:p>
+                <a:r>
+                  <a:rPr kumimoji="1" lang="en-US" altLang="ja-JP" sz="1100" dirty="0" err="1"/>
+                  <a:t>λ</a:t>
+                </a:r>
+                <a:r>
+                  <a:rPr kumimoji="1" lang="en-US" altLang="ja-JP" sz="1100" baseline="-25000" dirty="0" err="1"/>
+                  <a:t>f</a:t>
+                </a:r>
+                <a:endParaRPr kumimoji="1" lang="ja-JP" altLang="en-US" sz="1100" baseline="-25000"/>
+              </a:p>
+            </p:txBody>
+          </p:sp>
+        </p:grpSp>
+        <p:sp>
+          <p:nvSpPr>
+            <p:cNvPr id="13" name="テキスト ボックス 12">
+              <a:extLst>
+                <a:ext uri="{FF2B5EF4-FFF2-40B4-BE49-F238E27FC236}">
+                  <a16:creationId xmlns:a16="http://schemas.microsoft.com/office/drawing/2014/main" id="{3D84FFDF-A686-3C10-CFF9-496A2F1ADC34}"/>
+                </a:ext>
+              </a:extLst>
+            </p:cNvPr>
+            <p:cNvSpPr txBox="1"/>
+            <p:nvPr/>
+          </p:nvSpPr>
+          <p:spPr>
+            <a:xfrm>
+              <a:off x="4700441" y="1671227"/>
+              <a:ext cx="295274" cy="307777"/>
+            </a:xfrm>
+            <a:prstGeom prst="rect">
+              <a:avLst/>
+            </a:prstGeom>
+            <a:noFill/>
+          </p:spPr>
+          <p:txBody>
+            <a:bodyPr wrap="none" rtlCol="0">
+              <a:spAutoFit/>
+            </a:bodyPr>
+            <a:lstStyle/>
+            <a:p>
+              <a:r>
+                <a:rPr lang="en-US" altLang="ja-JP" sz="1400" dirty="0">
+                  <a:latin typeface="0xProto" panose="02000009000000000000" pitchFamily="49" charset="0"/>
+                  <a:cs typeface="0xProto" panose="02000009000000000000" pitchFamily="49" charset="0"/>
+                </a:rPr>
+                <a:t>1</a:t>
+              </a:r>
+              <a:endParaRPr kumimoji="1" lang="ja-JP" altLang="en-US" sz="1400">
+                <a:latin typeface="0xProto" panose="02000009000000000000" pitchFamily="49" charset="0"/>
+                <a:cs typeface="0xProto" panose="02000009000000000000" pitchFamily="49" charset="0"/>
+              </a:endParaRPr>
+            </a:p>
+          </p:txBody>
+        </p:sp>
+        <p:sp>
+          <p:nvSpPr>
+            <p:cNvPr id="14" name="テキスト ボックス 13">
+              <a:extLst>
+                <a:ext uri="{FF2B5EF4-FFF2-40B4-BE49-F238E27FC236}">
+                  <a16:creationId xmlns:a16="http://schemas.microsoft.com/office/drawing/2014/main" id="{689501E5-4FBE-47A1-AFC7-C4FD0B16F2FB}"/>
+                </a:ext>
+              </a:extLst>
+            </p:cNvPr>
+            <p:cNvSpPr txBox="1"/>
+            <p:nvPr/>
+          </p:nvSpPr>
+          <p:spPr>
+            <a:xfrm>
+              <a:off x="5355008" y="1683038"/>
+              <a:ext cx="295274" cy="307777"/>
+            </a:xfrm>
+            <a:prstGeom prst="rect">
+              <a:avLst/>
+            </a:prstGeom>
+            <a:noFill/>
+          </p:spPr>
+          <p:txBody>
+            <a:bodyPr wrap="none" rtlCol="0">
+              <a:spAutoFit/>
+            </a:bodyPr>
+            <a:lstStyle/>
+            <a:p>
+              <a:r>
+                <a:rPr lang="en-US" altLang="ja-JP" sz="1400" dirty="0">
+                  <a:latin typeface="0xProto" panose="02000009000000000000" pitchFamily="49" charset="0"/>
+                  <a:cs typeface="0xProto" panose="02000009000000000000" pitchFamily="49" charset="0"/>
+                </a:rPr>
+                <a:t>2</a:t>
+              </a:r>
+              <a:endParaRPr kumimoji="1" lang="ja-JP" altLang="en-US" sz="1400">
+                <a:latin typeface="0xProto" panose="02000009000000000000" pitchFamily="49" charset="0"/>
+                <a:cs typeface="0xProto" panose="02000009000000000000" pitchFamily="49" charset="0"/>
+              </a:endParaRPr>
+            </a:p>
+          </p:txBody>
+        </p:sp>
+        <p:sp>
+          <p:nvSpPr>
+            <p:cNvPr id="15" name="左右矢印 14">
+              <a:extLst>
+                <a:ext uri="{FF2B5EF4-FFF2-40B4-BE49-F238E27FC236}">
+                  <a16:creationId xmlns:a16="http://schemas.microsoft.com/office/drawing/2014/main" id="{B21986AB-5AC3-11EB-07BA-F3C41849F5D8}"/>
+                </a:ext>
+              </a:extLst>
+            </p:cNvPr>
+            <p:cNvSpPr/>
+            <p:nvPr/>
+          </p:nvSpPr>
+          <p:spPr>
+            <a:xfrm>
+              <a:off x="5072624" y="1264194"/>
+              <a:ext cx="269280" cy="139287"/>
+            </a:xfrm>
+            <a:prstGeom prst="leftRightArrow">
+              <a:avLst/>
+            </a:prstGeom>
+            <a:noFill/>
+            <a:ln w="12700">
+              <a:solidFill>
+                <a:srgbClr val="0070C0"/>
+              </a:solidFill>
+            </a:ln>
+          </p:spPr>
+          <p:style>
+            <a:lnRef idx="2">
+              <a:schemeClr val="accent1">
+                <a:shade val="15000"/>
+              </a:schemeClr>
+            </a:lnRef>
+            <a:fillRef idx="1">
+              <a:schemeClr val="accent1"/>
+            </a:fillRef>
+            <a:effectRef idx="0">
+              <a:schemeClr val="accent1"/>
+            </a:effectRef>
+            <a:fontRef idx="minor">
+              <a:schemeClr val="lt1"/>
+            </a:fontRef>
+          </p:style>
+          <p:txBody>
+            <a:bodyPr rtlCol="0" anchor="ctr"/>
+            <a:lstStyle/>
+            <a:p>
+              <a:pPr algn="ctr"/>
+              <a:endParaRPr kumimoji="1" lang="ja-JP" altLang="en-US"/>
+            </a:p>
+          </p:txBody>
+        </p:sp>
+        <p:sp>
+          <p:nvSpPr>
+            <p:cNvPr id="16" name="テキスト ボックス 15">
+              <a:extLst>
+                <a:ext uri="{FF2B5EF4-FFF2-40B4-BE49-F238E27FC236}">
+                  <a16:creationId xmlns:a16="http://schemas.microsoft.com/office/drawing/2014/main" id="{9139547C-005D-C532-E71F-059599905CCC}"/>
+                </a:ext>
+              </a:extLst>
+            </p:cNvPr>
+            <p:cNvSpPr txBox="1"/>
+            <p:nvPr/>
+          </p:nvSpPr>
+          <p:spPr>
+            <a:xfrm>
+              <a:off x="5151018" y="1289763"/>
+              <a:ext cx="287258" cy="338554"/>
+            </a:xfrm>
+            <a:prstGeom prst="rect">
+              <a:avLst/>
+            </a:prstGeom>
+            <a:noFill/>
+          </p:spPr>
+          <p:txBody>
+            <a:bodyPr wrap="none" rtlCol="0">
+              <a:spAutoFit/>
+            </a:bodyPr>
+            <a:lstStyle/>
+            <a:p>
+              <a:r>
+                <a:rPr kumimoji="1" lang="en-US" altLang="ja-JP" sz="1600" i="1" dirty="0">
+                  <a:latin typeface="Times New Roman" panose="02020603050405020304" pitchFamily="18" charset="0"/>
+                  <a:cs typeface="Times New Roman" panose="02020603050405020304" pitchFamily="18" charset="0"/>
+                </a:rPr>
+                <a:t>q</a:t>
+              </a:r>
+              <a:endParaRPr kumimoji="1" lang="ja-JP" altLang="en-US" sz="1600" i="1">
+                <a:latin typeface="Times New Roman" panose="02020603050405020304" pitchFamily="18" charset="0"/>
+                <a:cs typeface="Times New Roman" panose="02020603050405020304" pitchFamily="18" charset="0"/>
+              </a:endParaRPr>
+            </a:p>
+          </p:txBody>
+        </p:sp>
+        <p:sp>
+          <p:nvSpPr>
+            <p:cNvPr id="18" name="テキスト ボックス 17">
+              <a:extLst>
+                <a:ext uri="{FF2B5EF4-FFF2-40B4-BE49-F238E27FC236}">
+                  <a16:creationId xmlns:a16="http://schemas.microsoft.com/office/drawing/2014/main" id="{EF4061B8-A6C7-9D57-23A2-8576E92E5CBF}"/>
+                </a:ext>
+              </a:extLst>
+            </p:cNvPr>
+            <p:cNvSpPr txBox="1"/>
+            <p:nvPr/>
+          </p:nvSpPr>
+          <p:spPr>
+            <a:xfrm>
+              <a:off x="4442325" y="391652"/>
+              <a:ext cx="607859" cy="430887"/>
+            </a:xfrm>
+            <a:prstGeom prst="rect">
+              <a:avLst/>
+            </a:prstGeom>
+            <a:noFill/>
+          </p:spPr>
+          <p:txBody>
+            <a:bodyPr wrap="none" rtlCol="0">
+              <a:spAutoFit/>
+            </a:bodyPr>
+            <a:lstStyle/>
+            <a:p>
+              <a:pPr algn="ctr"/>
+              <a:r>
+                <a:rPr kumimoji="1" lang="ja-JP" altLang="en-US" sz="1100"/>
+                <a:t>ガイド</a:t>
+              </a:r>
+              <a:endParaRPr kumimoji="1" lang="en-US" altLang="ja-JP" sz="1100" dirty="0"/>
+            </a:p>
+            <a:p>
+              <a:pPr algn="ctr"/>
+              <a:r>
+                <a:rPr kumimoji="1" lang="ja-JP" altLang="en-US" sz="1100"/>
+                <a:t>セル</a:t>
+              </a:r>
+            </a:p>
+          </p:txBody>
+        </p:sp>
+        <p:sp>
+          <p:nvSpPr>
+            <p:cNvPr id="19" name="テキスト ボックス 18">
+              <a:extLst>
+                <a:ext uri="{FF2B5EF4-FFF2-40B4-BE49-F238E27FC236}">
+                  <a16:creationId xmlns:a16="http://schemas.microsoft.com/office/drawing/2014/main" id="{23AF7677-4A7D-873E-0146-DC469B039EEA}"/>
+                </a:ext>
+              </a:extLst>
+            </p:cNvPr>
+            <p:cNvSpPr txBox="1"/>
+            <p:nvPr/>
+          </p:nvSpPr>
+          <p:spPr>
+            <a:xfrm>
+              <a:off x="5386159" y="404784"/>
+              <a:ext cx="466794" cy="430887"/>
+            </a:xfrm>
+            <a:prstGeom prst="rect">
+              <a:avLst/>
+            </a:prstGeom>
+            <a:noFill/>
+          </p:spPr>
+          <p:txBody>
+            <a:bodyPr wrap="none" rtlCol="0">
+              <a:spAutoFit/>
+            </a:bodyPr>
+            <a:lstStyle/>
+            <a:p>
+              <a:pPr algn="ctr"/>
+              <a:r>
+                <a:rPr kumimoji="1" lang="ja-JP" altLang="en-US" sz="1100"/>
+                <a:t>内部</a:t>
+              </a:r>
+              <a:endParaRPr kumimoji="1" lang="en-US" altLang="ja-JP" sz="1100" dirty="0"/>
+            </a:p>
+            <a:p>
+              <a:pPr algn="ctr"/>
+              <a:r>
+                <a:rPr kumimoji="1" lang="ja-JP" altLang="en-US" sz="1100"/>
+                <a:t>セル</a:t>
+              </a:r>
+            </a:p>
+          </p:txBody>
+        </p:sp>
+      </p:grpSp>
+      <p:sp>
+        <p:nvSpPr>
+          <p:cNvPr id="21" name="テキスト ボックス 20">
+            <a:extLst>
+              <a:ext uri="{FF2B5EF4-FFF2-40B4-BE49-F238E27FC236}">
+                <a16:creationId xmlns:a16="http://schemas.microsoft.com/office/drawing/2014/main" id="{0052DC24-8887-71AB-8D6C-C452E6596F4F}"/>
+              </a:ext>
+            </a:extLst>
+          </p:cNvPr>
+          <p:cNvSpPr txBox="1"/>
+          <p:nvPr/>
+        </p:nvSpPr>
+        <p:spPr>
+          <a:xfrm>
+            <a:off x="6227485" y="225431"/>
+            <a:ext cx="5471370" cy="276999"/>
+          </a:xfrm>
+          <a:prstGeom prst="rect">
+            <a:avLst/>
+          </a:prstGeom>
+          <a:noFill/>
+        </p:spPr>
+        <p:txBody>
+          <a:bodyPr wrap="none" rtlCol="0">
+            <a:spAutoFit/>
+          </a:bodyPr>
+          <a:lstStyle/>
+          <a:p>
+            <a:r>
+              <a:rPr lang="el-GR" altLang="ja-JP" sz="1200" dirty="0">
+                <a:latin typeface="0xProto" panose="02000009000000000000" pitchFamily="49" charset="0"/>
+                <a:cs typeface="0xProto" panose="02000009000000000000" pitchFamily="49" charset="0"/>
+              </a:rPr>
+              <a:t>λ</a:t>
+            </a:r>
+            <a:r>
+              <a:rPr lang="en" altLang="ja-JP" sz="1200" dirty="0">
+                <a:latin typeface="0xProto" panose="02000009000000000000" pitchFamily="49" charset="0"/>
+                <a:cs typeface="0xProto" panose="02000009000000000000" pitchFamily="49" charset="0"/>
+              </a:rPr>
+              <a:t>f(a, b, ma, mb) = 2.0*a*b / (</a:t>
+            </a:r>
+            <a:r>
+              <a:rPr lang="en" altLang="ja-JP" sz="1200" dirty="0" err="1">
+                <a:latin typeface="0xProto" panose="02000009000000000000" pitchFamily="49" charset="0"/>
+                <a:cs typeface="0xProto" panose="02000009000000000000" pitchFamily="49" charset="0"/>
+              </a:rPr>
+              <a:t>a+b</a:t>
+            </a:r>
+            <a:r>
+              <a:rPr lang="en" altLang="ja-JP" sz="1200" dirty="0">
+                <a:latin typeface="0xProto" panose="02000009000000000000" pitchFamily="49" charset="0"/>
+                <a:cs typeface="0xProto" panose="02000009000000000000" pitchFamily="49" charset="0"/>
+              </a:rPr>
+              <a:t>) * (2.0-div(ma+mb,2))</a:t>
+            </a:r>
+          </a:p>
+        </p:txBody>
+      </p:sp>
+      <p:sp>
+        <p:nvSpPr>
+          <p:cNvPr id="24" name="右矢印 23">
+            <a:extLst>
+              <a:ext uri="{FF2B5EF4-FFF2-40B4-BE49-F238E27FC236}">
+                <a16:creationId xmlns:a16="http://schemas.microsoft.com/office/drawing/2014/main" id="{1A015ACB-C9B8-01AF-491E-6DF7AFB4344B}"/>
+              </a:ext>
+            </a:extLst>
+          </p:cNvPr>
+          <p:cNvSpPr/>
+          <p:nvPr/>
+        </p:nvSpPr>
+        <p:spPr>
+          <a:xfrm>
+            <a:off x="2653990" y="1665183"/>
+            <a:ext cx="267630" cy="276999"/>
+          </a:xfrm>
+          <a:prstGeom prst="rightArrow">
+            <a:avLst/>
+          </a:prstGeom>
+          <a:noFill/>
+          <a:ln>
+            <a:solidFill>
+              <a:srgbClr val="002060"/>
+            </a:solidFill>
+          </a:ln>
+        </p:spPr>
+        <p:style>
+          <a:lnRef idx="2">
+            <a:schemeClr val="accent1">
+              <a:shade val="15000"/>
+            </a:schemeClr>
+          </a:lnRef>
+          <a:fillRef idx="1">
+            <a:schemeClr val="accent1"/>
+          </a:fillRef>
+          <a:effectRef idx="0">
+            <a:schemeClr val="accent1"/>
+          </a:effectRef>
+          <a:fontRef idx="minor">
+            <a:schemeClr val="lt1"/>
+          </a:fontRef>
+        </p:style>
+        <p:txBody>
+          <a:bodyPr rtlCol="0" anchor="ctr"/>
+          <a:lstStyle/>
+          <a:p>
+            <a:pPr algn="ctr"/>
+            <a:endParaRPr kumimoji="1" lang="ja-JP" altLang="en-US"/>
+          </a:p>
+        </p:txBody>
+      </p:sp>
       <mc:AlternateContent xmlns:mc="http://schemas.openxmlformats.org/markup-compatibility/2006">
         <mc:Choice xmlns:a14="http://schemas.microsoft.com/office/drawing/2010/main" Requires="a14">
+          <p:sp>
+            <p:nvSpPr>
+              <p:cNvPr id="25" name="テキスト ボックス 24">
+                <a:extLst>
+                  <a:ext uri="{FF2B5EF4-FFF2-40B4-BE49-F238E27FC236}">
+                    <a16:creationId xmlns:a16="http://schemas.microsoft.com/office/drawing/2014/main" id="{720E3C03-E93E-4A28-6E83-0BC024843704}"/>
+                  </a:ext>
+                </a:extLst>
+              </p:cNvPr>
+              <p:cNvSpPr txBox="1"/>
+              <p:nvPr/>
+            </p:nvSpPr>
+            <p:spPr>
+              <a:xfrm>
+                <a:off x="3198342" y="1580741"/>
+                <a:ext cx="3037113" cy="561885"/>
+              </a:xfrm>
+              <a:prstGeom prst="rect">
+                <a:avLst/>
+              </a:prstGeom>
+              <a:noFill/>
+            </p:spPr>
+            <p:txBody>
+              <a:bodyPr wrap="none" rtlCol="0">
+                <a:spAutoFit/>
+              </a:bodyPr>
+              <a:lstStyle/>
+              <a:p>
+                <a14:m>
+                  <m:oMath xmlns:m="http://schemas.openxmlformats.org/officeDocument/2006/math">
+                    <m:sSub>
+                      <m:sSubPr>
+                        <m:ctrlPr>
+                          <a:rPr kumimoji="1" lang="en-US" altLang="ja-JP" b="0" i="1" smtClean="0">
+                            <a:latin typeface="Cambria Math" panose="02040503050406030204" pitchFamily="18" charset="0"/>
+                          </a:rPr>
+                        </m:ctrlPr>
+                      </m:sSubPr>
+                      <m:e>
+                        <m:r>
+                          <a:rPr kumimoji="1" lang="en-US" altLang="ja-JP" b="0" i="1" smtClean="0">
+                            <a:latin typeface="Cambria Math" panose="02040503050406030204" pitchFamily="18" charset="0"/>
+                          </a:rPr>
+                          <m:t>𝑞</m:t>
+                        </m:r>
+                      </m:e>
+                      <m:sub>
+                        <m:r>
+                          <a:rPr kumimoji="1" lang="en-US" altLang="ja-JP" b="0" i="1" smtClean="0">
+                            <a:latin typeface="Cambria Math" panose="02040503050406030204" pitchFamily="18" charset="0"/>
+                          </a:rPr>
+                          <m:t>3/2</m:t>
+                        </m:r>
+                      </m:sub>
+                    </m:sSub>
+                    <m:r>
+                      <a:rPr kumimoji="1" lang="en-US" altLang="ja-JP" b="0" i="1" smtClean="0">
+                        <a:latin typeface="Cambria Math" panose="02040503050406030204" pitchFamily="18" charset="0"/>
+                      </a:rPr>
+                      <m:t>=−</m:t>
+                    </m:r>
+                    <m:sSub>
+                      <m:sSubPr>
+                        <m:ctrlPr>
+                          <a:rPr kumimoji="1" lang="en-US" altLang="ja-JP" b="0" i="1" smtClean="0">
+                            <a:latin typeface="Cambria Math" panose="02040503050406030204" pitchFamily="18" charset="0"/>
+                          </a:rPr>
+                        </m:ctrlPr>
+                      </m:sSubPr>
+                      <m:e>
+                        <m:r>
+                          <a:rPr kumimoji="1" lang="en-US" altLang="ja-JP" b="0" i="1" smtClean="0">
+                            <a:latin typeface="Cambria Math" panose="02040503050406030204" pitchFamily="18" charset="0"/>
+                            <a:ea typeface="Cambria Math" panose="02040503050406030204" pitchFamily="18" charset="0"/>
+                          </a:rPr>
+                          <m:t>𝜆</m:t>
+                        </m:r>
+                      </m:e>
+                      <m:sub>
+                        <m:f>
+                          <m:fPr>
+                            <m:ctrlPr>
+                              <a:rPr kumimoji="1" lang="en-US" altLang="ja-JP" b="0" i="1" smtClean="0">
+                                <a:latin typeface="Cambria Math" panose="02040503050406030204" pitchFamily="18" charset="0"/>
+                              </a:rPr>
+                            </m:ctrlPr>
+                          </m:fPr>
+                          <m:num>
+                            <m:r>
+                              <a:rPr kumimoji="1" lang="en-US" altLang="ja-JP" b="0" i="1" smtClean="0">
+                                <a:latin typeface="Cambria Math" panose="02040503050406030204" pitchFamily="18" charset="0"/>
+                              </a:rPr>
+                              <m:t>3</m:t>
+                            </m:r>
+                          </m:num>
+                          <m:den>
+                            <m:r>
+                              <a:rPr kumimoji="1" lang="en-US" altLang="ja-JP" b="0" i="1" smtClean="0">
+                                <a:latin typeface="Cambria Math" panose="02040503050406030204" pitchFamily="18" charset="0"/>
+                              </a:rPr>
+                              <m:t>2</m:t>
+                            </m:r>
+                          </m:den>
+                        </m:f>
+                      </m:sub>
+                    </m:sSub>
+                    <m:f>
+                      <m:fPr>
+                        <m:ctrlPr>
+                          <a:rPr kumimoji="1" lang="en-US" altLang="ja-JP" b="0" i="1" smtClean="0">
+                            <a:latin typeface="Cambria Math" panose="02040503050406030204" pitchFamily="18" charset="0"/>
+                          </a:rPr>
+                        </m:ctrlPr>
+                      </m:fPr>
+                      <m:num>
+                        <m:sSub>
+                          <m:sSubPr>
+                            <m:ctrlPr>
+                              <a:rPr kumimoji="1" lang="en-US" altLang="ja-JP" b="0" i="1" smtClean="0">
+                                <a:latin typeface="Cambria Math" panose="02040503050406030204" pitchFamily="18" charset="0"/>
+                              </a:rPr>
+                            </m:ctrlPr>
+                          </m:sSubPr>
+                          <m:e>
+                            <m:r>
+                              <a:rPr kumimoji="1" lang="en-US" altLang="ja-JP" b="0" i="1" smtClean="0">
+                                <a:latin typeface="Cambria Math" panose="02040503050406030204" pitchFamily="18" charset="0"/>
+                                <a:ea typeface="Cambria Math" panose="02040503050406030204" pitchFamily="18" charset="0"/>
+                              </a:rPr>
+                              <m:t>𝜃</m:t>
+                            </m:r>
+                          </m:e>
+                          <m:sub>
+                            <m:r>
+                              <a:rPr kumimoji="1" lang="en-US" altLang="ja-JP" b="0" i="1" smtClean="0">
+                                <a:latin typeface="Cambria Math" panose="02040503050406030204" pitchFamily="18" charset="0"/>
+                              </a:rPr>
+                              <m:t>1</m:t>
+                            </m:r>
+                          </m:sub>
+                        </m:sSub>
+                        <m:r>
+                          <a:rPr kumimoji="1" lang="en-US" altLang="ja-JP" b="0" i="1" smtClean="0">
+                            <a:latin typeface="Cambria Math" panose="02040503050406030204" pitchFamily="18" charset="0"/>
+                          </a:rPr>
+                          <m:t>−</m:t>
+                        </m:r>
+                        <m:sSub>
+                          <m:sSubPr>
+                            <m:ctrlPr>
+                              <a:rPr kumimoji="1" lang="en-US" altLang="ja-JP" b="0" i="1" smtClean="0">
+                                <a:latin typeface="Cambria Math" panose="02040503050406030204" pitchFamily="18" charset="0"/>
+                              </a:rPr>
+                            </m:ctrlPr>
+                          </m:sSubPr>
+                          <m:e>
+                            <m:r>
+                              <a:rPr kumimoji="1" lang="en-US" altLang="ja-JP" b="0" i="1" smtClean="0">
+                                <a:latin typeface="Cambria Math" panose="02040503050406030204" pitchFamily="18" charset="0"/>
+                                <a:ea typeface="Cambria Math" panose="02040503050406030204" pitchFamily="18" charset="0"/>
+                              </a:rPr>
+                              <m:t>𝜃</m:t>
+                            </m:r>
+                          </m:e>
+                          <m:sub>
+                            <m:r>
+                              <a:rPr kumimoji="1" lang="en-US" altLang="ja-JP" b="0" i="1" smtClean="0">
+                                <a:latin typeface="Cambria Math" panose="02040503050406030204" pitchFamily="18" charset="0"/>
+                              </a:rPr>
+                              <m:t>2</m:t>
+                            </m:r>
+                          </m:sub>
+                        </m:sSub>
+                      </m:num>
+                      <m:den>
+                        <m:r>
+                          <a:rPr kumimoji="1" lang="en-US" altLang="ja-JP" b="0" i="1" smtClean="0">
+                            <a:latin typeface="Cambria Math" panose="02040503050406030204" pitchFamily="18" charset="0"/>
+                            <a:ea typeface="Cambria Math" panose="02040503050406030204" pitchFamily="18" charset="0"/>
+                          </a:rPr>
+                          <m:t>∆</m:t>
+                        </m:r>
+                        <m:r>
+                          <a:rPr kumimoji="1" lang="en-US" altLang="ja-JP" b="0" i="1" smtClean="0">
+                            <a:latin typeface="Cambria Math" panose="02040503050406030204" pitchFamily="18" charset="0"/>
+                            <a:ea typeface="Cambria Math" panose="02040503050406030204" pitchFamily="18" charset="0"/>
+                          </a:rPr>
+                          <m:t>𝑥</m:t>
+                        </m:r>
+                      </m:den>
+                    </m:f>
+                    <m:r>
+                      <a:rPr kumimoji="1" lang="en-US" altLang="ja-JP" b="0" i="1" smtClean="0">
+                        <a:latin typeface="Cambria Math" panose="02040503050406030204" pitchFamily="18" charset="0"/>
+                      </a:rPr>
+                      <m:t>=</m:t>
+                    </m:r>
+                  </m:oMath>
+                </a14:m>
+                <a:r>
+                  <a:rPr lang="en-US" altLang="ja-JP" dirty="0"/>
+                  <a:t> </a:t>
+                </a:r>
+                <a14:m>
+                  <m:oMath xmlns:m="http://schemas.openxmlformats.org/officeDocument/2006/math">
+                    <m:r>
+                      <a:rPr lang="en-US" altLang="ja-JP" i="1">
+                        <a:latin typeface="Cambria Math" panose="02040503050406030204" pitchFamily="18" charset="0"/>
+                      </a:rPr>
+                      <m:t>−</m:t>
+                    </m:r>
+                    <m:sSub>
+                      <m:sSubPr>
+                        <m:ctrlPr>
+                          <a:rPr lang="en-US" altLang="ja-JP" i="1">
+                            <a:latin typeface="Cambria Math" panose="02040503050406030204" pitchFamily="18" charset="0"/>
+                          </a:rPr>
+                        </m:ctrlPr>
+                      </m:sSubPr>
+                      <m:e>
+                        <m:r>
+                          <a:rPr lang="en-US" altLang="ja-JP" i="1">
+                            <a:latin typeface="Cambria Math" panose="02040503050406030204" pitchFamily="18" charset="0"/>
+                            <a:ea typeface="Cambria Math" panose="02040503050406030204" pitchFamily="18" charset="0"/>
+                          </a:rPr>
+                          <m:t>𝜆</m:t>
+                        </m:r>
+                      </m:e>
+                      <m:sub>
+                        <m:r>
+                          <a:rPr lang="en-US" altLang="ja-JP" b="0" i="1" smtClean="0">
+                            <a:latin typeface="Cambria Math" panose="02040503050406030204" pitchFamily="18" charset="0"/>
+                          </a:rPr>
+                          <m:t>2</m:t>
+                        </m:r>
+                      </m:sub>
+                    </m:sSub>
+                    <m:f>
+                      <m:fPr>
+                        <m:ctrlPr>
+                          <a:rPr lang="en-US" altLang="ja-JP" i="1">
+                            <a:latin typeface="Cambria Math" panose="02040503050406030204" pitchFamily="18" charset="0"/>
+                          </a:rPr>
+                        </m:ctrlPr>
+                      </m:fPr>
+                      <m:num>
+                        <m:sSub>
+                          <m:sSubPr>
+                            <m:ctrlPr>
+                              <a:rPr lang="en-US" altLang="ja-JP" i="1">
+                                <a:latin typeface="Cambria Math" panose="02040503050406030204" pitchFamily="18" charset="0"/>
+                              </a:rPr>
+                            </m:ctrlPr>
+                          </m:sSubPr>
+                          <m:e>
+                            <m:r>
+                              <a:rPr lang="en-US" altLang="ja-JP" i="1">
+                                <a:latin typeface="Cambria Math" panose="02040503050406030204" pitchFamily="18" charset="0"/>
+                                <a:ea typeface="Cambria Math" panose="02040503050406030204" pitchFamily="18" charset="0"/>
+                              </a:rPr>
+                              <m:t>𝜃</m:t>
+                            </m:r>
+                          </m:e>
+                          <m:sub>
+                            <m:r>
+                              <a:rPr lang="en-US" altLang="ja-JP" i="1">
+                                <a:latin typeface="Cambria Math" panose="02040503050406030204" pitchFamily="18" charset="0"/>
+                              </a:rPr>
+                              <m:t>1</m:t>
+                            </m:r>
+                          </m:sub>
+                        </m:sSub>
+                        <m:r>
+                          <a:rPr lang="en-US" altLang="ja-JP" i="1">
+                            <a:latin typeface="Cambria Math" panose="02040503050406030204" pitchFamily="18" charset="0"/>
+                          </a:rPr>
+                          <m:t>−</m:t>
+                        </m:r>
+                        <m:sSub>
+                          <m:sSubPr>
+                            <m:ctrlPr>
+                              <a:rPr lang="en-US" altLang="ja-JP" i="1">
+                                <a:latin typeface="Cambria Math" panose="02040503050406030204" pitchFamily="18" charset="0"/>
+                              </a:rPr>
+                            </m:ctrlPr>
+                          </m:sSubPr>
+                          <m:e>
+                            <m:r>
+                              <a:rPr lang="en-US" altLang="ja-JP" i="1">
+                                <a:latin typeface="Cambria Math" panose="02040503050406030204" pitchFamily="18" charset="0"/>
+                                <a:ea typeface="Cambria Math" panose="02040503050406030204" pitchFamily="18" charset="0"/>
+                              </a:rPr>
+                              <m:t>𝜃</m:t>
+                            </m:r>
+                          </m:e>
+                          <m:sub>
+                            <m:r>
+                              <a:rPr lang="en-US" altLang="ja-JP" i="1">
+                                <a:latin typeface="Cambria Math" panose="02040503050406030204" pitchFamily="18" charset="0"/>
+                              </a:rPr>
+                              <m:t>2</m:t>
+                            </m:r>
+                          </m:sub>
+                        </m:sSub>
+                      </m:num>
+                      <m:den>
+                        <m:r>
+                          <a:rPr lang="en-US" altLang="ja-JP" i="1">
+                            <a:latin typeface="Cambria Math" panose="02040503050406030204" pitchFamily="18" charset="0"/>
+                            <a:ea typeface="Cambria Math" panose="02040503050406030204" pitchFamily="18" charset="0"/>
+                          </a:rPr>
+                          <m:t>∆</m:t>
+                        </m:r>
+                        <m:r>
+                          <a:rPr lang="en-US" altLang="ja-JP" i="1">
+                            <a:latin typeface="Cambria Math" panose="02040503050406030204" pitchFamily="18" charset="0"/>
+                            <a:ea typeface="Cambria Math" panose="02040503050406030204" pitchFamily="18" charset="0"/>
+                          </a:rPr>
+                          <m:t>𝑥</m:t>
+                        </m:r>
+                        <m:r>
+                          <a:rPr lang="en-US" altLang="ja-JP" b="0" i="1" smtClean="0">
+                            <a:latin typeface="Cambria Math" panose="02040503050406030204" pitchFamily="18" charset="0"/>
+                            <a:ea typeface="Cambria Math" panose="02040503050406030204" pitchFamily="18" charset="0"/>
+                          </a:rPr>
+                          <m:t>/2</m:t>
+                        </m:r>
+                      </m:den>
+                    </m:f>
+                  </m:oMath>
+                </a14:m>
+                <a:endParaRPr kumimoji="1" lang="ja-JP" altLang="en-US"/>
+              </a:p>
+            </p:txBody>
+          </p:sp>
+        </mc:Choice>
+        <mc:Fallback>
+          <p:sp>
+            <p:nvSpPr>
+              <p:cNvPr id="25" name="テキスト ボックス 24">
+                <a:extLst>
+                  <a:ext uri="{FF2B5EF4-FFF2-40B4-BE49-F238E27FC236}">
+                    <a16:creationId xmlns:a16="http://schemas.microsoft.com/office/drawing/2014/main" id="{720E3C03-E93E-4A28-6E83-0BC024843704}"/>
+                  </a:ext>
+                </a:extLst>
+              </p:cNvPr>
+              <p:cNvSpPr txBox="1">
+                <a:spLocks noRot="1" noChangeAspect="1" noMove="1" noResize="1" noEditPoints="1" noAdjustHandles="1" noChangeArrowheads="1" noChangeShapeType="1" noTextEdit="1"/>
+              </p:cNvSpPr>
+              <p:nvPr/>
+            </p:nvSpPr>
+            <p:spPr>
+              <a:xfrm>
+                <a:off x="3198342" y="1580741"/>
+                <a:ext cx="3037113" cy="561885"/>
+              </a:xfrm>
+              <a:prstGeom prst="rect">
+                <a:avLst/>
+              </a:prstGeom>
+              <a:blipFill>
+                <a:blip r:embed="rId2"/>
+                <a:stretch>
+                  <a:fillRect b="-2222"/>
+                </a:stretch>
+              </a:blipFill>
+            </p:spPr>
+            <p:txBody>
+              <a:bodyPr/>
+              <a:lstStyle/>
+              <a:p>
+                <a:r>
+                  <a:rPr lang="ja-JP" altLang="en-US">
+                    <a:noFill/>
+                  </a:rPr>
+                  <a:t> </a:t>
+                </a:r>
+              </a:p>
+            </p:txBody>
+          </p:sp>
+        </mc:Fallback>
+      </mc:AlternateContent>
+      <mc:AlternateContent xmlns:mc="http://schemas.openxmlformats.org/markup-compatibility/2006">
+        <mc:Choice xmlns:a14="http://schemas.microsoft.com/office/drawing/2010/main" Requires="a14">
+          <p:sp>
+            <p:nvSpPr>
+              <p:cNvPr id="26" name="テキスト ボックス 25">
+                <a:extLst>
+                  <a:ext uri="{FF2B5EF4-FFF2-40B4-BE49-F238E27FC236}">
+                    <a16:creationId xmlns:a16="http://schemas.microsoft.com/office/drawing/2014/main" id="{03187FBF-60A4-A513-890B-4DE980AD3C35}"/>
+                  </a:ext>
+                </a:extLst>
+              </p:cNvPr>
+              <p:cNvSpPr txBox="1"/>
+              <p:nvPr/>
+            </p:nvSpPr>
+            <p:spPr>
+              <a:xfrm>
+                <a:off x="3325452" y="1026493"/>
+                <a:ext cx="1793183" cy="439800"/>
+              </a:xfrm>
+              <a:prstGeom prst="rect">
+                <a:avLst/>
+              </a:prstGeom>
+              <a:noFill/>
+            </p:spPr>
+            <p:txBody>
+              <a:bodyPr wrap="none" lIns="0" tIns="0" rIns="0" bIns="0" rtlCol="0">
+                <a:spAutoFit/>
+              </a:bodyPr>
+              <a:lstStyle/>
+              <a:p>
+                <a14:m>
+                  <m:oMath xmlns:m="http://schemas.openxmlformats.org/officeDocument/2006/math">
+                    <m:sSub>
+                      <m:sSubPr>
+                        <m:ctrlPr>
+                          <a:rPr kumimoji="1" lang="en-US" altLang="ja-JP" i="1" smtClean="0">
+                            <a:latin typeface="Cambria Math" panose="02040503050406030204" pitchFamily="18" charset="0"/>
+                          </a:rPr>
+                        </m:ctrlPr>
+                      </m:sSubPr>
+                      <m:e>
+                        <m:r>
+                          <a:rPr kumimoji="1" lang="en-US" altLang="ja-JP" i="1" smtClean="0">
+                            <a:latin typeface="Cambria Math" panose="02040503050406030204" pitchFamily="18" charset="0"/>
+                            <a:ea typeface="Cambria Math" panose="02040503050406030204" pitchFamily="18" charset="0"/>
+                          </a:rPr>
+                          <m:t>𝜆</m:t>
+                        </m:r>
+                      </m:e>
+                      <m:sub>
+                        <m:r>
+                          <a:rPr kumimoji="1" lang="en-US" altLang="ja-JP" b="0" i="1" smtClean="0">
+                            <a:latin typeface="Cambria Math" panose="02040503050406030204" pitchFamily="18" charset="0"/>
+                          </a:rPr>
+                          <m:t>3/2</m:t>
+                        </m:r>
+                      </m:sub>
+                    </m:sSub>
+                    <m:r>
+                      <a:rPr kumimoji="1" lang="en-US" altLang="ja-JP" b="0" i="1" smtClean="0">
+                        <a:latin typeface="Cambria Math" panose="02040503050406030204" pitchFamily="18" charset="0"/>
+                      </a:rPr>
+                      <m:t>=</m:t>
+                    </m:r>
+                    <m:f>
+                      <m:fPr>
+                        <m:ctrlPr>
+                          <a:rPr kumimoji="1" lang="en-US" altLang="ja-JP" b="0" i="1" smtClean="0">
+                            <a:latin typeface="Cambria Math" panose="02040503050406030204" pitchFamily="18" charset="0"/>
+                          </a:rPr>
+                        </m:ctrlPr>
+                      </m:fPr>
+                      <m:num>
+                        <m:r>
+                          <a:rPr kumimoji="1" lang="en-US" altLang="ja-JP" b="0" i="1" smtClean="0">
+                            <a:latin typeface="Cambria Math" panose="02040503050406030204" pitchFamily="18" charset="0"/>
+                          </a:rPr>
+                          <m:t>4</m:t>
+                        </m:r>
+                        <m:sSub>
+                          <m:sSubPr>
+                            <m:ctrlPr>
+                              <a:rPr kumimoji="1" lang="en-US" altLang="ja-JP" b="0" i="1" smtClean="0">
+                                <a:latin typeface="Cambria Math" panose="02040503050406030204" pitchFamily="18" charset="0"/>
+                              </a:rPr>
+                            </m:ctrlPr>
+                          </m:sSubPr>
+                          <m:e>
+                            <m:r>
+                              <a:rPr kumimoji="1" lang="en-US" altLang="ja-JP" b="0" i="1" smtClean="0">
+                                <a:latin typeface="Cambria Math" panose="02040503050406030204" pitchFamily="18" charset="0"/>
+                                <a:ea typeface="Cambria Math" panose="02040503050406030204" pitchFamily="18" charset="0"/>
+                              </a:rPr>
+                              <m:t>𝜆</m:t>
+                            </m:r>
+                          </m:e>
+                          <m:sub>
+                            <m:r>
+                              <a:rPr kumimoji="1" lang="en-US" altLang="ja-JP" b="0" i="1" smtClean="0">
+                                <a:latin typeface="Cambria Math" panose="02040503050406030204" pitchFamily="18" charset="0"/>
+                              </a:rPr>
+                              <m:t>1</m:t>
+                            </m:r>
+                          </m:sub>
+                        </m:sSub>
+                        <m:sSub>
+                          <m:sSubPr>
+                            <m:ctrlPr>
+                              <a:rPr kumimoji="1" lang="en-US" altLang="ja-JP" b="0" i="1" smtClean="0">
+                                <a:latin typeface="Cambria Math" panose="02040503050406030204" pitchFamily="18" charset="0"/>
+                              </a:rPr>
+                            </m:ctrlPr>
+                          </m:sSubPr>
+                          <m:e>
+                            <m:r>
+                              <a:rPr kumimoji="1" lang="en-US" altLang="ja-JP" b="0" i="1" smtClean="0">
+                                <a:latin typeface="Cambria Math" panose="02040503050406030204" pitchFamily="18" charset="0"/>
+                                <a:ea typeface="Cambria Math" panose="02040503050406030204" pitchFamily="18" charset="0"/>
+                              </a:rPr>
+                              <m:t>𝜆</m:t>
+                            </m:r>
+                          </m:e>
+                          <m:sub>
+                            <m:r>
+                              <a:rPr kumimoji="1" lang="en-US" altLang="ja-JP" b="0" i="1" smtClean="0">
+                                <a:latin typeface="Cambria Math" panose="02040503050406030204" pitchFamily="18" charset="0"/>
+                              </a:rPr>
+                              <m:t>2</m:t>
+                            </m:r>
+                          </m:sub>
+                        </m:sSub>
+                      </m:num>
+                      <m:den>
+                        <m:sSub>
+                          <m:sSubPr>
+                            <m:ctrlPr>
+                              <a:rPr kumimoji="1" lang="en-US" altLang="ja-JP" b="0" i="1" smtClean="0">
+                                <a:latin typeface="Cambria Math" panose="02040503050406030204" pitchFamily="18" charset="0"/>
+                              </a:rPr>
+                            </m:ctrlPr>
+                          </m:sSubPr>
+                          <m:e>
+                            <m:r>
+                              <a:rPr kumimoji="1" lang="en-US" altLang="ja-JP" b="0" i="1" smtClean="0">
+                                <a:latin typeface="Cambria Math" panose="02040503050406030204" pitchFamily="18" charset="0"/>
+                                <a:ea typeface="Cambria Math" panose="02040503050406030204" pitchFamily="18" charset="0"/>
+                              </a:rPr>
+                              <m:t>𝜆</m:t>
+                            </m:r>
+                          </m:e>
+                          <m:sub>
+                            <m:r>
+                              <a:rPr kumimoji="1" lang="en-US" altLang="ja-JP" b="0" i="1" smtClean="0">
+                                <a:latin typeface="Cambria Math" panose="02040503050406030204" pitchFamily="18" charset="0"/>
+                              </a:rPr>
+                              <m:t>1</m:t>
+                            </m:r>
+                          </m:sub>
+                        </m:sSub>
+                        <m:sSub>
+                          <m:sSubPr>
+                            <m:ctrlPr>
+                              <a:rPr kumimoji="1" lang="en-US" altLang="ja-JP" b="0" i="1" smtClean="0">
+                                <a:latin typeface="Cambria Math" panose="02040503050406030204" pitchFamily="18" charset="0"/>
+                              </a:rPr>
+                            </m:ctrlPr>
+                          </m:sSubPr>
+                          <m:e>
+                            <m:r>
+                              <a:rPr kumimoji="1" lang="en-US" altLang="ja-JP" b="0" i="1" smtClean="0">
+                                <a:latin typeface="Cambria Math" panose="02040503050406030204" pitchFamily="18" charset="0"/>
+                              </a:rPr>
+                              <m:t>+</m:t>
+                            </m:r>
+                            <m:r>
+                              <a:rPr kumimoji="1" lang="en-US" altLang="ja-JP" b="0" i="1" smtClean="0">
+                                <a:latin typeface="Cambria Math" panose="02040503050406030204" pitchFamily="18" charset="0"/>
+                                <a:ea typeface="Cambria Math" panose="02040503050406030204" pitchFamily="18" charset="0"/>
+                              </a:rPr>
+                              <m:t>𝜆</m:t>
+                            </m:r>
+                          </m:e>
+                          <m:sub>
+                            <m:r>
+                              <a:rPr kumimoji="1" lang="en-US" altLang="ja-JP" b="0" i="1" smtClean="0">
+                                <a:latin typeface="Cambria Math" panose="02040503050406030204" pitchFamily="18" charset="0"/>
+                              </a:rPr>
+                              <m:t>2</m:t>
+                            </m:r>
+                          </m:sub>
+                        </m:sSub>
+                      </m:den>
+                    </m:f>
+                  </m:oMath>
+                </a14:m>
+                <a:r>
+                  <a:rPr kumimoji="1" lang="en-US" altLang="ja-JP" dirty="0"/>
+                  <a:t>=</a:t>
+                </a:r>
+                <a:r>
+                  <a:rPr lang="en-US" altLang="ja-JP" dirty="0"/>
+                  <a:t> </a:t>
+                </a:r>
+                <a14:m>
+                  <m:oMath xmlns:m="http://schemas.openxmlformats.org/officeDocument/2006/math">
+                    <m:sSub>
+                      <m:sSubPr>
+                        <m:ctrlPr>
+                          <a:rPr lang="en-US" altLang="ja-JP" i="1">
+                            <a:latin typeface="Cambria Math" panose="02040503050406030204" pitchFamily="18" charset="0"/>
+                          </a:rPr>
+                        </m:ctrlPr>
+                      </m:sSubPr>
+                      <m:e>
+                        <m:r>
+                          <a:rPr lang="en-US" altLang="ja-JP" i="1">
+                            <a:latin typeface="Cambria Math" panose="02040503050406030204" pitchFamily="18" charset="0"/>
+                          </a:rPr>
+                          <m:t>2</m:t>
+                        </m:r>
+                        <m:r>
+                          <a:rPr lang="en-US" altLang="ja-JP" i="1">
+                            <a:latin typeface="Cambria Math" panose="02040503050406030204" pitchFamily="18" charset="0"/>
+                            <a:ea typeface="Cambria Math" panose="02040503050406030204" pitchFamily="18" charset="0"/>
+                          </a:rPr>
+                          <m:t>𝜆</m:t>
+                        </m:r>
+                      </m:e>
+                      <m:sub>
+                        <m:r>
+                          <a:rPr lang="en-US" altLang="ja-JP" i="1">
+                            <a:latin typeface="Cambria Math" panose="02040503050406030204" pitchFamily="18" charset="0"/>
+                            <a:ea typeface="Cambria Math" panose="02040503050406030204" pitchFamily="18" charset="0"/>
+                          </a:rPr>
+                          <m:t>2</m:t>
+                        </m:r>
+                      </m:sub>
+                    </m:sSub>
+                  </m:oMath>
+                </a14:m>
+                <a:endParaRPr kumimoji="1" lang="ja-JP" altLang="en-US"/>
+              </a:p>
+            </p:txBody>
+          </p:sp>
+        </mc:Choice>
+        <mc:Fallback>
+          <p:sp>
+            <p:nvSpPr>
+              <p:cNvPr id="26" name="テキスト ボックス 25">
+                <a:extLst>
+                  <a:ext uri="{FF2B5EF4-FFF2-40B4-BE49-F238E27FC236}">
+                    <a16:creationId xmlns:a16="http://schemas.microsoft.com/office/drawing/2014/main" id="{03187FBF-60A4-A513-890B-4DE980AD3C35}"/>
+                  </a:ext>
+                </a:extLst>
+              </p:cNvPr>
+              <p:cNvSpPr txBox="1">
+                <a:spLocks noRot="1" noChangeAspect="1" noMove="1" noResize="1" noEditPoints="1" noAdjustHandles="1" noChangeArrowheads="1" noChangeShapeType="1" noTextEdit="1"/>
+              </p:cNvSpPr>
+              <p:nvPr/>
+            </p:nvSpPr>
+            <p:spPr>
+              <a:xfrm>
+                <a:off x="3325452" y="1026493"/>
+                <a:ext cx="1793183" cy="439800"/>
+              </a:xfrm>
+              <a:prstGeom prst="rect">
+                <a:avLst/>
+              </a:prstGeom>
+              <a:blipFill>
+                <a:blip r:embed="rId3"/>
+                <a:stretch>
+                  <a:fillRect l="-5634" r="-1408" b="-13889"/>
+                </a:stretch>
+              </a:blipFill>
+            </p:spPr>
+            <p:txBody>
+              <a:bodyPr/>
+              <a:lstStyle/>
+              <a:p>
+                <a:r>
+                  <a:rPr lang="ja-JP" altLang="en-US">
+                    <a:noFill/>
+                  </a:rPr>
+                  <a:t> </a:t>
+                </a:r>
+              </a:p>
+            </p:txBody>
+          </p:sp>
+        </mc:Fallback>
+      </mc:AlternateContent>
+      <p:sp>
+        <p:nvSpPr>
+          <p:cNvPr id="27" name="テキスト ボックス 26">
+            <a:extLst>
+              <a:ext uri="{FF2B5EF4-FFF2-40B4-BE49-F238E27FC236}">
+                <a16:creationId xmlns:a16="http://schemas.microsoft.com/office/drawing/2014/main" id="{5A068136-B404-F28D-DB8F-9FEFE4724849}"/>
+              </a:ext>
+            </a:extLst>
+          </p:cNvPr>
+          <p:cNvSpPr txBox="1"/>
+          <p:nvPr/>
+        </p:nvSpPr>
+        <p:spPr>
+          <a:xfrm>
+            <a:off x="3198342" y="2275694"/>
+            <a:ext cx="7806945" cy="338554"/>
+          </a:xfrm>
+          <a:prstGeom prst="rect">
+            <a:avLst/>
+          </a:prstGeom>
+          <a:noFill/>
+        </p:spPr>
+        <p:txBody>
+          <a:bodyPr wrap="none" rtlCol="0">
+            <a:spAutoFit/>
+          </a:bodyPr>
+          <a:lstStyle/>
+          <a:p>
+            <a:r>
+              <a:rPr kumimoji="1" lang="ja-JP" altLang="en-US" sz="1600"/>
+              <a:t>セル</a:t>
+            </a:r>
+            <a:r>
+              <a:rPr kumimoji="1" lang="en-US" altLang="ja-JP" sz="1600" dirty="0"/>
+              <a:t>1</a:t>
+            </a:r>
+            <a:r>
+              <a:rPr kumimoji="1" lang="ja-JP" altLang="en-US" sz="1600"/>
+              <a:t>の定義点を</a:t>
+            </a:r>
+            <a:r>
+              <a:rPr kumimoji="1" lang="en-US" altLang="ja-JP" sz="1600" dirty="0"/>
+              <a:t>3/2</a:t>
+            </a:r>
+            <a:r>
+              <a:rPr kumimoji="1" lang="ja-JP" altLang="en-US" sz="1600"/>
+              <a:t>の位置にあると考えた場合の計算領域内部からの片側差分近似</a:t>
+            </a:r>
+          </a:p>
+        </p:txBody>
+      </p:sp>
+      <p:sp>
+        <p:nvSpPr>
+          <p:cNvPr id="28" name="右矢印 27">
+            <a:extLst>
+              <a:ext uri="{FF2B5EF4-FFF2-40B4-BE49-F238E27FC236}">
+                <a16:creationId xmlns:a16="http://schemas.microsoft.com/office/drawing/2014/main" id="{E6BC3F8C-FBE3-4246-50FF-FB42BCD1D785}"/>
+              </a:ext>
+            </a:extLst>
+          </p:cNvPr>
+          <p:cNvSpPr/>
+          <p:nvPr/>
+        </p:nvSpPr>
+        <p:spPr>
+          <a:xfrm>
+            <a:off x="2653990" y="3114170"/>
+            <a:ext cx="267630" cy="276999"/>
+          </a:xfrm>
+          <a:prstGeom prst="rightArrow">
+            <a:avLst/>
+          </a:prstGeom>
+          <a:noFill/>
+          <a:ln>
+            <a:solidFill>
+              <a:srgbClr val="002060"/>
+            </a:solidFill>
+          </a:ln>
+        </p:spPr>
+        <p:style>
+          <a:lnRef idx="2">
+            <a:schemeClr val="accent1">
+              <a:shade val="15000"/>
+            </a:schemeClr>
+          </a:lnRef>
+          <a:fillRef idx="1">
+            <a:schemeClr val="accent1"/>
+          </a:fillRef>
+          <a:effectRef idx="0">
+            <a:schemeClr val="accent1"/>
+          </a:effectRef>
+          <a:fontRef idx="minor">
+            <a:schemeClr val="lt1"/>
+          </a:fontRef>
+        </p:style>
+        <p:txBody>
+          <a:bodyPr rtlCol="0" anchor="ctr"/>
+          <a:lstStyle/>
+          <a:p>
+            <a:pPr algn="ctr"/>
+            <a:endParaRPr kumimoji="1" lang="ja-JP" altLang="en-US"/>
+          </a:p>
+        </p:txBody>
+      </p:sp>
+      <mc:AlternateContent xmlns:mc="http://schemas.openxmlformats.org/markup-compatibility/2006">
+        <mc:Choice xmlns:a14="http://schemas.microsoft.com/office/drawing/2010/main" Requires="a14">
+          <p:sp>
+            <p:nvSpPr>
+              <p:cNvPr id="29" name="テキスト ボックス 28">
+                <a:extLst>
+                  <a:ext uri="{FF2B5EF4-FFF2-40B4-BE49-F238E27FC236}">
+                    <a16:creationId xmlns:a16="http://schemas.microsoft.com/office/drawing/2014/main" id="{95273C73-EB2B-AEE5-0D5A-EC591774966A}"/>
+                  </a:ext>
+                </a:extLst>
+              </p:cNvPr>
+              <p:cNvSpPr txBox="1"/>
+              <p:nvPr/>
+            </p:nvSpPr>
+            <p:spPr>
+              <a:xfrm>
+                <a:off x="3131367" y="3354727"/>
+                <a:ext cx="4079707" cy="413959"/>
+              </a:xfrm>
+              <a:prstGeom prst="rect">
+                <a:avLst/>
+              </a:prstGeom>
+              <a:noFill/>
+            </p:spPr>
+            <p:txBody>
+              <a:bodyPr wrap="none" rtlCol="0">
+                <a:spAutoFit/>
+              </a:bodyPr>
+              <a:lstStyle/>
+              <a:p>
+                <a14:m>
+                  <m:oMathPara xmlns:m="http://schemas.openxmlformats.org/officeDocument/2006/math">
+                    <m:oMathParaPr>
+                      <m:jc m:val="centerGroup"/>
+                    </m:oMathParaPr>
+                    <m:oMath xmlns:m="http://schemas.openxmlformats.org/officeDocument/2006/math">
+                      <m:sSub>
+                        <m:sSubPr>
+                          <m:ctrlPr>
+                            <a:rPr kumimoji="1" lang="en-US" altLang="ja-JP" b="0" i="1" smtClean="0">
+                              <a:latin typeface="Cambria Math" panose="02040503050406030204" pitchFamily="18" charset="0"/>
+                            </a:rPr>
+                          </m:ctrlPr>
+                        </m:sSubPr>
+                        <m:e>
+                          <m:r>
+                            <a:rPr kumimoji="1" lang="en-US" altLang="ja-JP" b="0" i="1" smtClean="0">
+                              <a:latin typeface="Cambria Math" panose="02040503050406030204" pitchFamily="18" charset="0"/>
+                            </a:rPr>
+                            <m:t>𝑞</m:t>
+                          </m:r>
+                        </m:e>
+                        <m:sub>
+                          <m:r>
+                            <a:rPr kumimoji="1" lang="en-US" altLang="ja-JP" b="0" i="1" smtClean="0">
+                              <a:latin typeface="Cambria Math" panose="02040503050406030204" pitchFamily="18" charset="0"/>
+                            </a:rPr>
+                            <m:t>3/2</m:t>
+                          </m:r>
+                        </m:sub>
+                      </m:sSub>
+                      <m:r>
+                        <a:rPr kumimoji="1" lang="en-US" altLang="ja-JP" b="0" i="1" smtClean="0">
+                          <a:latin typeface="Cambria Math" panose="02040503050406030204" pitchFamily="18" charset="0"/>
+                        </a:rPr>
+                        <m:t>=−</m:t>
+                      </m:r>
+                      <m:r>
+                        <a:rPr kumimoji="1" lang="en-US" altLang="ja-JP" b="0" i="1" smtClean="0">
+                          <a:latin typeface="Cambria Math" panose="02040503050406030204" pitchFamily="18" charset="0"/>
+                        </a:rPr>
+                        <m:t>𝐻</m:t>
+                      </m:r>
+                      <m:d>
+                        <m:dPr>
+                          <m:ctrlPr>
+                            <a:rPr kumimoji="1" lang="en-US" altLang="ja-JP" b="0" i="1" smtClean="0">
+                              <a:latin typeface="Cambria Math" panose="02040503050406030204" pitchFamily="18" charset="0"/>
+                            </a:rPr>
+                          </m:ctrlPr>
+                        </m:dPr>
+                        <m:e>
+                          <m:sSub>
+                            <m:sSubPr>
+                              <m:ctrlPr>
+                                <a:rPr lang="en-US" altLang="ja-JP" i="1">
+                                  <a:latin typeface="Cambria Math" panose="02040503050406030204" pitchFamily="18" charset="0"/>
+                                </a:rPr>
+                              </m:ctrlPr>
+                            </m:sSubPr>
+                            <m:e>
+                              <m:r>
+                                <a:rPr lang="en-US" altLang="ja-JP" i="1">
+                                  <a:latin typeface="Cambria Math" panose="02040503050406030204" pitchFamily="18" charset="0"/>
+                                  <a:ea typeface="Cambria Math" panose="02040503050406030204" pitchFamily="18" charset="0"/>
+                                </a:rPr>
+                                <m:t>𝜃</m:t>
+                              </m:r>
+                            </m:e>
+                            <m:sub>
+                              <m:r>
+                                <a:rPr lang="en-US" altLang="ja-JP" b="0" i="1" smtClean="0">
+                                  <a:latin typeface="Cambria Math" panose="02040503050406030204" pitchFamily="18" charset="0"/>
+                                </a:rPr>
+                                <m:t>𝑟𝑒𝑓</m:t>
+                              </m:r>
+                            </m:sub>
+                          </m:sSub>
+                          <m:r>
+                            <a:rPr lang="en-US" altLang="ja-JP" i="1">
+                              <a:latin typeface="Cambria Math" panose="02040503050406030204" pitchFamily="18" charset="0"/>
+                            </a:rPr>
+                            <m:t>−</m:t>
+                          </m:r>
+                          <m:sSub>
+                            <m:sSubPr>
+                              <m:ctrlPr>
+                                <a:rPr lang="en-US" altLang="ja-JP" i="1">
+                                  <a:latin typeface="Cambria Math" panose="02040503050406030204" pitchFamily="18" charset="0"/>
+                                </a:rPr>
+                              </m:ctrlPr>
+                            </m:sSubPr>
+                            <m:e>
+                              <m:r>
+                                <a:rPr lang="en-US" altLang="ja-JP" i="1">
+                                  <a:latin typeface="Cambria Math" panose="02040503050406030204" pitchFamily="18" charset="0"/>
+                                  <a:ea typeface="Cambria Math" panose="02040503050406030204" pitchFamily="18" charset="0"/>
+                                </a:rPr>
+                                <m:t>𝜃</m:t>
+                              </m:r>
+                            </m:e>
+                            <m:sub>
+                              <m:r>
+                                <a:rPr lang="en-US" altLang="ja-JP" i="1">
+                                  <a:latin typeface="Cambria Math" panose="02040503050406030204" pitchFamily="18" charset="0"/>
+                                </a:rPr>
+                                <m:t>2</m:t>
+                              </m:r>
+                            </m:sub>
+                          </m:sSub>
+                        </m:e>
+                      </m:d>
+                      <m:r>
+                        <a:rPr kumimoji="1" lang="en-US" altLang="ja-JP" b="0" i="1" smtClean="0">
+                          <a:latin typeface="Cambria Math" panose="02040503050406030204" pitchFamily="18" charset="0"/>
+                        </a:rPr>
+                        <m:t>=</m:t>
+                      </m:r>
+                      <m:r>
+                        <a:rPr lang="en-US" altLang="ja-JP" i="1">
+                          <a:latin typeface="Cambria Math" panose="02040503050406030204" pitchFamily="18" charset="0"/>
+                        </a:rPr>
+                        <m:t>−</m:t>
+                      </m:r>
+                      <m:r>
+                        <a:rPr lang="en-US" altLang="ja-JP" i="1">
+                          <a:latin typeface="Cambria Math" panose="02040503050406030204" pitchFamily="18" charset="0"/>
+                        </a:rPr>
+                        <m:t>𝐻</m:t>
+                      </m:r>
+                      <m:d>
+                        <m:dPr>
+                          <m:ctrlPr>
+                            <a:rPr lang="en-US" altLang="ja-JP" i="1">
+                              <a:latin typeface="Cambria Math" panose="02040503050406030204" pitchFamily="18" charset="0"/>
+                            </a:rPr>
+                          </m:ctrlPr>
+                        </m:dPr>
+                        <m:e>
+                          <m:sSub>
+                            <m:sSubPr>
+                              <m:ctrlPr>
+                                <a:rPr lang="en-US" altLang="ja-JP" i="1">
+                                  <a:latin typeface="Cambria Math" panose="02040503050406030204" pitchFamily="18" charset="0"/>
+                                </a:rPr>
+                              </m:ctrlPr>
+                            </m:sSubPr>
+                            <m:e>
+                              <m:r>
+                                <a:rPr lang="en-US" altLang="ja-JP" i="1">
+                                  <a:latin typeface="Cambria Math" panose="02040503050406030204" pitchFamily="18" charset="0"/>
+                                  <a:ea typeface="Cambria Math" panose="02040503050406030204" pitchFamily="18" charset="0"/>
+                                </a:rPr>
+                                <m:t>𝜃</m:t>
+                              </m:r>
+                            </m:e>
+                            <m:sub>
+                              <m:r>
+                                <a:rPr lang="en-US" altLang="ja-JP" b="0" i="1" smtClean="0">
+                                  <a:latin typeface="Cambria Math" panose="02040503050406030204" pitchFamily="18" charset="0"/>
+                                  <a:ea typeface="Cambria Math" panose="02040503050406030204" pitchFamily="18" charset="0"/>
+                                </a:rPr>
+                                <m:t>1</m:t>
+                              </m:r>
+                            </m:sub>
+                          </m:sSub>
+                          <m:r>
+                            <a:rPr lang="en-US" altLang="ja-JP" i="1">
+                              <a:latin typeface="Cambria Math" panose="02040503050406030204" pitchFamily="18" charset="0"/>
+                            </a:rPr>
+                            <m:t>−</m:t>
+                          </m:r>
+                          <m:sSub>
+                            <m:sSubPr>
+                              <m:ctrlPr>
+                                <a:rPr lang="en-US" altLang="ja-JP" i="1">
+                                  <a:latin typeface="Cambria Math" panose="02040503050406030204" pitchFamily="18" charset="0"/>
+                                </a:rPr>
+                              </m:ctrlPr>
+                            </m:sSubPr>
+                            <m:e>
+                              <m:r>
+                                <a:rPr lang="en-US" altLang="ja-JP" i="1">
+                                  <a:latin typeface="Cambria Math" panose="02040503050406030204" pitchFamily="18" charset="0"/>
+                                  <a:ea typeface="Cambria Math" panose="02040503050406030204" pitchFamily="18" charset="0"/>
+                                </a:rPr>
+                                <m:t>𝜃</m:t>
+                              </m:r>
+                            </m:e>
+                            <m:sub>
+                              <m:r>
+                                <a:rPr lang="en-US" altLang="ja-JP" i="1">
+                                  <a:latin typeface="Cambria Math" panose="02040503050406030204" pitchFamily="18" charset="0"/>
+                                </a:rPr>
+                                <m:t>2</m:t>
+                              </m:r>
+                            </m:sub>
+                          </m:sSub>
+                        </m:e>
+                      </m:d>
+                    </m:oMath>
+                  </m:oMathPara>
+                </a14:m>
+                <a:endParaRPr kumimoji="1" lang="ja-JP" altLang="en-US"/>
+              </a:p>
+            </p:txBody>
+          </p:sp>
+        </mc:Choice>
+        <mc:Fallback>
+          <p:sp>
+            <p:nvSpPr>
+              <p:cNvPr id="29" name="テキスト ボックス 28">
+                <a:extLst>
+                  <a:ext uri="{FF2B5EF4-FFF2-40B4-BE49-F238E27FC236}">
+                    <a16:creationId xmlns:a16="http://schemas.microsoft.com/office/drawing/2014/main" id="{95273C73-EB2B-AEE5-0D5A-EC591774966A}"/>
+                  </a:ext>
+                </a:extLst>
+              </p:cNvPr>
+              <p:cNvSpPr txBox="1">
+                <a:spLocks noRot="1" noChangeAspect="1" noMove="1" noResize="1" noEditPoints="1" noAdjustHandles="1" noChangeArrowheads="1" noChangeShapeType="1" noTextEdit="1"/>
+              </p:cNvSpPr>
+              <p:nvPr/>
+            </p:nvSpPr>
+            <p:spPr>
+              <a:xfrm>
+                <a:off x="3131367" y="3354727"/>
+                <a:ext cx="4079707" cy="413959"/>
+              </a:xfrm>
+              <a:prstGeom prst="rect">
+                <a:avLst/>
+              </a:prstGeom>
+              <a:blipFill>
+                <a:blip r:embed="rId4"/>
+                <a:stretch>
+                  <a:fillRect b="-9091"/>
+                </a:stretch>
+              </a:blipFill>
+            </p:spPr>
+            <p:txBody>
+              <a:bodyPr/>
+              <a:lstStyle/>
+              <a:p>
+                <a:r>
+                  <a:rPr lang="ja-JP" altLang="en-US">
+                    <a:noFill/>
+                  </a:rPr>
+                  <a:t> </a:t>
+                </a:r>
+              </a:p>
+            </p:txBody>
+          </p:sp>
+        </mc:Fallback>
+      </mc:AlternateContent>
+      <mc:AlternateContent xmlns:mc="http://schemas.openxmlformats.org/markup-compatibility/2006">
+        <mc:Choice xmlns:a14="http://schemas.microsoft.com/office/drawing/2010/main" Requires="a14">
+          <p:sp>
+            <p:nvSpPr>
+              <p:cNvPr id="30" name="テキスト ボックス 29">
+                <a:extLst>
+                  <a:ext uri="{FF2B5EF4-FFF2-40B4-BE49-F238E27FC236}">
+                    <a16:creationId xmlns:a16="http://schemas.microsoft.com/office/drawing/2014/main" id="{8324F404-37E0-222E-C427-FDF570A17819}"/>
+                  </a:ext>
+                </a:extLst>
+              </p:cNvPr>
+              <p:cNvSpPr txBox="1"/>
+              <p:nvPr/>
+            </p:nvSpPr>
+            <p:spPr>
+              <a:xfrm>
+                <a:off x="3325452" y="2932101"/>
+                <a:ext cx="904029" cy="301878"/>
+              </a:xfrm>
+              <a:prstGeom prst="rect">
+                <a:avLst/>
+              </a:prstGeom>
+              <a:noFill/>
+            </p:spPr>
+            <p:txBody>
+              <a:bodyPr wrap="none" lIns="0" tIns="0" rIns="0" bIns="0" rtlCol="0">
+                <a:spAutoFit/>
+              </a:bodyPr>
+              <a:lstStyle/>
+              <a:p>
+                <a14:m>
+                  <m:oMathPara xmlns:m="http://schemas.openxmlformats.org/officeDocument/2006/math">
+                    <m:oMathParaPr>
+                      <m:jc m:val="centerGroup"/>
+                    </m:oMathParaPr>
+                    <m:oMath xmlns:m="http://schemas.openxmlformats.org/officeDocument/2006/math">
+                      <m:sSub>
+                        <m:sSubPr>
+                          <m:ctrlPr>
+                            <a:rPr kumimoji="1" lang="en-US" altLang="ja-JP" i="1" smtClean="0">
+                              <a:latin typeface="Cambria Math" panose="02040503050406030204" pitchFamily="18" charset="0"/>
+                            </a:rPr>
+                          </m:ctrlPr>
+                        </m:sSubPr>
+                        <m:e>
+                          <m:r>
+                            <a:rPr kumimoji="1" lang="en-US" altLang="ja-JP" i="1" smtClean="0">
+                              <a:latin typeface="Cambria Math" panose="02040503050406030204" pitchFamily="18" charset="0"/>
+                              <a:ea typeface="Cambria Math" panose="02040503050406030204" pitchFamily="18" charset="0"/>
+                            </a:rPr>
+                            <m:t>𝜆</m:t>
+                          </m:r>
+                        </m:e>
+                        <m:sub>
+                          <m:r>
+                            <a:rPr kumimoji="1" lang="en-US" altLang="ja-JP" b="0" i="1" smtClean="0">
+                              <a:latin typeface="Cambria Math" panose="02040503050406030204" pitchFamily="18" charset="0"/>
+                            </a:rPr>
+                            <m:t>3/2</m:t>
+                          </m:r>
+                        </m:sub>
+                      </m:sSub>
+                      <m:r>
+                        <a:rPr kumimoji="1" lang="en-US" altLang="ja-JP" b="0" i="1" smtClean="0">
+                          <a:latin typeface="Cambria Math" panose="02040503050406030204" pitchFamily="18" charset="0"/>
+                        </a:rPr>
+                        <m:t>=0</m:t>
+                      </m:r>
+                    </m:oMath>
+                  </m:oMathPara>
+                </a14:m>
+                <a:endParaRPr kumimoji="1" lang="ja-JP" altLang="en-US"/>
+              </a:p>
+            </p:txBody>
+          </p:sp>
+        </mc:Choice>
+        <mc:Fallback>
+          <p:sp>
+            <p:nvSpPr>
+              <p:cNvPr id="30" name="テキスト ボックス 29">
+                <a:extLst>
+                  <a:ext uri="{FF2B5EF4-FFF2-40B4-BE49-F238E27FC236}">
+                    <a16:creationId xmlns:a16="http://schemas.microsoft.com/office/drawing/2014/main" id="{8324F404-37E0-222E-C427-FDF570A17819}"/>
+                  </a:ext>
+                </a:extLst>
+              </p:cNvPr>
+              <p:cNvSpPr txBox="1">
+                <a:spLocks noRot="1" noChangeAspect="1" noMove="1" noResize="1" noEditPoints="1" noAdjustHandles="1" noChangeArrowheads="1" noChangeShapeType="1" noTextEdit="1"/>
+              </p:cNvSpPr>
+              <p:nvPr/>
+            </p:nvSpPr>
+            <p:spPr>
+              <a:xfrm>
+                <a:off x="3325452" y="2932101"/>
+                <a:ext cx="904029" cy="301878"/>
+              </a:xfrm>
+              <a:prstGeom prst="rect">
+                <a:avLst/>
+              </a:prstGeom>
+              <a:blipFill>
+                <a:blip r:embed="rId5"/>
+                <a:stretch>
+                  <a:fillRect l="-6944" r="-4167" b="-24000"/>
+                </a:stretch>
+              </a:blipFill>
+            </p:spPr>
+            <p:txBody>
+              <a:bodyPr/>
+              <a:lstStyle/>
+              <a:p>
+                <a:r>
+                  <a:rPr lang="ja-JP" altLang="en-US">
+                    <a:noFill/>
+                  </a:rPr>
+                  <a:t> </a:t>
+                </a:r>
+              </a:p>
+            </p:txBody>
+          </p:sp>
+        </mc:Fallback>
+      </mc:AlternateContent>
+      <p:sp>
+        <p:nvSpPr>
+          <p:cNvPr id="31" name="右矢印 30">
+            <a:extLst>
+              <a:ext uri="{FF2B5EF4-FFF2-40B4-BE49-F238E27FC236}">
+                <a16:creationId xmlns:a16="http://schemas.microsoft.com/office/drawing/2014/main" id="{642B1750-799D-AB60-9CA7-168044497663}"/>
+              </a:ext>
+            </a:extLst>
+          </p:cNvPr>
+          <p:cNvSpPr/>
+          <p:nvPr/>
+        </p:nvSpPr>
+        <p:spPr>
+          <a:xfrm>
+            <a:off x="2653990" y="4563157"/>
+            <a:ext cx="267630" cy="276999"/>
+          </a:xfrm>
+          <a:prstGeom prst="rightArrow">
+            <a:avLst/>
+          </a:prstGeom>
+          <a:noFill/>
+          <a:ln>
+            <a:solidFill>
+              <a:srgbClr val="002060"/>
+            </a:solidFill>
+          </a:ln>
+        </p:spPr>
+        <p:style>
+          <a:lnRef idx="2">
+            <a:schemeClr val="accent1">
+              <a:shade val="15000"/>
+            </a:schemeClr>
+          </a:lnRef>
+          <a:fillRef idx="1">
+            <a:schemeClr val="accent1"/>
+          </a:fillRef>
+          <a:effectRef idx="0">
+            <a:schemeClr val="accent1"/>
+          </a:effectRef>
+          <a:fontRef idx="minor">
+            <a:schemeClr val="lt1"/>
+          </a:fontRef>
+        </p:style>
+        <p:txBody>
+          <a:bodyPr rtlCol="0" anchor="ctr"/>
+          <a:lstStyle/>
+          <a:p>
+            <a:pPr algn="ctr"/>
+            <a:endParaRPr kumimoji="1" lang="ja-JP" altLang="en-US"/>
+          </a:p>
+        </p:txBody>
+      </p:sp>
+      <mc:AlternateContent xmlns:mc="http://schemas.openxmlformats.org/markup-compatibility/2006">
+        <mc:Choice xmlns:a14="http://schemas.microsoft.com/office/drawing/2010/main" Requires="a14">
+          <p:sp>
+            <p:nvSpPr>
+              <p:cNvPr id="32" name="テキスト ボックス 31">
+                <a:extLst>
+                  <a:ext uri="{FF2B5EF4-FFF2-40B4-BE49-F238E27FC236}">
+                    <a16:creationId xmlns:a16="http://schemas.microsoft.com/office/drawing/2014/main" id="{FEDD0B18-2833-4E36-2A7E-AA91BEA11BEB}"/>
+                  </a:ext>
+                </a:extLst>
+              </p:cNvPr>
+              <p:cNvSpPr txBox="1"/>
+              <p:nvPr/>
+            </p:nvSpPr>
+            <p:spPr>
+              <a:xfrm>
+                <a:off x="3325452" y="4292082"/>
+                <a:ext cx="904029" cy="301878"/>
+              </a:xfrm>
+              <a:prstGeom prst="rect">
+                <a:avLst/>
+              </a:prstGeom>
+              <a:noFill/>
+            </p:spPr>
+            <p:txBody>
+              <a:bodyPr wrap="none" lIns="0" tIns="0" rIns="0" bIns="0" rtlCol="0">
+                <a:spAutoFit/>
+              </a:bodyPr>
+              <a:lstStyle/>
+              <a:p>
+                <a14:m>
+                  <m:oMathPara xmlns:m="http://schemas.openxmlformats.org/officeDocument/2006/math">
+                    <m:oMathParaPr>
+                      <m:jc m:val="centerGroup"/>
+                    </m:oMathParaPr>
+                    <m:oMath xmlns:m="http://schemas.openxmlformats.org/officeDocument/2006/math">
+                      <m:sSub>
+                        <m:sSubPr>
+                          <m:ctrlPr>
+                            <a:rPr kumimoji="1" lang="en-US" altLang="ja-JP" i="1" smtClean="0">
+                              <a:latin typeface="Cambria Math" panose="02040503050406030204" pitchFamily="18" charset="0"/>
+                            </a:rPr>
+                          </m:ctrlPr>
+                        </m:sSubPr>
+                        <m:e>
+                          <m:r>
+                            <a:rPr kumimoji="1" lang="en-US" altLang="ja-JP" i="1" smtClean="0">
+                              <a:latin typeface="Cambria Math" panose="02040503050406030204" pitchFamily="18" charset="0"/>
+                              <a:ea typeface="Cambria Math" panose="02040503050406030204" pitchFamily="18" charset="0"/>
+                            </a:rPr>
+                            <m:t>𝜆</m:t>
+                          </m:r>
+                        </m:e>
+                        <m:sub>
+                          <m:r>
+                            <a:rPr kumimoji="1" lang="en-US" altLang="ja-JP" b="0" i="1" smtClean="0">
+                              <a:latin typeface="Cambria Math" panose="02040503050406030204" pitchFamily="18" charset="0"/>
+                            </a:rPr>
+                            <m:t>3/2</m:t>
+                          </m:r>
+                        </m:sub>
+                      </m:sSub>
+                      <m:r>
+                        <a:rPr kumimoji="1" lang="en-US" altLang="ja-JP" b="0" i="1" smtClean="0">
+                          <a:latin typeface="Cambria Math" panose="02040503050406030204" pitchFamily="18" charset="0"/>
+                        </a:rPr>
+                        <m:t>=0</m:t>
+                      </m:r>
+                    </m:oMath>
+                  </m:oMathPara>
+                </a14:m>
+                <a:endParaRPr kumimoji="1" lang="ja-JP" altLang="en-US"/>
+              </a:p>
+            </p:txBody>
+          </p:sp>
+        </mc:Choice>
+        <mc:Fallback>
+          <p:sp>
+            <p:nvSpPr>
+              <p:cNvPr id="32" name="テキスト ボックス 31">
+                <a:extLst>
+                  <a:ext uri="{FF2B5EF4-FFF2-40B4-BE49-F238E27FC236}">
+                    <a16:creationId xmlns:a16="http://schemas.microsoft.com/office/drawing/2014/main" id="{FEDD0B18-2833-4E36-2A7E-AA91BEA11BEB}"/>
+                  </a:ext>
+                </a:extLst>
+              </p:cNvPr>
+              <p:cNvSpPr txBox="1">
+                <a:spLocks noRot="1" noChangeAspect="1" noMove="1" noResize="1" noEditPoints="1" noAdjustHandles="1" noChangeArrowheads="1" noChangeShapeType="1" noTextEdit="1"/>
+              </p:cNvSpPr>
+              <p:nvPr/>
+            </p:nvSpPr>
+            <p:spPr>
+              <a:xfrm>
+                <a:off x="3325452" y="4292082"/>
+                <a:ext cx="904029" cy="301878"/>
+              </a:xfrm>
+              <a:prstGeom prst="rect">
+                <a:avLst/>
+              </a:prstGeom>
+              <a:blipFill>
+                <a:blip r:embed="rId5"/>
+                <a:stretch>
+                  <a:fillRect l="-6944" r="-4167" b="-24000"/>
+                </a:stretch>
+              </a:blipFill>
+            </p:spPr>
+            <p:txBody>
+              <a:bodyPr/>
+              <a:lstStyle/>
+              <a:p>
+                <a:r>
+                  <a:rPr lang="ja-JP" altLang="en-US">
+                    <a:noFill/>
+                  </a:rPr>
+                  <a:t> </a:t>
+                </a:r>
+              </a:p>
+            </p:txBody>
+          </p:sp>
+        </mc:Fallback>
+      </mc:AlternateContent>
+      <mc:AlternateContent xmlns:mc="http://schemas.openxmlformats.org/markup-compatibility/2006">
+        <mc:Choice xmlns:a14="http://schemas.microsoft.com/office/drawing/2010/main" Requires="a14">
+          <p:sp>
+            <p:nvSpPr>
+              <p:cNvPr id="33" name="テキスト ボックス 32">
+                <a:extLst>
+                  <a:ext uri="{FF2B5EF4-FFF2-40B4-BE49-F238E27FC236}">
+                    <a16:creationId xmlns:a16="http://schemas.microsoft.com/office/drawing/2014/main" id="{9DBAC5C8-70FF-8604-1A71-AA88E00F1505}"/>
+                  </a:ext>
+                </a:extLst>
+              </p:cNvPr>
+              <p:cNvSpPr txBox="1"/>
+              <p:nvPr/>
+            </p:nvSpPr>
+            <p:spPr>
+              <a:xfrm>
+                <a:off x="3198342" y="4681325"/>
+                <a:ext cx="1224566" cy="394210"/>
+              </a:xfrm>
+              <a:prstGeom prst="rect">
+                <a:avLst/>
+              </a:prstGeom>
+              <a:noFill/>
+            </p:spPr>
+            <p:txBody>
+              <a:bodyPr wrap="none" rtlCol="0">
+                <a:spAutoFit/>
+              </a:bodyPr>
+              <a:lstStyle/>
+              <a:p>
+                <a14:m>
+                  <m:oMathPara xmlns:m="http://schemas.openxmlformats.org/officeDocument/2006/math">
+                    <m:oMathParaPr>
+                      <m:jc m:val="centerGroup"/>
+                    </m:oMathParaPr>
+                    <m:oMath xmlns:m="http://schemas.openxmlformats.org/officeDocument/2006/math">
+                      <m:sSub>
+                        <m:sSubPr>
+                          <m:ctrlPr>
+                            <a:rPr kumimoji="1" lang="en-US" altLang="ja-JP" b="0" i="1" smtClean="0">
+                              <a:latin typeface="Cambria Math" panose="02040503050406030204" pitchFamily="18" charset="0"/>
+                            </a:rPr>
+                          </m:ctrlPr>
+                        </m:sSubPr>
+                        <m:e>
+                          <m:r>
+                            <a:rPr kumimoji="1" lang="en-US" altLang="ja-JP" b="0" i="1" smtClean="0">
+                              <a:latin typeface="Cambria Math" panose="02040503050406030204" pitchFamily="18" charset="0"/>
+                            </a:rPr>
+                            <m:t>𝑞</m:t>
+                          </m:r>
+                        </m:e>
+                        <m:sub>
+                          <m:r>
+                            <a:rPr kumimoji="1" lang="en-US" altLang="ja-JP" b="0" i="1" smtClean="0">
+                              <a:latin typeface="Cambria Math" panose="02040503050406030204" pitchFamily="18" charset="0"/>
+                            </a:rPr>
+                            <m:t>3/2</m:t>
+                          </m:r>
+                        </m:sub>
+                      </m:sSub>
+                      <m:r>
+                        <a:rPr kumimoji="1" lang="en-US" altLang="ja-JP" b="0" i="1" smtClean="0">
+                          <a:latin typeface="Cambria Math" panose="02040503050406030204" pitchFamily="18" charset="0"/>
+                        </a:rPr>
+                        <m:t>=</m:t>
+                      </m:r>
+                      <m:r>
+                        <a:rPr kumimoji="1" lang="en-US" altLang="ja-JP" b="0" i="1" smtClean="0">
+                          <a:latin typeface="Cambria Math" panose="02040503050406030204" pitchFamily="18" charset="0"/>
+                        </a:rPr>
+                        <m:t>𝑞𝑏</m:t>
+                      </m:r>
+                      <m:r>
+                        <a:rPr kumimoji="1" lang="en-US" altLang="ja-JP" b="0" i="1" baseline="30000" smtClean="0">
+                          <a:latin typeface="Cambria Math" panose="02040503050406030204" pitchFamily="18" charset="0"/>
+                        </a:rPr>
+                        <m:t>𝑐</m:t>
+                      </m:r>
+                    </m:oMath>
+                  </m:oMathPara>
+                </a14:m>
+                <a:endParaRPr kumimoji="1" lang="ja-JP" altLang="en-US" baseline="30000"/>
+              </a:p>
+            </p:txBody>
+          </p:sp>
+        </mc:Choice>
+        <mc:Fallback>
+          <p:sp>
+            <p:nvSpPr>
+              <p:cNvPr id="33" name="テキスト ボックス 32">
+                <a:extLst>
+                  <a:ext uri="{FF2B5EF4-FFF2-40B4-BE49-F238E27FC236}">
+                    <a16:creationId xmlns:a16="http://schemas.microsoft.com/office/drawing/2014/main" id="{9DBAC5C8-70FF-8604-1A71-AA88E00F1505}"/>
+                  </a:ext>
+                </a:extLst>
+              </p:cNvPr>
+              <p:cNvSpPr txBox="1">
+                <a:spLocks noRot="1" noChangeAspect="1" noMove="1" noResize="1" noEditPoints="1" noAdjustHandles="1" noChangeArrowheads="1" noChangeShapeType="1" noTextEdit="1"/>
+              </p:cNvSpPr>
+              <p:nvPr/>
+            </p:nvSpPr>
+            <p:spPr>
+              <a:xfrm>
+                <a:off x="3198342" y="4681325"/>
+                <a:ext cx="1224566" cy="394210"/>
+              </a:xfrm>
+              <a:prstGeom prst="rect">
+                <a:avLst/>
+              </a:prstGeom>
+              <a:blipFill>
+                <a:blip r:embed="rId6"/>
+                <a:stretch>
+                  <a:fillRect b="-9375"/>
+                </a:stretch>
+              </a:blipFill>
+            </p:spPr>
+            <p:txBody>
+              <a:bodyPr/>
+              <a:lstStyle/>
+              <a:p>
+                <a:r>
+                  <a:rPr lang="ja-JP" altLang="en-US">
+                    <a:noFill/>
+                  </a:rPr>
+                  <a:t> </a:t>
+                </a:r>
+              </a:p>
+            </p:txBody>
+          </p:sp>
+        </mc:Fallback>
+      </mc:AlternateContent>
+      <p:sp>
+        <p:nvSpPr>
+          <p:cNvPr id="35" name="テキスト ボックス 34">
+            <a:extLst>
+              <a:ext uri="{FF2B5EF4-FFF2-40B4-BE49-F238E27FC236}">
+                <a16:creationId xmlns:a16="http://schemas.microsoft.com/office/drawing/2014/main" id="{95E43051-5007-24EF-E4BD-996177745C0D}"/>
+              </a:ext>
+            </a:extLst>
+          </p:cNvPr>
+          <p:cNvSpPr txBox="1"/>
+          <p:nvPr/>
+        </p:nvSpPr>
+        <p:spPr>
+          <a:xfrm>
+            <a:off x="379168" y="6043604"/>
+            <a:ext cx="4549643" cy="523220"/>
+          </a:xfrm>
+          <a:prstGeom prst="rect">
+            <a:avLst/>
+          </a:prstGeom>
+          <a:noFill/>
+        </p:spPr>
+        <p:txBody>
+          <a:bodyPr wrap="none" rtlCol="0">
+            <a:spAutoFit/>
+          </a:bodyPr>
+          <a:lstStyle/>
+          <a:p>
+            <a:r>
+              <a:rPr kumimoji="1" lang="ja-JP" altLang="en-US" sz="1400"/>
+              <a:t>ガイドセル</a:t>
+            </a:r>
+            <a:r>
+              <a:rPr kumimoji="1" lang="en-US" altLang="ja-JP" sz="1400" dirty="0"/>
+              <a:t>1,nx</a:t>
+            </a:r>
+            <a:r>
+              <a:rPr kumimoji="1" lang="ja-JP" altLang="en-US" sz="1400"/>
+              <a:t>に</a:t>
+            </a:r>
+            <a:r>
+              <a:rPr kumimoji="1" lang="en-US" altLang="ja-JP" sz="1400" dirty="0" err="1"/>
+              <a:t>θref</a:t>
+            </a:r>
+            <a:r>
+              <a:rPr kumimoji="1" lang="ja-JP" altLang="en-US" sz="1400"/>
+              <a:t>の値を入れておく</a:t>
+            </a:r>
+            <a:endParaRPr kumimoji="1" lang="en-US" altLang="ja-JP" sz="1400" dirty="0"/>
+          </a:p>
+          <a:p>
+            <a:r>
+              <a:rPr lang="ja-JP" altLang="en-US" sz="1400"/>
+              <a:t>熱伝達形式を指定する場合，必ず</a:t>
+            </a:r>
+            <a:r>
+              <a:rPr lang="en-US" altLang="ja-JP" sz="1400" dirty="0" err="1"/>
+              <a:t>q</a:t>
+            </a:r>
+            <a:r>
+              <a:rPr lang="en-US" altLang="ja-JP" sz="1400" baseline="30000" dirty="0" err="1"/>
+              <a:t>bc</a:t>
+            </a:r>
+            <a:r>
+              <a:rPr lang="ja-JP" altLang="en-US" sz="1400"/>
+              <a:t>はゼロにしておく</a:t>
+            </a:r>
+            <a:endParaRPr kumimoji="1" lang="ja-JP" altLang="en-US" sz="1400"/>
+          </a:p>
+        </p:txBody>
+      </p:sp>
+    </p:spTree>
+    <p:extLst>
+      <p:ext uri="{BB962C8B-B14F-4D97-AF65-F5344CB8AC3E}">
+        <p14:creationId xmlns:p14="http://schemas.microsoft.com/office/powerpoint/2010/main" val="2006757620"/>
+      </p:ext>
+    </p:extLst>
+  </p:cSld>
+  <p:clrMapOvr>
+    <a:masterClrMapping/>
+  </p:clrMapOvr>
+</p:sld>
+</file>
+
+<file path=ppt/slides/slide6.xml><?xml version="1.0" encoding="utf-8"?>
+<p:sld xmlns:a="http://schemas.openxmlformats.org/drawingml/2006/main" xmlns:r="http://schemas.openxmlformats.org/officeDocument/2006/relationships" xmlns:p="http://schemas.openxmlformats.org/presentationml/2006/main">
+  <p:cSld>
+    <p:spTree>
+      <p:nvGrpSpPr>
+        <p:cNvPr id="1" name=""/>
+        <p:cNvGrpSpPr/>
+        <p:nvPr/>
+      </p:nvGrpSpPr>
+      <p:grpSpPr>
+        <a:xfrm>
+          <a:off x="0" y="0"/>
+          <a:ext cx="0" cy="0"/>
+          <a:chOff x="0" y="0"/>
+          <a:chExt cx="0" cy="0"/>
+        </a:xfrm>
+      </p:grpSpPr>
+      <mc:AlternateContent xmlns:mc="http://schemas.openxmlformats.org/markup-compatibility/2006">
+        <mc:Choice xmlns:a14="http://schemas.microsoft.com/office/drawing/2010/main" Requires="a14">
+          <p:sp>
+            <p:nvSpPr>
+              <p:cNvPr id="2" name="テキスト ボックス 1">
+                <a:extLst>
+                  <a:ext uri="{FF2B5EF4-FFF2-40B4-BE49-F238E27FC236}">
+                    <a16:creationId xmlns:a16="http://schemas.microsoft.com/office/drawing/2014/main" id="{E8D0654B-EC36-13E9-FD0C-038205739FB2}"/>
+                  </a:ext>
+                </a:extLst>
+              </p:cNvPr>
+              <p:cNvSpPr txBox="1"/>
+              <p:nvPr/>
+            </p:nvSpPr>
+            <p:spPr>
+              <a:xfrm>
+                <a:off x="602165" y="1184099"/>
+                <a:ext cx="11396547" cy="412357"/>
+              </a:xfrm>
+              <a:prstGeom prst="rect">
+                <a:avLst/>
+              </a:prstGeom>
+              <a:noFill/>
+            </p:spPr>
+            <p:txBody>
+              <a:bodyPr wrap="square" lIns="0" tIns="0" rIns="0" bIns="0" rtlCol="0">
+                <a:spAutoFit/>
+              </a:bodyPr>
+              <a:lstStyle/>
+              <a:p>
+                <a:pPr/>
+                <a14:m>
+                  <m:oMathPara xmlns:m="http://schemas.openxmlformats.org/officeDocument/2006/math">
+                    <m:oMathParaPr>
+                      <m:jc m:val="left"/>
+                    </m:oMathParaPr>
+                    <m:oMath xmlns:m="http://schemas.openxmlformats.org/officeDocument/2006/math">
+                      <m:f>
+                        <m:fPr>
+                          <m:ctrlPr>
+                            <a:rPr kumimoji="1" lang="en-US" altLang="ja-JP" sz="1400" i="1" smtClean="0">
+                              <a:latin typeface="Cambria Math" panose="02040503050406030204" pitchFamily="18" charset="0"/>
+                            </a:rPr>
+                          </m:ctrlPr>
+                        </m:fPr>
+                        <m:num>
+                          <m:r>
+                            <a:rPr kumimoji="1" lang="en-US" altLang="ja-JP" sz="1400" b="0" i="1" smtClean="0">
+                              <a:latin typeface="Cambria Math" panose="02040503050406030204" pitchFamily="18" charset="0"/>
+                            </a:rPr>
+                            <m:t>1</m:t>
+                          </m:r>
+                        </m:num>
+                        <m:den>
+                          <m:r>
+                            <a:rPr lang="en-US" altLang="ja-JP" sz="1400" i="1">
+                              <a:latin typeface="Cambria Math" panose="02040503050406030204" pitchFamily="18" charset="0"/>
+                              <a:ea typeface="Cambria Math" panose="02040503050406030204" pitchFamily="18" charset="0"/>
+                            </a:rPr>
+                            <m:t>∆</m:t>
+                          </m:r>
+                          <m:r>
+                            <a:rPr lang="en-US" altLang="ja-JP" sz="1400" i="1">
+                              <a:latin typeface="Cambria Math" panose="02040503050406030204" pitchFamily="18" charset="0"/>
+                              <a:ea typeface="Cambria Math" panose="02040503050406030204" pitchFamily="18" charset="0"/>
+                            </a:rPr>
+                            <m:t>𝑥</m:t>
+                          </m:r>
+                        </m:den>
+                      </m:f>
+                      <m:d>
+                        <m:dPr>
+                          <m:begChr m:val="["/>
+                          <m:endChr m:val="]"/>
+                          <m:ctrlPr>
+                            <a:rPr kumimoji="1" lang="en-US" altLang="ja-JP" sz="1400" b="0" i="1" smtClean="0">
+                              <a:latin typeface="Cambria Math" panose="02040503050406030204" pitchFamily="18" charset="0"/>
+                            </a:rPr>
+                          </m:ctrlPr>
+                        </m:dPr>
+                        <m:e>
+                          <m:sSub>
+                            <m:sSubPr>
+                              <m:ctrlPr>
+                                <a:rPr lang="en-US" altLang="ja-JP" sz="1400" i="1">
+                                  <a:latin typeface="Cambria Math" panose="02040503050406030204" pitchFamily="18" charset="0"/>
+                                </a:rPr>
+                              </m:ctrlPr>
+                            </m:sSubPr>
+                            <m:e>
+                              <m:r>
+                                <a:rPr lang="en-US" altLang="ja-JP" sz="1400" i="1">
+                                  <a:latin typeface="Cambria Math" panose="02040503050406030204" pitchFamily="18" charset="0"/>
+                                  <a:ea typeface="Cambria Math" panose="02040503050406030204" pitchFamily="18" charset="0"/>
+                                </a:rPr>
+                                <m:t>𝜆</m:t>
+                              </m:r>
+                            </m:e>
+                            <m:sub>
+                              <m:r>
+                                <a:rPr lang="en-US" altLang="ja-JP" sz="1400" i="1">
+                                  <a:latin typeface="Cambria Math" panose="02040503050406030204" pitchFamily="18" charset="0"/>
+                                </a:rPr>
+                                <m:t>𝑖</m:t>
+                              </m:r>
+                              <m:r>
+                                <a:rPr lang="en-US" altLang="ja-JP" sz="1400" i="1">
+                                  <a:latin typeface="Cambria Math" panose="02040503050406030204" pitchFamily="18" charset="0"/>
+                                </a:rPr>
+                                <m:t>+1/2</m:t>
+                              </m:r>
+                            </m:sub>
+                          </m:sSub>
+                          <m:f>
+                            <m:fPr>
+                              <m:ctrlPr>
+                                <a:rPr lang="en-US" altLang="ja-JP" sz="1400" i="1">
+                                  <a:latin typeface="Cambria Math" panose="02040503050406030204" pitchFamily="18" charset="0"/>
+                                </a:rPr>
+                              </m:ctrlPr>
+                            </m:fPr>
+                            <m:num>
+                              <m:sSub>
+                                <m:sSubPr>
+                                  <m:ctrlPr>
+                                    <a:rPr lang="en-US" altLang="ja-JP" sz="1400" i="1">
+                                      <a:latin typeface="Cambria Math" panose="02040503050406030204" pitchFamily="18" charset="0"/>
+                                    </a:rPr>
+                                  </m:ctrlPr>
+                                </m:sSubPr>
+                                <m:e>
+                                  <m:r>
+                                    <a:rPr lang="en-US" altLang="ja-JP" sz="1400" i="1">
+                                      <a:latin typeface="Cambria Math" panose="02040503050406030204" pitchFamily="18" charset="0"/>
+                                      <a:ea typeface="Cambria Math" panose="02040503050406030204" pitchFamily="18" charset="0"/>
+                                    </a:rPr>
+                                    <m:t>𝜃</m:t>
+                                  </m:r>
+                                </m:e>
+                                <m:sub>
+                                  <m:r>
+                                    <a:rPr lang="en-US" altLang="ja-JP" sz="1400" i="1">
+                                      <a:latin typeface="Cambria Math" panose="02040503050406030204" pitchFamily="18" charset="0"/>
+                                    </a:rPr>
+                                    <m:t>𝑖</m:t>
+                                  </m:r>
+                                  <m:r>
+                                    <a:rPr lang="en-US" altLang="ja-JP" sz="1400" i="1">
+                                      <a:latin typeface="Cambria Math" panose="02040503050406030204" pitchFamily="18" charset="0"/>
+                                    </a:rPr>
+                                    <m:t>+1</m:t>
+                                  </m:r>
+                                </m:sub>
+                              </m:sSub>
+                              <m:r>
+                                <a:rPr lang="en-US" altLang="ja-JP" sz="1400" i="1">
+                                  <a:latin typeface="Cambria Math" panose="02040503050406030204" pitchFamily="18" charset="0"/>
+                                </a:rPr>
+                                <m:t>−</m:t>
+                              </m:r>
+                              <m:sSub>
+                                <m:sSubPr>
+                                  <m:ctrlPr>
+                                    <a:rPr lang="en-US" altLang="ja-JP" sz="1400" i="1">
+                                      <a:latin typeface="Cambria Math" panose="02040503050406030204" pitchFamily="18" charset="0"/>
+                                    </a:rPr>
+                                  </m:ctrlPr>
+                                </m:sSubPr>
+                                <m:e>
+                                  <m:r>
+                                    <a:rPr lang="en-US" altLang="ja-JP" sz="1400" i="1">
+                                      <a:latin typeface="Cambria Math" panose="02040503050406030204" pitchFamily="18" charset="0"/>
+                                      <a:ea typeface="Cambria Math" panose="02040503050406030204" pitchFamily="18" charset="0"/>
+                                    </a:rPr>
+                                    <m:t>𝜃</m:t>
+                                  </m:r>
+                                </m:e>
+                                <m:sub>
+                                  <m:r>
+                                    <a:rPr lang="en-US" altLang="ja-JP" sz="1400" i="1">
+                                      <a:latin typeface="Cambria Math" panose="02040503050406030204" pitchFamily="18" charset="0"/>
+                                    </a:rPr>
+                                    <m:t>𝑖</m:t>
+                                  </m:r>
+                                </m:sub>
+                              </m:sSub>
+                            </m:num>
+                            <m:den>
+                              <m:r>
+                                <a:rPr lang="en-US" altLang="ja-JP" sz="1400" i="1">
+                                  <a:latin typeface="Cambria Math" panose="02040503050406030204" pitchFamily="18" charset="0"/>
+                                  <a:ea typeface="Cambria Math" panose="02040503050406030204" pitchFamily="18" charset="0"/>
+                                </a:rPr>
+                                <m:t>∆</m:t>
+                              </m:r>
+                              <m:r>
+                                <a:rPr lang="en-US" altLang="ja-JP" sz="1400" i="1">
+                                  <a:latin typeface="Cambria Math" panose="02040503050406030204" pitchFamily="18" charset="0"/>
+                                  <a:ea typeface="Cambria Math" panose="02040503050406030204" pitchFamily="18" charset="0"/>
+                                </a:rPr>
+                                <m:t>𝑥</m:t>
+                              </m:r>
+                            </m:den>
+                          </m:f>
+                          <m:r>
+                            <a:rPr lang="en-US" altLang="ja-JP" sz="1400" b="0" i="1" smtClean="0">
+                              <a:latin typeface="Cambria Math" panose="02040503050406030204" pitchFamily="18" charset="0"/>
+                              <a:ea typeface="Cambria Math" panose="02040503050406030204" pitchFamily="18" charset="0"/>
+                            </a:rPr>
+                            <m:t>−</m:t>
+                          </m:r>
+                          <m:sSub>
+                            <m:sSubPr>
+                              <m:ctrlPr>
+                                <a:rPr lang="en-US" altLang="ja-JP" sz="1400" i="1">
+                                  <a:latin typeface="Cambria Math" panose="02040503050406030204" pitchFamily="18" charset="0"/>
+                                </a:rPr>
+                              </m:ctrlPr>
+                            </m:sSubPr>
+                            <m:e>
+                              <m:r>
+                                <a:rPr lang="en-US" altLang="ja-JP" sz="1400" i="1">
+                                  <a:latin typeface="Cambria Math" panose="02040503050406030204" pitchFamily="18" charset="0"/>
+                                  <a:ea typeface="Cambria Math" panose="02040503050406030204" pitchFamily="18" charset="0"/>
+                                </a:rPr>
+                                <m:t>𝜆</m:t>
+                              </m:r>
+                            </m:e>
+                            <m:sub>
+                              <m:r>
+                                <a:rPr lang="en-US" altLang="ja-JP" sz="1400" i="1">
+                                  <a:latin typeface="Cambria Math" panose="02040503050406030204" pitchFamily="18" charset="0"/>
+                                </a:rPr>
+                                <m:t>𝑖</m:t>
+                              </m:r>
+                              <m:r>
+                                <a:rPr lang="en-US" altLang="ja-JP" sz="1400" i="1">
+                                  <a:latin typeface="Cambria Math" panose="02040503050406030204" pitchFamily="18" charset="0"/>
+                                </a:rPr>
+                                <m:t>−1/2</m:t>
+                              </m:r>
+                            </m:sub>
+                          </m:sSub>
+                          <m:f>
+                            <m:fPr>
+                              <m:ctrlPr>
+                                <a:rPr lang="en-US" altLang="ja-JP" sz="1400" i="1">
+                                  <a:latin typeface="Cambria Math" panose="02040503050406030204" pitchFamily="18" charset="0"/>
+                                </a:rPr>
+                              </m:ctrlPr>
+                            </m:fPr>
+                            <m:num>
+                              <m:sSub>
+                                <m:sSubPr>
+                                  <m:ctrlPr>
+                                    <a:rPr lang="en-US" altLang="ja-JP" sz="1400" i="1">
+                                      <a:latin typeface="Cambria Math" panose="02040503050406030204" pitchFamily="18" charset="0"/>
+                                    </a:rPr>
+                                  </m:ctrlPr>
+                                </m:sSubPr>
+                                <m:e>
+                                  <m:r>
+                                    <a:rPr lang="en-US" altLang="ja-JP" sz="1400" i="1">
+                                      <a:latin typeface="Cambria Math" panose="02040503050406030204" pitchFamily="18" charset="0"/>
+                                      <a:ea typeface="Cambria Math" panose="02040503050406030204" pitchFamily="18" charset="0"/>
+                                    </a:rPr>
+                                    <m:t>𝜃</m:t>
+                                  </m:r>
+                                </m:e>
+                                <m:sub>
+                                  <m:r>
+                                    <a:rPr lang="en-US" altLang="ja-JP" sz="1400" i="1">
+                                      <a:latin typeface="Cambria Math" panose="02040503050406030204" pitchFamily="18" charset="0"/>
+                                    </a:rPr>
+                                    <m:t>𝑖</m:t>
+                                  </m:r>
+                                </m:sub>
+                              </m:sSub>
+                              <m:r>
+                                <a:rPr lang="en-US" altLang="ja-JP" sz="1400" i="1">
+                                  <a:latin typeface="Cambria Math" panose="02040503050406030204" pitchFamily="18" charset="0"/>
+                                </a:rPr>
+                                <m:t>−</m:t>
+                              </m:r>
+                              <m:sSub>
+                                <m:sSubPr>
+                                  <m:ctrlPr>
+                                    <a:rPr lang="en-US" altLang="ja-JP" sz="1400" i="1">
+                                      <a:latin typeface="Cambria Math" panose="02040503050406030204" pitchFamily="18" charset="0"/>
+                                    </a:rPr>
+                                  </m:ctrlPr>
+                                </m:sSubPr>
+                                <m:e>
+                                  <m:r>
+                                    <a:rPr lang="en-US" altLang="ja-JP" sz="1400" i="1">
+                                      <a:latin typeface="Cambria Math" panose="02040503050406030204" pitchFamily="18" charset="0"/>
+                                      <a:ea typeface="Cambria Math" panose="02040503050406030204" pitchFamily="18" charset="0"/>
+                                    </a:rPr>
+                                    <m:t>𝜃</m:t>
+                                  </m:r>
+                                </m:e>
+                                <m:sub>
+                                  <m:r>
+                                    <a:rPr lang="en-US" altLang="ja-JP" sz="1400" i="1">
+                                      <a:latin typeface="Cambria Math" panose="02040503050406030204" pitchFamily="18" charset="0"/>
+                                    </a:rPr>
+                                    <m:t>𝑖</m:t>
+                                  </m:r>
+                                  <m:r>
+                                    <a:rPr lang="en-US" altLang="ja-JP" sz="1400" i="1">
+                                      <a:latin typeface="Cambria Math" panose="02040503050406030204" pitchFamily="18" charset="0"/>
+                                    </a:rPr>
+                                    <m:t>−1</m:t>
+                                  </m:r>
+                                </m:sub>
+                              </m:sSub>
+                            </m:num>
+                            <m:den>
+                              <m:r>
+                                <a:rPr lang="en-US" altLang="ja-JP" sz="1400" i="1">
+                                  <a:latin typeface="Cambria Math" panose="02040503050406030204" pitchFamily="18" charset="0"/>
+                                  <a:ea typeface="Cambria Math" panose="02040503050406030204" pitchFamily="18" charset="0"/>
+                                </a:rPr>
+                                <m:t>∆</m:t>
+                              </m:r>
+                              <m:r>
+                                <a:rPr lang="en-US" altLang="ja-JP" sz="1400" i="1">
+                                  <a:latin typeface="Cambria Math" panose="02040503050406030204" pitchFamily="18" charset="0"/>
+                                  <a:ea typeface="Cambria Math" panose="02040503050406030204" pitchFamily="18" charset="0"/>
+                                </a:rPr>
+                                <m:t>𝑥</m:t>
+                              </m:r>
+                            </m:den>
+                          </m:f>
+                        </m:e>
+                      </m:d>
+                      <m:r>
+                        <a:rPr kumimoji="1" lang="en-US" altLang="ja-JP" sz="1400" b="0" i="1" smtClean="0">
+                          <a:latin typeface="Cambria Math" panose="02040503050406030204" pitchFamily="18" charset="0"/>
+                        </a:rPr>
+                        <m:t>+</m:t>
+                      </m:r>
+                      <m:r>
+                        <a:rPr kumimoji="1" lang="en-US" altLang="ja-JP" sz="1400" b="0" i="1" smtClean="0">
+                          <a:latin typeface="Cambria Math" panose="02040503050406030204" pitchFamily="18" charset="0"/>
+                        </a:rPr>
+                        <m:t>⋯+</m:t>
+                      </m:r>
+                      <m:r>
+                        <a:rPr kumimoji="1" lang="en-US" altLang="ja-JP" sz="1400" b="0" i="1" smtClean="0">
+                          <a:latin typeface="Cambria Math" panose="02040503050406030204" pitchFamily="18" charset="0"/>
+                        </a:rPr>
+                        <m:t>𝑄</m:t>
+                      </m:r>
+                      <m:r>
+                        <a:rPr kumimoji="1" lang="en-US" altLang="ja-JP" sz="1400" b="0" i="1" smtClean="0">
+                          <a:latin typeface="Cambria Math" panose="02040503050406030204" pitchFamily="18" charset="0"/>
+                        </a:rPr>
+                        <m:t>+</m:t>
+                      </m:r>
+                      <m:f>
+                        <m:fPr>
+                          <m:ctrlPr>
+                            <a:rPr lang="en-US" altLang="ja-JP" sz="1400" i="1">
+                              <a:latin typeface="Cambria Math" panose="02040503050406030204" pitchFamily="18" charset="0"/>
+                            </a:rPr>
+                          </m:ctrlPr>
+                        </m:fPr>
+                        <m:num>
+                          <m:r>
+                            <a:rPr lang="en-US" altLang="ja-JP" sz="1400" i="1">
+                              <a:latin typeface="Cambria Math" panose="02040503050406030204" pitchFamily="18" charset="0"/>
+                            </a:rPr>
+                            <m:t>1</m:t>
+                          </m:r>
+                        </m:num>
+                        <m:den>
+                          <m:r>
+                            <a:rPr lang="en-US" altLang="ja-JP" sz="1400" i="1">
+                              <a:latin typeface="Cambria Math" panose="02040503050406030204" pitchFamily="18" charset="0"/>
+                              <a:ea typeface="Cambria Math" panose="02040503050406030204" pitchFamily="18" charset="0"/>
+                            </a:rPr>
+                            <m:t>∆</m:t>
+                          </m:r>
+                          <m:r>
+                            <a:rPr lang="en-US" altLang="ja-JP" sz="1400" i="1">
+                              <a:latin typeface="Cambria Math" panose="02040503050406030204" pitchFamily="18" charset="0"/>
+                              <a:ea typeface="Cambria Math" panose="02040503050406030204" pitchFamily="18" charset="0"/>
+                            </a:rPr>
+                            <m:t>𝑥</m:t>
+                          </m:r>
+                        </m:den>
+                      </m:f>
+                      <m:d>
+                        <m:dPr>
+                          <m:begChr m:val="["/>
+                          <m:endChr m:val="]"/>
+                          <m:ctrlPr>
+                            <a:rPr lang="en-US" altLang="ja-JP" sz="1400" i="1" smtClean="0">
+                              <a:latin typeface="Cambria Math" panose="02040503050406030204" pitchFamily="18" charset="0"/>
+                              <a:ea typeface="Cambria Math" panose="02040503050406030204" pitchFamily="18" charset="0"/>
+                            </a:rPr>
+                          </m:ctrlPr>
+                        </m:dPr>
+                        <m:e>
+                          <m:sSubSup>
+                            <m:sSubSupPr>
+                              <m:ctrlPr>
+                                <a:rPr lang="en-US" altLang="ja-JP" sz="1400" i="1" smtClean="0">
+                                  <a:latin typeface="Cambria Math" panose="02040503050406030204" pitchFamily="18" charset="0"/>
+                                  <a:ea typeface="Cambria Math" panose="02040503050406030204" pitchFamily="18" charset="0"/>
+                                </a:rPr>
+                              </m:ctrlPr>
+                            </m:sSubSupPr>
+                            <m:e>
+                              <m:r>
+                                <a:rPr lang="en-US" altLang="ja-JP" sz="1400" b="0" i="1" smtClean="0">
+                                  <a:latin typeface="Cambria Math" panose="02040503050406030204" pitchFamily="18" charset="0"/>
+                                  <a:ea typeface="Cambria Math" panose="02040503050406030204" pitchFamily="18" charset="0"/>
+                                </a:rPr>
+                                <m:t>𝑞</m:t>
+                              </m:r>
+                            </m:e>
+                            <m:sub>
+                              <m:r>
+                                <a:rPr lang="en-US" altLang="ja-JP" sz="1400" b="0" i="1" smtClean="0">
+                                  <a:latin typeface="Cambria Math" panose="02040503050406030204" pitchFamily="18" charset="0"/>
+                                  <a:ea typeface="Cambria Math" panose="02040503050406030204" pitchFamily="18" charset="0"/>
+                                </a:rPr>
+                                <m:t>𝑖</m:t>
+                              </m:r>
+                              <m:r>
+                                <a:rPr lang="en-US" altLang="ja-JP" sz="1400" b="0" i="1" smtClean="0">
+                                  <a:latin typeface="Cambria Math" panose="02040503050406030204" pitchFamily="18" charset="0"/>
+                                  <a:ea typeface="Cambria Math" panose="02040503050406030204" pitchFamily="18" charset="0"/>
+                                </a:rPr>
+                                <m:t>+1/2</m:t>
+                              </m:r>
+                            </m:sub>
+                            <m:sup>
+                              <m:r>
+                                <a:rPr lang="en-US" altLang="ja-JP" sz="1400" b="0" i="1" smtClean="0">
+                                  <a:latin typeface="Cambria Math" panose="02040503050406030204" pitchFamily="18" charset="0"/>
+                                  <a:ea typeface="Cambria Math" panose="02040503050406030204" pitchFamily="18" charset="0"/>
+                                </a:rPr>
+                                <m:t>𝑏𝑐</m:t>
+                              </m:r>
+                            </m:sup>
+                          </m:sSubSup>
+                          <m:r>
+                            <a:rPr lang="en-US" altLang="ja-JP" sz="1400" b="0" i="1" smtClean="0">
+                              <a:latin typeface="Cambria Math" panose="02040503050406030204" pitchFamily="18" charset="0"/>
+                              <a:ea typeface="Cambria Math" panose="02040503050406030204" pitchFamily="18" charset="0"/>
+                            </a:rPr>
+                            <m:t>−</m:t>
+                          </m:r>
+                          <m:sSubSup>
+                            <m:sSubSupPr>
+                              <m:ctrlPr>
+                                <a:rPr lang="en-US" altLang="ja-JP" sz="1400" b="0" i="1" smtClean="0">
+                                  <a:latin typeface="Cambria Math" panose="02040503050406030204" pitchFamily="18" charset="0"/>
+                                  <a:ea typeface="Cambria Math" panose="02040503050406030204" pitchFamily="18" charset="0"/>
+                                </a:rPr>
+                              </m:ctrlPr>
+                            </m:sSubSupPr>
+                            <m:e>
+                              <m:r>
+                                <a:rPr lang="en-US" altLang="ja-JP" sz="1400" b="0" i="1" smtClean="0">
+                                  <a:latin typeface="Cambria Math" panose="02040503050406030204" pitchFamily="18" charset="0"/>
+                                  <a:ea typeface="Cambria Math" panose="02040503050406030204" pitchFamily="18" charset="0"/>
+                                </a:rPr>
+                                <m:t>𝑞</m:t>
+                              </m:r>
+                            </m:e>
+                            <m:sub>
+                              <m:r>
+                                <a:rPr lang="en-US" altLang="ja-JP" sz="1400" b="0" i="1" smtClean="0">
+                                  <a:latin typeface="Cambria Math" panose="02040503050406030204" pitchFamily="18" charset="0"/>
+                                  <a:ea typeface="Cambria Math" panose="02040503050406030204" pitchFamily="18" charset="0"/>
+                                </a:rPr>
+                                <m:t>𝑖</m:t>
+                              </m:r>
+                              <m:r>
+                                <a:rPr lang="en-US" altLang="ja-JP" sz="1400" b="0" i="1" smtClean="0">
+                                  <a:latin typeface="Cambria Math" panose="02040503050406030204" pitchFamily="18" charset="0"/>
+                                  <a:ea typeface="Cambria Math" panose="02040503050406030204" pitchFamily="18" charset="0"/>
+                                </a:rPr>
+                                <m:t>−1/2</m:t>
+                              </m:r>
+                            </m:sub>
+                            <m:sup>
+                              <m:r>
+                                <a:rPr lang="en-US" altLang="ja-JP" sz="1400" b="0" i="1" smtClean="0">
+                                  <a:latin typeface="Cambria Math" panose="02040503050406030204" pitchFamily="18" charset="0"/>
+                                  <a:ea typeface="Cambria Math" panose="02040503050406030204" pitchFamily="18" charset="0"/>
+                                </a:rPr>
+                                <m:t>𝑏𝑐</m:t>
+                              </m:r>
+                            </m:sup>
+                          </m:sSubSup>
+                        </m:e>
+                      </m:d>
+                      <m:r>
+                        <a:rPr lang="en-US" altLang="ja-JP" sz="1400" b="0" i="1" smtClean="0">
+                          <a:latin typeface="Cambria Math" panose="02040503050406030204" pitchFamily="18" charset="0"/>
+                          <a:ea typeface="Cambria Math" panose="02040503050406030204" pitchFamily="18" charset="0"/>
+                        </a:rPr>
+                        <m:t>+</m:t>
+                      </m:r>
+                      <m:f>
+                        <m:fPr>
+                          <m:ctrlPr>
+                            <a:rPr lang="en-US" altLang="ja-JP" sz="1400" i="1">
+                              <a:latin typeface="Cambria Math" panose="02040503050406030204" pitchFamily="18" charset="0"/>
+                            </a:rPr>
+                          </m:ctrlPr>
+                        </m:fPr>
+                        <m:num>
+                          <m:r>
+                            <a:rPr lang="en-US" altLang="ja-JP" sz="1400" i="1">
+                              <a:latin typeface="Cambria Math" panose="02040503050406030204" pitchFamily="18" charset="0"/>
+                            </a:rPr>
+                            <m:t>1</m:t>
+                          </m:r>
+                        </m:num>
+                        <m:den>
+                          <m:r>
+                            <a:rPr lang="en-US" altLang="ja-JP" sz="1400" i="1">
+                              <a:latin typeface="Cambria Math" panose="02040503050406030204" pitchFamily="18" charset="0"/>
+                              <a:ea typeface="Cambria Math" panose="02040503050406030204" pitchFamily="18" charset="0"/>
+                            </a:rPr>
+                            <m:t>∆</m:t>
+                          </m:r>
+                          <m:r>
+                            <a:rPr lang="en-US" altLang="ja-JP" sz="1400" i="1">
+                              <a:latin typeface="Cambria Math" panose="02040503050406030204" pitchFamily="18" charset="0"/>
+                              <a:ea typeface="Cambria Math" panose="02040503050406030204" pitchFamily="18" charset="0"/>
+                            </a:rPr>
+                            <m:t>𝑥</m:t>
+                          </m:r>
+                        </m:den>
+                      </m:f>
+                      <m:d>
+                        <m:dPr>
+                          <m:begChr m:val="["/>
+                          <m:endChr m:val="]"/>
+                          <m:ctrlPr>
+                            <a:rPr lang="en-US" altLang="ja-JP" sz="1400" i="1">
+                              <a:latin typeface="Cambria Math" panose="02040503050406030204" pitchFamily="18" charset="0"/>
+                              <a:ea typeface="Cambria Math" panose="02040503050406030204" pitchFamily="18" charset="0"/>
+                            </a:rPr>
+                          </m:ctrlPr>
+                        </m:dPr>
+                        <m:e>
+                          <m:r>
+                            <a:rPr lang="en-US" altLang="ja-JP" sz="1400" b="0" i="1" smtClean="0">
+                              <a:latin typeface="Cambria Math" panose="02040503050406030204" pitchFamily="18" charset="0"/>
+                              <a:ea typeface="Cambria Math" panose="02040503050406030204" pitchFamily="18" charset="0"/>
+                            </a:rPr>
+                            <m:t>−</m:t>
+                          </m:r>
+                          <m:r>
+                            <a:rPr lang="en-US" altLang="ja-JP" sz="1400" b="0" i="1" smtClean="0">
+                              <a:latin typeface="Cambria Math" panose="02040503050406030204" pitchFamily="18" charset="0"/>
+                              <a:ea typeface="Cambria Math" panose="02040503050406030204" pitchFamily="18" charset="0"/>
+                            </a:rPr>
+                            <m:t>𝐻</m:t>
+                          </m:r>
+                          <m:d>
+                            <m:dPr>
+                              <m:ctrlPr>
+                                <a:rPr lang="en-US" altLang="ja-JP" sz="1400" b="0" i="1" smtClean="0">
+                                  <a:latin typeface="Cambria Math" panose="02040503050406030204" pitchFamily="18" charset="0"/>
+                                  <a:ea typeface="Cambria Math" panose="02040503050406030204" pitchFamily="18" charset="0"/>
+                                </a:rPr>
+                              </m:ctrlPr>
+                            </m:dPr>
+                            <m:e>
+                              <m:sSub>
+                                <m:sSubPr>
+                                  <m:ctrlPr>
+                                    <a:rPr lang="en-US" altLang="ja-JP" sz="1400" b="0" i="1" smtClean="0">
+                                      <a:latin typeface="Cambria Math" panose="02040503050406030204" pitchFamily="18" charset="0"/>
+                                      <a:ea typeface="Cambria Math" panose="02040503050406030204" pitchFamily="18" charset="0"/>
+                                    </a:rPr>
+                                  </m:ctrlPr>
+                                </m:sSubPr>
+                                <m:e>
+                                  <m:r>
+                                    <a:rPr lang="en-US" altLang="ja-JP" sz="1400" b="0" i="1" smtClean="0">
+                                      <a:latin typeface="Cambria Math" panose="02040503050406030204" pitchFamily="18" charset="0"/>
+                                      <a:ea typeface="Cambria Math" panose="02040503050406030204" pitchFamily="18" charset="0"/>
+                                    </a:rPr>
+                                    <m:t>𝜃</m:t>
+                                  </m:r>
+                                </m:e>
+                                <m:sub>
+                                  <m:r>
+                                    <a:rPr lang="en-US" altLang="ja-JP" sz="1400" b="0" i="1" smtClean="0">
+                                      <a:latin typeface="Cambria Math" panose="02040503050406030204" pitchFamily="18" charset="0"/>
+                                      <a:ea typeface="Cambria Math" panose="02040503050406030204" pitchFamily="18" charset="0"/>
+                                    </a:rPr>
+                                    <m:t>𝑖</m:t>
+                                  </m:r>
+                                </m:sub>
+                              </m:sSub>
+                              <m:r>
+                                <a:rPr lang="en-US" altLang="ja-JP" sz="1400" b="0" i="1" smtClean="0">
+                                  <a:latin typeface="Cambria Math" panose="02040503050406030204" pitchFamily="18" charset="0"/>
+                                  <a:ea typeface="Cambria Math" panose="02040503050406030204" pitchFamily="18" charset="0"/>
+                                </a:rPr>
+                                <m:t>−</m:t>
+                              </m:r>
+                              <m:sSub>
+                                <m:sSubPr>
+                                  <m:ctrlPr>
+                                    <a:rPr lang="en-US" altLang="ja-JP" sz="1400" b="0" i="1" smtClean="0">
+                                      <a:latin typeface="Cambria Math" panose="02040503050406030204" pitchFamily="18" charset="0"/>
+                                      <a:ea typeface="Cambria Math" panose="02040503050406030204" pitchFamily="18" charset="0"/>
+                                    </a:rPr>
+                                  </m:ctrlPr>
+                                </m:sSubPr>
+                                <m:e>
+                                  <m:r>
+                                    <a:rPr lang="en-US" altLang="ja-JP" sz="1400" b="0" i="1" smtClean="0">
+                                      <a:latin typeface="Cambria Math" panose="02040503050406030204" pitchFamily="18" charset="0"/>
+                                      <a:ea typeface="Cambria Math" panose="02040503050406030204" pitchFamily="18" charset="0"/>
+                                    </a:rPr>
+                                    <m:t>𝜃</m:t>
+                                  </m:r>
+                                </m:e>
+                                <m:sub>
+                                  <m:r>
+                                    <a:rPr lang="en-US" altLang="ja-JP" sz="1400" b="0" i="1" smtClean="0">
+                                      <a:latin typeface="Cambria Math" panose="02040503050406030204" pitchFamily="18" charset="0"/>
+                                      <a:ea typeface="Cambria Math" panose="02040503050406030204" pitchFamily="18" charset="0"/>
+                                    </a:rPr>
+                                    <m:t>𝑖</m:t>
+                                  </m:r>
+                                  <m:r>
+                                    <a:rPr lang="en-US" altLang="ja-JP" sz="1400" b="0" i="1" smtClean="0">
+                                      <a:latin typeface="Cambria Math" panose="02040503050406030204" pitchFamily="18" charset="0"/>
+                                      <a:ea typeface="Cambria Math" panose="02040503050406030204" pitchFamily="18" charset="0"/>
+                                    </a:rPr>
+                                    <m:t>+1</m:t>
+                                  </m:r>
+                                </m:sub>
+                              </m:sSub>
+                            </m:e>
+                          </m:d>
+                          <m:r>
+                            <a:rPr lang="en-US" altLang="ja-JP" sz="1400" b="0" i="1" smtClean="0">
+                              <a:latin typeface="Cambria Math" panose="02040503050406030204" pitchFamily="18" charset="0"/>
+                              <a:ea typeface="Cambria Math" panose="02040503050406030204" pitchFamily="18" charset="0"/>
+                            </a:rPr>
+                            <m:t>∗</m:t>
+                          </m:r>
+                          <m:d>
+                            <m:dPr>
+                              <m:ctrlPr>
+                                <a:rPr lang="en-US" altLang="ja-JP" sz="1400" b="0" i="1" smtClean="0">
+                                  <a:latin typeface="Cambria Math" panose="02040503050406030204" pitchFamily="18" charset="0"/>
+                                  <a:ea typeface="Cambria Math" panose="02040503050406030204" pitchFamily="18" charset="0"/>
+                                </a:rPr>
+                              </m:ctrlPr>
+                            </m:dPr>
+                            <m:e>
+                              <m:r>
+                                <a:rPr lang="en-US" altLang="ja-JP" sz="1400" b="0" i="1" smtClean="0">
+                                  <a:latin typeface="Cambria Math" panose="02040503050406030204" pitchFamily="18" charset="0"/>
+                                  <a:ea typeface="Cambria Math" panose="02040503050406030204" pitchFamily="18" charset="0"/>
+                                </a:rPr>
+                                <m:t>1−</m:t>
+                              </m:r>
+                              <m:sSub>
+                                <m:sSubPr>
+                                  <m:ctrlPr>
+                                    <a:rPr lang="en-US" altLang="ja-JP" sz="1400" b="0" i="1" smtClean="0">
+                                      <a:latin typeface="Cambria Math" panose="02040503050406030204" pitchFamily="18" charset="0"/>
+                                      <a:ea typeface="Cambria Math" panose="02040503050406030204" pitchFamily="18" charset="0"/>
+                                    </a:rPr>
+                                  </m:ctrlPr>
+                                </m:sSubPr>
+                                <m:e>
+                                  <m:r>
+                                    <a:rPr lang="en-US" altLang="ja-JP" sz="1400" b="0" i="1" smtClean="0">
+                                      <a:latin typeface="Cambria Math" panose="02040503050406030204" pitchFamily="18" charset="0"/>
+                                      <a:ea typeface="Cambria Math" panose="02040503050406030204" pitchFamily="18" charset="0"/>
+                                    </a:rPr>
+                                    <m:t>𝑚</m:t>
+                                  </m:r>
+                                </m:e>
+                                <m:sub>
+                                  <m:r>
+                                    <a:rPr lang="en-US" altLang="ja-JP" sz="1400" b="0" i="1" smtClean="0">
+                                      <a:latin typeface="Cambria Math" panose="02040503050406030204" pitchFamily="18" charset="0"/>
+                                      <a:ea typeface="Cambria Math" panose="02040503050406030204" pitchFamily="18" charset="0"/>
+                                    </a:rPr>
+                                    <m:t>𝑖</m:t>
+                                  </m:r>
+                                  <m:r>
+                                    <a:rPr lang="en-US" altLang="ja-JP" sz="1400" b="0" i="1" smtClean="0">
+                                      <a:latin typeface="Cambria Math" panose="02040503050406030204" pitchFamily="18" charset="0"/>
+                                      <a:ea typeface="Cambria Math" panose="02040503050406030204" pitchFamily="18" charset="0"/>
+                                    </a:rPr>
+                                    <m:t>+1</m:t>
+                                  </m:r>
+                                </m:sub>
+                              </m:sSub>
+                            </m:e>
+                          </m:d>
+                          <m:r>
+                            <a:rPr lang="en-US" altLang="ja-JP" sz="1400" b="0" i="1" smtClean="0">
+                              <a:latin typeface="Cambria Math" panose="02040503050406030204" pitchFamily="18" charset="0"/>
+                              <a:ea typeface="Cambria Math" panose="02040503050406030204" pitchFamily="18" charset="0"/>
+                            </a:rPr>
+                            <m:t>−</m:t>
+                          </m:r>
+                          <m:r>
+                            <a:rPr lang="en-US" altLang="ja-JP" sz="1400" b="0" i="1" smtClean="0">
+                              <a:latin typeface="Cambria Math" panose="02040503050406030204" pitchFamily="18" charset="0"/>
+                              <a:ea typeface="Cambria Math" panose="02040503050406030204" pitchFamily="18" charset="0"/>
+                            </a:rPr>
+                            <m:t>𝐻</m:t>
+                          </m:r>
+                          <m:r>
+                            <a:rPr lang="en-US" altLang="ja-JP" sz="1400" b="0" i="1" smtClean="0">
+                              <a:latin typeface="Cambria Math" panose="02040503050406030204" pitchFamily="18" charset="0"/>
+                              <a:ea typeface="Cambria Math" panose="02040503050406030204" pitchFamily="18" charset="0"/>
+                            </a:rPr>
+                            <m:t>(</m:t>
+                          </m:r>
+                          <m:sSub>
+                            <m:sSubPr>
+                              <m:ctrlPr>
+                                <a:rPr lang="en-US" altLang="ja-JP" sz="1400" i="1">
+                                  <a:latin typeface="Cambria Math" panose="02040503050406030204" pitchFamily="18" charset="0"/>
+                                  <a:ea typeface="Cambria Math" panose="02040503050406030204" pitchFamily="18" charset="0"/>
+                                </a:rPr>
+                              </m:ctrlPr>
+                            </m:sSubPr>
+                            <m:e>
+                              <m:r>
+                                <a:rPr lang="en-US" altLang="ja-JP" sz="1400" i="1">
+                                  <a:latin typeface="Cambria Math" panose="02040503050406030204" pitchFamily="18" charset="0"/>
+                                  <a:ea typeface="Cambria Math" panose="02040503050406030204" pitchFamily="18" charset="0"/>
+                                </a:rPr>
+                                <m:t>𝜃</m:t>
+                              </m:r>
+                            </m:e>
+                            <m:sub>
+                              <m:r>
+                                <a:rPr lang="en-US" altLang="ja-JP" sz="1400" i="1">
+                                  <a:latin typeface="Cambria Math" panose="02040503050406030204" pitchFamily="18" charset="0"/>
+                                  <a:ea typeface="Cambria Math" panose="02040503050406030204" pitchFamily="18" charset="0"/>
+                                </a:rPr>
+                                <m:t>𝑖</m:t>
+                              </m:r>
+                            </m:sub>
+                          </m:sSub>
+                          <m:r>
+                            <a:rPr lang="en-US" altLang="ja-JP" sz="1400" i="1">
+                              <a:latin typeface="Cambria Math" panose="02040503050406030204" pitchFamily="18" charset="0"/>
+                              <a:ea typeface="Cambria Math" panose="02040503050406030204" pitchFamily="18" charset="0"/>
+                            </a:rPr>
+                            <m:t>−</m:t>
+                          </m:r>
+                          <m:sSub>
+                            <m:sSubPr>
+                              <m:ctrlPr>
+                                <a:rPr lang="en-US" altLang="ja-JP" sz="1400" i="1">
+                                  <a:latin typeface="Cambria Math" panose="02040503050406030204" pitchFamily="18" charset="0"/>
+                                  <a:ea typeface="Cambria Math" panose="02040503050406030204" pitchFamily="18" charset="0"/>
+                                </a:rPr>
+                              </m:ctrlPr>
+                            </m:sSubPr>
+                            <m:e>
+                              <m:r>
+                                <a:rPr lang="en-US" altLang="ja-JP" sz="1400" i="1">
+                                  <a:latin typeface="Cambria Math" panose="02040503050406030204" pitchFamily="18" charset="0"/>
+                                  <a:ea typeface="Cambria Math" panose="02040503050406030204" pitchFamily="18" charset="0"/>
+                                </a:rPr>
+                                <m:t>𝜃</m:t>
+                              </m:r>
+                            </m:e>
+                            <m:sub>
+                              <m:r>
+                                <a:rPr lang="en-US" altLang="ja-JP" sz="1400" i="1">
+                                  <a:latin typeface="Cambria Math" panose="02040503050406030204" pitchFamily="18" charset="0"/>
+                                  <a:ea typeface="Cambria Math" panose="02040503050406030204" pitchFamily="18" charset="0"/>
+                                </a:rPr>
+                                <m:t>𝑖</m:t>
+                              </m:r>
+                              <m:r>
+                                <a:rPr lang="en-US" altLang="ja-JP" sz="1400" b="0" i="1" smtClean="0">
+                                  <a:latin typeface="Cambria Math" panose="02040503050406030204" pitchFamily="18" charset="0"/>
+                                  <a:ea typeface="Cambria Math" panose="02040503050406030204" pitchFamily="18" charset="0"/>
+                                </a:rPr>
+                                <m:t>−</m:t>
+                              </m:r>
+                              <m:r>
+                                <a:rPr lang="en-US" altLang="ja-JP" sz="1400" i="1">
+                                  <a:latin typeface="Cambria Math" panose="02040503050406030204" pitchFamily="18" charset="0"/>
+                                  <a:ea typeface="Cambria Math" panose="02040503050406030204" pitchFamily="18" charset="0"/>
+                                </a:rPr>
+                                <m:t>1</m:t>
+                              </m:r>
+                            </m:sub>
+                          </m:sSub>
+                          <m:r>
+                            <a:rPr lang="en-US" altLang="ja-JP" sz="1400" b="0" i="1" smtClean="0">
+                              <a:latin typeface="Cambria Math" panose="02040503050406030204" pitchFamily="18" charset="0"/>
+                              <a:ea typeface="Cambria Math" panose="02040503050406030204" pitchFamily="18" charset="0"/>
+                            </a:rPr>
+                            <m:t>)</m:t>
+                          </m:r>
+                          <m:r>
+                            <a:rPr lang="en-US" altLang="ja-JP" sz="1400" i="1">
+                              <a:latin typeface="Cambria Math" panose="02040503050406030204" pitchFamily="18" charset="0"/>
+                              <a:ea typeface="Cambria Math" panose="02040503050406030204" pitchFamily="18" charset="0"/>
+                            </a:rPr>
+                            <m:t>∗(1−</m:t>
+                          </m:r>
+                          <m:sSub>
+                            <m:sSubPr>
+                              <m:ctrlPr>
+                                <a:rPr lang="en-US" altLang="ja-JP" sz="1400" i="1">
+                                  <a:latin typeface="Cambria Math" panose="02040503050406030204" pitchFamily="18" charset="0"/>
+                                  <a:ea typeface="Cambria Math" panose="02040503050406030204" pitchFamily="18" charset="0"/>
+                                </a:rPr>
+                              </m:ctrlPr>
+                            </m:sSubPr>
+                            <m:e>
+                              <m:r>
+                                <a:rPr lang="en-US" altLang="ja-JP" sz="1400" i="1">
+                                  <a:latin typeface="Cambria Math" panose="02040503050406030204" pitchFamily="18" charset="0"/>
+                                  <a:ea typeface="Cambria Math" panose="02040503050406030204" pitchFamily="18" charset="0"/>
+                                </a:rPr>
+                                <m:t>𝑚</m:t>
+                              </m:r>
+                            </m:e>
+                            <m:sub>
+                              <m:r>
+                                <a:rPr lang="en-US" altLang="ja-JP" sz="1400" i="1">
+                                  <a:latin typeface="Cambria Math" panose="02040503050406030204" pitchFamily="18" charset="0"/>
+                                  <a:ea typeface="Cambria Math" panose="02040503050406030204" pitchFamily="18" charset="0"/>
+                                </a:rPr>
+                                <m:t>𝑖</m:t>
+                              </m:r>
+                              <m:r>
+                                <a:rPr lang="en-US" altLang="ja-JP" sz="1400" b="0" i="1" smtClean="0">
+                                  <a:latin typeface="Cambria Math" panose="02040503050406030204" pitchFamily="18" charset="0"/>
+                                  <a:ea typeface="Cambria Math" panose="02040503050406030204" pitchFamily="18" charset="0"/>
+                                </a:rPr>
+                                <m:t>−</m:t>
+                              </m:r>
+                              <m:r>
+                                <a:rPr lang="en-US" altLang="ja-JP" sz="1400" i="1">
+                                  <a:latin typeface="Cambria Math" panose="02040503050406030204" pitchFamily="18" charset="0"/>
+                                  <a:ea typeface="Cambria Math" panose="02040503050406030204" pitchFamily="18" charset="0"/>
+                                </a:rPr>
+                                <m:t>1</m:t>
+                              </m:r>
+                            </m:sub>
+                          </m:sSub>
+                          <m:r>
+                            <a:rPr lang="en-US" altLang="ja-JP" sz="1400" i="1">
+                              <a:latin typeface="Cambria Math" panose="02040503050406030204" pitchFamily="18" charset="0"/>
+                              <a:ea typeface="Cambria Math" panose="02040503050406030204" pitchFamily="18" charset="0"/>
+                            </a:rPr>
+                            <m:t>)</m:t>
+                          </m:r>
+                        </m:e>
+                      </m:d>
+                      <m:r>
+                        <a:rPr kumimoji="1" lang="en-US" altLang="ja-JP" sz="1400" b="0" i="1" smtClean="0">
+                          <a:latin typeface="Cambria Math" panose="02040503050406030204" pitchFamily="18" charset="0"/>
+                        </a:rPr>
+                        <m:t>=0</m:t>
+                      </m:r>
+                    </m:oMath>
+                  </m:oMathPara>
+                </a14:m>
+                <a:endParaRPr kumimoji="1" lang="ja-JP" altLang="en-US" sz="1400"/>
+              </a:p>
+            </p:txBody>
+          </p:sp>
+        </mc:Choice>
+        <mc:Fallback>
+          <p:sp>
+            <p:nvSpPr>
+              <p:cNvPr id="2" name="テキスト ボックス 1">
+                <a:extLst>
+                  <a:ext uri="{FF2B5EF4-FFF2-40B4-BE49-F238E27FC236}">
+                    <a16:creationId xmlns:a16="http://schemas.microsoft.com/office/drawing/2014/main" id="{E8D0654B-EC36-13E9-FD0C-038205739FB2}"/>
+                  </a:ext>
+                </a:extLst>
+              </p:cNvPr>
+              <p:cNvSpPr txBox="1">
+                <a:spLocks noRot="1" noChangeAspect="1" noMove="1" noResize="1" noEditPoints="1" noAdjustHandles="1" noChangeArrowheads="1" noChangeShapeType="1" noTextEdit="1"/>
+              </p:cNvSpPr>
+              <p:nvPr/>
+            </p:nvSpPr>
+            <p:spPr>
+              <a:xfrm>
+                <a:off x="602165" y="1184099"/>
+                <a:ext cx="11396547" cy="412357"/>
+              </a:xfrm>
+              <a:prstGeom prst="rect">
+                <a:avLst/>
+              </a:prstGeom>
+              <a:blipFill>
+                <a:blip r:embed="rId2"/>
+                <a:stretch>
+                  <a:fillRect l="-557" t="-6061" b="-15152"/>
+                </a:stretch>
+              </a:blipFill>
+            </p:spPr>
+            <p:txBody>
+              <a:bodyPr/>
+              <a:lstStyle/>
+              <a:p>
+                <a:r>
+                  <a:rPr lang="ja-JP" altLang="en-US">
+                    <a:noFill/>
+                  </a:rPr>
+                  <a:t> </a:t>
+                </a:r>
+              </a:p>
+            </p:txBody>
+          </p:sp>
+        </mc:Fallback>
+      </mc:AlternateContent>
+      <mc:AlternateContent xmlns:mc="http://schemas.openxmlformats.org/markup-compatibility/2006">
+        <mc:Choice xmlns:a14="http://schemas.microsoft.com/office/drawing/2010/main" Requires="a14">
+          <p:sp>
+            <p:nvSpPr>
+              <p:cNvPr id="3" name="テキスト ボックス 2">
+                <a:extLst>
+                  <a:ext uri="{FF2B5EF4-FFF2-40B4-BE49-F238E27FC236}">
+                    <a16:creationId xmlns:a16="http://schemas.microsoft.com/office/drawing/2014/main" id="{FB859377-DE9F-E4C0-4E8B-FD7DB8B34E57}"/>
+                  </a:ext>
+                </a:extLst>
+              </p:cNvPr>
+              <p:cNvSpPr txBox="1"/>
+              <p:nvPr/>
+            </p:nvSpPr>
+            <p:spPr>
+              <a:xfrm>
+                <a:off x="602165" y="2241636"/>
+                <a:ext cx="10705171" cy="330924"/>
+              </a:xfrm>
+              <a:prstGeom prst="rect">
+                <a:avLst/>
+              </a:prstGeom>
+              <a:noFill/>
+            </p:spPr>
+            <p:txBody>
+              <a:bodyPr wrap="square" lIns="0" tIns="0" rIns="0" bIns="0" rtlCol="0">
+                <a:spAutoFit/>
+              </a:bodyPr>
+              <a:lstStyle/>
+              <a:p>
+                <a:pPr/>
+                <a14:m>
+                  <m:oMath xmlns:m="http://schemas.openxmlformats.org/officeDocument/2006/math">
+                    <m:f>
+                      <m:fPr>
+                        <m:ctrlPr>
+                          <a:rPr kumimoji="1" lang="en-US" altLang="ja-JP" sz="1400" i="1" smtClean="0">
+                            <a:latin typeface="Cambria Math" panose="02040503050406030204" pitchFamily="18" charset="0"/>
+                          </a:rPr>
+                        </m:ctrlPr>
+                      </m:fPr>
+                      <m:num>
+                        <m:sSub>
+                          <m:sSubPr>
+                            <m:ctrlPr>
+                              <a:rPr lang="en-US" altLang="ja-JP" sz="1400" i="1">
+                                <a:latin typeface="Cambria Math" panose="02040503050406030204" pitchFamily="18" charset="0"/>
+                              </a:rPr>
+                            </m:ctrlPr>
+                          </m:sSubPr>
+                          <m:e>
+                            <m:r>
+                              <a:rPr lang="en-US" altLang="ja-JP" sz="1400" i="1">
+                                <a:latin typeface="Cambria Math" panose="02040503050406030204" pitchFamily="18" charset="0"/>
+                                <a:ea typeface="Cambria Math" panose="02040503050406030204" pitchFamily="18" charset="0"/>
+                              </a:rPr>
+                              <m:t>𝜆</m:t>
+                            </m:r>
+                          </m:e>
+                          <m:sub>
+                            <m:r>
+                              <a:rPr lang="en-US" altLang="ja-JP" sz="1400" i="1">
+                                <a:latin typeface="Cambria Math" panose="02040503050406030204" pitchFamily="18" charset="0"/>
+                              </a:rPr>
+                              <m:t>𝑖</m:t>
+                            </m:r>
+                            <m:r>
+                              <a:rPr lang="en-US" altLang="ja-JP" sz="1400" i="1">
+                                <a:latin typeface="Cambria Math" panose="02040503050406030204" pitchFamily="18" charset="0"/>
+                              </a:rPr>
+                              <m:t>+1/2</m:t>
+                            </m:r>
+                          </m:sub>
+                        </m:sSub>
+                      </m:num>
+                      <m:den>
+                        <m:sSup>
+                          <m:sSupPr>
+                            <m:ctrlPr>
+                              <a:rPr lang="en-US" altLang="ja-JP" sz="1400" i="1" smtClean="0">
+                                <a:latin typeface="Cambria Math" panose="02040503050406030204" pitchFamily="18" charset="0"/>
+                                <a:ea typeface="Cambria Math" panose="02040503050406030204" pitchFamily="18" charset="0"/>
+                              </a:rPr>
+                            </m:ctrlPr>
+                          </m:sSupPr>
+                          <m:e>
+                            <m:r>
+                              <a:rPr lang="en-US" altLang="ja-JP" sz="1400" i="1">
+                                <a:latin typeface="Cambria Math" panose="02040503050406030204" pitchFamily="18" charset="0"/>
+                                <a:ea typeface="Cambria Math" panose="02040503050406030204" pitchFamily="18" charset="0"/>
+                              </a:rPr>
+                              <m:t>∆</m:t>
+                            </m:r>
+                            <m:r>
+                              <a:rPr lang="en-US" altLang="ja-JP" sz="1400" i="1">
+                                <a:latin typeface="Cambria Math" panose="02040503050406030204" pitchFamily="18" charset="0"/>
+                                <a:ea typeface="Cambria Math" panose="02040503050406030204" pitchFamily="18" charset="0"/>
+                              </a:rPr>
+                              <m:t>𝑥</m:t>
+                            </m:r>
+                          </m:e>
+                          <m:sup>
+                            <m:r>
+                              <a:rPr lang="en-US" altLang="ja-JP" sz="1400" b="0" i="1" smtClean="0">
+                                <a:latin typeface="Cambria Math" panose="02040503050406030204" pitchFamily="18" charset="0"/>
+                                <a:ea typeface="Cambria Math" panose="02040503050406030204" pitchFamily="18" charset="0"/>
+                              </a:rPr>
+                              <m:t>2</m:t>
+                            </m:r>
+                          </m:sup>
+                        </m:sSup>
+                      </m:den>
+                    </m:f>
+                    <m:d>
+                      <m:dPr>
+                        <m:ctrlPr>
+                          <a:rPr kumimoji="1" lang="en-US" altLang="ja-JP" sz="1400" b="0" i="1" smtClean="0">
+                            <a:latin typeface="Cambria Math" panose="02040503050406030204" pitchFamily="18" charset="0"/>
+                          </a:rPr>
+                        </m:ctrlPr>
+                      </m:dPr>
+                      <m:e>
+                        <m:sSub>
+                          <m:sSubPr>
+                            <m:ctrlPr>
+                              <a:rPr lang="en-US" altLang="ja-JP" sz="1400" i="1">
+                                <a:latin typeface="Cambria Math" panose="02040503050406030204" pitchFamily="18" charset="0"/>
+                              </a:rPr>
+                            </m:ctrlPr>
+                          </m:sSubPr>
+                          <m:e>
+                            <m:r>
+                              <a:rPr lang="en-US" altLang="ja-JP" sz="1400" i="1">
+                                <a:latin typeface="Cambria Math" panose="02040503050406030204" pitchFamily="18" charset="0"/>
+                                <a:ea typeface="Cambria Math" panose="02040503050406030204" pitchFamily="18" charset="0"/>
+                              </a:rPr>
+                              <m:t>𝜃</m:t>
+                            </m:r>
+                          </m:e>
+                          <m:sub>
+                            <m:r>
+                              <a:rPr lang="en-US" altLang="ja-JP" sz="1400" i="1">
+                                <a:latin typeface="Cambria Math" panose="02040503050406030204" pitchFamily="18" charset="0"/>
+                              </a:rPr>
+                              <m:t>𝑖</m:t>
+                            </m:r>
+                            <m:r>
+                              <a:rPr lang="en-US" altLang="ja-JP" sz="1400" i="1">
+                                <a:latin typeface="Cambria Math" panose="02040503050406030204" pitchFamily="18" charset="0"/>
+                              </a:rPr>
+                              <m:t>+1</m:t>
+                            </m:r>
+                          </m:sub>
+                        </m:sSub>
+                        <m:r>
+                          <a:rPr lang="en-US" altLang="ja-JP" sz="1400" i="1">
+                            <a:latin typeface="Cambria Math" panose="02040503050406030204" pitchFamily="18" charset="0"/>
+                          </a:rPr>
+                          <m:t>−</m:t>
+                        </m:r>
+                        <m:sSub>
+                          <m:sSubPr>
+                            <m:ctrlPr>
+                              <a:rPr lang="en-US" altLang="ja-JP" sz="1400" i="1">
+                                <a:latin typeface="Cambria Math" panose="02040503050406030204" pitchFamily="18" charset="0"/>
+                              </a:rPr>
+                            </m:ctrlPr>
+                          </m:sSubPr>
+                          <m:e>
+                            <m:r>
+                              <a:rPr lang="en-US" altLang="ja-JP" sz="1400" i="1">
+                                <a:latin typeface="Cambria Math" panose="02040503050406030204" pitchFamily="18" charset="0"/>
+                                <a:ea typeface="Cambria Math" panose="02040503050406030204" pitchFamily="18" charset="0"/>
+                              </a:rPr>
+                              <m:t>𝜃</m:t>
+                            </m:r>
+                          </m:e>
+                          <m:sub>
+                            <m:r>
+                              <a:rPr lang="en-US" altLang="ja-JP" sz="1400" i="1">
+                                <a:latin typeface="Cambria Math" panose="02040503050406030204" pitchFamily="18" charset="0"/>
+                              </a:rPr>
+                              <m:t>𝑖</m:t>
+                            </m:r>
+                          </m:sub>
+                        </m:sSub>
+                      </m:e>
+                    </m:d>
+                    <m:r>
+                      <a:rPr kumimoji="1" lang="en-US" altLang="ja-JP" sz="1400" b="0" i="1" smtClean="0">
+                        <a:latin typeface="Cambria Math" panose="02040503050406030204" pitchFamily="18" charset="0"/>
+                      </a:rPr>
+                      <m:t>−</m:t>
+                    </m:r>
+                    <m:f>
+                      <m:fPr>
+                        <m:ctrlPr>
+                          <a:rPr lang="en-US" altLang="ja-JP" sz="1400" i="1">
+                            <a:latin typeface="Cambria Math" panose="02040503050406030204" pitchFamily="18" charset="0"/>
+                          </a:rPr>
+                        </m:ctrlPr>
+                      </m:fPr>
+                      <m:num>
+                        <m:sSub>
+                          <m:sSubPr>
+                            <m:ctrlPr>
+                              <a:rPr lang="en-US" altLang="ja-JP" sz="1400" i="1">
+                                <a:latin typeface="Cambria Math" panose="02040503050406030204" pitchFamily="18" charset="0"/>
+                              </a:rPr>
+                            </m:ctrlPr>
+                          </m:sSubPr>
+                          <m:e>
+                            <m:r>
+                              <a:rPr lang="en-US" altLang="ja-JP" sz="1400" i="1">
+                                <a:latin typeface="Cambria Math" panose="02040503050406030204" pitchFamily="18" charset="0"/>
+                                <a:ea typeface="Cambria Math" panose="02040503050406030204" pitchFamily="18" charset="0"/>
+                              </a:rPr>
+                              <m:t>𝜆</m:t>
+                            </m:r>
+                          </m:e>
+                          <m:sub>
+                            <m:r>
+                              <a:rPr lang="en-US" altLang="ja-JP" sz="1400" i="1">
+                                <a:latin typeface="Cambria Math" panose="02040503050406030204" pitchFamily="18" charset="0"/>
+                              </a:rPr>
+                              <m:t>𝑖</m:t>
+                            </m:r>
+                            <m:r>
+                              <a:rPr lang="en-US" altLang="ja-JP" sz="1400" i="1">
+                                <a:latin typeface="Cambria Math" panose="02040503050406030204" pitchFamily="18" charset="0"/>
+                              </a:rPr>
+                              <m:t>−1/2</m:t>
+                            </m:r>
+                          </m:sub>
+                        </m:sSub>
+                      </m:num>
+                      <m:den>
+                        <m:sSup>
+                          <m:sSupPr>
+                            <m:ctrlPr>
+                              <a:rPr lang="en-US" altLang="ja-JP" sz="1400" i="1">
+                                <a:latin typeface="Cambria Math" panose="02040503050406030204" pitchFamily="18" charset="0"/>
+                                <a:ea typeface="Cambria Math" panose="02040503050406030204" pitchFamily="18" charset="0"/>
+                              </a:rPr>
+                            </m:ctrlPr>
+                          </m:sSupPr>
+                          <m:e>
+                            <m:r>
+                              <a:rPr lang="en-US" altLang="ja-JP" sz="1400" i="1">
+                                <a:latin typeface="Cambria Math" panose="02040503050406030204" pitchFamily="18" charset="0"/>
+                                <a:ea typeface="Cambria Math" panose="02040503050406030204" pitchFamily="18" charset="0"/>
+                              </a:rPr>
+                              <m:t>∆</m:t>
+                            </m:r>
+                            <m:r>
+                              <a:rPr lang="en-US" altLang="ja-JP" sz="1400" i="1">
+                                <a:latin typeface="Cambria Math" panose="02040503050406030204" pitchFamily="18" charset="0"/>
+                                <a:ea typeface="Cambria Math" panose="02040503050406030204" pitchFamily="18" charset="0"/>
+                              </a:rPr>
+                              <m:t>𝑥</m:t>
+                            </m:r>
+                          </m:e>
+                          <m:sup>
+                            <m:r>
+                              <a:rPr lang="en-US" altLang="ja-JP" sz="1400" i="1">
+                                <a:latin typeface="Cambria Math" panose="02040503050406030204" pitchFamily="18" charset="0"/>
+                                <a:ea typeface="Cambria Math" panose="02040503050406030204" pitchFamily="18" charset="0"/>
+                              </a:rPr>
+                              <m:t>2</m:t>
+                            </m:r>
+                          </m:sup>
+                        </m:sSup>
+                      </m:den>
+                    </m:f>
+                    <m:d>
+                      <m:dPr>
+                        <m:ctrlPr>
+                          <a:rPr lang="en-US" altLang="ja-JP" sz="1400" i="1">
+                            <a:latin typeface="Cambria Math" panose="02040503050406030204" pitchFamily="18" charset="0"/>
+                            <a:ea typeface="Cambria Math" panose="02040503050406030204" pitchFamily="18" charset="0"/>
+                          </a:rPr>
+                        </m:ctrlPr>
+                      </m:dPr>
+                      <m:e>
+                        <m:sSub>
+                          <m:sSubPr>
+                            <m:ctrlPr>
+                              <a:rPr lang="en-US" altLang="ja-JP" sz="1400" i="1">
+                                <a:latin typeface="Cambria Math" panose="02040503050406030204" pitchFamily="18" charset="0"/>
+                              </a:rPr>
+                            </m:ctrlPr>
+                          </m:sSubPr>
+                          <m:e>
+                            <m:r>
+                              <a:rPr lang="en-US" altLang="ja-JP" sz="1400" i="1">
+                                <a:latin typeface="Cambria Math" panose="02040503050406030204" pitchFamily="18" charset="0"/>
+                                <a:ea typeface="Cambria Math" panose="02040503050406030204" pitchFamily="18" charset="0"/>
+                              </a:rPr>
+                              <m:t>𝜃</m:t>
+                            </m:r>
+                          </m:e>
+                          <m:sub>
+                            <m:r>
+                              <a:rPr lang="en-US" altLang="ja-JP" sz="1400" i="1">
+                                <a:latin typeface="Cambria Math" panose="02040503050406030204" pitchFamily="18" charset="0"/>
+                              </a:rPr>
+                              <m:t>𝑖</m:t>
+                            </m:r>
+                          </m:sub>
+                        </m:sSub>
+                        <m:r>
+                          <a:rPr lang="en-US" altLang="ja-JP" sz="1400" i="1">
+                            <a:latin typeface="Cambria Math" panose="02040503050406030204" pitchFamily="18" charset="0"/>
+                          </a:rPr>
+                          <m:t>−</m:t>
+                        </m:r>
+                        <m:sSub>
+                          <m:sSubPr>
+                            <m:ctrlPr>
+                              <a:rPr lang="en-US" altLang="ja-JP" sz="1400" i="1">
+                                <a:latin typeface="Cambria Math" panose="02040503050406030204" pitchFamily="18" charset="0"/>
+                              </a:rPr>
+                            </m:ctrlPr>
+                          </m:sSubPr>
+                          <m:e>
+                            <m:r>
+                              <a:rPr lang="en-US" altLang="ja-JP" sz="1400" i="1">
+                                <a:latin typeface="Cambria Math" panose="02040503050406030204" pitchFamily="18" charset="0"/>
+                                <a:ea typeface="Cambria Math" panose="02040503050406030204" pitchFamily="18" charset="0"/>
+                              </a:rPr>
+                              <m:t>𝜃</m:t>
+                            </m:r>
+                          </m:e>
+                          <m:sub>
+                            <m:r>
+                              <a:rPr lang="en-US" altLang="ja-JP" sz="1400" i="1">
+                                <a:latin typeface="Cambria Math" panose="02040503050406030204" pitchFamily="18" charset="0"/>
+                              </a:rPr>
+                              <m:t>𝑖</m:t>
+                            </m:r>
+                            <m:r>
+                              <a:rPr lang="en-US" altLang="ja-JP" sz="1400" i="1">
+                                <a:latin typeface="Cambria Math" panose="02040503050406030204" pitchFamily="18" charset="0"/>
+                              </a:rPr>
+                              <m:t>−1</m:t>
+                            </m:r>
+                          </m:sub>
+                        </m:sSub>
+                      </m:e>
+                    </m:d>
+                    <m:r>
+                      <a:rPr kumimoji="1" lang="en-US" altLang="ja-JP" sz="1400" b="0" i="1" smtClean="0">
+                        <a:latin typeface="Cambria Math" panose="02040503050406030204" pitchFamily="18" charset="0"/>
+                      </a:rPr>
+                      <m:t>+</m:t>
+                    </m:r>
+                    <m:f>
+                      <m:fPr>
+                        <m:ctrlPr>
+                          <a:rPr lang="en-US" altLang="ja-JP" sz="1400" i="1">
+                            <a:latin typeface="Cambria Math" panose="02040503050406030204" pitchFamily="18" charset="0"/>
+                          </a:rPr>
+                        </m:ctrlPr>
+                      </m:fPr>
+                      <m:num>
+                        <m:sSub>
+                          <m:sSubPr>
+                            <m:ctrlPr>
+                              <a:rPr lang="en-US" altLang="ja-JP" sz="1400" i="1" smtClean="0">
+                                <a:latin typeface="Cambria Math" panose="02040503050406030204" pitchFamily="18" charset="0"/>
+                              </a:rPr>
+                            </m:ctrlPr>
+                          </m:sSubPr>
+                          <m:e>
+                            <m:r>
+                              <a:rPr lang="en-US" altLang="ja-JP" sz="1400" b="0" i="1" smtClean="0">
+                                <a:latin typeface="Cambria Math" panose="02040503050406030204" pitchFamily="18" charset="0"/>
+                              </a:rPr>
+                              <m:t>𝐻</m:t>
+                            </m:r>
+                          </m:e>
+                          <m:sub>
+                            <m:r>
+                              <a:rPr lang="en-US" altLang="ja-JP" sz="1400" b="0" i="1" smtClean="0">
+                                <a:latin typeface="Cambria Math" panose="02040503050406030204" pitchFamily="18" charset="0"/>
+                              </a:rPr>
+                              <m:t>𝑖</m:t>
+                            </m:r>
+                            <m:r>
+                              <a:rPr lang="en-US" altLang="ja-JP" sz="1400" b="0" i="1" smtClean="0">
+                                <a:latin typeface="Cambria Math" panose="02040503050406030204" pitchFamily="18" charset="0"/>
+                              </a:rPr>
+                              <m:t>+1/2</m:t>
+                            </m:r>
+                          </m:sub>
+                        </m:sSub>
+                      </m:num>
+                      <m:den>
+                        <m:r>
+                          <a:rPr lang="en-US" altLang="ja-JP" sz="1400" i="1">
+                            <a:latin typeface="Cambria Math" panose="02040503050406030204" pitchFamily="18" charset="0"/>
+                            <a:ea typeface="Cambria Math" panose="02040503050406030204" pitchFamily="18" charset="0"/>
+                          </a:rPr>
+                          <m:t>∆</m:t>
+                        </m:r>
+                        <m:r>
+                          <a:rPr lang="en-US" altLang="ja-JP" sz="1400" i="1">
+                            <a:latin typeface="Cambria Math" panose="02040503050406030204" pitchFamily="18" charset="0"/>
+                            <a:ea typeface="Cambria Math" panose="02040503050406030204" pitchFamily="18" charset="0"/>
+                          </a:rPr>
+                          <m:t>𝑥</m:t>
+                        </m:r>
+                      </m:den>
+                    </m:f>
+                    <m:d>
+                      <m:dPr>
+                        <m:ctrlPr>
+                          <a:rPr lang="en-US" altLang="ja-JP" sz="1400" i="1">
+                            <a:latin typeface="Cambria Math" panose="02040503050406030204" pitchFamily="18" charset="0"/>
+                            <a:ea typeface="Cambria Math" panose="02040503050406030204" pitchFamily="18" charset="0"/>
+                          </a:rPr>
+                        </m:ctrlPr>
+                      </m:dPr>
+                      <m:e>
+                        <m:sSub>
+                          <m:sSubPr>
+                            <m:ctrlPr>
+                              <a:rPr lang="en-US" altLang="ja-JP" sz="1400" i="1">
+                                <a:latin typeface="Cambria Math" panose="02040503050406030204" pitchFamily="18" charset="0"/>
+                                <a:ea typeface="Cambria Math" panose="02040503050406030204" pitchFamily="18" charset="0"/>
+                              </a:rPr>
+                            </m:ctrlPr>
+                          </m:sSubPr>
+                          <m:e>
+                            <m:r>
+                              <a:rPr lang="en-US" altLang="ja-JP" sz="1400" i="1">
+                                <a:latin typeface="Cambria Math" panose="02040503050406030204" pitchFamily="18" charset="0"/>
+                                <a:ea typeface="Cambria Math" panose="02040503050406030204" pitchFamily="18" charset="0"/>
+                              </a:rPr>
+                              <m:t>𝜃</m:t>
+                            </m:r>
+                          </m:e>
+                          <m:sub>
+                            <m:r>
+                              <a:rPr lang="en-US" altLang="ja-JP" sz="1400" i="1">
+                                <a:latin typeface="Cambria Math" panose="02040503050406030204" pitchFamily="18" charset="0"/>
+                                <a:ea typeface="Cambria Math" panose="02040503050406030204" pitchFamily="18" charset="0"/>
+                              </a:rPr>
+                              <m:t>𝑖</m:t>
+                            </m:r>
+                            <m:r>
+                              <a:rPr lang="en-US" altLang="ja-JP" sz="1400" b="0" i="1" smtClean="0">
+                                <a:latin typeface="Cambria Math" panose="02040503050406030204" pitchFamily="18" charset="0"/>
+                                <a:ea typeface="Cambria Math" panose="02040503050406030204" pitchFamily="18" charset="0"/>
+                              </a:rPr>
+                              <m:t>+1</m:t>
+                            </m:r>
+                          </m:sub>
+                        </m:sSub>
+                        <m:r>
+                          <a:rPr lang="en-US" altLang="ja-JP" sz="1400" i="1">
+                            <a:latin typeface="Cambria Math" panose="02040503050406030204" pitchFamily="18" charset="0"/>
+                            <a:ea typeface="Cambria Math" panose="02040503050406030204" pitchFamily="18" charset="0"/>
+                          </a:rPr>
+                          <m:t>−</m:t>
+                        </m:r>
+                        <m:sSub>
+                          <m:sSubPr>
+                            <m:ctrlPr>
+                              <a:rPr lang="en-US" altLang="ja-JP" sz="1400" i="1">
+                                <a:latin typeface="Cambria Math" panose="02040503050406030204" pitchFamily="18" charset="0"/>
+                                <a:ea typeface="Cambria Math" panose="02040503050406030204" pitchFamily="18" charset="0"/>
+                              </a:rPr>
+                            </m:ctrlPr>
+                          </m:sSubPr>
+                          <m:e>
+                            <m:r>
+                              <a:rPr lang="en-US" altLang="ja-JP" sz="1400" i="1">
+                                <a:latin typeface="Cambria Math" panose="02040503050406030204" pitchFamily="18" charset="0"/>
+                                <a:ea typeface="Cambria Math" panose="02040503050406030204" pitchFamily="18" charset="0"/>
+                              </a:rPr>
+                              <m:t>𝜃</m:t>
+                            </m:r>
+                          </m:e>
+                          <m:sub>
+                            <m:r>
+                              <a:rPr lang="en-US" altLang="ja-JP" sz="1400" i="1">
+                                <a:latin typeface="Cambria Math" panose="02040503050406030204" pitchFamily="18" charset="0"/>
+                                <a:ea typeface="Cambria Math" panose="02040503050406030204" pitchFamily="18" charset="0"/>
+                              </a:rPr>
+                              <m:t>𝑖</m:t>
+                            </m:r>
+                          </m:sub>
+                        </m:sSub>
+                      </m:e>
+                    </m:d>
+                    <m:r>
+                      <a:rPr lang="en-US" altLang="ja-JP" sz="1400" i="1">
+                        <a:latin typeface="Cambria Math" panose="02040503050406030204" pitchFamily="18" charset="0"/>
+                        <a:ea typeface="Cambria Math" panose="02040503050406030204" pitchFamily="18" charset="0"/>
+                      </a:rPr>
+                      <m:t>∗</m:t>
+                    </m:r>
+                    <m:d>
+                      <m:dPr>
+                        <m:ctrlPr>
+                          <a:rPr lang="en-US" altLang="ja-JP" sz="1400" i="1">
+                            <a:latin typeface="Cambria Math" panose="02040503050406030204" pitchFamily="18" charset="0"/>
+                            <a:ea typeface="Cambria Math" panose="02040503050406030204" pitchFamily="18" charset="0"/>
+                          </a:rPr>
+                        </m:ctrlPr>
+                      </m:dPr>
+                      <m:e>
+                        <m:r>
+                          <a:rPr lang="en-US" altLang="ja-JP" sz="1400" i="1">
+                            <a:latin typeface="Cambria Math" panose="02040503050406030204" pitchFamily="18" charset="0"/>
+                            <a:ea typeface="Cambria Math" panose="02040503050406030204" pitchFamily="18" charset="0"/>
+                          </a:rPr>
+                          <m:t>1−</m:t>
+                        </m:r>
+                        <m:sSub>
+                          <m:sSubPr>
+                            <m:ctrlPr>
+                              <a:rPr lang="en-US" altLang="ja-JP" sz="1400" i="1">
+                                <a:latin typeface="Cambria Math" panose="02040503050406030204" pitchFamily="18" charset="0"/>
+                                <a:ea typeface="Cambria Math" panose="02040503050406030204" pitchFamily="18" charset="0"/>
+                              </a:rPr>
+                            </m:ctrlPr>
+                          </m:sSubPr>
+                          <m:e>
+                            <m:r>
+                              <a:rPr lang="en-US" altLang="ja-JP" sz="1400" i="1">
+                                <a:latin typeface="Cambria Math" panose="02040503050406030204" pitchFamily="18" charset="0"/>
+                                <a:ea typeface="Cambria Math" panose="02040503050406030204" pitchFamily="18" charset="0"/>
+                              </a:rPr>
+                              <m:t>𝑚</m:t>
+                            </m:r>
+                          </m:e>
+                          <m:sub>
+                            <m:r>
+                              <a:rPr lang="en-US" altLang="ja-JP" sz="1400" i="1">
+                                <a:latin typeface="Cambria Math" panose="02040503050406030204" pitchFamily="18" charset="0"/>
+                                <a:ea typeface="Cambria Math" panose="02040503050406030204" pitchFamily="18" charset="0"/>
+                              </a:rPr>
+                              <m:t>𝑖</m:t>
+                            </m:r>
+                            <m:r>
+                              <a:rPr lang="en-US" altLang="ja-JP" sz="1400" i="1">
+                                <a:latin typeface="Cambria Math" panose="02040503050406030204" pitchFamily="18" charset="0"/>
+                                <a:ea typeface="Cambria Math" panose="02040503050406030204" pitchFamily="18" charset="0"/>
+                              </a:rPr>
+                              <m:t>+1</m:t>
+                            </m:r>
+                          </m:sub>
+                        </m:sSub>
+                      </m:e>
+                    </m:d>
+                    <m:r>
+                      <a:rPr lang="en-US" altLang="ja-JP" sz="1400" b="0" i="1" smtClean="0">
+                        <a:latin typeface="Cambria Math" panose="02040503050406030204" pitchFamily="18" charset="0"/>
+                        <a:ea typeface="Cambria Math" panose="02040503050406030204" pitchFamily="18" charset="0"/>
+                      </a:rPr>
+                      <m:t>+</m:t>
+                    </m:r>
+                    <m:f>
+                      <m:fPr>
+                        <m:ctrlPr>
+                          <a:rPr lang="en-US" altLang="ja-JP" sz="1400" i="1">
+                            <a:latin typeface="Cambria Math" panose="02040503050406030204" pitchFamily="18" charset="0"/>
+                          </a:rPr>
+                        </m:ctrlPr>
+                      </m:fPr>
+                      <m:num>
+                        <m:sSub>
+                          <m:sSubPr>
+                            <m:ctrlPr>
+                              <a:rPr lang="en-US" altLang="ja-JP" sz="1400" i="1">
+                                <a:latin typeface="Cambria Math" panose="02040503050406030204" pitchFamily="18" charset="0"/>
+                              </a:rPr>
+                            </m:ctrlPr>
+                          </m:sSubPr>
+                          <m:e>
+                            <m:r>
+                              <a:rPr lang="en-US" altLang="ja-JP" sz="1400" i="1">
+                                <a:latin typeface="Cambria Math" panose="02040503050406030204" pitchFamily="18" charset="0"/>
+                              </a:rPr>
+                              <m:t>𝐻</m:t>
+                            </m:r>
+                          </m:e>
+                          <m:sub>
+                            <m:r>
+                              <a:rPr lang="en-US" altLang="ja-JP" sz="1400" i="1">
+                                <a:latin typeface="Cambria Math" panose="02040503050406030204" pitchFamily="18" charset="0"/>
+                              </a:rPr>
+                              <m:t>𝑖</m:t>
+                            </m:r>
+                            <m:r>
+                              <a:rPr lang="en-US" altLang="ja-JP" sz="1400" b="0" i="1" smtClean="0">
+                                <a:latin typeface="Cambria Math" panose="02040503050406030204" pitchFamily="18" charset="0"/>
+                              </a:rPr>
+                              <m:t>−</m:t>
+                            </m:r>
+                            <m:r>
+                              <a:rPr lang="en-US" altLang="ja-JP" sz="1400" i="1">
+                                <a:latin typeface="Cambria Math" panose="02040503050406030204" pitchFamily="18" charset="0"/>
+                              </a:rPr>
+                              <m:t>1/2</m:t>
+                            </m:r>
+                          </m:sub>
+                        </m:sSub>
+                      </m:num>
+                      <m:den>
+                        <m:r>
+                          <a:rPr lang="en-US" altLang="ja-JP" sz="1400" i="1">
+                            <a:latin typeface="Cambria Math" panose="02040503050406030204" pitchFamily="18" charset="0"/>
+                            <a:ea typeface="Cambria Math" panose="02040503050406030204" pitchFamily="18" charset="0"/>
+                          </a:rPr>
+                          <m:t>∆</m:t>
+                        </m:r>
+                        <m:r>
+                          <a:rPr lang="en-US" altLang="ja-JP" sz="1400" i="1">
+                            <a:latin typeface="Cambria Math" panose="02040503050406030204" pitchFamily="18" charset="0"/>
+                            <a:ea typeface="Cambria Math" panose="02040503050406030204" pitchFamily="18" charset="0"/>
+                          </a:rPr>
+                          <m:t>𝑥</m:t>
+                        </m:r>
+                      </m:den>
+                    </m:f>
+                  </m:oMath>
+                </a14:m>
+                <a:r>
+                  <a:rPr lang="en-US" altLang="ja-JP" sz="1400" dirty="0">
+                    <a:ea typeface="Cambria Math" panose="02040503050406030204" pitchFamily="18" charset="0"/>
+                  </a:rPr>
+                  <a:t> </a:t>
+                </a:r>
+                <a14:m>
+                  <m:oMath xmlns:m="http://schemas.openxmlformats.org/officeDocument/2006/math">
+                    <m:r>
+                      <a:rPr lang="en-US" altLang="ja-JP" sz="1400" i="1">
+                        <a:latin typeface="Cambria Math" panose="02040503050406030204" pitchFamily="18" charset="0"/>
+                        <a:ea typeface="Cambria Math" panose="02040503050406030204" pitchFamily="18" charset="0"/>
+                      </a:rPr>
+                      <m:t>(</m:t>
+                    </m:r>
+                    <m:sSub>
+                      <m:sSubPr>
+                        <m:ctrlPr>
+                          <a:rPr lang="en-US" altLang="ja-JP" sz="1400" i="1">
+                            <a:latin typeface="Cambria Math" panose="02040503050406030204" pitchFamily="18" charset="0"/>
+                            <a:ea typeface="Cambria Math" panose="02040503050406030204" pitchFamily="18" charset="0"/>
+                          </a:rPr>
+                        </m:ctrlPr>
+                      </m:sSubPr>
+                      <m:e>
+                        <m:r>
+                          <a:rPr lang="en-US" altLang="ja-JP" sz="1400" i="1">
+                            <a:latin typeface="Cambria Math" panose="02040503050406030204" pitchFamily="18" charset="0"/>
+                            <a:ea typeface="Cambria Math" panose="02040503050406030204" pitchFamily="18" charset="0"/>
+                          </a:rPr>
+                          <m:t>𝜃</m:t>
+                        </m:r>
+                      </m:e>
+                      <m:sub>
+                        <m:r>
+                          <a:rPr lang="en-US" altLang="ja-JP" sz="1400" i="1">
+                            <a:latin typeface="Cambria Math" panose="02040503050406030204" pitchFamily="18" charset="0"/>
+                            <a:ea typeface="Cambria Math" panose="02040503050406030204" pitchFamily="18" charset="0"/>
+                          </a:rPr>
+                          <m:t>𝑖</m:t>
+                        </m:r>
+                        <m:r>
+                          <a:rPr lang="en-US" altLang="ja-JP" sz="1400" b="0" i="1" smtClean="0">
+                            <a:latin typeface="Cambria Math" panose="02040503050406030204" pitchFamily="18" charset="0"/>
+                            <a:ea typeface="Cambria Math" panose="02040503050406030204" pitchFamily="18" charset="0"/>
+                          </a:rPr>
+                          <m:t>−1</m:t>
+                        </m:r>
+                      </m:sub>
+                    </m:sSub>
+                    <m:r>
+                      <a:rPr lang="en-US" altLang="ja-JP" sz="1400" i="1">
+                        <a:latin typeface="Cambria Math" panose="02040503050406030204" pitchFamily="18" charset="0"/>
+                        <a:ea typeface="Cambria Math" panose="02040503050406030204" pitchFamily="18" charset="0"/>
+                      </a:rPr>
+                      <m:t>−</m:t>
+                    </m:r>
+                    <m:sSub>
+                      <m:sSubPr>
+                        <m:ctrlPr>
+                          <a:rPr lang="en-US" altLang="ja-JP" sz="1400" i="1">
+                            <a:latin typeface="Cambria Math" panose="02040503050406030204" pitchFamily="18" charset="0"/>
+                            <a:ea typeface="Cambria Math" panose="02040503050406030204" pitchFamily="18" charset="0"/>
+                          </a:rPr>
+                        </m:ctrlPr>
+                      </m:sSubPr>
+                      <m:e>
+                        <m:r>
+                          <a:rPr lang="en-US" altLang="ja-JP" sz="1400" i="1">
+                            <a:latin typeface="Cambria Math" panose="02040503050406030204" pitchFamily="18" charset="0"/>
+                            <a:ea typeface="Cambria Math" panose="02040503050406030204" pitchFamily="18" charset="0"/>
+                          </a:rPr>
+                          <m:t>𝜃</m:t>
+                        </m:r>
+                      </m:e>
+                      <m:sub>
+                        <m:r>
+                          <a:rPr lang="en-US" altLang="ja-JP" sz="1400" i="1">
+                            <a:latin typeface="Cambria Math" panose="02040503050406030204" pitchFamily="18" charset="0"/>
+                            <a:ea typeface="Cambria Math" panose="02040503050406030204" pitchFamily="18" charset="0"/>
+                          </a:rPr>
+                          <m:t>𝑖</m:t>
+                        </m:r>
+                      </m:sub>
+                    </m:sSub>
+                    <m:r>
+                      <a:rPr lang="en-US" altLang="ja-JP" sz="1400" i="1">
+                        <a:latin typeface="Cambria Math" panose="02040503050406030204" pitchFamily="18" charset="0"/>
+                        <a:ea typeface="Cambria Math" panose="02040503050406030204" pitchFamily="18" charset="0"/>
+                      </a:rPr>
+                      <m:t>)</m:t>
+                    </m:r>
+                    <m:r>
+                      <a:rPr lang="en-US" altLang="ja-JP" sz="1400" i="1">
+                        <a:latin typeface="Cambria Math" panose="02040503050406030204" pitchFamily="18" charset="0"/>
+                        <a:ea typeface="Cambria Math" panose="02040503050406030204" pitchFamily="18" charset="0"/>
+                      </a:rPr>
+                      <m:t>∗(1−</m:t>
+                    </m:r>
+                    <m:sSub>
+                      <m:sSubPr>
+                        <m:ctrlPr>
+                          <a:rPr lang="en-US" altLang="ja-JP" sz="1400" i="1">
+                            <a:latin typeface="Cambria Math" panose="02040503050406030204" pitchFamily="18" charset="0"/>
+                            <a:ea typeface="Cambria Math" panose="02040503050406030204" pitchFamily="18" charset="0"/>
+                          </a:rPr>
+                        </m:ctrlPr>
+                      </m:sSubPr>
+                      <m:e>
+                        <m:r>
+                          <a:rPr lang="en-US" altLang="ja-JP" sz="1400" i="1">
+                            <a:latin typeface="Cambria Math" panose="02040503050406030204" pitchFamily="18" charset="0"/>
+                            <a:ea typeface="Cambria Math" panose="02040503050406030204" pitchFamily="18" charset="0"/>
+                          </a:rPr>
+                          <m:t>𝑚</m:t>
+                        </m:r>
+                      </m:e>
+                      <m:sub>
+                        <m:r>
+                          <a:rPr lang="en-US" altLang="ja-JP" sz="1400" i="1">
+                            <a:latin typeface="Cambria Math" panose="02040503050406030204" pitchFamily="18" charset="0"/>
+                            <a:ea typeface="Cambria Math" panose="02040503050406030204" pitchFamily="18" charset="0"/>
+                          </a:rPr>
+                          <m:t>𝑖</m:t>
+                        </m:r>
+                        <m:r>
+                          <a:rPr lang="en-US" altLang="ja-JP" sz="1400" i="1">
+                            <a:latin typeface="Cambria Math" panose="02040503050406030204" pitchFamily="18" charset="0"/>
+                            <a:ea typeface="Cambria Math" panose="02040503050406030204" pitchFamily="18" charset="0"/>
+                          </a:rPr>
+                          <m:t>−</m:t>
+                        </m:r>
+                        <m:r>
+                          <a:rPr lang="en-US" altLang="ja-JP" sz="1400" i="1">
+                            <a:latin typeface="Cambria Math" panose="02040503050406030204" pitchFamily="18" charset="0"/>
+                            <a:ea typeface="Cambria Math" panose="02040503050406030204" pitchFamily="18" charset="0"/>
+                          </a:rPr>
+                          <m:t>1</m:t>
+                        </m:r>
+                      </m:sub>
+                    </m:sSub>
+                    <m:r>
+                      <a:rPr lang="en-US" altLang="ja-JP" sz="1400" i="1" smtClean="0">
+                        <a:latin typeface="Cambria Math" panose="02040503050406030204" pitchFamily="18" charset="0"/>
+                        <a:ea typeface="Cambria Math" panose="02040503050406030204" pitchFamily="18" charset="0"/>
+                      </a:rPr>
+                      <m:t>)</m:t>
+                    </m:r>
+                    <m:r>
+                      <a:rPr kumimoji="1" lang="en-US" altLang="ja-JP" sz="1400" b="0" i="1" smtClean="0">
+                        <a:latin typeface="Cambria Math" panose="02040503050406030204" pitchFamily="18" charset="0"/>
+                      </a:rPr>
+                      <m:t>+</m:t>
+                    </m:r>
+                    <m:r>
+                      <a:rPr kumimoji="1" lang="en-US" altLang="ja-JP" sz="1400" b="0" i="1" smtClean="0">
+                        <a:latin typeface="Cambria Math" panose="02040503050406030204" pitchFamily="18" charset="0"/>
+                      </a:rPr>
+                      <m:t>𝑄</m:t>
+                    </m:r>
+                    <m:r>
+                      <a:rPr kumimoji="1" lang="en-US" altLang="ja-JP" sz="1400" b="0" i="1" smtClean="0">
+                        <a:latin typeface="Cambria Math" panose="02040503050406030204" pitchFamily="18" charset="0"/>
+                      </a:rPr>
+                      <m:t>+</m:t>
+                    </m:r>
+                    <m:f>
+                      <m:fPr>
+                        <m:ctrlPr>
+                          <a:rPr lang="en-US" altLang="ja-JP" sz="1400" i="1">
+                            <a:latin typeface="Cambria Math" panose="02040503050406030204" pitchFamily="18" charset="0"/>
+                          </a:rPr>
+                        </m:ctrlPr>
+                      </m:fPr>
+                      <m:num>
+                        <m:r>
+                          <a:rPr lang="en-US" altLang="ja-JP" sz="1400" i="1">
+                            <a:latin typeface="Cambria Math" panose="02040503050406030204" pitchFamily="18" charset="0"/>
+                          </a:rPr>
+                          <m:t>1</m:t>
+                        </m:r>
+                      </m:num>
+                      <m:den>
+                        <m:r>
+                          <a:rPr lang="en-US" altLang="ja-JP" sz="1400" i="1">
+                            <a:latin typeface="Cambria Math" panose="02040503050406030204" pitchFamily="18" charset="0"/>
+                            <a:ea typeface="Cambria Math" panose="02040503050406030204" pitchFamily="18" charset="0"/>
+                          </a:rPr>
+                          <m:t>∆</m:t>
+                        </m:r>
+                        <m:r>
+                          <a:rPr lang="en-US" altLang="ja-JP" sz="1400" i="1">
+                            <a:latin typeface="Cambria Math" panose="02040503050406030204" pitchFamily="18" charset="0"/>
+                            <a:ea typeface="Cambria Math" panose="02040503050406030204" pitchFamily="18" charset="0"/>
+                          </a:rPr>
+                          <m:t>𝑥</m:t>
+                        </m:r>
+                      </m:den>
+                    </m:f>
+                    <m:d>
+                      <m:dPr>
+                        <m:begChr m:val="["/>
+                        <m:endChr m:val="]"/>
+                        <m:ctrlPr>
+                          <a:rPr lang="en-US" altLang="ja-JP" sz="1400" i="1" smtClean="0">
+                            <a:latin typeface="Cambria Math" panose="02040503050406030204" pitchFamily="18" charset="0"/>
+                            <a:ea typeface="Cambria Math" panose="02040503050406030204" pitchFamily="18" charset="0"/>
+                          </a:rPr>
+                        </m:ctrlPr>
+                      </m:dPr>
+                      <m:e>
+                        <m:sSubSup>
+                          <m:sSubSupPr>
+                            <m:ctrlPr>
+                              <a:rPr lang="en-US" altLang="ja-JP" sz="1400" i="1" smtClean="0">
+                                <a:latin typeface="Cambria Math" panose="02040503050406030204" pitchFamily="18" charset="0"/>
+                                <a:ea typeface="Cambria Math" panose="02040503050406030204" pitchFamily="18" charset="0"/>
+                              </a:rPr>
+                            </m:ctrlPr>
+                          </m:sSubSupPr>
+                          <m:e>
+                            <m:r>
+                              <a:rPr lang="en-US" altLang="ja-JP" sz="1400" b="0" i="1" smtClean="0">
+                                <a:latin typeface="Cambria Math" panose="02040503050406030204" pitchFamily="18" charset="0"/>
+                                <a:ea typeface="Cambria Math" panose="02040503050406030204" pitchFamily="18" charset="0"/>
+                              </a:rPr>
+                              <m:t>𝑞</m:t>
+                            </m:r>
+                          </m:e>
+                          <m:sub>
+                            <m:r>
+                              <a:rPr lang="en-US" altLang="ja-JP" sz="1400" b="0" i="1" smtClean="0">
+                                <a:latin typeface="Cambria Math" panose="02040503050406030204" pitchFamily="18" charset="0"/>
+                                <a:ea typeface="Cambria Math" panose="02040503050406030204" pitchFamily="18" charset="0"/>
+                              </a:rPr>
+                              <m:t>𝑖</m:t>
+                            </m:r>
+                            <m:r>
+                              <a:rPr lang="en-US" altLang="ja-JP" sz="1400" b="0" i="1" smtClean="0">
+                                <a:latin typeface="Cambria Math" panose="02040503050406030204" pitchFamily="18" charset="0"/>
+                                <a:ea typeface="Cambria Math" panose="02040503050406030204" pitchFamily="18" charset="0"/>
+                              </a:rPr>
+                              <m:t>+1/2</m:t>
+                            </m:r>
+                          </m:sub>
+                          <m:sup>
+                            <m:r>
+                              <a:rPr lang="en-US" altLang="ja-JP" sz="1400" b="0" i="1" smtClean="0">
+                                <a:latin typeface="Cambria Math" panose="02040503050406030204" pitchFamily="18" charset="0"/>
+                                <a:ea typeface="Cambria Math" panose="02040503050406030204" pitchFamily="18" charset="0"/>
+                              </a:rPr>
+                              <m:t>𝑏𝑐</m:t>
+                            </m:r>
+                          </m:sup>
+                        </m:sSubSup>
+                        <m:r>
+                          <a:rPr lang="en-US" altLang="ja-JP" sz="1400" b="0" i="1" smtClean="0">
+                            <a:latin typeface="Cambria Math" panose="02040503050406030204" pitchFamily="18" charset="0"/>
+                            <a:ea typeface="Cambria Math" panose="02040503050406030204" pitchFamily="18" charset="0"/>
+                          </a:rPr>
+                          <m:t>−</m:t>
+                        </m:r>
+                        <m:sSubSup>
+                          <m:sSubSupPr>
+                            <m:ctrlPr>
+                              <a:rPr lang="en-US" altLang="ja-JP" sz="1400" b="0" i="1" smtClean="0">
+                                <a:latin typeface="Cambria Math" panose="02040503050406030204" pitchFamily="18" charset="0"/>
+                                <a:ea typeface="Cambria Math" panose="02040503050406030204" pitchFamily="18" charset="0"/>
+                              </a:rPr>
+                            </m:ctrlPr>
+                          </m:sSubSupPr>
+                          <m:e>
+                            <m:r>
+                              <a:rPr lang="en-US" altLang="ja-JP" sz="1400" b="0" i="1" smtClean="0">
+                                <a:latin typeface="Cambria Math" panose="02040503050406030204" pitchFamily="18" charset="0"/>
+                                <a:ea typeface="Cambria Math" panose="02040503050406030204" pitchFamily="18" charset="0"/>
+                              </a:rPr>
+                              <m:t>𝑞</m:t>
+                            </m:r>
+                          </m:e>
+                          <m:sub>
+                            <m:r>
+                              <a:rPr lang="en-US" altLang="ja-JP" sz="1400" b="0" i="1" smtClean="0">
+                                <a:latin typeface="Cambria Math" panose="02040503050406030204" pitchFamily="18" charset="0"/>
+                                <a:ea typeface="Cambria Math" panose="02040503050406030204" pitchFamily="18" charset="0"/>
+                              </a:rPr>
+                              <m:t>𝑖</m:t>
+                            </m:r>
+                            <m:r>
+                              <a:rPr lang="en-US" altLang="ja-JP" sz="1400" b="0" i="1" smtClean="0">
+                                <a:latin typeface="Cambria Math" panose="02040503050406030204" pitchFamily="18" charset="0"/>
+                                <a:ea typeface="Cambria Math" panose="02040503050406030204" pitchFamily="18" charset="0"/>
+                              </a:rPr>
+                              <m:t>−1/2</m:t>
+                            </m:r>
+                          </m:sub>
+                          <m:sup>
+                            <m:r>
+                              <a:rPr lang="en-US" altLang="ja-JP" sz="1400" b="0" i="1" smtClean="0">
+                                <a:latin typeface="Cambria Math" panose="02040503050406030204" pitchFamily="18" charset="0"/>
+                                <a:ea typeface="Cambria Math" panose="02040503050406030204" pitchFamily="18" charset="0"/>
+                              </a:rPr>
+                              <m:t>𝑏𝑐</m:t>
+                            </m:r>
+                          </m:sup>
+                        </m:sSubSup>
+                      </m:e>
+                    </m:d>
+                    <m:r>
+                      <a:rPr kumimoji="1" lang="en-US" altLang="ja-JP" sz="1400" b="0" i="1" smtClean="0">
+                        <a:latin typeface="Cambria Math" panose="02040503050406030204" pitchFamily="18" charset="0"/>
+                      </a:rPr>
+                      <m:t>=0</m:t>
+                    </m:r>
+                  </m:oMath>
+                </a14:m>
+                <a:endParaRPr kumimoji="1" lang="ja-JP" altLang="en-US" sz="1400"/>
+              </a:p>
+            </p:txBody>
+          </p:sp>
+        </mc:Choice>
+        <mc:Fallback>
+          <p:sp>
+            <p:nvSpPr>
+              <p:cNvPr id="3" name="テキスト ボックス 2">
+                <a:extLst>
+                  <a:ext uri="{FF2B5EF4-FFF2-40B4-BE49-F238E27FC236}">
+                    <a16:creationId xmlns:a16="http://schemas.microsoft.com/office/drawing/2014/main" id="{FB859377-DE9F-E4C0-4E8B-FD7DB8B34E57}"/>
+                  </a:ext>
+                </a:extLst>
+              </p:cNvPr>
+              <p:cNvSpPr txBox="1">
+                <a:spLocks noRot="1" noChangeAspect="1" noMove="1" noResize="1" noEditPoints="1" noAdjustHandles="1" noChangeArrowheads="1" noChangeShapeType="1" noTextEdit="1"/>
+              </p:cNvSpPr>
+              <p:nvPr/>
+            </p:nvSpPr>
+            <p:spPr>
+              <a:xfrm>
+                <a:off x="602165" y="2241636"/>
+                <a:ext cx="10705171" cy="330924"/>
+              </a:xfrm>
+              <a:prstGeom prst="rect">
+                <a:avLst/>
+              </a:prstGeom>
+              <a:blipFill>
+                <a:blip r:embed="rId3"/>
+                <a:stretch>
+                  <a:fillRect l="-474" b="-18519"/>
+                </a:stretch>
+              </a:blipFill>
+            </p:spPr>
+            <p:txBody>
+              <a:bodyPr/>
+              <a:lstStyle/>
+              <a:p>
+                <a:r>
+                  <a:rPr lang="ja-JP" altLang="en-US">
+                    <a:noFill/>
+                  </a:rPr>
+                  <a:t> </a:t>
+                </a:r>
+              </a:p>
+            </p:txBody>
+          </p:sp>
+        </mc:Fallback>
+      </mc:AlternateContent>
+      <mc:AlternateContent xmlns:mc="http://schemas.openxmlformats.org/markup-compatibility/2006">
+        <mc:Choice xmlns:a14="http://schemas.microsoft.com/office/drawing/2010/main" Requires="a14">
+          <p:sp>
+            <p:nvSpPr>
+              <p:cNvPr id="4" name="テキスト ボックス 3">
+                <a:extLst>
+                  <a:ext uri="{FF2B5EF4-FFF2-40B4-BE49-F238E27FC236}">
+                    <a16:creationId xmlns:a16="http://schemas.microsoft.com/office/drawing/2014/main" id="{CFCAE240-5B95-999B-811D-72B6C71A676C}"/>
+                  </a:ext>
+                </a:extLst>
+              </p:cNvPr>
+              <p:cNvSpPr txBox="1"/>
+              <p:nvPr/>
+            </p:nvSpPr>
+            <p:spPr>
+              <a:xfrm>
+                <a:off x="602164" y="3640873"/>
+                <a:ext cx="10705171" cy="870431"/>
+              </a:xfrm>
+              <a:prstGeom prst="rect">
+                <a:avLst/>
+              </a:prstGeom>
+              <a:noFill/>
+            </p:spPr>
+            <p:txBody>
+              <a:bodyPr wrap="square" lIns="0" tIns="0" rIns="0" bIns="0" rtlCol="0">
+                <a:spAutoFit/>
+              </a:bodyPr>
+              <a:lstStyle/>
+              <a:p>
+                <a:pPr/>
+                <a14:m>
+                  <m:oMathPara xmlns:m="http://schemas.openxmlformats.org/officeDocument/2006/math">
+                    <m:oMathParaPr>
+                      <m:jc m:val="left"/>
+                    </m:oMathParaPr>
+                    <m:oMath xmlns:m="http://schemas.openxmlformats.org/officeDocument/2006/math">
+                      <m:d>
+                        <m:dPr>
+                          <m:begChr m:val="["/>
+                          <m:endChr m:val="]"/>
+                          <m:ctrlPr>
+                            <a:rPr lang="en-US" altLang="ja-JP" sz="1400" i="1" smtClean="0">
+                              <a:latin typeface="Cambria Math" panose="02040503050406030204" pitchFamily="18" charset="0"/>
+                              <a:ea typeface="Cambria Math" panose="02040503050406030204" pitchFamily="18" charset="0"/>
+                            </a:rPr>
+                          </m:ctrlPr>
+                        </m:dPr>
+                        <m:e>
+                          <m:f>
+                            <m:fPr>
+                              <m:ctrlPr>
+                                <a:rPr lang="en-US" altLang="ja-JP" sz="1400" i="1">
+                                  <a:latin typeface="Cambria Math" panose="02040503050406030204" pitchFamily="18" charset="0"/>
+                                </a:rPr>
+                              </m:ctrlPr>
+                            </m:fPr>
+                            <m:num>
+                              <m:sSub>
+                                <m:sSubPr>
+                                  <m:ctrlPr>
+                                    <a:rPr lang="en-US" altLang="ja-JP" sz="1400" i="1">
+                                      <a:latin typeface="Cambria Math" panose="02040503050406030204" pitchFamily="18" charset="0"/>
+                                    </a:rPr>
+                                  </m:ctrlPr>
+                                </m:sSubPr>
+                                <m:e>
+                                  <m:r>
+                                    <a:rPr lang="en-US" altLang="ja-JP" sz="1400" i="1">
+                                      <a:latin typeface="Cambria Math" panose="02040503050406030204" pitchFamily="18" charset="0"/>
+                                      <a:ea typeface="Cambria Math" panose="02040503050406030204" pitchFamily="18" charset="0"/>
+                                    </a:rPr>
+                                    <m:t>𝜆</m:t>
+                                  </m:r>
+                                </m:e>
+                                <m:sub>
+                                  <m:r>
+                                    <a:rPr lang="en-US" altLang="ja-JP" sz="1400" i="1">
+                                      <a:latin typeface="Cambria Math" panose="02040503050406030204" pitchFamily="18" charset="0"/>
+                                    </a:rPr>
+                                    <m:t>𝑖</m:t>
+                                  </m:r>
+                                  <m:r>
+                                    <a:rPr lang="en-US" altLang="ja-JP" sz="1400" i="1">
+                                      <a:latin typeface="Cambria Math" panose="02040503050406030204" pitchFamily="18" charset="0"/>
+                                    </a:rPr>
+                                    <m:t>+1/2</m:t>
+                                  </m:r>
+                                </m:sub>
+                              </m:sSub>
+                            </m:num>
+                            <m:den>
+                              <m:sSup>
+                                <m:sSupPr>
+                                  <m:ctrlPr>
+                                    <a:rPr lang="en-US" altLang="ja-JP" sz="1400" i="1">
+                                      <a:latin typeface="Cambria Math" panose="02040503050406030204" pitchFamily="18" charset="0"/>
+                                      <a:ea typeface="Cambria Math" panose="02040503050406030204" pitchFamily="18" charset="0"/>
+                                    </a:rPr>
+                                  </m:ctrlPr>
+                                </m:sSupPr>
+                                <m:e>
+                                  <m:r>
+                                    <a:rPr lang="en-US" altLang="ja-JP" sz="1400" i="1">
+                                      <a:latin typeface="Cambria Math" panose="02040503050406030204" pitchFamily="18" charset="0"/>
+                                      <a:ea typeface="Cambria Math" panose="02040503050406030204" pitchFamily="18" charset="0"/>
+                                    </a:rPr>
+                                    <m:t>∆</m:t>
+                                  </m:r>
+                                  <m:r>
+                                    <a:rPr lang="en-US" altLang="ja-JP" sz="1400" i="1">
+                                      <a:latin typeface="Cambria Math" panose="02040503050406030204" pitchFamily="18" charset="0"/>
+                                      <a:ea typeface="Cambria Math" panose="02040503050406030204" pitchFamily="18" charset="0"/>
+                                    </a:rPr>
+                                    <m:t>𝑥</m:t>
+                                  </m:r>
+                                </m:e>
+                                <m:sup>
+                                  <m:r>
+                                    <a:rPr lang="en-US" altLang="ja-JP" sz="1400" i="1">
+                                      <a:latin typeface="Cambria Math" panose="02040503050406030204" pitchFamily="18" charset="0"/>
+                                      <a:ea typeface="Cambria Math" panose="02040503050406030204" pitchFamily="18" charset="0"/>
+                                    </a:rPr>
+                                    <m:t>2</m:t>
+                                  </m:r>
+                                </m:sup>
+                              </m:sSup>
+                            </m:den>
+                          </m:f>
+                          <m:r>
+                            <a:rPr lang="en-US" altLang="ja-JP" sz="1400" i="1">
+                              <a:latin typeface="Cambria Math" panose="02040503050406030204" pitchFamily="18" charset="0"/>
+                            </a:rPr>
+                            <m:t>+</m:t>
+                          </m:r>
+                          <m:f>
+                            <m:fPr>
+                              <m:ctrlPr>
+                                <a:rPr lang="en-US" altLang="ja-JP" sz="1400" i="1">
+                                  <a:latin typeface="Cambria Math" panose="02040503050406030204" pitchFamily="18" charset="0"/>
+                                </a:rPr>
+                              </m:ctrlPr>
+                            </m:fPr>
+                            <m:num>
+                              <m:sSub>
+                                <m:sSubPr>
+                                  <m:ctrlPr>
+                                    <a:rPr lang="en-US" altLang="ja-JP" sz="1400" i="1">
+                                      <a:latin typeface="Cambria Math" panose="02040503050406030204" pitchFamily="18" charset="0"/>
+                                    </a:rPr>
+                                  </m:ctrlPr>
+                                </m:sSubPr>
+                                <m:e>
+                                  <m:r>
+                                    <a:rPr lang="en-US" altLang="ja-JP" sz="1400" i="1">
+                                      <a:latin typeface="Cambria Math" panose="02040503050406030204" pitchFamily="18" charset="0"/>
+                                    </a:rPr>
+                                    <m:t>𝐻</m:t>
+                                  </m:r>
+                                </m:e>
+                                <m:sub>
+                                  <m:r>
+                                    <a:rPr lang="en-US" altLang="ja-JP" sz="1400" i="1">
+                                      <a:latin typeface="Cambria Math" panose="02040503050406030204" pitchFamily="18" charset="0"/>
+                                    </a:rPr>
+                                    <m:t>𝑖</m:t>
+                                  </m:r>
+                                  <m:r>
+                                    <a:rPr lang="en-US" altLang="ja-JP" sz="1400" i="1">
+                                      <a:latin typeface="Cambria Math" panose="02040503050406030204" pitchFamily="18" charset="0"/>
+                                    </a:rPr>
+                                    <m:t>+1/2</m:t>
+                                  </m:r>
+                                </m:sub>
+                              </m:sSub>
+                            </m:num>
+                            <m:den>
+                              <m:r>
+                                <a:rPr lang="en-US" altLang="ja-JP" sz="1400" i="1">
+                                  <a:latin typeface="Cambria Math" panose="02040503050406030204" pitchFamily="18" charset="0"/>
+                                  <a:ea typeface="Cambria Math" panose="02040503050406030204" pitchFamily="18" charset="0"/>
+                                </a:rPr>
+                                <m:t>∆</m:t>
+                              </m:r>
+                              <m:r>
+                                <a:rPr lang="en-US" altLang="ja-JP" sz="1400" i="1">
+                                  <a:latin typeface="Cambria Math" panose="02040503050406030204" pitchFamily="18" charset="0"/>
+                                  <a:ea typeface="Cambria Math" panose="02040503050406030204" pitchFamily="18" charset="0"/>
+                                </a:rPr>
+                                <m:t>𝑥</m:t>
+                              </m:r>
+                            </m:den>
+                          </m:f>
+                          <m:r>
+                            <a:rPr lang="en-US" altLang="ja-JP" sz="1400" i="1">
+                              <a:latin typeface="Cambria Math" panose="02040503050406030204" pitchFamily="18" charset="0"/>
+                              <a:ea typeface="Cambria Math" panose="02040503050406030204" pitchFamily="18" charset="0"/>
+                            </a:rPr>
+                            <m:t>∗</m:t>
+                          </m:r>
+                          <m:d>
+                            <m:dPr>
+                              <m:ctrlPr>
+                                <a:rPr lang="en-US" altLang="ja-JP" sz="1400" i="1">
+                                  <a:latin typeface="Cambria Math" panose="02040503050406030204" pitchFamily="18" charset="0"/>
+                                  <a:ea typeface="Cambria Math" panose="02040503050406030204" pitchFamily="18" charset="0"/>
+                                </a:rPr>
+                              </m:ctrlPr>
+                            </m:dPr>
+                            <m:e>
+                              <m:r>
+                                <a:rPr lang="en-US" altLang="ja-JP" sz="1400" i="1">
+                                  <a:latin typeface="Cambria Math" panose="02040503050406030204" pitchFamily="18" charset="0"/>
+                                  <a:ea typeface="Cambria Math" panose="02040503050406030204" pitchFamily="18" charset="0"/>
+                                </a:rPr>
+                                <m:t>1−</m:t>
+                              </m:r>
+                              <m:sSub>
+                                <m:sSubPr>
+                                  <m:ctrlPr>
+                                    <a:rPr lang="en-US" altLang="ja-JP" sz="1400" i="1">
+                                      <a:latin typeface="Cambria Math" panose="02040503050406030204" pitchFamily="18" charset="0"/>
+                                      <a:ea typeface="Cambria Math" panose="02040503050406030204" pitchFamily="18" charset="0"/>
+                                    </a:rPr>
+                                  </m:ctrlPr>
+                                </m:sSubPr>
+                                <m:e>
+                                  <m:r>
+                                    <a:rPr lang="en-US" altLang="ja-JP" sz="1400" i="1">
+                                      <a:latin typeface="Cambria Math" panose="02040503050406030204" pitchFamily="18" charset="0"/>
+                                      <a:ea typeface="Cambria Math" panose="02040503050406030204" pitchFamily="18" charset="0"/>
+                                    </a:rPr>
+                                    <m:t>𝑚</m:t>
+                                  </m:r>
+                                </m:e>
+                                <m:sub>
+                                  <m:r>
+                                    <a:rPr lang="en-US" altLang="ja-JP" sz="1400" i="1">
+                                      <a:latin typeface="Cambria Math" panose="02040503050406030204" pitchFamily="18" charset="0"/>
+                                      <a:ea typeface="Cambria Math" panose="02040503050406030204" pitchFamily="18" charset="0"/>
+                                    </a:rPr>
+                                    <m:t>𝑖</m:t>
+                                  </m:r>
+                                  <m:r>
+                                    <a:rPr lang="en-US" altLang="ja-JP" sz="1400" i="1">
+                                      <a:latin typeface="Cambria Math" panose="02040503050406030204" pitchFamily="18" charset="0"/>
+                                      <a:ea typeface="Cambria Math" panose="02040503050406030204" pitchFamily="18" charset="0"/>
+                                    </a:rPr>
+                                    <m:t>+1</m:t>
+                                  </m:r>
+                                </m:sub>
+                              </m:sSub>
+                            </m:e>
+                          </m:d>
+                        </m:e>
+                      </m:d>
+                      <m:sSub>
+                        <m:sSubPr>
+                          <m:ctrlPr>
+                            <a:rPr lang="en-US" altLang="ja-JP" sz="1400" i="1">
+                              <a:latin typeface="Cambria Math" panose="02040503050406030204" pitchFamily="18" charset="0"/>
+                            </a:rPr>
+                          </m:ctrlPr>
+                        </m:sSubPr>
+                        <m:e>
+                          <m:r>
+                            <a:rPr lang="en-US" altLang="ja-JP" sz="1400" i="1">
+                              <a:latin typeface="Cambria Math" panose="02040503050406030204" pitchFamily="18" charset="0"/>
+                              <a:ea typeface="Cambria Math" panose="02040503050406030204" pitchFamily="18" charset="0"/>
+                            </a:rPr>
+                            <m:t>𝜃</m:t>
+                          </m:r>
+                        </m:e>
+                        <m:sub>
+                          <m:r>
+                            <a:rPr lang="en-US" altLang="ja-JP" sz="1400" i="1">
+                              <a:latin typeface="Cambria Math" panose="02040503050406030204" pitchFamily="18" charset="0"/>
+                            </a:rPr>
+                            <m:t>𝑖</m:t>
+                          </m:r>
+                          <m:r>
+                            <a:rPr lang="en-US" altLang="ja-JP" sz="1400" i="1">
+                              <a:latin typeface="Cambria Math" panose="02040503050406030204" pitchFamily="18" charset="0"/>
+                            </a:rPr>
+                            <m:t>+1</m:t>
+                          </m:r>
+                        </m:sub>
+                      </m:sSub>
+                      <m:r>
+                        <a:rPr lang="en-US" altLang="ja-JP" sz="1400" b="0" i="1" smtClean="0">
+                          <a:latin typeface="Cambria Math" panose="02040503050406030204" pitchFamily="18" charset="0"/>
+                        </a:rPr>
+                        <m:t>+</m:t>
+                      </m:r>
+                      <m:d>
+                        <m:dPr>
+                          <m:begChr m:val="["/>
+                          <m:endChr m:val="]"/>
+                          <m:ctrlPr>
+                            <a:rPr lang="en-US" altLang="ja-JP" sz="1400" b="0" i="1" smtClean="0">
+                              <a:latin typeface="Cambria Math" panose="02040503050406030204" pitchFamily="18" charset="0"/>
+                            </a:rPr>
+                          </m:ctrlPr>
+                        </m:dPr>
+                        <m:e>
+                          <m:f>
+                            <m:fPr>
+                              <m:ctrlPr>
+                                <a:rPr lang="en-US" altLang="ja-JP" sz="1400" i="1">
+                                  <a:latin typeface="Cambria Math" panose="02040503050406030204" pitchFamily="18" charset="0"/>
+                                </a:rPr>
+                              </m:ctrlPr>
+                            </m:fPr>
+                            <m:num>
+                              <m:sSub>
+                                <m:sSubPr>
+                                  <m:ctrlPr>
+                                    <a:rPr lang="en-US" altLang="ja-JP" sz="1400" i="1">
+                                      <a:latin typeface="Cambria Math" panose="02040503050406030204" pitchFamily="18" charset="0"/>
+                                    </a:rPr>
+                                  </m:ctrlPr>
+                                </m:sSubPr>
+                                <m:e>
+                                  <m:r>
+                                    <a:rPr lang="en-US" altLang="ja-JP" sz="1400" i="1">
+                                      <a:latin typeface="Cambria Math" panose="02040503050406030204" pitchFamily="18" charset="0"/>
+                                      <a:ea typeface="Cambria Math" panose="02040503050406030204" pitchFamily="18" charset="0"/>
+                                    </a:rPr>
+                                    <m:t>𝜆</m:t>
+                                  </m:r>
+                                </m:e>
+                                <m:sub>
+                                  <m:r>
+                                    <a:rPr lang="en-US" altLang="ja-JP" sz="1400" i="1">
+                                      <a:latin typeface="Cambria Math" panose="02040503050406030204" pitchFamily="18" charset="0"/>
+                                    </a:rPr>
+                                    <m:t>𝑖</m:t>
+                                  </m:r>
+                                  <m:r>
+                                    <a:rPr lang="en-US" altLang="ja-JP" sz="1400" i="1">
+                                      <a:latin typeface="Cambria Math" panose="02040503050406030204" pitchFamily="18" charset="0"/>
+                                    </a:rPr>
+                                    <m:t>−1/2</m:t>
+                                  </m:r>
+                                </m:sub>
+                              </m:sSub>
+                            </m:num>
+                            <m:den>
+                              <m:sSup>
+                                <m:sSupPr>
+                                  <m:ctrlPr>
+                                    <a:rPr lang="en-US" altLang="ja-JP" sz="1400" i="1">
+                                      <a:latin typeface="Cambria Math" panose="02040503050406030204" pitchFamily="18" charset="0"/>
+                                      <a:ea typeface="Cambria Math" panose="02040503050406030204" pitchFamily="18" charset="0"/>
+                                    </a:rPr>
+                                  </m:ctrlPr>
+                                </m:sSupPr>
+                                <m:e>
+                                  <m:r>
+                                    <a:rPr lang="en-US" altLang="ja-JP" sz="1400" i="1">
+                                      <a:latin typeface="Cambria Math" panose="02040503050406030204" pitchFamily="18" charset="0"/>
+                                      <a:ea typeface="Cambria Math" panose="02040503050406030204" pitchFamily="18" charset="0"/>
+                                    </a:rPr>
+                                    <m:t>∆</m:t>
+                                  </m:r>
+                                  <m:r>
+                                    <a:rPr lang="en-US" altLang="ja-JP" sz="1400" i="1">
+                                      <a:latin typeface="Cambria Math" panose="02040503050406030204" pitchFamily="18" charset="0"/>
+                                      <a:ea typeface="Cambria Math" panose="02040503050406030204" pitchFamily="18" charset="0"/>
+                                    </a:rPr>
+                                    <m:t>𝑥</m:t>
+                                  </m:r>
+                                </m:e>
+                                <m:sup>
+                                  <m:r>
+                                    <a:rPr lang="en-US" altLang="ja-JP" sz="1400" i="1">
+                                      <a:latin typeface="Cambria Math" panose="02040503050406030204" pitchFamily="18" charset="0"/>
+                                      <a:ea typeface="Cambria Math" panose="02040503050406030204" pitchFamily="18" charset="0"/>
+                                    </a:rPr>
+                                    <m:t>2</m:t>
+                                  </m:r>
+                                </m:sup>
+                              </m:sSup>
+                            </m:den>
+                          </m:f>
+                          <m:r>
+                            <a:rPr lang="en-US" altLang="ja-JP" sz="1400" b="0" i="1" smtClean="0">
+                              <a:latin typeface="Cambria Math" panose="02040503050406030204" pitchFamily="18" charset="0"/>
+                              <a:ea typeface="Cambria Math" panose="02040503050406030204" pitchFamily="18" charset="0"/>
+                            </a:rPr>
+                            <m:t>+</m:t>
+                          </m:r>
+                          <m:f>
+                            <m:fPr>
+                              <m:ctrlPr>
+                                <a:rPr lang="en-US" altLang="ja-JP" sz="1400" i="1">
+                                  <a:latin typeface="Cambria Math" panose="02040503050406030204" pitchFamily="18" charset="0"/>
+                                </a:rPr>
+                              </m:ctrlPr>
+                            </m:fPr>
+                            <m:num>
+                              <m:sSub>
+                                <m:sSubPr>
+                                  <m:ctrlPr>
+                                    <a:rPr lang="en-US" altLang="ja-JP" sz="1400" i="1">
+                                      <a:latin typeface="Cambria Math" panose="02040503050406030204" pitchFamily="18" charset="0"/>
+                                    </a:rPr>
+                                  </m:ctrlPr>
+                                </m:sSubPr>
+                                <m:e>
+                                  <m:r>
+                                    <a:rPr lang="en-US" altLang="ja-JP" sz="1400" i="1">
+                                      <a:latin typeface="Cambria Math" panose="02040503050406030204" pitchFamily="18" charset="0"/>
+                                    </a:rPr>
+                                    <m:t>𝐻</m:t>
+                                  </m:r>
+                                </m:e>
+                                <m:sub>
+                                  <m:r>
+                                    <a:rPr lang="en-US" altLang="ja-JP" sz="1400" i="1">
+                                      <a:latin typeface="Cambria Math" panose="02040503050406030204" pitchFamily="18" charset="0"/>
+                                    </a:rPr>
+                                    <m:t>𝑖</m:t>
+                                  </m:r>
+                                  <m:r>
+                                    <a:rPr lang="en-US" altLang="ja-JP" sz="1400" i="1">
+                                      <a:latin typeface="Cambria Math" panose="02040503050406030204" pitchFamily="18" charset="0"/>
+                                    </a:rPr>
+                                    <m:t>−</m:t>
+                                  </m:r>
+                                  <m:r>
+                                    <a:rPr lang="en-US" altLang="ja-JP" sz="1400" i="1">
+                                      <a:latin typeface="Cambria Math" panose="02040503050406030204" pitchFamily="18" charset="0"/>
+                                    </a:rPr>
+                                    <m:t>1/2</m:t>
+                                  </m:r>
+                                </m:sub>
+                              </m:sSub>
+                            </m:num>
+                            <m:den>
+                              <m:r>
+                                <a:rPr lang="en-US" altLang="ja-JP" sz="1400" i="1">
+                                  <a:latin typeface="Cambria Math" panose="02040503050406030204" pitchFamily="18" charset="0"/>
+                                  <a:ea typeface="Cambria Math" panose="02040503050406030204" pitchFamily="18" charset="0"/>
+                                </a:rPr>
+                                <m:t>∆</m:t>
+                              </m:r>
+                              <m:r>
+                                <a:rPr lang="en-US" altLang="ja-JP" sz="1400" i="1">
+                                  <a:latin typeface="Cambria Math" panose="02040503050406030204" pitchFamily="18" charset="0"/>
+                                  <a:ea typeface="Cambria Math" panose="02040503050406030204" pitchFamily="18" charset="0"/>
+                                </a:rPr>
+                                <m:t>𝑥</m:t>
+                              </m:r>
+                            </m:den>
+                          </m:f>
+                          <m:r>
+                            <a:rPr lang="en-US" altLang="ja-JP" sz="1400" i="1">
+                              <a:latin typeface="Cambria Math" panose="02040503050406030204" pitchFamily="18" charset="0"/>
+                              <a:ea typeface="Cambria Math" panose="02040503050406030204" pitchFamily="18" charset="0"/>
+                            </a:rPr>
+                            <m:t>∗(1−</m:t>
+                          </m:r>
+                          <m:sSub>
+                            <m:sSubPr>
+                              <m:ctrlPr>
+                                <a:rPr lang="en-US" altLang="ja-JP" sz="1400" i="1">
+                                  <a:latin typeface="Cambria Math" panose="02040503050406030204" pitchFamily="18" charset="0"/>
+                                  <a:ea typeface="Cambria Math" panose="02040503050406030204" pitchFamily="18" charset="0"/>
+                                </a:rPr>
+                              </m:ctrlPr>
+                            </m:sSubPr>
+                            <m:e>
+                              <m:r>
+                                <a:rPr lang="en-US" altLang="ja-JP" sz="1400" i="1">
+                                  <a:latin typeface="Cambria Math" panose="02040503050406030204" pitchFamily="18" charset="0"/>
+                                  <a:ea typeface="Cambria Math" panose="02040503050406030204" pitchFamily="18" charset="0"/>
+                                </a:rPr>
+                                <m:t>𝑚</m:t>
+                              </m:r>
+                            </m:e>
+                            <m:sub>
+                              <m:r>
+                                <a:rPr lang="en-US" altLang="ja-JP" sz="1400" i="1">
+                                  <a:latin typeface="Cambria Math" panose="02040503050406030204" pitchFamily="18" charset="0"/>
+                                  <a:ea typeface="Cambria Math" panose="02040503050406030204" pitchFamily="18" charset="0"/>
+                                </a:rPr>
+                                <m:t>𝑖</m:t>
+                              </m:r>
+                              <m:r>
+                                <a:rPr lang="en-US" altLang="ja-JP" sz="1400" i="1">
+                                  <a:latin typeface="Cambria Math" panose="02040503050406030204" pitchFamily="18" charset="0"/>
+                                  <a:ea typeface="Cambria Math" panose="02040503050406030204" pitchFamily="18" charset="0"/>
+                                </a:rPr>
+                                <m:t>−1</m:t>
+                              </m:r>
+                            </m:sub>
+                          </m:sSub>
+                          <m:r>
+                            <a:rPr lang="en-US" altLang="ja-JP" sz="1400" i="1">
+                              <a:latin typeface="Cambria Math" panose="02040503050406030204" pitchFamily="18" charset="0"/>
+                              <a:ea typeface="Cambria Math" panose="02040503050406030204" pitchFamily="18" charset="0"/>
+                            </a:rPr>
+                            <m:t>)</m:t>
+                          </m:r>
+                        </m:e>
+                      </m:d>
+                      <m:sSub>
+                        <m:sSubPr>
+                          <m:ctrlPr>
+                            <a:rPr lang="en-US" altLang="ja-JP" sz="1400" i="1">
+                              <a:latin typeface="Cambria Math" panose="02040503050406030204" pitchFamily="18" charset="0"/>
+                            </a:rPr>
+                          </m:ctrlPr>
+                        </m:sSubPr>
+                        <m:e>
+                          <m:r>
+                            <a:rPr lang="en-US" altLang="ja-JP" sz="1400" i="1">
+                              <a:latin typeface="Cambria Math" panose="02040503050406030204" pitchFamily="18" charset="0"/>
+                              <a:ea typeface="Cambria Math" panose="02040503050406030204" pitchFamily="18" charset="0"/>
+                            </a:rPr>
+                            <m:t>𝜃</m:t>
+                          </m:r>
+                        </m:e>
+                        <m:sub>
+                          <m:r>
+                            <a:rPr lang="en-US" altLang="ja-JP" sz="1400" i="1">
+                              <a:latin typeface="Cambria Math" panose="02040503050406030204" pitchFamily="18" charset="0"/>
+                            </a:rPr>
+                            <m:t>𝑖</m:t>
+                          </m:r>
+                          <m:r>
+                            <a:rPr lang="en-US" altLang="ja-JP" sz="1400" i="1">
+                              <a:latin typeface="Cambria Math" panose="02040503050406030204" pitchFamily="18" charset="0"/>
+                            </a:rPr>
+                            <m:t>−1</m:t>
+                          </m:r>
+                        </m:sub>
+                      </m:sSub>
+                      <m:r>
+                        <a:rPr lang="en-US" altLang="ja-JP" sz="1400" b="0" i="1" smtClean="0">
+                          <a:latin typeface="Cambria Math" panose="02040503050406030204" pitchFamily="18" charset="0"/>
+                        </a:rPr>
+                        <m:t>−</m:t>
+                      </m:r>
+                      <m:d>
+                        <m:dPr>
+                          <m:begChr m:val="{"/>
+                          <m:endChr m:val="}"/>
+                          <m:ctrlPr>
+                            <a:rPr lang="en-US" altLang="ja-JP" sz="1400" b="0" i="1" smtClean="0">
+                              <a:latin typeface="Cambria Math" panose="02040503050406030204" pitchFamily="18" charset="0"/>
+                            </a:rPr>
+                          </m:ctrlPr>
+                        </m:dPr>
+                        <m:e>
+                          <m:d>
+                            <m:dPr>
+                              <m:begChr m:val="["/>
+                              <m:endChr m:val="]"/>
+                              <m:ctrlPr>
+                                <a:rPr lang="en-US" altLang="ja-JP" sz="1400" b="0" i="1" smtClean="0">
+                                  <a:latin typeface="Cambria Math" panose="02040503050406030204" pitchFamily="18" charset="0"/>
+                                </a:rPr>
+                              </m:ctrlPr>
+                            </m:dPr>
+                            <m:e>
+                              <m:f>
+                                <m:fPr>
+                                  <m:ctrlPr>
+                                    <a:rPr lang="en-US" altLang="ja-JP" sz="1400" i="1">
+                                      <a:latin typeface="Cambria Math" panose="02040503050406030204" pitchFamily="18" charset="0"/>
+                                    </a:rPr>
+                                  </m:ctrlPr>
+                                </m:fPr>
+                                <m:num>
+                                  <m:sSub>
+                                    <m:sSubPr>
+                                      <m:ctrlPr>
+                                        <a:rPr lang="en-US" altLang="ja-JP" sz="1400" i="1">
+                                          <a:latin typeface="Cambria Math" panose="02040503050406030204" pitchFamily="18" charset="0"/>
+                                        </a:rPr>
+                                      </m:ctrlPr>
+                                    </m:sSubPr>
+                                    <m:e>
+                                      <m:r>
+                                        <a:rPr lang="en-US" altLang="ja-JP" sz="1400" i="1">
+                                          <a:latin typeface="Cambria Math" panose="02040503050406030204" pitchFamily="18" charset="0"/>
+                                          <a:ea typeface="Cambria Math" panose="02040503050406030204" pitchFamily="18" charset="0"/>
+                                        </a:rPr>
+                                        <m:t>𝜆</m:t>
+                                      </m:r>
+                                    </m:e>
+                                    <m:sub>
+                                      <m:r>
+                                        <a:rPr lang="en-US" altLang="ja-JP" sz="1400" i="1">
+                                          <a:latin typeface="Cambria Math" panose="02040503050406030204" pitchFamily="18" charset="0"/>
+                                        </a:rPr>
+                                        <m:t>𝑖</m:t>
+                                      </m:r>
+                                      <m:r>
+                                        <a:rPr lang="en-US" altLang="ja-JP" sz="1400" i="1">
+                                          <a:latin typeface="Cambria Math" panose="02040503050406030204" pitchFamily="18" charset="0"/>
+                                        </a:rPr>
+                                        <m:t>+</m:t>
+                                      </m:r>
+                                      <m:f>
+                                        <m:fPr>
+                                          <m:ctrlPr>
+                                            <a:rPr lang="en-US" altLang="ja-JP" sz="1400" i="1">
+                                              <a:latin typeface="Cambria Math" panose="02040503050406030204" pitchFamily="18" charset="0"/>
+                                            </a:rPr>
+                                          </m:ctrlPr>
+                                        </m:fPr>
+                                        <m:num>
+                                          <m:r>
+                                            <a:rPr lang="en-US" altLang="ja-JP" sz="1400" i="1">
+                                              <a:latin typeface="Cambria Math" panose="02040503050406030204" pitchFamily="18" charset="0"/>
+                                            </a:rPr>
+                                            <m:t>1</m:t>
+                                          </m:r>
+                                        </m:num>
+                                        <m:den>
+                                          <m:r>
+                                            <a:rPr lang="en-US" altLang="ja-JP" sz="1400" i="1">
+                                              <a:latin typeface="Cambria Math" panose="02040503050406030204" pitchFamily="18" charset="0"/>
+                                            </a:rPr>
+                                            <m:t>2</m:t>
+                                          </m:r>
+                                        </m:den>
+                                      </m:f>
+                                    </m:sub>
+                                  </m:sSub>
+                                </m:num>
+                                <m:den>
+                                  <m:sSup>
+                                    <m:sSupPr>
+                                      <m:ctrlPr>
+                                        <a:rPr lang="en-US" altLang="ja-JP" sz="1400" i="1">
+                                          <a:latin typeface="Cambria Math" panose="02040503050406030204" pitchFamily="18" charset="0"/>
+                                          <a:ea typeface="Cambria Math" panose="02040503050406030204" pitchFamily="18" charset="0"/>
+                                        </a:rPr>
+                                      </m:ctrlPr>
+                                    </m:sSupPr>
+                                    <m:e>
+                                      <m:r>
+                                        <a:rPr lang="en-US" altLang="ja-JP" sz="1400" i="1">
+                                          <a:latin typeface="Cambria Math" panose="02040503050406030204" pitchFamily="18" charset="0"/>
+                                          <a:ea typeface="Cambria Math" panose="02040503050406030204" pitchFamily="18" charset="0"/>
+                                        </a:rPr>
+                                        <m:t>∆</m:t>
+                                      </m:r>
+                                      <m:r>
+                                        <a:rPr lang="en-US" altLang="ja-JP" sz="1400" i="1">
+                                          <a:latin typeface="Cambria Math" panose="02040503050406030204" pitchFamily="18" charset="0"/>
+                                          <a:ea typeface="Cambria Math" panose="02040503050406030204" pitchFamily="18" charset="0"/>
+                                        </a:rPr>
+                                        <m:t>𝑥</m:t>
+                                      </m:r>
+                                    </m:e>
+                                    <m:sup>
+                                      <m:r>
+                                        <a:rPr lang="en-US" altLang="ja-JP" sz="1400" i="1">
+                                          <a:latin typeface="Cambria Math" panose="02040503050406030204" pitchFamily="18" charset="0"/>
+                                          <a:ea typeface="Cambria Math" panose="02040503050406030204" pitchFamily="18" charset="0"/>
+                                        </a:rPr>
+                                        <m:t>2</m:t>
+                                      </m:r>
+                                    </m:sup>
+                                  </m:sSup>
+                                </m:den>
+                              </m:f>
+                              <m:r>
+                                <a:rPr lang="en-US" altLang="ja-JP" sz="1400" i="1">
+                                  <a:latin typeface="Cambria Math" panose="02040503050406030204" pitchFamily="18" charset="0"/>
+                                </a:rPr>
+                                <m:t>+</m:t>
+                              </m:r>
+                              <m:f>
+                                <m:fPr>
+                                  <m:ctrlPr>
+                                    <a:rPr lang="en-US" altLang="ja-JP" sz="1400" i="1">
+                                      <a:latin typeface="Cambria Math" panose="02040503050406030204" pitchFamily="18" charset="0"/>
+                                    </a:rPr>
+                                  </m:ctrlPr>
+                                </m:fPr>
+                                <m:num>
+                                  <m:sSub>
+                                    <m:sSubPr>
+                                      <m:ctrlPr>
+                                        <a:rPr lang="en-US" altLang="ja-JP" sz="1400" i="1">
+                                          <a:latin typeface="Cambria Math" panose="02040503050406030204" pitchFamily="18" charset="0"/>
+                                        </a:rPr>
+                                      </m:ctrlPr>
+                                    </m:sSubPr>
+                                    <m:e>
+                                      <m:r>
+                                        <a:rPr lang="en-US" altLang="ja-JP" sz="1400" i="1">
+                                          <a:latin typeface="Cambria Math" panose="02040503050406030204" pitchFamily="18" charset="0"/>
+                                        </a:rPr>
+                                        <m:t>𝐻</m:t>
+                                      </m:r>
+                                    </m:e>
+                                    <m:sub>
+                                      <m:r>
+                                        <a:rPr lang="en-US" altLang="ja-JP" sz="1400" i="1">
+                                          <a:latin typeface="Cambria Math" panose="02040503050406030204" pitchFamily="18" charset="0"/>
+                                        </a:rPr>
+                                        <m:t>𝑖</m:t>
+                                      </m:r>
+                                      <m:r>
+                                        <a:rPr lang="en-US" altLang="ja-JP" sz="1400" i="1">
+                                          <a:latin typeface="Cambria Math" panose="02040503050406030204" pitchFamily="18" charset="0"/>
+                                        </a:rPr>
+                                        <m:t>+</m:t>
+                                      </m:r>
+                                      <m:f>
+                                        <m:fPr>
+                                          <m:ctrlPr>
+                                            <a:rPr lang="en-US" altLang="ja-JP" sz="1400" i="1">
+                                              <a:latin typeface="Cambria Math" panose="02040503050406030204" pitchFamily="18" charset="0"/>
+                                            </a:rPr>
+                                          </m:ctrlPr>
+                                        </m:fPr>
+                                        <m:num>
+                                          <m:r>
+                                            <a:rPr lang="en-US" altLang="ja-JP" sz="1400" i="1">
+                                              <a:latin typeface="Cambria Math" panose="02040503050406030204" pitchFamily="18" charset="0"/>
+                                            </a:rPr>
+                                            <m:t>1</m:t>
+                                          </m:r>
+                                        </m:num>
+                                        <m:den>
+                                          <m:r>
+                                            <a:rPr lang="en-US" altLang="ja-JP" sz="1400" i="1">
+                                              <a:latin typeface="Cambria Math" panose="02040503050406030204" pitchFamily="18" charset="0"/>
+                                            </a:rPr>
+                                            <m:t>2</m:t>
+                                          </m:r>
+                                        </m:den>
+                                      </m:f>
+                                    </m:sub>
+                                  </m:sSub>
+                                </m:num>
+                                <m:den>
+                                  <m:r>
+                                    <a:rPr lang="en-US" altLang="ja-JP" sz="1400" i="1">
+                                      <a:latin typeface="Cambria Math" panose="02040503050406030204" pitchFamily="18" charset="0"/>
+                                      <a:ea typeface="Cambria Math" panose="02040503050406030204" pitchFamily="18" charset="0"/>
+                                    </a:rPr>
+                                    <m:t>∆</m:t>
+                                  </m:r>
+                                  <m:r>
+                                    <a:rPr lang="en-US" altLang="ja-JP" sz="1400" i="1">
+                                      <a:latin typeface="Cambria Math" panose="02040503050406030204" pitchFamily="18" charset="0"/>
+                                      <a:ea typeface="Cambria Math" panose="02040503050406030204" pitchFamily="18" charset="0"/>
+                                    </a:rPr>
+                                    <m:t>𝑥</m:t>
+                                  </m:r>
+                                </m:den>
+                              </m:f>
+                              <m:r>
+                                <a:rPr lang="en-US" altLang="ja-JP" sz="1400" i="1">
+                                  <a:latin typeface="Cambria Math" panose="02040503050406030204" pitchFamily="18" charset="0"/>
+                                  <a:ea typeface="Cambria Math" panose="02040503050406030204" pitchFamily="18" charset="0"/>
+                                </a:rPr>
+                                <m:t>∗</m:t>
+                              </m:r>
+                              <m:d>
+                                <m:dPr>
+                                  <m:ctrlPr>
+                                    <a:rPr lang="en-US" altLang="ja-JP" sz="1400" i="1">
+                                      <a:latin typeface="Cambria Math" panose="02040503050406030204" pitchFamily="18" charset="0"/>
+                                      <a:ea typeface="Cambria Math" panose="02040503050406030204" pitchFamily="18" charset="0"/>
+                                    </a:rPr>
+                                  </m:ctrlPr>
+                                </m:dPr>
+                                <m:e>
+                                  <m:r>
+                                    <a:rPr lang="en-US" altLang="ja-JP" sz="1400" i="1">
+                                      <a:latin typeface="Cambria Math" panose="02040503050406030204" pitchFamily="18" charset="0"/>
+                                      <a:ea typeface="Cambria Math" panose="02040503050406030204" pitchFamily="18" charset="0"/>
+                                    </a:rPr>
+                                    <m:t>1−</m:t>
+                                  </m:r>
+                                  <m:sSub>
+                                    <m:sSubPr>
+                                      <m:ctrlPr>
+                                        <a:rPr lang="en-US" altLang="ja-JP" sz="1400" i="1">
+                                          <a:latin typeface="Cambria Math" panose="02040503050406030204" pitchFamily="18" charset="0"/>
+                                          <a:ea typeface="Cambria Math" panose="02040503050406030204" pitchFamily="18" charset="0"/>
+                                        </a:rPr>
+                                      </m:ctrlPr>
+                                    </m:sSubPr>
+                                    <m:e>
+                                      <m:r>
+                                        <a:rPr lang="en-US" altLang="ja-JP" sz="1400" i="1">
+                                          <a:latin typeface="Cambria Math" panose="02040503050406030204" pitchFamily="18" charset="0"/>
+                                          <a:ea typeface="Cambria Math" panose="02040503050406030204" pitchFamily="18" charset="0"/>
+                                        </a:rPr>
+                                        <m:t>𝑚</m:t>
+                                      </m:r>
+                                    </m:e>
+                                    <m:sub>
+                                      <m:r>
+                                        <a:rPr lang="en-US" altLang="ja-JP" sz="1400" i="1">
+                                          <a:latin typeface="Cambria Math" panose="02040503050406030204" pitchFamily="18" charset="0"/>
+                                          <a:ea typeface="Cambria Math" panose="02040503050406030204" pitchFamily="18" charset="0"/>
+                                        </a:rPr>
+                                        <m:t>𝑖</m:t>
+                                      </m:r>
+                                      <m:r>
+                                        <a:rPr lang="en-US" altLang="ja-JP" sz="1400" i="1">
+                                          <a:latin typeface="Cambria Math" panose="02040503050406030204" pitchFamily="18" charset="0"/>
+                                          <a:ea typeface="Cambria Math" panose="02040503050406030204" pitchFamily="18" charset="0"/>
+                                        </a:rPr>
+                                        <m:t>+1</m:t>
+                                      </m:r>
+                                    </m:sub>
+                                  </m:sSub>
+                                </m:e>
+                              </m:d>
+                            </m:e>
+                          </m:d>
+                          <m:r>
+                            <a:rPr lang="en-US" altLang="ja-JP" sz="1400" b="0" i="1" smtClean="0">
+                              <a:latin typeface="Cambria Math" panose="02040503050406030204" pitchFamily="18" charset="0"/>
+                            </a:rPr>
+                            <m:t>+</m:t>
+                          </m:r>
+                          <m:d>
+                            <m:dPr>
+                              <m:begChr m:val="["/>
+                              <m:endChr m:val="]"/>
+                              <m:ctrlPr>
+                                <a:rPr lang="en-US" altLang="ja-JP" sz="1400" b="0" i="1" smtClean="0">
+                                  <a:latin typeface="Cambria Math" panose="02040503050406030204" pitchFamily="18" charset="0"/>
+                                </a:rPr>
+                              </m:ctrlPr>
+                            </m:dPr>
+                            <m:e>
+                              <m:f>
+                                <m:fPr>
+                                  <m:ctrlPr>
+                                    <a:rPr lang="en-US" altLang="ja-JP" sz="1400" i="1">
+                                      <a:latin typeface="Cambria Math" panose="02040503050406030204" pitchFamily="18" charset="0"/>
+                                    </a:rPr>
+                                  </m:ctrlPr>
+                                </m:fPr>
+                                <m:num>
+                                  <m:sSub>
+                                    <m:sSubPr>
+                                      <m:ctrlPr>
+                                        <a:rPr lang="en-US" altLang="ja-JP" sz="1400" i="1">
+                                          <a:latin typeface="Cambria Math" panose="02040503050406030204" pitchFamily="18" charset="0"/>
+                                        </a:rPr>
+                                      </m:ctrlPr>
+                                    </m:sSubPr>
+                                    <m:e>
+                                      <m:r>
+                                        <a:rPr lang="en-US" altLang="ja-JP" sz="1400" i="1">
+                                          <a:latin typeface="Cambria Math" panose="02040503050406030204" pitchFamily="18" charset="0"/>
+                                          <a:ea typeface="Cambria Math" panose="02040503050406030204" pitchFamily="18" charset="0"/>
+                                        </a:rPr>
+                                        <m:t>𝜆</m:t>
+                                      </m:r>
+                                    </m:e>
+                                    <m:sub>
+                                      <m:r>
+                                        <a:rPr lang="en-US" altLang="ja-JP" sz="1400" i="1">
+                                          <a:latin typeface="Cambria Math" panose="02040503050406030204" pitchFamily="18" charset="0"/>
+                                        </a:rPr>
+                                        <m:t>𝑖</m:t>
+                                      </m:r>
+                                      <m:r>
+                                        <a:rPr lang="en-US" altLang="ja-JP" sz="1400" i="1">
+                                          <a:latin typeface="Cambria Math" panose="02040503050406030204" pitchFamily="18" charset="0"/>
+                                        </a:rPr>
+                                        <m:t>−</m:t>
+                                      </m:r>
+                                      <m:f>
+                                        <m:fPr>
+                                          <m:ctrlPr>
+                                            <a:rPr lang="en-US" altLang="ja-JP" sz="1400" i="1">
+                                              <a:latin typeface="Cambria Math" panose="02040503050406030204" pitchFamily="18" charset="0"/>
+                                            </a:rPr>
+                                          </m:ctrlPr>
+                                        </m:fPr>
+                                        <m:num>
+                                          <m:r>
+                                            <a:rPr lang="en-US" altLang="ja-JP" sz="1400" i="1">
+                                              <a:latin typeface="Cambria Math" panose="02040503050406030204" pitchFamily="18" charset="0"/>
+                                            </a:rPr>
+                                            <m:t>1</m:t>
+                                          </m:r>
+                                        </m:num>
+                                        <m:den>
+                                          <m:r>
+                                            <a:rPr lang="en-US" altLang="ja-JP" sz="1400" i="1">
+                                              <a:latin typeface="Cambria Math" panose="02040503050406030204" pitchFamily="18" charset="0"/>
+                                            </a:rPr>
+                                            <m:t>2</m:t>
+                                          </m:r>
+                                        </m:den>
+                                      </m:f>
+                                    </m:sub>
+                                  </m:sSub>
+                                </m:num>
+                                <m:den>
+                                  <m:sSup>
+                                    <m:sSupPr>
+                                      <m:ctrlPr>
+                                        <a:rPr lang="en-US" altLang="ja-JP" sz="1400" i="1">
+                                          <a:latin typeface="Cambria Math" panose="02040503050406030204" pitchFamily="18" charset="0"/>
+                                          <a:ea typeface="Cambria Math" panose="02040503050406030204" pitchFamily="18" charset="0"/>
+                                        </a:rPr>
+                                      </m:ctrlPr>
+                                    </m:sSupPr>
+                                    <m:e>
+                                      <m:r>
+                                        <a:rPr lang="en-US" altLang="ja-JP" sz="1400" i="1">
+                                          <a:latin typeface="Cambria Math" panose="02040503050406030204" pitchFamily="18" charset="0"/>
+                                          <a:ea typeface="Cambria Math" panose="02040503050406030204" pitchFamily="18" charset="0"/>
+                                        </a:rPr>
+                                        <m:t>∆</m:t>
+                                      </m:r>
+                                      <m:r>
+                                        <a:rPr lang="en-US" altLang="ja-JP" sz="1400" i="1">
+                                          <a:latin typeface="Cambria Math" panose="02040503050406030204" pitchFamily="18" charset="0"/>
+                                          <a:ea typeface="Cambria Math" panose="02040503050406030204" pitchFamily="18" charset="0"/>
+                                        </a:rPr>
+                                        <m:t>𝑥</m:t>
+                                      </m:r>
+                                    </m:e>
+                                    <m:sup>
+                                      <m:r>
+                                        <a:rPr lang="en-US" altLang="ja-JP" sz="1400" i="1">
+                                          <a:latin typeface="Cambria Math" panose="02040503050406030204" pitchFamily="18" charset="0"/>
+                                          <a:ea typeface="Cambria Math" panose="02040503050406030204" pitchFamily="18" charset="0"/>
+                                        </a:rPr>
+                                        <m:t>2</m:t>
+                                      </m:r>
+                                    </m:sup>
+                                  </m:sSup>
+                                </m:den>
+                              </m:f>
+                              <m:r>
+                                <a:rPr lang="en-US" altLang="ja-JP" sz="1400" i="1">
+                                  <a:latin typeface="Cambria Math" panose="02040503050406030204" pitchFamily="18" charset="0"/>
+                                  <a:ea typeface="Cambria Math" panose="02040503050406030204" pitchFamily="18" charset="0"/>
+                                </a:rPr>
+                                <m:t>+</m:t>
+                              </m:r>
+                              <m:f>
+                                <m:fPr>
+                                  <m:ctrlPr>
+                                    <a:rPr lang="en-US" altLang="ja-JP" sz="1400" i="1">
+                                      <a:latin typeface="Cambria Math" panose="02040503050406030204" pitchFamily="18" charset="0"/>
+                                    </a:rPr>
+                                  </m:ctrlPr>
+                                </m:fPr>
+                                <m:num>
+                                  <m:sSub>
+                                    <m:sSubPr>
+                                      <m:ctrlPr>
+                                        <a:rPr lang="en-US" altLang="ja-JP" sz="1400" i="1">
+                                          <a:latin typeface="Cambria Math" panose="02040503050406030204" pitchFamily="18" charset="0"/>
+                                        </a:rPr>
+                                      </m:ctrlPr>
+                                    </m:sSubPr>
+                                    <m:e>
+                                      <m:r>
+                                        <a:rPr lang="en-US" altLang="ja-JP" sz="1400" i="1">
+                                          <a:latin typeface="Cambria Math" panose="02040503050406030204" pitchFamily="18" charset="0"/>
+                                        </a:rPr>
+                                        <m:t>𝐻</m:t>
+                                      </m:r>
+                                    </m:e>
+                                    <m:sub>
+                                      <m:r>
+                                        <a:rPr lang="en-US" altLang="ja-JP" sz="1400" i="1">
+                                          <a:latin typeface="Cambria Math" panose="02040503050406030204" pitchFamily="18" charset="0"/>
+                                        </a:rPr>
+                                        <m:t>𝑖</m:t>
+                                      </m:r>
+                                      <m:r>
+                                        <a:rPr lang="en-US" altLang="ja-JP" sz="1400" i="1">
+                                          <a:latin typeface="Cambria Math" panose="02040503050406030204" pitchFamily="18" charset="0"/>
+                                        </a:rPr>
+                                        <m:t>−</m:t>
+                                      </m:r>
+                                      <m:f>
+                                        <m:fPr>
+                                          <m:ctrlPr>
+                                            <a:rPr lang="en-US" altLang="ja-JP" sz="1400" i="1">
+                                              <a:latin typeface="Cambria Math" panose="02040503050406030204" pitchFamily="18" charset="0"/>
+                                            </a:rPr>
+                                          </m:ctrlPr>
+                                        </m:fPr>
+                                        <m:num>
+                                          <m:r>
+                                            <a:rPr lang="en-US" altLang="ja-JP" sz="1400" i="1">
+                                              <a:latin typeface="Cambria Math" panose="02040503050406030204" pitchFamily="18" charset="0"/>
+                                            </a:rPr>
+                                            <m:t>1</m:t>
+                                          </m:r>
+                                        </m:num>
+                                        <m:den>
+                                          <m:r>
+                                            <a:rPr lang="en-US" altLang="ja-JP" sz="1400" i="1">
+                                              <a:latin typeface="Cambria Math" panose="02040503050406030204" pitchFamily="18" charset="0"/>
+                                            </a:rPr>
+                                            <m:t>2</m:t>
+                                          </m:r>
+                                        </m:den>
+                                      </m:f>
+                                    </m:sub>
+                                  </m:sSub>
+                                </m:num>
+                                <m:den>
+                                  <m:r>
+                                    <a:rPr lang="en-US" altLang="ja-JP" sz="1400" i="1">
+                                      <a:latin typeface="Cambria Math" panose="02040503050406030204" pitchFamily="18" charset="0"/>
+                                      <a:ea typeface="Cambria Math" panose="02040503050406030204" pitchFamily="18" charset="0"/>
+                                    </a:rPr>
+                                    <m:t>∆</m:t>
+                                  </m:r>
+                                  <m:r>
+                                    <a:rPr lang="en-US" altLang="ja-JP" sz="1400" i="1">
+                                      <a:latin typeface="Cambria Math" panose="02040503050406030204" pitchFamily="18" charset="0"/>
+                                      <a:ea typeface="Cambria Math" panose="02040503050406030204" pitchFamily="18" charset="0"/>
+                                    </a:rPr>
+                                    <m:t>𝑥</m:t>
+                                  </m:r>
+                                </m:den>
+                              </m:f>
+                              <m:r>
+                                <a:rPr lang="en-US" altLang="ja-JP" sz="1400" i="1">
+                                  <a:latin typeface="Cambria Math" panose="02040503050406030204" pitchFamily="18" charset="0"/>
+                                  <a:ea typeface="Cambria Math" panose="02040503050406030204" pitchFamily="18" charset="0"/>
+                                </a:rPr>
+                                <m:t>∗</m:t>
+                              </m:r>
+                              <m:d>
+                                <m:dPr>
+                                  <m:ctrlPr>
+                                    <a:rPr lang="en-US" altLang="ja-JP" sz="1400" i="1">
+                                      <a:latin typeface="Cambria Math" panose="02040503050406030204" pitchFamily="18" charset="0"/>
+                                      <a:ea typeface="Cambria Math" panose="02040503050406030204" pitchFamily="18" charset="0"/>
+                                    </a:rPr>
+                                  </m:ctrlPr>
+                                </m:dPr>
+                                <m:e>
+                                  <m:r>
+                                    <a:rPr lang="en-US" altLang="ja-JP" sz="1400" i="1">
+                                      <a:latin typeface="Cambria Math" panose="02040503050406030204" pitchFamily="18" charset="0"/>
+                                      <a:ea typeface="Cambria Math" panose="02040503050406030204" pitchFamily="18" charset="0"/>
+                                    </a:rPr>
+                                    <m:t>1−</m:t>
+                                  </m:r>
+                                  <m:sSub>
+                                    <m:sSubPr>
+                                      <m:ctrlPr>
+                                        <a:rPr lang="en-US" altLang="ja-JP" sz="1400" i="1">
+                                          <a:latin typeface="Cambria Math" panose="02040503050406030204" pitchFamily="18" charset="0"/>
+                                          <a:ea typeface="Cambria Math" panose="02040503050406030204" pitchFamily="18" charset="0"/>
+                                        </a:rPr>
+                                      </m:ctrlPr>
+                                    </m:sSubPr>
+                                    <m:e>
+                                      <m:r>
+                                        <a:rPr lang="en-US" altLang="ja-JP" sz="1400" i="1">
+                                          <a:latin typeface="Cambria Math" panose="02040503050406030204" pitchFamily="18" charset="0"/>
+                                          <a:ea typeface="Cambria Math" panose="02040503050406030204" pitchFamily="18" charset="0"/>
+                                        </a:rPr>
+                                        <m:t>𝑚</m:t>
+                                      </m:r>
+                                    </m:e>
+                                    <m:sub>
+                                      <m:r>
+                                        <a:rPr lang="en-US" altLang="ja-JP" sz="1400" i="1">
+                                          <a:latin typeface="Cambria Math" panose="02040503050406030204" pitchFamily="18" charset="0"/>
+                                          <a:ea typeface="Cambria Math" panose="02040503050406030204" pitchFamily="18" charset="0"/>
+                                        </a:rPr>
+                                        <m:t>𝑖</m:t>
+                                      </m:r>
+                                      <m:r>
+                                        <a:rPr lang="en-US" altLang="ja-JP" sz="1400" i="1">
+                                          <a:latin typeface="Cambria Math" panose="02040503050406030204" pitchFamily="18" charset="0"/>
+                                          <a:ea typeface="Cambria Math" panose="02040503050406030204" pitchFamily="18" charset="0"/>
+                                        </a:rPr>
+                                        <m:t>−1</m:t>
+                                      </m:r>
+                                    </m:sub>
+                                  </m:sSub>
+                                </m:e>
+                              </m:d>
+                            </m:e>
+                          </m:d>
+                        </m:e>
+                      </m:d>
+                      <m:sSub>
+                        <m:sSubPr>
+                          <m:ctrlPr>
+                            <a:rPr lang="en-US" altLang="ja-JP" sz="1400" i="1">
+                              <a:latin typeface="Cambria Math" panose="02040503050406030204" pitchFamily="18" charset="0"/>
+                            </a:rPr>
+                          </m:ctrlPr>
+                        </m:sSubPr>
+                        <m:e>
+                          <m:r>
+                            <a:rPr lang="en-US" altLang="ja-JP" sz="1400" i="1">
+                              <a:latin typeface="Cambria Math" panose="02040503050406030204" pitchFamily="18" charset="0"/>
+                              <a:ea typeface="Cambria Math" panose="02040503050406030204" pitchFamily="18" charset="0"/>
+                            </a:rPr>
+                            <m:t>𝜃</m:t>
+                          </m:r>
+                        </m:e>
+                        <m:sub>
+                          <m:r>
+                            <a:rPr lang="en-US" altLang="ja-JP" sz="1400" i="1">
+                              <a:latin typeface="Cambria Math" panose="02040503050406030204" pitchFamily="18" charset="0"/>
+                            </a:rPr>
+                            <m:t>𝑖</m:t>
+                          </m:r>
+                        </m:sub>
+                      </m:sSub>
+                    </m:oMath>
+                  </m:oMathPara>
+                </a14:m>
+                <a:endParaRPr lang="en-US" altLang="ja-JP" sz="1400" i="1" dirty="0">
+                  <a:latin typeface="Cambria Math" panose="02040503050406030204" pitchFamily="18" charset="0"/>
+                </a:endParaRPr>
+              </a:p>
+              <a:p>
+                <a:pPr/>
+                <a:r>
+                  <a:rPr kumimoji="1" lang="en-US" altLang="ja-JP" sz="1400" b="0" dirty="0"/>
+                  <a:t>+</a:t>
+                </a:r>
+                <a14:m>
+                  <m:oMath xmlns:m="http://schemas.openxmlformats.org/officeDocument/2006/math">
+                    <m:r>
+                      <a:rPr kumimoji="1" lang="en-US" altLang="ja-JP" sz="1400" b="0" i="1" smtClean="0">
+                        <a:latin typeface="Cambria Math" panose="02040503050406030204" pitchFamily="18" charset="0"/>
+                      </a:rPr>
+                      <m:t>𝑄</m:t>
+                    </m:r>
+                    <m:r>
+                      <a:rPr kumimoji="1" lang="en-US" altLang="ja-JP" sz="1400" b="0" i="1" smtClean="0">
+                        <a:latin typeface="Cambria Math" panose="02040503050406030204" pitchFamily="18" charset="0"/>
+                      </a:rPr>
+                      <m:t>+</m:t>
+                    </m:r>
+                    <m:f>
+                      <m:fPr>
+                        <m:ctrlPr>
+                          <a:rPr lang="en-US" altLang="ja-JP" sz="1400" i="1">
+                            <a:latin typeface="Cambria Math" panose="02040503050406030204" pitchFamily="18" charset="0"/>
+                          </a:rPr>
+                        </m:ctrlPr>
+                      </m:fPr>
+                      <m:num>
+                        <m:r>
+                          <a:rPr lang="en-US" altLang="ja-JP" sz="1400" i="1">
+                            <a:latin typeface="Cambria Math" panose="02040503050406030204" pitchFamily="18" charset="0"/>
+                          </a:rPr>
+                          <m:t>1</m:t>
+                        </m:r>
+                      </m:num>
+                      <m:den>
+                        <m:r>
+                          <a:rPr lang="en-US" altLang="ja-JP" sz="1400" i="1">
+                            <a:latin typeface="Cambria Math" panose="02040503050406030204" pitchFamily="18" charset="0"/>
+                            <a:ea typeface="Cambria Math" panose="02040503050406030204" pitchFamily="18" charset="0"/>
+                          </a:rPr>
+                          <m:t>∆</m:t>
+                        </m:r>
+                        <m:r>
+                          <a:rPr lang="en-US" altLang="ja-JP" sz="1400" i="1">
+                            <a:latin typeface="Cambria Math" panose="02040503050406030204" pitchFamily="18" charset="0"/>
+                            <a:ea typeface="Cambria Math" panose="02040503050406030204" pitchFamily="18" charset="0"/>
+                          </a:rPr>
+                          <m:t>𝑥</m:t>
+                        </m:r>
+                      </m:den>
+                    </m:f>
+                    <m:d>
+                      <m:dPr>
+                        <m:begChr m:val="["/>
+                        <m:endChr m:val="]"/>
+                        <m:ctrlPr>
+                          <a:rPr lang="en-US" altLang="ja-JP" sz="1400" i="1" smtClean="0">
+                            <a:latin typeface="Cambria Math" panose="02040503050406030204" pitchFamily="18" charset="0"/>
+                            <a:ea typeface="Cambria Math" panose="02040503050406030204" pitchFamily="18" charset="0"/>
+                          </a:rPr>
+                        </m:ctrlPr>
+                      </m:dPr>
+                      <m:e>
+                        <m:sSubSup>
+                          <m:sSubSupPr>
+                            <m:ctrlPr>
+                              <a:rPr lang="en-US" altLang="ja-JP" sz="1400" i="1" smtClean="0">
+                                <a:latin typeface="Cambria Math" panose="02040503050406030204" pitchFamily="18" charset="0"/>
+                                <a:ea typeface="Cambria Math" panose="02040503050406030204" pitchFamily="18" charset="0"/>
+                              </a:rPr>
+                            </m:ctrlPr>
+                          </m:sSubSupPr>
+                          <m:e>
+                            <m:r>
+                              <a:rPr lang="en-US" altLang="ja-JP" sz="1400" b="0" i="1" smtClean="0">
+                                <a:latin typeface="Cambria Math" panose="02040503050406030204" pitchFamily="18" charset="0"/>
+                                <a:ea typeface="Cambria Math" panose="02040503050406030204" pitchFamily="18" charset="0"/>
+                              </a:rPr>
+                              <m:t>𝑞</m:t>
+                            </m:r>
+                          </m:e>
+                          <m:sub>
+                            <m:r>
+                              <a:rPr lang="en-US" altLang="ja-JP" sz="1400" b="0" i="1" smtClean="0">
+                                <a:latin typeface="Cambria Math" panose="02040503050406030204" pitchFamily="18" charset="0"/>
+                                <a:ea typeface="Cambria Math" panose="02040503050406030204" pitchFamily="18" charset="0"/>
+                              </a:rPr>
+                              <m:t>𝑖</m:t>
+                            </m:r>
+                            <m:r>
+                              <a:rPr lang="en-US" altLang="ja-JP" sz="1400" b="0" i="1" smtClean="0">
+                                <a:latin typeface="Cambria Math" panose="02040503050406030204" pitchFamily="18" charset="0"/>
+                                <a:ea typeface="Cambria Math" panose="02040503050406030204" pitchFamily="18" charset="0"/>
+                              </a:rPr>
+                              <m:t>+1/2</m:t>
+                            </m:r>
+                          </m:sub>
+                          <m:sup>
+                            <m:r>
+                              <a:rPr lang="en-US" altLang="ja-JP" sz="1400" b="0" i="1" smtClean="0">
+                                <a:latin typeface="Cambria Math" panose="02040503050406030204" pitchFamily="18" charset="0"/>
+                                <a:ea typeface="Cambria Math" panose="02040503050406030204" pitchFamily="18" charset="0"/>
+                              </a:rPr>
+                              <m:t>𝑏𝑐</m:t>
+                            </m:r>
+                          </m:sup>
+                        </m:sSubSup>
+                        <m:r>
+                          <a:rPr lang="en-US" altLang="ja-JP" sz="1400" b="0" i="1" smtClean="0">
+                            <a:latin typeface="Cambria Math" panose="02040503050406030204" pitchFamily="18" charset="0"/>
+                            <a:ea typeface="Cambria Math" panose="02040503050406030204" pitchFamily="18" charset="0"/>
+                          </a:rPr>
+                          <m:t>−</m:t>
+                        </m:r>
+                        <m:sSubSup>
+                          <m:sSubSupPr>
+                            <m:ctrlPr>
+                              <a:rPr lang="en-US" altLang="ja-JP" sz="1400" b="0" i="1" smtClean="0">
+                                <a:latin typeface="Cambria Math" panose="02040503050406030204" pitchFamily="18" charset="0"/>
+                                <a:ea typeface="Cambria Math" panose="02040503050406030204" pitchFamily="18" charset="0"/>
+                              </a:rPr>
+                            </m:ctrlPr>
+                          </m:sSubSupPr>
+                          <m:e>
+                            <m:r>
+                              <a:rPr lang="en-US" altLang="ja-JP" sz="1400" b="0" i="1" smtClean="0">
+                                <a:latin typeface="Cambria Math" panose="02040503050406030204" pitchFamily="18" charset="0"/>
+                                <a:ea typeface="Cambria Math" panose="02040503050406030204" pitchFamily="18" charset="0"/>
+                              </a:rPr>
+                              <m:t>𝑞</m:t>
+                            </m:r>
+                          </m:e>
+                          <m:sub>
+                            <m:r>
+                              <a:rPr lang="en-US" altLang="ja-JP" sz="1400" b="0" i="1" smtClean="0">
+                                <a:latin typeface="Cambria Math" panose="02040503050406030204" pitchFamily="18" charset="0"/>
+                                <a:ea typeface="Cambria Math" panose="02040503050406030204" pitchFamily="18" charset="0"/>
+                              </a:rPr>
+                              <m:t>𝑖</m:t>
+                            </m:r>
+                            <m:r>
+                              <a:rPr lang="en-US" altLang="ja-JP" sz="1400" b="0" i="1" smtClean="0">
+                                <a:latin typeface="Cambria Math" panose="02040503050406030204" pitchFamily="18" charset="0"/>
+                                <a:ea typeface="Cambria Math" panose="02040503050406030204" pitchFamily="18" charset="0"/>
+                              </a:rPr>
+                              <m:t>−1/2</m:t>
+                            </m:r>
+                          </m:sub>
+                          <m:sup>
+                            <m:r>
+                              <a:rPr lang="en-US" altLang="ja-JP" sz="1400" b="0" i="1" smtClean="0">
+                                <a:latin typeface="Cambria Math" panose="02040503050406030204" pitchFamily="18" charset="0"/>
+                                <a:ea typeface="Cambria Math" panose="02040503050406030204" pitchFamily="18" charset="0"/>
+                              </a:rPr>
+                              <m:t>𝑏𝑐</m:t>
+                            </m:r>
+                          </m:sup>
+                        </m:sSubSup>
+                      </m:e>
+                    </m:d>
+                    <m:r>
+                      <a:rPr kumimoji="1" lang="en-US" altLang="ja-JP" sz="1400" b="0" i="1" smtClean="0">
+                        <a:latin typeface="Cambria Math" panose="02040503050406030204" pitchFamily="18" charset="0"/>
+                      </a:rPr>
+                      <m:t>=0</m:t>
+                    </m:r>
+                  </m:oMath>
+                </a14:m>
+                <a:endParaRPr kumimoji="1" lang="ja-JP" altLang="en-US" sz="1400"/>
+              </a:p>
+            </p:txBody>
+          </p:sp>
+        </mc:Choice>
+        <mc:Fallback>
+          <p:sp>
+            <p:nvSpPr>
+              <p:cNvPr id="4" name="テキスト ボックス 3">
+                <a:extLst>
+                  <a:ext uri="{FF2B5EF4-FFF2-40B4-BE49-F238E27FC236}">
+                    <a16:creationId xmlns:a16="http://schemas.microsoft.com/office/drawing/2014/main" id="{CFCAE240-5B95-999B-811D-72B6C71A676C}"/>
+                  </a:ext>
+                </a:extLst>
+              </p:cNvPr>
+              <p:cNvSpPr txBox="1">
+                <a:spLocks noRot="1" noChangeAspect="1" noMove="1" noResize="1" noEditPoints="1" noAdjustHandles="1" noChangeArrowheads="1" noChangeShapeType="1" noTextEdit="1"/>
+              </p:cNvSpPr>
+              <p:nvPr/>
+            </p:nvSpPr>
+            <p:spPr>
+              <a:xfrm>
+                <a:off x="602164" y="3640873"/>
+                <a:ext cx="10705171" cy="870431"/>
+              </a:xfrm>
+              <a:prstGeom prst="rect">
+                <a:avLst/>
+              </a:prstGeom>
+              <a:blipFill>
+                <a:blip r:embed="rId4"/>
+                <a:stretch>
+                  <a:fillRect l="-1066" t="-1429" b="-7143"/>
+                </a:stretch>
+              </a:blipFill>
+            </p:spPr>
+            <p:txBody>
+              <a:bodyPr/>
+              <a:lstStyle/>
+              <a:p>
+                <a:r>
+                  <a:rPr lang="ja-JP" altLang="en-US">
+                    <a:noFill/>
+                  </a:rPr>
+                  <a:t> </a:t>
+                </a:r>
+              </a:p>
+            </p:txBody>
+          </p:sp>
+        </mc:Fallback>
+      </mc:AlternateContent>
+      <mc:AlternateContent xmlns:mc="http://schemas.openxmlformats.org/markup-compatibility/2006">
+        <mc:Choice xmlns:a14="http://schemas.microsoft.com/office/drawing/2010/main" Requires="a14">
+          <p:sp>
+            <p:nvSpPr>
+              <p:cNvPr id="5" name="テキスト ボックス 4">
+                <a:extLst>
+                  <a:ext uri="{FF2B5EF4-FFF2-40B4-BE49-F238E27FC236}">
+                    <a16:creationId xmlns:a16="http://schemas.microsoft.com/office/drawing/2014/main" id="{2B11A927-9C91-8AB1-846E-DC1EE8CA7E4D}"/>
+                  </a:ext>
+                </a:extLst>
+              </p:cNvPr>
+              <p:cNvSpPr txBox="1"/>
+              <p:nvPr/>
+            </p:nvSpPr>
+            <p:spPr>
+              <a:xfrm>
+                <a:off x="602164" y="4986453"/>
+                <a:ext cx="10705171" cy="1067152"/>
+              </a:xfrm>
+              <a:prstGeom prst="rect">
+                <a:avLst/>
+              </a:prstGeom>
+              <a:noFill/>
+            </p:spPr>
+            <p:txBody>
+              <a:bodyPr wrap="square" lIns="0" tIns="0" rIns="0" bIns="0" rtlCol="0">
+                <a:spAutoFit/>
+              </a:bodyPr>
+              <a:lstStyle/>
+              <a:p>
+                <a:pPr/>
+                <a14:m>
+                  <m:oMath xmlns:m="http://schemas.openxmlformats.org/officeDocument/2006/math">
+                    <m:sSub>
+                      <m:sSubPr>
+                        <m:ctrlPr>
+                          <a:rPr lang="en-US" altLang="ja-JP" sz="1400" i="1" smtClean="0">
+                            <a:latin typeface="Cambria Math" panose="02040503050406030204" pitchFamily="18" charset="0"/>
+                          </a:rPr>
+                        </m:ctrlPr>
+                      </m:sSubPr>
+                      <m:e>
+                        <m:r>
+                          <a:rPr lang="en-US" altLang="ja-JP" sz="1400" b="0" i="1" smtClean="0">
+                            <a:latin typeface="Cambria Math" panose="02040503050406030204" pitchFamily="18" charset="0"/>
+                          </a:rPr>
+                          <m:t>𝑎</m:t>
+                        </m:r>
+                      </m:e>
+                      <m:sub>
+                        <m:r>
+                          <a:rPr lang="en-US" altLang="ja-JP" sz="1400" b="0" i="1" smtClean="0">
+                            <a:latin typeface="Cambria Math" panose="02040503050406030204" pitchFamily="18" charset="0"/>
+                          </a:rPr>
+                          <m:t>𝑒</m:t>
+                        </m:r>
+                      </m:sub>
+                    </m:sSub>
+                    <m:r>
+                      <a:rPr lang="en-US" altLang="ja-JP" sz="1400" b="0" i="1" smtClean="0">
+                        <a:latin typeface="Cambria Math" panose="02040503050406030204" pitchFamily="18" charset="0"/>
+                      </a:rPr>
+                      <m:t>=</m:t>
+                    </m:r>
+                    <m:f>
+                      <m:fPr>
+                        <m:ctrlPr>
+                          <a:rPr lang="en-US" altLang="ja-JP" sz="1400" i="1" smtClean="0">
+                            <a:latin typeface="Cambria Math" panose="02040503050406030204" pitchFamily="18" charset="0"/>
+                          </a:rPr>
+                        </m:ctrlPr>
+                      </m:fPr>
+                      <m:num>
+                        <m:sSub>
+                          <m:sSubPr>
+                            <m:ctrlPr>
+                              <a:rPr lang="en-US" altLang="ja-JP" sz="1400" i="1">
+                                <a:latin typeface="Cambria Math" panose="02040503050406030204" pitchFamily="18" charset="0"/>
+                              </a:rPr>
+                            </m:ctrlPr>
+                          </m:sSubPr>
+                          <m:e>
+                            <m:r>
+                              <a:rPr lang="en-US" altLang="ja-JP" sz="1400" i="1">
+                                <a:latin typeface="Cambria Math" panose="02040503050406030204" pitchFamily="18" charset="0"/>
+                                <a:ea typeface="Cambria Math" panose="02040503050406030204" pitchFamily="18" charset="0"/>
+                              </a:rPr>
+                              <m:t>𝜆</m:t>
+                            </m:r>
+                          </m:e>
+                          <m:sub>
+                            <m:r>
+                              <a:rPr lang="en-US" altLang="ja-JP" sz="1400" i="1">
+                                <a:latin typeface="Cambria Math" panose="02040503050406030204" pitchFamily="18" charset="0"/>
+                              </a:rPr>
+                              <m:t>𝑖</m:t>
+                            </m:r>
+                            <m:r>
+                              <a:rPr lang="en-US" altLang="ja-JP" sz="1400" i="1">
+                                <a:latin typeface="Cambria Math" panose="02040503050406030204" pitchFamily="18" charset="0"/>
+                              </a:rPr>
+                              <m:t>+1/2</m:t>
+                            </m:r>
+                          </m:sub>
+                        </m:sSub>
+                      </m:num>
+                      <m:den>
+                        <m:sSup>
+                          <m:sSupPr>
+                            <m:ctrlPr>
+                              <a:rPr lang="en-US" altLang="ja-JP" sz="1400" i="1">
+                                <a:latin typeface="Cambria Math" panose="02040503050406030204" pitchFamily="18" charset="0"/>
+                                <a:ea typeface="Cambria Math" panose="02040503050406030204" pitchFamily="18" charset="0"/>
+                              </a:rPr>
+                            </m:ctrlPr>
+                          </m:sSupPr>
+                          <m:e>
+                            <m:r>
+                              <a:rPr lang="en-US" altLang="ja-JP" sz="1400" i="1">
+                                <a:latin typeface="Cambria Math" panose="02040503050406030204" pitchFamily="18" charset="0"/>
+                                <a:ea typeface="Cambria Math" panose="02040503050406030204" pitchFamily="18" charset="0"/>
+                              </a:rPr>
+                              <m:t>∆</m:t>
+                            </m:r>
+                            <m:r>
+                              <a:rPr lang="en-US" altLang="ja-JP" sz="1400" i="1">
+                                <a:latin typeface="Cambria Math" panose="02040503050406030204" pitchFamily="18" charset="0"/>
+                                <a:ea typeface="Cambria Math" panose="02040503050406030204" pitchFamily="18" charset="0"/>
+                              </a:rPr>
+                              <m:t>𝑥</m:t>
+                            </m:r>
+                          </m:e>
+                          <m:sup>
+                            <m:r>
+                              <a:rPr lang="en-US" altLang="ja-JP" sz="1400" i="1">
+                                <a:latin typeface="Cambria Math" panose="02040503050406030204" pitchFamily="18" charset="0"/>
+                                <a:ea typeface="Cambria Math" panose="02040503050406030204" pitchFamily="18" charset="0"/>
+                              </a:rPr>
+                              <m:t>2</m:t>
+                            </m:r>
+                          </m:sup>
+                        </m:sSup>
+                      </m:den>
+                    </m:f>
+                    <m:r>
+                      <a:rPr lang="en-US" altLang="ja-JP" sz="1400" i="1">
+                        <a:latin typeface="Cambria Math" panose="02040503050406030204" pitchFamily="18" charset="0"/>
+                      </a:rPr>
+                      <m:t>+</m:t>
+                    </m:r>
+                    <m:f>
+                      <m:fPr>
+                        <m:ctrlPr>
+                          <a:rPr lang="en-US" altLang="ja-JP" sz="1400" i="1">
+                            <a:latin typeface="Cambria Math" panose="02040503050406030204" pitchFamily="18" charset="0"/>
+                          </a:rPr>
+                        </m:ctrlPr>
+                      </m:fPr>
+                      <m:num>
+                        <m:sSub>
+                          <m:sSubPr>
+                            <m:ctrlPr>
+                              <a:rPr lang="en-US" altLang="ja-JP" sz="1400" i="1">
+                                <a:latin typeface="Cambria Math" panose="02040503050406030204" pitchFamily="18" charset="0"/>
+                              </a:rPr>
+                            </m:ctrlPr>
+                          </m:sSubPr>
+                          <m:e>
+                            <m:r>
+                              <a:rPr lang="en-US" altLang="ja-JP" sz="1400" i="1">
+                                <a:latin typeface="Cambria Math" panose="02040503050406030204" pitchFamily="18" charset="0"/>
+                              </a:rPr>
+                              <m:t>𝐻</m:t>
+                            </m:r>
+                          </m:e>
+                          <m:sub>
+                            <m:r>
+                              <a:rPr lang="en-US" altLang="ja-JP" sz="1400" i="1">
+                                <a:latin typeface="Cambria Math" panose="02040503050406030204" pitchFamily="18" charset="0"/>
+                              </a:rPr>
+                              <m:t>𝑖</m:t>
+                            </m:r>
+                            <m:r>
+                              <a:rPr lang="en-US" altLang="ja-JP" sz="1400" i="1">
+                                <a:latin typeface="Cambria Math" panose="02040503050406030204" pitchFamily="18" charset="0"/>
+                              </a:rPr>
+                              <m:t>+1/2</m:t>
+                            </m:r>
+                          </m:sub>
+                        </m:sSub>
+                      </m:num>
+                      <m:den>
+                        <m:r>
+                          <a:rPr lang="en-US" altLang="ja-JP" sz="1400" i="1">
+                            <a:latin typeface="Cambria Math" panose="02040503050406030204" pitchFamily="18" charset="0"/>
+                            <a:ea typeface="Cambria Math" panose="02040503050406030204" pitchFamily="18" charset="0"/>
+                          </a:rPr>
+                          <m:t>∆</m:t>
+                        </m:r>
+                        <m:r>
+                          <a:rPr lang="en-US" altLang="ja-JP" sz="1400" i="1">
+                            <a:latin typeface="Cambria Math" panose="02040503050406030204" pitchFamily="18" charset="0"/>
+                            <a:ea typeface="Cambria Math" panose="02040503050406030204" pitchFamily="18" charset="0"/>
+                          </a:rPr>
+                          <m:t>𝑥</m:t>
+                        </m:r>
+                      </m:den>
+                    </m:f>
+                    <m:r>
+                      <a:rPr lang="en-US" altLang="ja-JP" sz="1400" i="1">
+                        <a:latin typeface="Cambria Math" panose="02040503050406030204" pitchFamily="18" charset="0"/>
+                        <a:ea typeface="Cambria Math" panose="02040503050406030204" pitchFamily="18" charset="0"/>
+                      </a:rPr>
+                      <m:t>∗</m:t>
+                    </m:r>
+                    <m:d>
+                      <m:dPr>
+                        <m:ctrlPr>
+                          <a:rPr lang="en-US" altLang="ja-JP" sz="1400" i="1">
+                            <a:latin typeface="Cambria Math" panose="02040503050406030204" pitchFamily="18" charset="0"/>
+                            <a:ea typeface="Cambria Math" panose="02040503050406030204" pitchFamily="18" charset="0"/>
+                          </a:rPr>
+                        </m:ctrlPr>
+                      </m:dPr>
+                      <m:e>
+                        <m:r>
+                          <a:rPr lang="en-US" altLang="ja-JP" sz="1400" i="1">
+                            <a:latin typeface="Cambria Math" panose="02040503050406030204" pitchFamily="18" charset="0"/>
+                            <a:ea typeface="Cambria Math" panose="02040503050406030204" pitchFamily="18" charset="0"/>
+                          </a:rPr>
+                          <m:t>1−</m:t>
+                        </m:r>
+                        <m:sSub>
+                          <m:sSubPr>
+                            <m:ctrlPr>
+                              <a:rPr lang="en-US" altLang="ja-JP" sz="1400" i="1">
+                                <a:latin typeface="Cambria Math" panose="02040503050406030204" pitchFamily="18" charset="0"/>
+                                <a:ea typeface="Cambria Math" panose="02040503050406030204" pitchFamily="18" charset="0"/>
+                              </a:rPr>
+                            </m:ctrlPr>
+                          </m:sSubPr>
+                          <m:e>
+                            <m:r>
+                              <a:rPr lang="en-US" altLang="ja-JP" sz="1400" i="1">
+                                <a:latin typeface="Cambria Math" panose="02040503050406030204" pitchFamily="18" charset="0"/>
+                                <a:ea typeface="Cambria Math" panose="02040503050406030204" pitchFamily="18" charset="0"/>
+                              </a:rPr>
+                              <m:t>𝑚</m:t>
+                            </m:r>
+                          </m:e>
+                          <m:sub>
+                            <m:r>
+                              <a:rPr lang="en-US" altLang="ja-JP" sz="1400" i="1">
+                                <a:latin typeface="Cambria Math" panose="02040503050406030204" pitchFamily="18" charset="0"/>
+                                <a:ea typeface="Cambria Math" panose="02040503050406030204" pitchFamily="18" charset="0"/>
+                              </a:rPr>
+                              <m:t>𝑖</m:t>
+                            </m:r>
+                            <m:r>
+                              <a:rPr lang="en-US" altLang="ja-JP" sz="1400" i="1">
+                                <a:latin typeface="Cambria Math" panose="02040503050406030204" pitchFamily="18" charset="0"/>
+                                <a:ea typeface="Cambria Math" panose="02040503050406030204" pitchFamily="18" charset="0"/>
+                              </a:rPr>
+                              <m:t>+1</m:t>
+                            </m:r>
+                          </m:sub>
+                        </m:sSub>
+                      </m:e>
+                    </m:d>
+                    <m:r>
+                      <a:rPr lang="en-US" altLang="ja-JP" sz="1400" b="0" i="1" smtClean="0">
+                        <a:latin typeface="Cambria Math" panose="02040503050406030204" pitchFamily="18" charset="0"/>
+                        <a:ea typeface="Cambria Math" panose="02040503050406030204" pitchFamily="18" charset="0"/>
+                      </a:rPr>
+                      <m:t>, </m:t>
+                    </m:r>
+                    <m:sSub>
+                      <m:sSubPr>
+                        <m:ctrlPr>
+                          <a:rPr lang="en-US" altLang="ja-JP" sz="1400" b="0" i="1" smtClean="0">
+                            <a:latin typeface="Cambria Math" panose="02040503050406030204" pitchFamily="18" charset="0"/>
+                            <a:ea typeface="Cambria Math" panose="02040503050406030204" pitchFamily="18" charset="0"/>
+                          </a:rPr>
+                        </m:ctrlPr>
+                      </m:sSubPr>
+                      <m:e>
+                        <m:r>
+                          <a:rPr lang="en-US" altLang="ja-JP" sz="1400" b="0" i="1" smtClean="0">
+                            <a:latin typeface="Cambria Math" panose="02040503050406030204" pitchFamily="18" charset="0"/>
+                            <a:ea typeface="Cambria Math" panose="02040503050406030204" pitchFamily="18" charset="0"/>
+                          </a:rPr>
+                          <m:t> </m:t>
+                        </m:r>
+                        <m:r>
+                          <a:rPr lang="en-US" altLang="ja-JP" sz="1400" b="0" i="1" smtClean="0">
+                            <a:latin typeface="Cambria Math" panose="02040503050406030204" pitchFamily="18" charset="0"/>
+                            <a:ea typeface="Cambria Math" panose="02040503050406030204" pitchFamily="18" charset="0"/>
+                          </a:rPr>
+                          <m:t>𝑎</m:t>
+                        </m:r>
+                      </m:e>
+                      <m:sub>
+                        <m:r>
+                          <a:rPr lang="en-US" altLang="ja-JP" sz="1400" b="0" i="1" smtClean="0">
+                            <a:latin typeface="Cambria Math" panose="02040503050406030204" pitchFamily="18" charset="0"/>
+                            <a:ea typeface="Cambria Math" panose="02040503050406030204" pitchFamily="18" charset="0"/>
+                          </a:rPr>
+                          <m:t>𝑤</m:t>
+                        </m:r>
+                      </m:sub>
+                    </m:sSub>
+                    <m:r>
+                      <a:rPr lang="en-US" altLang="ja-JP" sz="1400" b="0" i="1" smtClean="0">
+                        <a:latin typeface="Cambria Math" panose="02040503050406030204" pitchFamily="18" charset="0"/>
+                        <a:ea typeface="Cambria Math" panose="02040503050406030204" pitchFamily="18" charset="0"/>
+                      </a:rPr>
+                      <m:t>=</m:t>
+                    </m:r>
+                  </m:oMath>
+                </a14:m>
+                <a:r>
+                  <a:rPr lang="en-US" altLang="ja-JP" sz="1400" dirty="0"/>
+                  <a:t> </a:t>
+                </a:r>
+                <a14:m>
+                  <m:oMath xmlns:m="http://schemas.openxmlformats.org/officeDocument/2006/math">
+                    <m:f>
+                      <m:fPr>
+                        <m:ctrlPr>
+                          <a:rPr lang="en-US" altLang="ja-JP" sz="1400" i="1">
+                            <a:latin typeface="Cambria Math" panose="02040503050406030204" pitchFamily="18" charset="0"/>
+                          </a:rPr>
+                        </m:ctrlPr>
+                      </m:fPr>
+                      <m:num>
+                        <m:sSub>
+                          <m:sSubPr>
+                            <m:ctrlPr>
+                              <a:rPr lang="en-US" altLang="ja-JP" sz="1400" i="1">
+                                <a:latin typeface="Cambria Math" panose="02040503050406030204" pitchFamily="18" charset="0"/>
+                              </a:rPr>
+                            </m:ctrlPr>
+                          </m:sSubPr>
+                          <m:e>
+                            <m:r>
+                              <a:rPr lang="en-US" altLang="ja-JP" sz="1400" i="1">
+                                <a:latin typeface="Cambria Math" panose="02040503050406030204" pitchFamily="18" charset="0"/>
+                                <a:ea typeface="Cambria Math" panose="02040503050406030204" pitchFamily="18" charset="0"/>
+                              </a:rPr>
+                              <m:t>𝜆</m:t>
+                            </m:r>
+                          </m:e>
+                          <m:sub>
+                            <m:r>
+                              <a:rPr lang="en-US" altLang="ja-JP" sz="1400" i="1">
+                                <a:latin typeface="Cambria Math" panose="02040503050406030204" pitchFamily="18" charset="0"/>
+                              </a:rPr>
+                              <m:t>𝑖</m:t>
+                            </m:r>
+                            <m:r>
+                              <a:rPr lang="en-US" altLang="ja-JP" sz="1400" i="1">
+                                <a:latin typeface="Cambria Math" panose="02040503050406030204" pitchFamily="18" charset="0"/>
+                              </a:rPr>
+                              <m:t>−1/2</m:t>
+                            </m:r>
+                          </m:sub>
+                        </m:sSub>
+                      </m:num>
+                      <m:den>
+                        <m:sSup>
+                          <m:sSupPr>
+                            <m:ctrlPr>
+                              <a:rPr lang="en-US" altLang="ja-JP" sz="1400" i="1">
+                                <a:latin typeface="Cambria Math" panose="02040503050406030204" pitchFamily="18" charset="0"/>
+                                <a:ea typeface="Cambria Math" panose="02040503050406030204" pitchFamily="18" charset="0"/>
+                              </a:rPr>
+                            </m:ctrlPr>
+                          </m:sSupPr>
+                          <m:e>
+                            <m:r>
+                              <a:rPr lang="en-US" altLang="ja-JP" sz="1400" i="1">
+                                <a:latin typeface="Cambria Math" panose="02040503050406030204" pitchFamily="18" charset="0"/>
+                                <a:ea typeface="Cambria Math" panose="02040503050406030204" pitchFamily="18" charset="0"/>
+                              </a:rPr>
+                              <m:t>∆</m:t>
+                            </m:r>
+                            <m:r>
+                              <a:rPr lang="en-US" altLang="ja-JP" sz="1400" i="1">
+                                <a:latin typeface="Cambria Math" panose="02040503050406030204" pitchFamily="18" charset="0"/>
+                                <a:ea typeface="Cambria Math" panose="02040503050406030204" pitchFamily="18" charset="0"/>
+                              </a:rPr>
+                              <m:t>𝑥</m:t>
+                            </m:r>
+                          </m:e>
+                          <m:sup>
+                            <m:r>
+                              <a:rPr lang="en-US" altLang="ja-JP" sz="1400" i="1">
+                                <a:latin typeface="Cambria Math" panose="02040503050406030204" pitchFamily="18" charset="0"/>
+                                <a:ea typeface="Cambria Math" panose="02040503050406030204" pitchFamily="18" charset="0"/>
+                              </a:rPr>
+                              <m:t>2</m:t>
+                            </m:r>
+                          </m:sup>
+                        </m:sSup>
+                      </m:den>
+                    </m:f>
+                    <m:r>
+                      <a:rPr lang="en-US" altLang="ja-JP" sz="1400" i="1">
+                        <a:latin typeface="Cambria Math" panose="02040503050406030204" pitchFamily="18" charset="0"/>
+                        <a:ea typeface="Cambria Math" panose="02040503050406030204" pitchFamily="18" charset="0"/>
+                      </a:rPr>
+                      <m:t>+</m:t>
+                    </m:r>
+                    <m:f>
+                      <m:fPr>
+                        <m:ctrlPr>
+                          <a:rPr lang="en-US" altLang="ja-JP" sz="1400" i="1">
+                            <a:latin typeface="Cambria Math" panose="02040503050406030204" pitchFamily="18" charset="0"/>
+                          </a:rPr>
+                        </m:ctrlPr>
+                      </m:fPr>
+                      <m:num>
+                        <m:sSub>
+                          <m:sSubPr>
+                            <m:ctrlPr>
+                              <a:rPr lang="en-US" altLang="ja-JP" sz="1400" i="1">
+                                <a:latin typeface="Cambria Math" panose="02040503050406030204" pitchFamily="18" charset="0"/>
+                              </a:rPr>
+                            </m:ctrlPr>
+                          </m:sSubPr>
+                          <m:e>
+                            <m:r>
+                              <a:rPr lang="en-US" altLang="ja-JP" sz="1400" i="1">
+                                <a:latin typeface="Cambria Math" panose="02040503050406030204" pitchFamily="18" charset="0"/>
+                              </a:rPr>
+                              <m:t>𝐻</m:t>
+                            </m:r>
+                          </m:e>
+                          <m:sub>
+                            <m:r>
+                              <a:rPr lang="en-US" altLang="ja-JP" sz="1400" i="1">
+                                <a:latin typeface="Cambria Math" panose="02040503050406030204" pitchFamily="18" charset="0"/>
+                              </a:rPr>
+                              <m:t>𝑖</m:t>
+                            </m:r>
+                            <m:r>
+                              <a:rPr lang="en-US" altLang="ja-JP" sz="1400" i="1">
+                                <a:latin typeface="Cambria Math" panose="02040503050406030204" pitchFamily="18" charset="0"/>
+                              </a:rPr>
+                              <m:t>−1/2</m:t>
+                            </m:r>
+                          </m:sub>
+                        </m:sSub>
+                      </m:num>
+                      <m:den>
+                        <m:r>
+                          <a:rPr lang="en-US" altLang="ja-JP" sz="1400" i="1">
+                            <a:latin typeface="Cambria Math" panose="02040503050406030204" pitchFamily="18" charset="0"/>
+                            <a:ea typeface="Cambria Math" panose="02040503050406030204" pitchFamily="18" charset="0"/>
+                          </a:rPr>
+                          <m:t>∆</m:t>
+                        </m:r>
+                        <m:r>
+                          <a:rPr lang="en-US" altLang="ja-JP" sz="1400" i="1">
+                            <a:latin typeface="Cambria Math" panose="02040503050406030204" pitchFamily="18" charset="0"/>
+                            <a:ea typeface="Cambria Math" panose="02040503050406030204" pitchFamily="18" charset="0"/>
+                          </a:rPr>
+                          <m:t>𝑥</m:t>
+                        </m:r>
+                      </m:den>
+                    </m:f>
+                    <m:r>
+                      <a:rPr lang="en-US" altLang="ja-JP" sz="1400" i="1">
+                        <a:latin typeface="Cambria Math" panose="02040503050406030204" pitchFamily="18" charset="0"/>
+                        <a:ea typeface="Cambria Math" panose="02040503050406030204" pitchFamily="18" charset="0"/>
+                      </a:rPr>
+                      <m:t>∗</m:t>
+                    </m:r>
+                    <m:d>
+                      <m:dPr>
+                        <m:ctrlPr>
+                          <a:rPr lang="en-US" altLang="ja-JP" sz="1400" i="1">
+                            <a:latin typeface="Cambria Math" panose="02040503050406030204" pitchFamily="18" charset="0"/>
+                            <a:ea typeface="Cambria Math" panose="02040503050406030204" pitchFamily="18" charset="0"/>
+                          </a:rPr>
+                        </m:ctrlPr>
+                      </m:dPr>
+                      <m:e>
+                        <m:r>
+                          <a:rPr lang="en-US" altLang="ja-JP" sz="1400" i="1">
+                            <a:latin typeface="Cambria Math" panose="02040503050406030204" pitchFamily="18" charset="0"/>
+                            <a:ea typeface="Cambria Math" panose="02040503050406030204" pitchFamily="18" charset="0"/>
+                          </a:rPr>
+                          <m:t>1−</m:t>
+                        </m:r>
+                        <m:sSub>
+                          <m:sSubPr>
+                            <m:ctrlPr>
+                              <a:rPr lang="en-US" altLang="ja-JP" sz="1400" i="1">
+                                <a:latin typeface="Cambria Math" panose="02040503050406030204" pitchFamily="18" charset="0"/>
+                                <a:ea typeface="Cambria Math" panose="02040503050406030204" pitchFamily="18" charset="0"/>
+                              </a:rPr>
+                            </m:ctrlPr>
+                          </m:sSubPr>
+                          <m:e>
+                            <m:r>
+                              <a:rPr lang="en-US" altLang="ja-JP" sz="1400" i="1">
+                                <a:latin typeface="Cambria Math" panose="02040503050406030204" pitchFamily="18" charset="0"/>
+                                <a:ea typeface="Cambria Math" panose="02040503050406030204" pitchFamily="18" charset="0"/>
+                              </a:rPr>
+                              <m:t>𝑚</m:t>
+                            </m:r>
+                          </m:e>
+                          <m:sub>
+                            <m:r>
+                              <a:rPr lang="en-US" altLang="ja-JP" sz="1400" i="1">
+                                <a:latin typeface="Cambria Math" panose="02040503050406030204" pitchFamily="18" charset="0"/>
+                                <a:ea typeface="Cambria Math" panose="02040503050406030204" pitchFamily="18" charset="0"/>
+                              </a:rPr>
+                              <m:t>𝑖</m:t>
+                            </m:r>
+                            <m:r>
+                              <a:rPr lang="en-US" altLang="ja-JP" sz="1400" i="1">
+                                <a:latin typeface="Cambria Math" panose="02040503050406030204" pitchFamily="18" charset="0"/>
+                                <a:ea typeface="Cambria Math" panose="02040503050406030204" pitchFamily="18" charset="0"/>
+                              </a:rPr>
+                              <m:t>−1</m:t>
+                            </m:r>
+                          </m:sub>
+                        </m:sSub>
+                      </m:e>
+                    </m:d>
+                  </m:oMath>
+                </a14:m>
+                <a:endParaRPr lang="en-US" altLang="ja-JP" sz="1400" b="0" dirty="0">
+                  <a:ea typeface="Cambria Math" panose="02040503050406030204" pitchFamily="18" charset="0"/>
+                </a:endParaRPr>
+              </a:p>
+              <a:p>
+                <a:pPr/>
+                <a:endParaRPr lang="en-US" altLang="ja-JP" sz="1400" b="0" dirty="0">
+                  <a:ea typeface="Cambria Math" panose="02040503050406030204" pitchFamily="18" charset="0"/>
+                </a:endParaRPr>
+              </a:p>
+              <a:p>
+                <a:pPr/>
+                <a14:m>
+                  <m:oMath xmlns:m="http://schemas.openxmlformats.org/officeDocument/2006/math">
+                    <m:sSub>
+                      <m:sSubPr>
+                        <m:ctrlPr>
+                          <a:rPr lang="en-US" altLang="ja-JP" sz="1400" i="1">
+                            <a:latin typeface="Cambria Math" panose="02040503050406030204" pitchFamily="18" charset="0"/>
+                          </a:rPr>
+                        </m:ctrlPr>
+                      </m:sSubPr>
+                      <m:e>
+                        <m:r>
+                          <a:rPr lang="en-US" altLang="ja-JP" sz="1400" i="1">
+                            <a:latin typeface="Cambria Math" panose="02040503050406030204" pitchFamily="18" charset="0"/>
+                          </a:rPr>
+                          <m:t>𝑎</m:t>
+                        </m:r>
+                      </m:e>
+                      <m:sub>
+                        <m:r>
+                          <a:rPr lang="en-US" altLang="ja-JP" sz="1400" i="1">
+                            <a:latin typeface="Cambria Math" panose="02040503050406030204" pitchFamily="18" charset="0"/>
+                          </a:rPr>
+                          <m:t>𝑒</m:t>
+                        </m:r>
+                      </m:sub>
+                    </m:sSub>
+                    <m:r>
+                      <a:rPr lang="en-US" altLang="ja-JP" sz="1400" i="1">
+                        <a:latin typeface="Cambria Math" panose="02040503050406030204" pitchFamily="18" charset="0"/>
+                      </a:rPr>
+                      <m:t> </m:t>
+                    </m:r>
+                    <m:sSub>
+                      <m:sSubPr>
+                        <m:ctrlPr>
+                          <a:rPr lang="en-US" altLang="ja-JP" sz="1400" i="1">
+                            <a:latin typeface="Cambria Math" panose="02040503050406030204" pitchFamily="18" charset="0"/>
+                          </a:rPr>
+                        </m:ctrlPr>
+                      </m:sSubPr>
+                      <m:e>
+                        <m:r>
+                          <a:rPr lang="en-US" altLang="ja-JP" sz="1400" i="1">
+                            <a:latin typeface="Cambria Math" panose="02040503050406030204" pitchFamily="18" charset="0"/>
+                            <a:ea typeface="Cambria Math" panose="02040503050406030204" pitchFamily="18" charset="0"/>
+                          </a:rPr>
+                          <m:t>𝜃</m:t>
+                        </m:r>
+                      </m:e>
+                      <m:sub>
+                        <m:r>
+                          <a:rPr lang="en-US" altLang="ja-JP" sz="1400" i="1">
+                            <a:latin typeface="Cambria Math" panose="02040503050406030204" pitchFamily="18" charset="0"/>
+                          </a:rPr>
+                          <m:t>𝑖</m:t>
+                        </m:r>
+                        <m:r>
+                          <a:rPr lang="en-US" altLang="ja-JP" sz="1400" i="1">
+                            <a:latin typeface="Cambria Math" panose="02040503050406030204" pitchFamily="18" charset="0"/>
+                          </a:rPr>
+                          <m:t>+1</m:t>
+                        </m:r>
+                      </m:sub>
+                    </m:sSub>
+                    <m:r>
+                      <a:rPr lang="en-US" altLang="ja-JP" sz="1400" i="1">
+                        <a:latin typeface="Cambria Math" panose="02040503050406030204" pitchFamily="18" charset="0"/>
+                      </a:rPr>
+                      <m:t>+</m:t>
+                    </m:r>
+                    <m:sSub>
+                      <m:sSubPr>
+                        <m:ctrlPr>
+                          <a:rPr lang="en-US" altLang="ja-JP" sz="1400" i="1">
+                            <a:latin typeface="Cambria Math" panose="02040503050406030204" pitchFamily="18" charset="0"/>
+                            <a:ea typeface="Cambria Math" panose="02040503050406030204" pitchFamily="18" charset="0"/>
+                          </a:rPr>
+                        </m:ctrlPr>
+                      </m:sSubPr>
+                      <m:e>
+                        <m:r>
+                          <a:rPr lang="en-US" altLang="ja-JP" sz="1400" i="1">
+                            <a:latin typeface="Cambria Math" panose="02040503050406030204" pitchFamily="18" charset="0"/>
+                            <a:ea typeface="Cambria Math" panose="02040503050406030204" pitchFamily="18" charset="0"/>
+                          </a:rPr>
+                          <m:t> </m:t>
+                        </m:r>
+                        <m:r>
+                          <a:rPr lang="en-US" altLang="ja-JP" sz="1400" i="1">
+                            <a:latin typeface="Cambria Math" panose="02040503050406030204" pitchFamily="18" charset="0"/>
+                            <a:ea typeface="Cambria Math" panose="02040503050406030204" pitchFamily="18" charset="0"/>
+                          </a:rPr>
+                          <m:t>𝑎</m:t>
+                        </m:r>
+                      </m:e>
+                      <m:sub>
+                        <m:r>
+                          <a:rPr lang="en-US" altLang="ja-JP" sz="1400" i="1">
+                            <a:latin typeface="Cambria Math" panose="02040503050406030204" pitchFamily="18" charset="0"/>
+                            <a:ea typeface="Cambria Math" panose="02040503050406030204" pitchFamily="18" charset="0"/>
+                          </a:rPr>
+                          <m:t>𝑤</m:t>
+                        </m:r>
+                      </m:sub>
+                    </m:sSub>
+                    <m:sSub>
+                      <m:sSubPr>
+                        <m:ctrlPr>
+                          <a:rPr lang="en-US" altLang="ja-JP" sz="1400" i="1">
+                            <a:latin typeface="Cambria Math" panose="02040503050406030204" pitchFamily="18" charset="0"/>
+                          </a:rPr>
+                        </m:ctrlPr>
+                      </m:sSubPr>
+                      <m:e>
+                        <m:r>
+                          <a:rPr lang="en-US" altLang="ja-JP" sz="1400" i="1">
+                            <a:latin typeface="Cambria Math" panose="02040503050406030204" pitchFamily="18" charset="0"/>
+                            <a:ea typeface="Cambria Math" panose="02040503050406030204" pitchFamily="18" charset="0"/>
+                          </a:rPr>
+                          <m:t>𝜃</m:t>
+                        </m:r>
+                      </m:e>
+                      <m:sub>
+                        <m:r>
+                          <a:rPr lang="en-US" altLang="ja-JP" sz="1400" i="1">
+                            <a:latin typeface="Cambria Math" panose="02040503050406030204" pitchFamily="18" charset="0"/>
+                          </a:rPr>
+                          <m:t>𝑖</m:t>
+                        </m:r>
+                        <m:r>
+                          <a:rPr lang="en-US" altLang="ja-JP" sz="1400" i="1">
+                            <a:latin typeface="Cambria Math" panose="02040503050406030204" pitchFamily="18" charset="0"/>
+                          </a:rPr>
+                          <m:t>−1</m:t>
+                        </m:r>
+                      </m:sub>
+                    </m:sSub>
+                    <m:r>
+                      <a:rPr lang="en-US" altLang="ja-JP" sz="1400" i="1">
+                        <a:latin typeface="Cambria Math" panose="02040503050406030204" pitchFamily="18" charset="0"/>
+                      </a:rPr>
+                      <m:t>−</m:t>
+                    </m:r>
+                    <m:d>
+                      <m:dPr>
+                        <m:begChr m:val="{"/>
+                        <m:endChr m:val="}"/>
+                        <m:ctrlPr>
+                          <a:rPr lang="en-US" altLang="ja-JP" sz="1400" i="1">
+                            <a:latin typeface="Cambria Math" panose="02040503050406030204" pitchFamily="18" charset="0"/>
+                          </a:rPr>
+                        </m:ctrlPr>
+                      </m:dPr>
+                      <m:e>
+                        <m:sSub>
+                          <m:sSubPr>
+                            <m:ctrlPr>
+                              <a:rPr lang="en-US" altLang="ja-JP" sz="1400" i="1">
+                                <a:latin typeface="Cambria Math" panose="02040503050406030204" pitchFamily="18" charset="0"/>
+                              </a:rPr>
+                            </m:ctrlPr>
+                          </m:sSubPr>
+                          <m:e>
+                            <m:r>
+                              <a:rPr lang="en-US" altLang="ja-JP" sz="1400" i="1">
+                                <a:latin typeface="Cambria Math" panose="02040503050406030204" pitchFamily="18" charset="0"/>
+                              </a:rPr>
+                              <m:t>𝑎</m:t>
+                            </m:r>
+                          </m:e>
+                          <m:sub>
+                            <m:r>
+                              <a:rPr lang="en-US" altLang="ja-JP" sz="1400" i="1">
+                                <a:latin typeface="Cambria Math" panose="02040503050406030204" pitchFamily="18" charset="0"/>
+                              </a:rPr>
+                              <m:t>𝑒</m:t>
+                            </m:r>
+                          </m:sub>
+                        </m:sSub>
+                        <m:r>
+                          <a:rPr lang="en-US" altLang="ja-JP" sz="1400" i="1">
+                            <a:latin typeface="Cambria Math" panose="02040503050406030204" pitchFamily="18" charset="0"/>
+                          </a:rPr>
+                          <m:t>+</m:t>
+                        </m:r>
+                        <m:sSub>
+                          <m:sSubPr>
+                            <m:ctrlPr>
+                              <a:rPr lang="en-US" altLang="ja-JP" sz="1400" i="1">
+                                <a:latin typeface="Cambria Math" panose="02040503050406030204" pitchFamily="18" charset="0"/>
+                                <a:ea typeface="Cambria Math" panose="02040503050406030204" pitchFamily="18" charset="0"/>
+                              </a:rPr>
+                            </m:ctrlPr>
+                          </m:sSubPr>
+                          <m:e>
+                            <m:r>
+                              <a:rPr lang="en-US" altLang="ja-JP" sz="1400" i="1">
+                                <a:latin typeface="Cambria Math" panose="02040503050406030204" pitchFamily="18" charset="0"/>
+                                <a:ea typeface="Cambria Math" panose="02040503050406030204" pitchFamily="18" charset="0"/>
+                              </a:rPr>
+                              <m:t> </m:t>
+                            </m:r>
+                            <m:r>
+                              <a:rPr lang="en-US" altLang="ja-JP" sz="1400" i="1">
+                                <a:latin typeface="Cambria Math" panose="02040503050406030204" pitchFamily="18" charset="0"/>
+                                <a:ea typeface="Cambria Math" panose="02040503050406030204" pitchFamily="18" charset="0"/>
+                              </a:rPr>
+                              <m:t>𝑎</m:t>
+                            </m:r>
+                          </m:e>
+                          <m:sub>
+                            <m:r>
+                              <a:rPr lang="en-US" altLang="ja-JP" sz="1400" i="1">
+                                <a:latin typeface="Cambria Math" panose="02040503050406030204" pitchFamily="18" charset="0"/>
+                                <a:ea typeface="Cambria Math" panose="02040503050406030204" pitchFamily="18" charset="0"/>
+                              </a:rPr>
+                              <m:t>𝑤</m:t>
+                            </m:r>
+                          </m:sub>
+                        </m:sSub>
+                      </m:e>
+                    </m:d>
+                    <m:sSub>
+                      <m:sSubPr>
+                        <m:ctrlPr>
+                          <a:rPr lang="en-US" altLang="ja-JP" sz="1400" i="1">
+                            <a:latin typeface="Cambria Math" panose="02040503050406030204" pitchFamily="18" charset="0"/>
+                          </a:rPr>
+                        </m:ctrlPr>
+                      </m:sSubPr>
+                      <m:e>
+                        <m:r>
+                          <a:rPr lang="en-US" altLang="ja-JP" sz="1400" i="1">
+                            <a:latin typeface="Cambria Math" panose="02040503050406030204" pitchFamily="18" charset="0"/>
+                            <a:ea typeface="Cambria Math" panose="02040503050406030204" pitchFamily="18" charset="0"/>
+                          </a:rPr>
+                          <m:t>𝜃</m:t>
+                        </m:r>
+                      </m:e>
+                      <m:sub>
+                        <m:r>
+                          <a:rPr lang="en-US" altLang="ja-JP" sz="1400" i="1">
+                            <a:latin typeface="Cambria Math" panose="02040503050406030204" pitchFamily="18" charset="0"/>
+                          </a:rPr>
+                          <m:t>𝑖</m:t>
+                        </m:r>
+                      </m:sub>
+                    </m:sSub>
+                  </m:oMath>
+                </a14:m>
+                <a:r>
+                  <a:rPr lang="en-US" altLang="ja-JP" sz="1400" dirty="0"/>
+                  <a:t>+</a:t>
+                </a:r>
+                <a14:m>
+                  <m:oMath xmlns:m="http://schemas.openxmlformats.org/officeDocument/2006/math">
+                    <m:r>
+                      <a:rPr lang="en-US" altLang="ja-JP" sz="1400" i="1">
+                        <a:latin typeface="Cambria Math" panose="02040503050406030204" pitchFamily="18" charset="0"/>
+                      </a:rPr>
+                      <m:t>𝑄</m:t>
+                    </m:r>
+                    <m:r>
+                      <a:rPr lang="en-US" altLang="ja-JP" sz="1400" i="1">
+                        <a:latin typeface="Cambria Math" panose="02040503050406030204" pitchFamily="18" charset="0"/>
+                      </a:rPr>
+                      <m:t>+</m:t>
+                    </m:r>
+                    <m:f>
+                      <m:fPr>
+                        <m:ctrlPr>
+                          <a:rPr lang="en-US" altLang="ja-JP" sz="1400" i="1">
+                            <a:latin typeface="Cambria Math" panose="02040503050406030204" pitchFamily="18" charset="0"/>
+                          </a:rPr>
+                        </m:ctrlPr>
+                      </m:fPr>
+                      <m:num>
+                        <m:r>
+                          <a:rPr lang="en-US" altLang="ja-JP" sz="1400" i="1">
+                            <a:latin typeface="Cambria Math" panose="02040503050406030204" pitchFamily="18" charset="0"/>
+                          </a:rPr>
+                          <m:t>1</m:t>
+                        </m:r>
+                      </m:num>
+                      <m:den>
+                        <m:r>
+                          <a:rPr lang="en-US" altLang="ja-JP" sz="1400" i="1">
+                            <a:latin typeface="Cambria Math" panose="02040503050406030204" pitchFamily="18" charset="0"/>
+                            <a:ea typeface="Cambria Math" panose="02040503050406030204" pitchFamily="18" charset="0"/>
+                          </a:rPr>
+                          <m:t>∆</m:t>
+                        </m:r>
+                        <m:r>
+                          <a:rPr lang="en-US" altLang="ja-JP" sz="1400" i="1">
+                            <a:latin typeface="Cambria Math" panose="02040503050406030204" pitchFamily="18" charset="0"/>
+                            <a:ea typeface="Cambria Math" panose="02040503050406030204" pitchFamily="18" charset="0"/>
+                          </a:rPr>
+                          <m:t>𝑥</m:t>
+                        </m:r>
+                      </m:den>
+                    </m:f>
+                    <m:d>
+                      <m:dPr>
+                        <m:begChr m:val="["/>
+                        <m:endChr m:val="]"/>
+                        <m:ctrlPr>
+                          <a:rPr lang="en-US" altLang="ja-JP" sz="1400" i="1">
+                            <a:latin typeface="Cambria Math" panose="02040503050406030204" pitchFamily="18" charset="0"/>
+                            <a:ea typeface="Cambria Math" panose="02040503050406030204" pitchFamily="18" charset="0"/>
+                          </a:rPr>
+                        </m:ctrlPr>
+                      </m:dPr>
+                      <m:e>
+                        <m:sSubSup>
+                          <m:sSubSupPr>
+                            <m:ctrlPr>
+                              <a:rPr lang="en-US" altLang="ja-JP" sz="1400" i="1">
+                                <a:latin typeface="Cambria Math" panose="02040503050406030204" pitchFamily="18" charset="0"/>
+                                <a:ea typeface="Cambria Math" panose="02040503050406030204" pitchFamily="18" charset="0"/>
+                              </a:rPr>
+                            </m:ctrlPr>
+                          </m:sSubSupPr>
+                          <m:e>
+                            <m:r>
+                              <a:rPr lang="en-US" altLang="ja-JP" sz="1400" i="1">
+                                <a:latin typeface="Cambria Math" panose="02040503050406030204" pitchFamily="18" charset="0"/>
+                                <a:ea typeface="Cambria Math" panose="02040503050406030204" pitchFamily="18" charset="0"/>
+                              </a:rPr>
+                              <m:t>𝑞</m:t>
+                            </m:r>
+                          </m:e>
+                          <m:sub>
+                            <m:r>
+                              <a:rPr lang="en-US" altLang="ja-JP" sz="1400" i="1">
+                                <a:latin typeface="Cambria Math" panose="02040503050406030204" pitchFamily="18" charset="0"/>
+                                <a:ea typeface="Cambria Math" panose="02040503050406030204" pitchFamily="18" charset="0"/>
+                              </a:rPr>
+                              <m:t>𝑖</m:t>
+                            </m:r>
+                            <m:r>
+                              <a:rPr lang="en-US" altLang="ja-JP" sz="1400" i="1">
+                                <a:latin typeface="Cambria Math" panose="02040503050406030204" pitchFamily="18" charset="0"/>
+                                <a:ea typeface="Cambria Math" panose="02040503050406030204" pitchFamily="18" charset="0"/>
+                              </a:rPr>
+                              <m:t>+1/2</m:t>
+                            </m:r>
+                          </m:sub>
+                          <m:sup>
+                            <m:r>
+                              <a:rPr lang="en-US" altLang="ja-JP" sz="1400" i="1">
+                                <a:latin typeface="Cambria Math" panose="02040503050406030204" pitchFamily="18" charset="0"/>
+                                <a:ea typeface="Cambria Math" panose="02040503050406030204" pitchFamily="18" charset="0"/>
+                              </a:rPr>
+                              <m:t>𝑏𝑐</m:t>
+                            </m:r>
+                          </m:sup>
+                        </m:sSubSup>
+                        <m:r>
+                          <a:rPr lang="en-US" altLang="ja-JP" sz="1400" i="1">
+                            <a:latin typeface="Cambria Math" panose="02040503050406030204" pitchFamily="18" charset="0"/>
+                            <a:ea typeface="Cambria Math" panose="02040503050406030204" pitchFamily="18" charset="0"/>
+                          </a:rPr>
+                          <m:t>−</m:t>
+                        </m:r>
+                        <m:sSubSup>
+                          <m:sSubSupPr>
+                            <m:ctrlPr>
+                              <a:rPr lang="en-US" altLang="ja-JP" sz="1400" i="1">
+                                <a:latin typeface="Cambria Math" panose="02040503050406030204" pitchFamily="18" charset="0"/>
+                                <a:ea typeface="Cambria Math" panose="02040503050406030204" pitchFamily="18" charset="0"/>
+                              </a:rPr>
+                            </m:ctrlPr>
+                          </m:sSubSupPr>
+                          <m:e>
+                            <m:r>
+                              <a:rPr lang="en-US" altLang="ja-JP" sz="1400" i="1">
+                                <a:latin typeface="Cambria Math" panose="02040503050406030204" pitchFamily="18" charset="0"/>
+                                <a:ea typeface="Cambria Math" panose="02040503050406030204" pitchFamily="18" charset="0"/>
+                              </a:rPr>
+                              <m:t>𝑞</m:t>
+                            </m:r>
+                          </m:e>
+                          <m:sub>
+                            <m:r>
+                              <a:rPr lang="en-US" altLang="ja-JP" sz="1400" i="1">
+                                <a:latin typeface="Cambria Math" panose="02040503050406030204" pitchFamily="18" charset="0"/>
+                                <a:ea typeface="Cambria Math" panose="02040503050406030204" pitchFamily="18" charset="0"/>
+                              </a:rPr>
+                              <m:t>𝑖</m:t>
+                            </m:r>
+                            <m:r>
+                              <a:rPr lang="en-US" altLang="ja-JP" sz="1400" i="1">
+                                <a:latin typeface="Cambria Math" panose="02040503050406030204" pitchFamily="18" charset="0"/>
+                                <a:ea typeface="Cambria Math" panose="02040503050406030204" pitchFamily="18" charset="0"/>
+                              </a:rPr>
+                              <m:t>−1/2</m:t>
+                            </m:r>
+                          </m:sub>
+                          <m:sup>
+                            <m:r>
+                              <a:rPr lang="en-US" altLang="ja-JP" sz="1400" i="1">
+                                <a:latin typeface="Cambria Math" panose="02040503050406030204" pitchFamily="18" charset="0"/>
+                                <a:ea typeface="Cambria Math" panose="02040503050406030204" pitchFamily="18" charset="0"/>
+                              </a:rPr>
+                              <m:t>𝑏𝑐</m:t>
+                            </m:r>
+                          </m:sup>
+                        </m:sSubSup>
+                      </m:e>
+                    </m:d>
+                    <m:r>
+                      <a:rPr lang="en-US" altLang="ja-JP" sz="1400" i="1">
+                        <a:latin typeface="Cambria Math" panose="02040503050406030204" pitchFamily="18" charset="0"/>
+                      </a:rPr>
+                      <m:t>=0</m:t>
+                    </m:r>
+                  </m:oMath>
+                </a14:m>
+                <a:endParaRPr lang="ja-JP" altLang="en-US" sz="1400"/>
+              </a:p>
+              <a:p>
+                <a:pPr/>
+                <a:endParaRPr lang="en-US" altLang="ja-JP" sz="1400" i="1" dirty="0">
+                  <a:latin typeface="Cambria Math" panose="02040503050406030204" pitchFamily="18" charset="0"/>
+                  <a:ea typeface="Cambria Math" panose="02040503050406030204" pitchFamily="18" charset="0"/>
+                </a:endParaRPr>
+              </a:p>
+            </p:txBody>
+          </p:sp>
+        </mc:Choice>
+        <mc:Fallback>
+          <p:sp>
+            <p:nvSpPr>
+              <p:cNvPr id="5" name="テキスト ボックス 4">
+                <a:extLst>
+                  <a:ext uri="{FF2B5EF4-FFF2-40B4-BE49-F238E27FC236}">
+                    <a16:creationId xmlns:a16="http://schemas.microsoft.com/office/drawing/2014/main" id="{2B11A927-9C91-8AB1-846E-DC1EE8CA7E4D}"/>
+                  </a:ext>
+                </a:extLst>
+              </p:cNvPr>
+              <p:cNvSpPr txBox="1">
+                <a:spLocks noRot="1" noChangeAspect="1" noMove="1" noResize="1" noEditPoints="1" noAdjustHandles="1" noChangeArrowheads="1" noChangeShapeType="1" noTextEdit="1"/>
+              </p:cNvSpPr>
+              <p:nvPr/>
+            </p:nvSpPr>
+            <p:spPr>
+              <a:xfrm>
+                <a:off x="602164" y="4986453"/>
+                <a:ext cx="10705171" cy="1067152"/>
+              </a:xfrm>
+              <a:prstGeom prst="rect">
+                <a:avLst/>
+              </a:prstGeom>
+              <a:blipFill>
+                <a:blip r:embed="rId5"/>
+                <a:stretch>
+                  <a:fillRect l="-474"/>
+                </a:stretch>
+              </a:blipFill>
+            </p:spPr>
+            <p:txBody>
+              <a:bodyPr/>
+              <a:lstStyle/>
+              <a:p>
+                <a:r>
+                  <a:rPr lang="ja-JP" altLang="en-US">
+                    <a:noFill/>
+                  </a:rPr>
+                  <a:t> </a:t>
+                </a:r>
+              </a:p>
+            </p:txBody>
+          </p:sp>
+        </mc:Fallback>
+      </mc:AlternateContent>
+    </p:spTree>
+    <p:extLst>
+      <p:ext uri="{BB962C8B-B14F-4D97-AF65-F5344CB8AC3E}">
+        <p14:creationId xmlns:p14="http://schemas.microsoft.com/office/powerpoint/2010/main" val="1324773320"/>
+      </p:ext>
+    </p:extLst>
+  </p:cSld>
+  <p:clrMapOvr>
+    <a:masterClrMapping/>
+  </p:clrMapOvr>
+</p:sld>
+</file>
+
+<file path=ppt/slides/slide7.xml><?xml version="1.0" encoding="utf-8"?>
+<p:sld xmlns:a="http://schemas.openxmlformats.org/drawingml/2006/main" xmlns:r="http://schemas.openxmlformats.org/officeDocument/2006/relationships" xmlns:p="http://schemas.openxmlformats.org/presentationml/2006/main">
+  <p:cSld>
+    <p:spTree>
+      <p:nvGrpSpPr>
+        <p:cNvPr id="1" name=""/>
+        <p:cNvGrpSpPr/>
+        <p:nvPr/>
+      </p:nvGrpSpPr>
+      <p:grpSpPr>
+        <a:xfrm>
+          <a:off x="0" y="0"/>
+          <a:ext cx="0" cy="0"/>
+          <a:chOff x="0" y="0"/>
+          <a:chExt cx="0" cy="0"/>
+        </a:xfrm>
+      </p:grpSpPr>
+      <mc:AlternateContent xmlns:mc="http://schemas.openxmlformats.org/markup-compatibility/2006" xmlns:a14="http://schemas.microsoft.com/office/drawing/2010/main">
+        <mc:Choice Requires="a14">
           <p:sp>
             <p:nvSpPr>
               <p:cNvPr id="2" name="テキスト ボックス 1">
@@ -27901,6 +35012,7 @@
               </a:bodyPr>
               <a:lstStyle/>
               <a:p>
+                <a:pPr/>
                 <a14:m>
                   <m:oMathPara xmlns:m="http://schemas.openxmlformats.org/officeDocument/2006/math">
                     <m:oMathParaPr>
@@ -27991,7 +35103,7 @@
             </p:txBody>
           </p:sp>
         </mc:Choice>
-        <mc:Fallback>
+        <mc:Fallback xmlns="">
           <p:sp>
             <p:nvSpPr>
               <p:cNvPr id="2" name="テキスト ボックス 1">
@@ -28036,8 +35148,8 @@
           </p:sp>
         </mc:Fallback>
       </mc:AlternateContent>
-      <mc:AlternateContent xmlns:mc="http://schemas.openxmlformats.org/markup-compatibility/2006">
-        <mc:Choice xmlns:a14="http://schemas.microsoft.com/office/drawing/2010/main" Requires="a14">
+      <mc:AlternateContent xmlns:mc="http://schemas.openxmlformats.org/markup-compatibility/2006" xmlns:a14="http://schemas.microsoft.com/office/drawing/2010/main">
+        <mc:Choice Requires="a14">
           <p:sp>
             <p:nvSpPr>
               <p:cNvPr id="3" name="テキスト ボックス 2">
@@ -28066,6 +35178,7 @@
               </a:bodyPr>
               <a:lstStyle/>
               <a:p>
+                <a:pPr/>
                 <a14:m>
                   <m:oMathPara xmlns:m="http://schemas.openxmlformats.org/officeDocument/2006/math">
                     <m:oMathParaPr>
@@ -28387,7 +35500,7 @@
             </p:txBody>
           </p:sp>
         </mc:Choice>
-        <mc:Fallback>
+        <mc:Fallback xmlns="">
           <p:sp>
             <p:nvSpPr>
               <p:cNvPr id="3" name="テキスト ボックス 2">
@@ -28432,8 +35545,8 @@
           </p:sp>
         </mc:Fallback>
       </mc:AlternateContent>
-      <mc:AlternateContent xmlns:mc="http://schemas.openxmlformats.org/markup-compatibility/2006">
-        <mc:Choice xmlns:a14="http://schemas.microsoft.com/office/drawing/2010/main" Requires="a14">
+      <mc:AlternateContent xmlns:mc="http://schemas.openxmlformats.org/markup-compatibility/2006" xmlns:a14="http://schemas.microsoft.com/office/drawing/2010/main">
+        <mc:Choice Requires="a14">
           <p:sp>
             <p:nvSpPr>
               <p:cNvPr id="6" name="テキスト ボックス 5">
@@ -28462,6 +35575,7 @@
               </a:bodyPr>
               <a:lstStyle/>
               <a:p>
+                <a:pPr/>
                 <a14:m>
                   <m:oMathPara xmlns:m="http://schemas.openxmlformats.org/officeDocument/2006/math">
                     <m:oMathParaPr>
@@ -28869,7 +35983,7 @@
             </p:txBody>
           </p:sp>
         </mc:Choice>
-        <mc:Fallback>
+        <mc:Fallback xmlns="">
           <p:sp>
             <p:nvSpPr>
               <p:cNvPr id="6" name="テキスト ボックス 5">
@@ -28927,7 +36041,7 @@
 </p:sld>
 </file>
 
-<file path=ppt/slides/slide6.xml><?xml version="1.0" encoding="utf-8"?>
+<file path=ppt/slides/slide8.xml><?xml version="1.0" encoding="utf-8"?>
 <p:sld xmlns:a="http://schemas.openxmlformats.org/drawingml/2006/main" xmlns:r="http://schemas.openxmlformats.org/officeDocument/2006/relationships" xmlns:p="http://schemas.openxmlformats.org/presentationml/2006/main">
   <p:cSld>
     <p:spTree>
@@ -29048,7 +36162,7 @@
 </p:sld>
 </file>
 
-<file path=ppt/slides/slide7.xml><?xml version="1.0" encoding="utf-8"?>
+<file path=ppt/slides/slide9.xml><?xml version="1.0" encoding="utf-8"?>
 <p:sld xmlns:a="http://schemas.openxmlformats.org/drawingml/2006/main" xmlns:r="http://schemas.openxmlformats.org/officeDocument/2006/relationships" xmlns:p="http://schemas.openxmlformats.org/presentationml/2006/main">
   <p:cSld>
     <p:spTree>
@@ -30450,189 +37564,6 @@
 </p:sld>
 </file>
 
-<file path=ppt/slides/slide8.xml><?xml version="1.0" encoding="utf-8"?>
-<p:sld xmlns:a="http://schemas.openxmlformats.org/drawingml/2006/main" xmlns:r="http://schemas.openxmlformats.org/officeDocument/2006/relationships" xmlns:p="http://schemas.openxmlformats.org/presentationml/2006/main">
-  <p:cSld>
-    <p:spTree>
-      <p:nvGrpSpPr>
-        <p:cNvPr id="1" name=""/>
-        <p:cNvGrpSpPr/>
-        <p:nvPr/>
-      </p:nvGrpSpPr>
-      <p:grpSpPr>
-        <a:xfrm>
-          <a:off x="0" y="0"/>
-          <a:ext cx="0" cy="0"/>
-          <a:chOff x="0" y="0"/>
-          <a:chExt cx="0" cy="0"/>
-        </a:xfrm>
-      </p:grpSpPr>
-      <p:pic>
-        <p:nvPicPr>
-          <p:cNvPr id="5" name="図 4" descr="グラフ, 折れ線グラフ&#10;&#10;AI 生成コンテンツは誤りを含む可能性があります。">
-            <a:extLst>
-              <a:ext uri="{FF2B5EF4-FFF2-40B4-BE49-F238E27FC236}">
-                <a16:creationId xmlns:a16="http://schemas.microsoft.com/office/drawing/2014/main" id="{BEBADFE1-46C4-90E5-16DF-9F49E1AB6448}"/>
-              </a:ext>
-            </a:extLst>
-          </p:cNvPr>
-          <p:cNvPicPr>
-            <a:picLocks noChangeAspect="1"/>
-          </p:cNvPicPr>
-          <p:nvPr/>
-        </p:nvPicPr>
-        <p:blipFill>
-          <a:blip r:embed="rId2"/>
-          <a:stretch>
-            <a:fillRect/>
-          </a:stretch>
-        </p:blipFill>
-        <p:spPr>
-          <a:xfrm>
-            <a:off x="4191000" y="1524000"/>
-            <a:ext cx="3810000" cy="3810000"/>
-          </a:xfrm>
-          <a:prstGeom prst="rect">
-            <a:avLst/>
-          </a:prstGeom>
-        </p:spPr>
-      </p:pic>
-      <p:pic>
-        <p:nvPicPr>
-          <p:cNvPr id="7" name="図 6" descr="グラフ&#10;&#10;AI 生成コンテンツは誤りを含む可能性があります。">
-            <a:extLst>
-              <a:ext uri="{FF2B5EF4-FFF2-40B4-BE49-F238E27FC236}">
-                <a16:creationId xmlns:a16="http://schemas.microsoft.com/office/drawing/2014/main" id="{C21D10C7-59DA-A55E-3DBD-A6FDEE02BE33}"/>
-              </a:ext>
-            </a:extLst>
-          </p:cNvPr>
-          <p:cNvPicPr>
-            <a:picLocks noChangeAspect="1"/>
-          </p:cNvPicPr>
-          <p:nvPr/>
-        </p:nvPicPr>
-        <p:blipFill>
-          <a:blip r:embed="rId3"/>
-          <a:srcRect l="29953" t="24415" r="19223" b="67700"/>
-          <a:stretch>
-            <a:fillRect/>
-          </a:stretch>
-        </p:blipFill>
-        <p:spPr>
-          <a:xfrm>
-            <a:off x="4686116" y="1129553"/>
-            <a:ext cx="3178021" cy="591672"/>
-          </a:xfrm>
-          <a:prstGeom prst="rect">
-            <a:avLst/>
-          </a:prstGeom>
-        </p:spPr>
-      </p:pic>
-    </p:spTree>
-    <p:extLst>
-      <p:ext uri="{BB962C8B-B14F-4D97-AF65-F5344CB8AC3E}">
-        <p14:creationId xmlns:p14="http://schemas.microsoft.com/office/powerpoint/2010/main" val="1462179153"/>
-      </p:ext>
-    </p:extLst>
-  </p:cSld>
-  <p:clrMapOvr>
-    <a:masterClrMapping/>
-  </p:clrMapOvr>
-</p:sld>
-</file>
-
-<file path=ppt/slides/slide9.xml><?xml version="1.0" encoding="utf-8"?>
-<p:sld xmlns:a="http://schemas.openxmlformats.org/drawingml/2006/main" xmlns:r="http://schemas.openxmlformats.org/officeDocument/2006/relationships" xmlns:p="http://schemas.openxmlformats.org/presentationml/2006/main">
-  <p:cSld>
-    <p:spTree>
-      <p:nvGrpSpPr>
-        <p:cNvPr id="1" name=""/>
-        <p:cNvGrpSpPr/>
-        <p:nvPr/>
-      </p:nvGrpSpPr>
-      <p:grpSpPr>
-        <a:xfrm>
-          <a:off x="0" y="0"/>
-          <a:ext cx="0" cy="0"/>
-          <a:chOff x="0" y="0"/>
-          <a:chExt cx="0" cy="0"/>
-        </a:xfrm>
-      </p:grpSpPr>
-      <p:pic>
-        <p:nvPicPr>
-          <p:cNvPr id="5" name="図 4" descr="グラフ, 棒グラフ&#10;&#10;AI 生成コンテンツは誤りを含む可能性があります。">
-            <a:extLst>
-              <a:ext uri="{FF2B5EF4-FFF2-40B4-BE49-F238E27FC236}">
-                <a16:creationId xmlns:a16="http://schemas.microsoft.com/office/drawing/2014/main" id="{7A544E78-638E-74D9-71DA-8CFEF48ABAF4}"/>
-              </a:ext>
-            </a:extLst>
-          </p:cNvPr>
-          <p:cNvPicPr>
-            <a:picLocks noChangeAspect="1"/>
-          </p:cNvPicPr>
-          <p:nvPr/>
-        </p:nvPicPr>
-        <p:blipFill>
-          <a:blip r:embed="rId2"/>
-          <a:srcRect l="21662" r="21835"/>
-          <a:stretch>
-            <a:fillRect/>
-          </a:stretch>
-        </p:blipFill>
-        <p:spPr>
-          <a:xfrm>
-            <a:off x="7094486" y="2525636"/>
-            <a:ext cx="2405539" cy="3193041"/>
-          </a:xfrm>
-          <a:prstGeom prst="rect">
-            <a:avLst/>
-          </a:prstGeom>
-        </p:spPr>
-      </p:pic>
-      <p:pic>
-        <p:nvPicPr>
-          <p:cNvPr id="7" name="図 6" descr="グラフィカル ユーザー インターフェイス&#10;&#10;AI 生成コンテンツは誤りを含む可能性があります。">
-            <a:extLst>
-              <a:ext uri="{FF2B5EF4-FFF2-40B4-BE49-F238E27FC236}">
-                <a16:creationId xmlns:a16="http://schemas.microsoft.com/office/drawing/2014/main" id="{B7A40539-F888-7C65-8662-BA04C63B9ED0}"/>
-              </a:ext>
-            </a:extLst>
-          </p:cNvPr>
-          <p:cNvPicPr>
-            <a:picLocks noChangeAspect="1"/>
-          </p:cNvPicPr>
-          <p:nvPr/>
-        </p:nvPicPr>
-        <p:blipFill>
-          <a:blip r:embed="rId3"/>
-          <a:srcRect t="4206" r="14594"/>
-          <a:stretch>
-            <a:fillRect/>
-          </a:stretch>
-        </p:blipFill>
-        <p:spPr>
-          <a:xfrm>
-            <a:off x="2413877" y="2624960"/>
-            <a:ext cx="4475209" cy="3011738"/>
-          </a:xfrm>
-          <a:prstGeom prst="rect">
-            <a:avLst/>
-          </a:prstGeom>
-        </p:spPr>
-      </p:pic>
-    </p:spTree>
-    <p:extLst>
-      <p:ext uri="{BB962C8B-B14F-4D97-AF65-F5344CB8AC3E}">
-        <p14:creationId xmlns:p14="http://schemas.microsoft.com/office/powerpoint/2010/main" val="564147582"/>
-      </p:ext>
-    </p:extLst>
-  </p:cSld>
-  <p:clrMapOvr>
-    <a:masterClrMapping/>
-  </p:clrMapOvr>
-</p:sld>
-</file>
-
 <file path=ppt/theme/theme1.xml><?xml version="1.0" encoding="utf-8"?>
 <a:theme xmlns:a="http://schemas.openxmlformats.org/drawingml/2006/main" name="Office テーマ">
   <a:themeElements>

--- a/cell_arrangement.pptx
+++ b/cell_arrangement.pptx
@@ -1652,7 +1652,7 @@
           <a:p>
             <a:fld id="{C6284FE7-8644-9241-8BAC-8FFB84B8C7A6}" type="datetimeFigureOut">
               <a:rPr kumimoji="1" lang="ja-JP" altLang="en-US" smtClean="0"/>
-              <a:t>2025/9/8</a:t>
+              <a:t>2025/9/10</a:t>
             </a:fld>
             <a:endParaRPr kumimoji="1" lang="ja-JP" altLang="en-US"/>
           </a:p>
@@ -1882,7 +1882,7 @@
           <a:p>
             <a:fld id="{C6284FE7-8644-9241-8BAC-8FFB84B8C7A6}" type="datetimeFigureOut">
               <a:rPr kumimoji="1" lang="ja-JP" altLang="en-US" smtClean="0"/>
-              <a:t>2025/9/8</a:t>
+              <a:t>2025/9/10</a:t>
             </a:fld>
             <a:endParaRPr kumimoji="1" lang="ja-JP" altLang="en-US"/>
           </a:p>
@@ -2122,7 +2122,7 @@
           <a:p>
             <a:fld id="{C6284FE7-8644-9241-8BAC-8FFB84B8C7A6}" type="datetimeFigureOut">
               <a:rPr kumimoji="1" lang="ja-JP" altLang="en-US" smtClean="0"/>
-              <a:t>2025/9/8</a:t>
+              <a:t>2025/9/10</a:t>
             </a:fld>
             <a:endParaRPr kumimoji="1" lang="ja-JP" altLang="en-US"/>
           </a:p>
@@ -2352,7 +2352,7 @@
           <a:p>
             <a:fld id="{C6284FE7-8644-9241-8BAC-8FFB84B8C7A6}" type="datetimeFigureOut">
               <a:rPr kumimoji="1" lang="ja-JP" altLang="en-US" smtClean="0"/>
-              <a:t>2025/9/8</a:t>
+              <a:t>2025/9/10</a:t>
             </a:fld>
             <a:endParaRPr kumimoji="1" lang="ja-JP" altLang="en-US"/>
           </a:p>
@@ -2627,7 +2627,7 @@
           <a:p>
             <a:fld id="{C6284FE7-8644-9241-8BAC-8FFB84B8C7A6}" type="datetimeFigureOut">
               <a:rPr kumimoji="1" lang="ja-JP" altLang="en-US" smtClean="0"/>
-              <a:t>2025/9/8</a:t>
+              <a:t>2025/9/10</a:t>
             </a:fld>
             <a:endParaRPr kumimoji="1" lang="ja-JP" altLang="en-US"/>
           </a:p>
@@ -2956,7 +2956,7 @@
           <a:p>
             <a:fld id="{C6284FE7-8644-9241-8BAC-8FFB84B8C7A6}" type="datetimeFigureOut">
               <a:rPr kumimoji="1" lang="ja-JP" altLang="en-US" smtClean="0"/>
-              <a:t>2025/9/8</a:t>
+              <a:t>2025/9/10</a:t>
             </a:fld>
             <a:endParaRPr kumimoji="1" lang="ja-JP" altLang="en-US"/>
           </a:p>
@@ -3432,7 +3432,7 @@
           <a:p>
             <a:fld id="{C6284FE7-8644-9241-8BAC-8FFB84B8C7A6}" type="datetimeFigureOut">
               <a:rPr kumimoji="1" lang="ja-JP" altLang="en-US" smtClean="0"/>
-              <a:t>2025/9/8</a:t>
+              <a:t>2025/9/10</a:t>
             </a:fld>
             <a:endParaRPr kumimoji="1" lang="ja-JP" altLang="en-US"/>
           </a:p>
@@ -3573,7 +3573,7 @@
           <a:p>
             <a:fld id="{C6284FE7-8644-9241-8BAC-8FFB84B8C7A6}" type="datetimeFigureOut">
               <a:rPr kumimoji="1" lang="ja-JP" altLang="en-US" smtClean="0"/>
-              <a:t>2025/9/8</a:t>
+              <a:t>2025/9/10</a:t>
             </a:fld>
             <a:endParaRPr kumimoji="1" lang="ja-JP" altLang="en-US"/>
           </a:p>
@@ -3686,7 +3686,7 @@
           <a:p>
             <a:fld id="{C6284FE7-8644-9241-8BAC-8FFB84B8C7A6}" type="datetimeFigureOut">
               <a:rPr kumimoji="1" lang="ja-JP" altLang="en-US" smtClean="0"/>
-              <a:t>2025/9/8</a:t>
+              <a:t>2025/9/10</a:t>
             </a:fld>
             <a:endParaRPr kumimoji="1" lang="ja-JP" altLang="en-US"/>
           </a:p>
@@ -4029,7 +4029,7 @@
           <a:p>
             <a:fld id="{C6284FE7-8644-9241-8BAC-8FFB84B8C7A6}" type="datetimeFigureOut">
               <a:rPr kumimoji="1" lang="ja-JP" altLang="en-US" smtClean="0"/>
-              <a:t>2025/9/8</a:t>
+              <a:t>2025/9/10</a:t>
             </a:fld>
             <a:endParaRPr kumimoji="1" lang="ja-JP" altLang="en-US"/>
           </a:p>
@@ -4317,7 +4317,7 @@
           <a:p>
             <a:fld id="{C6284FE7-8644-9241-8BAC-8FFB84B8C7A6}" type="datetimeFigureOut">
               <a:rPr kumimoji="1" lang="ja-JP" altLang="en-US" smtClean="0"/>
-              <a:t>2025/9/8</a:t>
+              <a:t>2025/9/10</a:t>
             </a:fld>
             <a:endParaRPr kumimoji="1" lang="ja-JP" altLang="en-US"/>
           </a:p>
@@ -4590,7 +4590,7 @@
           <a:p>
             <a:fld id="{C6284FE7-8644-9241-8BAC-8FFB84B8C7A6}" type="datetimeFigureOut">
               <a:rPr kumimoji="1" lang="ja-JP" altLang="en-US" smtClean="0"/>
-              <a:t>2025/9/8</a:t>
+              <a:t>2025/9/10</a:t>
             </a:fld>
             <a:endParaRPr kumimoji="1" lang="ja-JP" altLang="en-US"/>
           </a:p>
@@ -17831,8 +17831,8 @@
           </p:txBody>
         </p:sp>
       </p:grpSp>
-      <mc:AlternateContent xmlns:mc="http://schemas.openxmlformats.org/markup-compatibility/2006">
-        <mc:Choice xmlns:a14="http://schemas.microsoft.com/office/drawing/2010/main" Requires="a14">
+      <mc:AlternateContent xmlns:mc="http://schemas.openxmlformats.org/markup-compatibility/2006" xmlns:a14="http://schemas.microsoft.com/office/drawing/2010/main">
+        <mc:Choice Requires="a14">
           <p:graphicFrame>
             <p:nvGraphicFramePr>
               <p:cNvPr id="14" name="表 13">
@@ -18381,7 +18381,7 @@
             </a:graphic>
           </p:graphicFrame>
         </mc:Choice>
-        <mc:Fallback>
+        <mc:Fallback xmlns="">
           <p:graphicFrame>
             <p:nvGraphicFramePr>
               <p:cNvPr id="14" name="表 13">
@@ -28150,6 +28150,18 @@
             </a:r>
           </a:p>
           <a:p>
+            <a:r>
+              <a:rPr kumimoji="1" lang="ja-JP" altLang="en-US"/>
+              <a:t>　</a:t>
+            </a:r>
+            <a:r>
+              <a:rPr lang="en-US" altLang="ja-JP" dirty="0"/>
+              <a:t>θ1= </a:t>
+            </a:r>
+            <a:r>
+              <a:rPr lang="en-US" altLang="ja-JP" dirty="0" err="1"/>
+              <a:t>θspec</a:t>
+            </a:r>
             <a:endParaRPr kumimoji="1" lang="en-US" altLang="ja-JP" dirty="0"/>
           </a:p>
           <a:p>
@@ -29061,8 +29073,8 @@
           </a:p>
         </p:txBody>
       </p:sp>
-      <mc:AlternateContent xmlns:mc="http://schemas.openxmlformats.org/markup-compatibility/2006">
-        <mc:Choice xmlns:a14="http://schemas.microsoft.com/office/drawing/2010/main" Requires="a14">
+      <mc:AlternateContent xmlns:mc="http://schemas.openxmlformats.org/markup-compatibility/2006" xmlns:a14="http://schemas.microsoft.com/office/drawing/2010/main">
+        <mc:Choice Requires="a14">
           <p:sp>
             <p:nvSpPr>
               <p:cNvPr id="25" name="テキスト ボックス 24">
@@ -29399,7 +29411,7 @@
             </p:txBody>
           </p:sp>
         </mc:Choice>
-        <mc:Fallback>
+        <mc:Fallback xmlns="">
           <p:sp>
             <p:nvSpPr>
               <p:cNvPr id="25" name="テキスト ボックス 24">
@@ -29444,8 +29456,8 @@
           </p:sp>
         </mc:Fallback>
       </mc:AlternateContent>
-      <mc:AlternateContent xmlns:mc="http://schemas.openxmlformats.org/markup-compatibility/2006">
-        <mc:Choice xmlns:a14="http://schemas.microsoft.com/office/drawing/2010/main" Requires="a14">
+      <mc:AlternateContent xmlns:mc="http://schemas.openxmlformats.org/markup-compatibility/2006" xmlns:a14="http://schemas.microsoft.com/office/drawing/2010/main">
+        <mc:Choice Requires="a14">
           <p:sp>
             <p:nvSpPr>
               <p:cNvPr id="26" name="テキスト ボックス 25">
@@ -29689,7 +29701,7 @@
             </p:txBody>
           </p:sp>
         </mc:Choice>
-        <mc:Fallback>
+        <mc:Fallback xmlns="">
           <p:sp>
             <p:nvSpPr>
               <p:cNvPr id="26" name="テキスト ボックス 25">
@@ -29837,8 +29849,8 @@
           </a:p>
         </p:txBody>
       </p:sp>
-      <mc:AlternateContent xmlns:mc="http://schemas.openxmlformats.org/markup-compatibility/2006">
-        <mc:Choice xmlns:a14="http://schemas.microsoft.com/office/drawing/2010/main" Requires="a14">
+      <mc:AlternateContent xmlns:mc="http://schemas.openxmlformats.org/markup-compatibility/2006" xmlns:a14="http://schemas.microsoft.com/office/drawing/2010/main">
+        <mc:Choice Requires="a14">
           <p:sp>
             <p:nvSpPr>
               <p:cNvPr id="29" name="テキスト ボックス 28">
@@ -29867,6 +29879,7 @@
               </a:bodyPr>
               <a:lstStyle/>
               <a:p>
+                <a:pPr/>
                 <a14:m>
                   <m:oMathPara xmlns:m="http://schemas.openxmlformats.org/officeDocument/2006/math">
                     <m:oMathParaPr>
@@ -30075,7 +30088,7 @@
             </p:txBody>
           </p:sp>
         </mc:Choice>
-        <mc:Fallback>
+        <mc:Fallback xmlns="">
           <p:sp>
             <p:nvSpPr>
               <p:cNvPr id="29" name="テキスト ボックス 28">
@@ -30120,8 +30133,8 @@
           </p:sp>
         </mc:Fallback>
       </mc:AlternateContent>
-      <mc:AlternateContent xmlns:mc="http://schemas.openxmlformats.org/markup-compatibility/2006">
-        <mc:Choice xmlns:a14="http://schemas.microsoft.com/office/drawing/2010/main" Requires="a14">
+      <mc:AlternateContent xmlns:mc="http://schemas.openxmlformats.org/markup-compatibility/2006" xmlns:a14="http://schemas.microsoft.com/office/drawing/2010/main">
+        <mc:Choice Requires="a14">
           <p:sp>
             <p:nvSpPr>
               <p:cNvPr id="30" name="テキスト ボックス 29">
@@ -30150,6 +30163,7 @@
               </a:bodyPr>
               <a:lstStyle/>
               <a:p>
+                <a:pPr/>
                 <a14:m>
                   <m:oMathPara xmlns:m="http://schemas.openxmlformats.org/officeDocument/2006/math">
                     <m:oMathParaPr>
@@ -30196,7 +30210,7 @@
             </p:txBody>
           </p:sp>
         </mc:Choice>
-        <mc:Fallback>
+        <mc:Fallback xmlns="">
           <p:sp>
             <p:nvSpPr>
               <p:cNvPr id="30" name="テキスト ボックス 29">
@@ -30293,8 +30307,8 @@
           </a:p>
         </p:txBody>
       </p:sp>
-      <mc:AlternateContent xmlns:mc="http://schemas.openxmlformats.org/markup-compatibility/2006">
-        <mc:Choice xmlns:a14="http://schemas.microsoft.com/office/drawing/2010/main" Requires="a14">
+      <mc:AlternateContent xmlns:mc="http://schemas.openxmlformats.org/markup-compatibility/2006" xmlns:a14="http://schemas.microsoft.com/office/drawing/2010/main">
+        <mc:Choice Requires="a14">
           <p:sp>
             <p:nvSpPr>
               <p:cNvPr id="32" name="テキスト ボックス 31">
@@ -30323,6 +30337,7 @@
               </a:bodyPr>
               <a:lstStyle/>
               <a:p>
+                <a:pPr/>
                 <a14:m>
                   <m:oMathPara xmlns:m="http://schemas.openxmlformats.org/officeDocument/2006/math">
                     <m:oMathParaPr>
@@ -30369,7 +30384,7 @@
             </p:txBody>
           </p:sp>
         </mc:Choice>
-        <mc:Fallback>
+        <mc:Fallback xmlns="">
           <p:sp>
             <p:nvSpPr>
               <p:cNvPr id="32" name="テキスト ボックス 31">
@@ -30414,8 +30429,8 @@
           </p:sp>
         </mc:Fallback>
       </mc:AlternateContent>
-      <mc:AlternateContent xmlns:mc="http://schemas.openxmlformats.org/markup-compatibility/2006">
-        <mc:Choice xmlns:a14="http://schemas.microsoft.com/office/drawing/2010/main" Requires="a14">
+      <mc:AlternateContent xmlns:mc="http://schemas.openxmlformats.org/markup-compatibility/2006" xmlns:a14="http://schemas.microsoft.com/office/drawing/2010/main">
+        <mc:Choice Requires="a14">
           <p:sp>
             <p:nvSpPr>
               <p:cNvPr id="33" name="テキスト ボックス 32">
@@ -30444,6 +30459,7 @@
               </a:bodyPr>
               <a:lstStyle/>
               <a:p>
+                <a:pPr/>
                 <a14:m>
                   <m:oMathPara xmlns:m="http://schemas.openxmlformats.org/officeDocument/2006/math">
                     <m:oMathParaPr>
@@ -30485,13 +30501,7 @@
                         <a:rPr kumimoji="1" lang="en-US" altLang="ja-JP" b="0" i="1" smtClean="0">
                           <a:latin typeface="Cambria Math" panose="02040503050406030204" pitchFamily="18" charset="0"/>
                         </a:rPr>
-                        <m:t>𝑞𝑏</m:t>
-                      </m:r>
-                      <m:r>
-                        <a:rPr kumimoji="1" lang="en-US" altLang="ja-JP" b="0" i="1" baseline="30000" smtClean="0">
-                          <a:latin typeface="Cambria Math" panose="02040503050406030204" pitchFamily="18" charset="0"/>
-                        </a:rPr>
-                        <m:t>𝑐</m:t>
+                        <m:t>𝑞𝑏𝑐</m:t>
                       </m:r>
                     </m:oMath>
                   </m:oMathPara>
@@ -30501,7 +30511,7 @@
             </p:txBody>
           </p:sp>
         </mc:Choice>
-        <mc:Fallback>
+        <mc:Fallback xmlns="">
           <p:sp>
             <p:nvSpPr>
               <p:cNvPr id="33" name="テキスト ボックス 32">
@@ -30647,8 +30657,8 @@
           <a:chExt cx="0" cy="0"/>
         </a:xfrm>
       </p:grpSpPr>
-      <mc:AlternateContent xmlns:mc="http://schemas.openxmlformats.org/markup-compatibility/2006">
-        <mc:Choice xmlns:a14="http://schemas.microsoft.com/office/drawing/2010/main" Requires="a14">
+      <mc:AlternateContent xmlns:mc="http://schemas.openxmlformats.org/markup-compatibility/2006" xmlns:a14="http://schemas.microsoft.com/office/drawing/2010/main">
+        <mc:Choice Requires="a14">
           <p:sp>
             <p:nvSpPr>
               <p:cNvPr id="2" name="テキスト ボックス 1">
@@ -30987,13 +30997,7 @@
                         <a:rPr kumimoji="1" lang="en-US" altLang="ja-JP" sz="1400" b="0" i="1" smtClean="0">
                           <a:latin typeface="Cambria Math" panose="02040503050406030204" pitchFamily="18" charset="0"/>
                         </a:rPr>
-                        <m:t>+</m:t>
-                      </m:r>
-                      <m:r>
-                        <a:rPr kumimoji="1" lang="en-US" altLang="ja-JP" sz="1400" b="0" i="1" smtClean="0">
-                          <a:latin typeface="Cambria Math" panose="02040503050406030204" pitchFamily="18" charset="0"/>
-                        </a:rPr>
-                        <m:t>⋯+</m:t>
+                        <m:t>+⋯+</m:t>
                       </m:r>
                       <m:r>
                         <a:rPr kumimoji="1" lang="en-US" altLang="ja-JP" sz="1400" b="0" i="1" smtClean="0">
@@ -31535,7 +31539,7 @@
             </p:txBody>
           </p:sp>
         </mc:Choice>
-        <mc:Fallback>
+        <mc:Fallback xmlns="">
           <p:sp>
             <p:nvSpPr>
               <p:cNvPr id="2" name="テキスト ボックス 1">
@@ -31597,7 +31601,7 @@
             <p:spPr>
               <a:xfrm>
                 <a:off x="602165" y="2241636"/>
-                <a:ext cx="10705171" cy="330924"/>
+                <a:ext cx="10705171" cy="786497"/>
               </a:xfrm>
               <a:prstGeom prst="rect">
                 <a:avLst/>
@@ -31610,7 +31614,6 @@
               </a:bodyPr>
               <a:lstStyle/>
               <a:p>
-                <a:pPr/>
                 <a14:m>
                   <m:oMath xmlns:m="http://schemas.openxmlformats.org/officeDocument/2006/math">
                     <m:f>
@@ -32218,123 +32221,51 @@
                 </a:r>
                 <a14:m>
                   <m:oMath xmlns:m="http://schemas.openxmlformats.org/officeDocument/2006/math">
-                    <m:r>
-                      <a:rPr lang="en-US" altLang="ja-JP" sz="1400" i="1">
-                        <a:latin typeface="Cambria Math" panose="02040503050406030204" pitchFamily="18" charset="0"/>
-                        <a:ea typeface="Cambria Math" panose="02040503050406030204" pitchFamily="18" charset="0"/>
-                      </a:rPr>
-                      <m:t>(</m:t>
-                    </m:r>
-                    <m:sSub>
-                      <m:sSubPr>
+                    <m:d>
+                      <m:dPr>
                         <m:ctrlPr>
                           <a:rPr lang="en-US" altLang="ja-JP" sz="1400" i="1">
                             <a:latin typeface="Cambria Math" panose="02040503050406030204" pitchFamily="18" charset="0"/>
                             <a:ea typeface="Cambria Math" panose="02040503050406030204" pitchFamily="18" charset="0"/>
                           </a:rPr>
                         </m:ctrlPr>
-                      </m:sSubPr>
+                      </m:dPr>
                       <m:e>
-                        <m:r>
-                          <a:rPr lang="en-US" altLang="ja-JP" sz="1400" i="1">
-                            <a:latin typeface="Cambria Math" panose="02040503050406030204" pitchFamily="18" charset="0"/>
-                            <a:ea typeface="Cambria Math" panose="02040503050406030204" pitchFamily="18" charset="0"/>
-                          </a:rPr>
-                          <m:t>𝜃</m:t>
-                        </m:r>
-                      </m:e>
-                      <m:sub>
-                        <m:r>
-                          <a:rPr lang="en-US" altLang="ja-JP" sz="1400" i="1">
-                            <a:latin typeface="Cambria Math" panose="02040503050406030204" pitchFamily="18" charset="0"/>
-                            <a:ea typeface="Cambria Math" panose="02040503050406030204" pitchFamily="18" charset="0"/>
-                          </a:rPr>
-                          <m:t>𝑖</m:t>
-                        </m:r>
-                        <m:r>
-                          <a:rPr lang="en-US" altLang="ja-JP" sz="1400" b="0" i="1" smtClean="0">
-                            <a:latin typeface="Cambria Math" panose="02040503050406030204" pitchFamily="18" charset="0"/>
-                            <a:ea typeface="Cambria Math" panose="02040503050406030204" pitchFamily="18" charset="0"/>
-                          </a:rPr>
-                          <m:t>−1</m:t>
-                        </m:r>
-                      </m:sub>
-                    </m:sSub>
-                    <m:r>
-                      <a:rPr lang="en-US" altLang="ja-JP" sz="1400" i="1">
-                        <a:latin typeface="Cambria Math" panose="02040503050406030204" pitchFamily="18" charset="0"/>
-                        <a:ea typeface="Cambria Math" panose="02040503050406030204" pitchFamily="18" charset="0"/>
-                      </a:rPr>
-                      <m:t>−</m:t>
-                    </m:r>
-                    <m:sSub>
-                      <m:sSubPr>
-                        <m:ctrlPr>
-                          <a:rPr lang="en-US" altLang="ja-JP" sz="1400" i="1">
-                            <a:latin typeface="Cambria Math" panose="02040503050406030204" pitchFamily="18" charset="0"/>
-                            <a:ea typeface="Cambria Math" panose="02040503050406030204" pitchFamily="18" charset="0"/>
-                          </a:rPr>
-                        </m:ctrlPr>
-                      </m:sSubPr>
-                      <m:e>
-                        <m:r>
-                          <a:rPr lang="en-US" altLang="ja-JP" sz="1400" i="1">
-                            <a:latin typeface="Cambria Math" panose="02040503050406030204" pitchFamily="18" charset="0"/>
-                            <a:ea typeface="Cambria Math" panose="02040503050406030204" pitchFamily="18" charset="0"/>
-                          </a:rPr>
-                          <m:t>𝜃</m:t>
-                        </m:r>
-                      </m:e>
-                      <m:sub>
-                        <m:r>
-                          <a:rPr lang="en-US" altLang="ja-JP" sz="1400" i="1">
-                            <a:latin typeface="Cambria Math" panose="02040503050406030204" pitchFamily="18" charset="0"/>
-                            <a:ea typeface="Cambria Math" panose="02040503050406030204" pitchFamily="18" charset="0"/>
-                          </a:rPr>
-                          <m:t>𝑖</m:t>
-                        </m:r>
-                      </m:sub>
-                    </m:sSub>
-                    <m:r>
-                      <a:rPr lang="en-US" altLang="ja-JP" sz="1400" i="1">
-                        <a:latin typeface="Cambria Math" panose="02040503050406030204" pitchFamily="18" charset="0"/>
-                        <a:ea typeface="Cambria Math" panose="02040503050406030204" pitchFamily="18" charset="0"/>
-                      </a:rPr>
-                      <m:t>)</m:t>
-                    </m:r>
-                    <m:r>
-                      <a:rPr lang="en-US" altLang="ja-JP" sz="1400" i="1">
-                        <a:latin typeface="Cambria Math" panose="02040503050406030204" pitchFamily="18" charset="0"/>
-                        <a:ea typeface="Cambria Math" panose="02040503050406030204" pitchFamily="18" charset="0"/>
-                      </a:rPr>
-                      <m:t>∗(1−</m:t>
-                    </m:r>
-                    <m:sSub>
-                      <m:sSubPr>
-                        <m:ctrlPr>
-                          <a:rPr lang="en-US" altLang="ja-JP" sz="1400" i="1">
-                            <a:latin typeface="Cambria Math" panose="02040503050406030204" pitchFamily="18" charset="0"/>
-                            <a:ea typeface="Cambria Math" panose="02040503050406030204" pitchFamily="18" charset="0"/>
-                          </a:rPr>
-                        </m:ctrlPr>
-                      </m:sSubPr>
-                      <m:e>
-                        <m:r>
-                          <a:rPr lang="en-US" altLang="ja-JP" sz="1400" i="1">
-                            <a:latin typeface="Cambria Math" panose="02040503050406030204" pitchFamily="18" charset="0"/>
-                            <a:ea typeface="Cambria Math" panose="02040503050406030204" pitchFamily="18" charset="0"/>
-                          </a:rPr>
-                          <m:t>𝑚</m:t>
-                        </m:r>
-                      </m:e>
-                      <m:sub>
-                        <m:r>
-                          <a:rPr lang="en-US" altLang="ja-JP" sz="1400" i="1">
-                            <a:latin typeface="Cambria Math" panose="02040503050406030204" pitchFamily="18" charset="0"/>
-                            <a:ea typeface="Cambria Math" panose="02040503050406030204" pitchFamily="18" charset="0"/>
-                          </a:rPr>
-                          <m:t>𝑖</m:t>
-                        </m:r>
+                        <m:sSub>
+                          <m:sSubPr>
+                            <m:ctrlPr>
+                              <a:rPr lang="en-US" altLang="ja-JP" sz="1400" i="1">
+                                <a:latin typeface="Cambria Math" panose="02040503050406030204" pitchFamily="18" charset="0"/>
+                                <a:ea typeface="Cambria Math" panose="02040503050406030204" pitchFamily="18" charset="0"/>
+                              </a:rPr>
+                            </m:ctrlPr>
+                          </m:sSubPr>
+                          <m:e>
+                            <m:r>
+                              <a:rPr lang="en-US" altLang="ja-JP" sz="1400" i="1">
+                                <a:latin typeface="Cambria Math" panose="02040503050406030204" pitchFamily="18" charset="0"/>
+                                <a:ea typeface="Cambria Math" panose="02040503050406030204" pitchFamily="18" charset="0"/>
+                              </a:rPr>
+                              <m:t>𝜃</m:t>
+                            </m:r>
+                          </m:e>
+                          <m:sub>
+                            <m:r>
+                              <a:rPr lang="en-US" altLang="ja-JP" sz="1400" i="1">
+                                <a:latin typeface="Cambria Math" panose="02040503050406030204" pitchFamily="18" charset="0"/>
+                                <a:ea typeface="Cambria Math" panose="02040503050406030204" pitchFamily="18" charset="0"/>
+                              </a:rPr>
+                              <m:t>𝑖</m:t>
+                            </m:r>
+                            <m:r>
+                              <a:rPr lang="en-US" altLang="ja-JP" sz="1400" b="0" i="1" smtClean="0">
+                                <a:latin typeface="Cambria Math" panose="02040503050406030204" pitchFamily="18" charset="0"/>
+                                <a:ea typeface="Cambria Math" panose="02040503050406030204" pitchFamily="18" charset="0"/>
+                              </a:rPr>
+                              <m:t>−1</m:t>
+                            </m:r>
+                          </m:sub>
+                        </m:sSub>
                         <m:r>
                           <a:rPr lang="en-US" altLang="ja-JP" sz="1400" i="1">
                             <a:latin typeface="Cambria Math" panose="02040503050406030204" pitchFamily="18" charset="0"/>
@@ -32342,189 +32273,417 @@
                           </a:rPr>
                           <m:t>−</m:t>
                         </m:r>
-                        <m:r>
-                          <a:rPr lang="en-US" altLang="ja-JP" sz="1400" i="1">
-                            <a:latin typeface="Cambria Math" panose="02040503050406030204" pitchFamily="18" charset="0"/>
-                            <a:ea typeface="Cambria Math" panose="02040503050406030204" pitchFamily="18" charset="0"/>
-                          </a:rPr>
-                          <m:t>1</m:t>
-                        </m:r>
-                      </m:sub>
-                    </m:sSub>
+                        <m:sSub>
+                          <m:sSubPr>
+                            <m:ctrlPr>
+                              <a:rPr lang="en-US" altLang="ja-JP" sz="1400" i="1">
+                                <a:latin typeface="Cambria Math" panose="02040503050406030204" pitchFamily="18" charset="0"/>
+                                <a:ea typeface="Cambria Math" panose="02040503050406030204" pitchFamily="18" charset="0"/>
+                              </a:rPr>
+                            </m:ctrlPr>
+                          </m:sSubPr>
+                          <m:e>
+                            <m:r>
+                              <a:rPr lang="en-US" altLang="ja-JP" sz="1400" i="1">
+                                <a:latin typeface="Cambria Math" panose="02040503050406030204" pitchFamily="18" charset="0"/>
+                                <a:ea typeface="Cambria Math" panose="02040503050406030204" pitchFamily="18" charset="0"/>
+                              </a:rPr>
+                              <m:t>𝜃</m:t>
+                            </m:r>
+                          </m:e>
+                          <m:sub>
+                            <m:r>
+                              <a:rPr lang="en-US" altLang="ja-JP" sz="1400" i="1">
+                                <a:latin typeface="Cambria Math" panose="02040503050406030204" pitchFamily="18" charset="0"/>
+                                <a:ea typeface="Cambria Math" panose="02040503050406030204" pitchFamily="18" charset="0"/>
+                              </a:rPr>
+                              <m:t>𝑖</m:t>
+                            </m:r>
+                          </m:sub>
+                        </m:sSub>
+                      </m:e>
+                    </m:d>
                     <m:r>
-                      <a:rPr lang="en-US" altLang="ja-JP" sz="1400" i="1" smtClean="0">
+                      <a:rPr lang="en-US" altLang="ja-JP" sz="1400" i="1">
                         <a:latin typeface="Cambria Math" panose="02040503050406030204" pitchFamily="18" charset="0"/>
                         <a:ea typeface="Cambria Math" panose="02040503050406030204" pitchFamily="18" charset="0"/>
                       </a:rPr>
-                      <m:t>)</m:t>
+                      <m:t>∗</m:t>
                     </m:r>
-                    <m:r>
-                      <a:rPr kumimoji="1" lang="en-US" altLang="ja-JP" sz="1400" b="0" i="1" smtClean="0">
-                        <a:latin typeface="Cambria Math" panose="02040503050406030204" pitchFamily="18" charset="0"/>
-                      </a:rPr>
-                      <m:t>+</m:t>
-                    </m:r>
-                    <m:r>
-                      <a:rPr kumimoji="1" lang="en-US" altLang="ja-JP" sz="1400" b="0" i="1" smtClean="0">
-                        <a:latin typeface="Cambria Math" panose="02040503050406030204" pitchFamily="18" charset="0"/>
-                      </a:rPr>
-                      <m:t>𝑄</m:t>
-                    </m:r>
-                    <m:r>
-                      <a:rPr kumimoji="1" lang="en-US" altLang="ja-JP" sz="1400" b="0" i="1" smtClean="0">
-                        <a:latin typeface="Cambria Math" panose="02040503050406030204" pitchFamily="18" charset="0"/>
-                      </a:rPr>
-                      <m:t>+</m:t>
-                    </m:r>
-                    <m:f>
-                      <m:fPr>
+                    <m:d>
+                      <m:dPr>
                         <m:ctrlPr>
                           <a:rPr lang="en-US" altLang="ja-JP" sz="1400" i="1">
-                            <a:latin typeface="Cambria Math" panose="02040503050406030204" pitchFamily="18" charset="0"/>
-                          </a:rPr>
-                        </m:ctrlPr>
-                      </m:fPr>
-                      <m:num>
-                        <m:r>
-                          <a:rPr lang="en-US" altLang="ja-JP" sz="1400" i="1">
-                            <a:latin typeface="Cambria Math" panose="02040503050406030204" pitchFamily="18" charset="0"/>
-                          </a:rPr>
-                          <m:t>1</m:t>
-                        </m:r>
-                      </m:num>
-                      <m:den>
-                        <m:r>
-                          <a:rPr lang="en-US" altLang="ja-JP" sz="1400" i="1">
-                            <a:latin typeface="Cambria Math" panose="02040503050406030204" pitchFamily="18" charset="0"/>
-                            <a:ea typeface="Cambria Math" panose="02040503050406030204" pitchFamily="18" charset="0"/>
-                          </a:rPr>
-                          <m:t>∆</m:t>
-                        </m:r>
-                        <m:r>
-                          <a:rPr lang="en-US" altLang="ja-JP" sz="1400" i="1">
-                            <a:latin typeface="Cambria Math" panose="02040503050406030204" pitchFamily="18" charset="0"/>
-                            <a:ea typeface="Cambria Math" panose="02040503050406030204" pitchFamily="18" charset="0"/>
-                          </a:rPr>
-                          <m:t>𝑥</m:t>
-                        </m:r>
-                      </m:den>
-                    </m:f>
-                    <m:d>
-                      <m:dPr>
-                        <m:begChr m:val="["/>
-                        <m:endChr m:val="]"/>
-                        <m:ctrlPr>
-                          <a:rPr lang="en-US" altLang="ja-JP" sz="1400" i="1" smtClean="0">
                             <a:latin typeface="Cambria Math" panose="02040503050406030204" pitchFamily="18" charset="0"/>
                             <a:ea typeface="Cambria Math" panose="02040503050406030204" pitchFamily="18" charset="0"/>
                           </a:rPr>
                         </m:ctrlPr>
                       </m:dPr>
                       <m:e>
-                        <m:sSubSup>
-                          <m:sSubSupPr>
+                        <m:r>
+                          <a:rPr lang="en-US" altLang="ja-JP" sz="1400" i="1">
+                            <a:latin typeface="Cambria Math" panose="02040503050406030204" pitchFamily="18" charset="0"/>
+                            <a:ea typeface="Cambria Math" panose="02040503050406030204" pitchFamily="18" charset="0"/>
+                          </a:rPr>
+                          <m:t>1−</m:t>
+                        </m:r>
+                        <m:sSub>
+                          <m:sSubPr>
                             <m:ctrlPr>
-                              <a:rPr lang="en-US" altLang="ja-JP" sz="1400" i="1" smtClean="0">
+                              <a:rPr lang="en-US" altLang="ja-JP" sz="1400" i="1">
                                 <a:latin typeface="Cambria Math" panose="02040503050406030204" pitchFamily="18" charset="0"/>
                                 <a:ea typeface="Cambria Math" panose="02040503050406030204" pitchFamily="18" charset="0"/>
                               </a:rPr>
                             </m:ctrlPr>
-                          </m:sSubSupPr>
+                          </m:sSubPr>
                           <m:e>
                             <m:r>
-                              <a:rPr lang="en-US" altLang="ja-JP" sz="1400" b="0" i="1" smtClean="0">
+                              <a:rPr lang="en-US" altLang="ja-JP" sz="1400" i="1">
                                 <a:latin typeface="Cambria Math" panose="02040503050406030204" pitchFamily="18" charset="0"/>
                                 <a:ea typeface="Cambria Math" panose="02040503050406030204" pitchFamily="18" charset="0"/>
                               </a:rPr>
-                              <m:t>𝑞</m:t>
+                              <m:t>𝑚</m:t>
                             </m:r>
                           </m:e>
                           <m:sub>
                             <m:r>
-                              <a:rPr lang="en-US" altLang="ja-JP" sz="1400" b="0" i="1" smtClean="0">
+                              <a:rPr lang="en-US" altLang="ja-JP" sz="1400" i="1">
                                 <a:latin typeface="Cambria Math" panose="02040503050406030204" pitchFamily="18" charset="0"/>
                                 <a:ea typeface="Cambria Math" panose="02040503050406030204" pitchFamily="18" charset="0"/>
                               </a:rPr>
                               <m:t>𝑖</m:t>
                             </m:r>
                             <m:r>
-                              <a:rPr lang="en-US" altLang="ja-JP" sz="1400" b="0" i="1" smtClean="0">
+                              <a:rPr lang="en-US" altLang="ja-JP" sz="1400" i="1">
                                 <a:latin typeface="Cambria Math" panose="02040503050406030204" pitchFamily="18" charset="0"/>
                                 <a:ea typeface="Cambria Math" panose="02040503050406030204" pitchFamily="18" charset="0"/>
                               </a:rPr>
-                              <m:t>+1/2</m:t>
+                              <m:t>−1</m:t>
                             </m:r>
                           </m:sub>
-                          <m:sup>
-                            <m:r>
-                              <a:rPr lang="en-US" altLang="ja-JP" sz="1400" b="0" i="1" smtClean="0">
-                                <a:latin typeface="Cambria Math" panose="02040503050406030204" pitchFamily="18" charset="0"/>
-                                <a:ea typeface="Cambria Math" panose="02040503050406030204" pitchFamily="18" charset="0"/>
-                              </a:rPr>
-                              <m:t>𝑏𝑐</m:t>
-                            </m:r>
-                          </m:sup>
-                        </m:sSubSup>
-                        <m:r>
-                          <a:rPr lang="en-US" altLang="ja-JP" sz="1400" b="0" i="1" smtClean="0">
-                            <a:latin typeface="Cambria Math" panose="02040503050406030204" pitchFamily="18" charset="0"/>
-                            <a:ea typeface="Cambria Math" panose="02040503050406030204" pitchFamily="18" charset="0"/>
-                          </a:rPr>
-                          <m:t>−</m:t>
-                        </m:r>
-                        <m:sSubSup>
-                          <m:sSubSupPr>
-                            <m:ctrlPr>
-                              <a:rPr lang="en-US" altLang="ja-JP" sz="1400" b="0" i="1" smtClean="0">
-                                <a:latin typeface="Cambria Math" panose="02040503050406030204" pitchFamily="18" charset="0"/>
-                                <a:ea typeface="Cambria Math" panose="02040503050406030204" pitchFamily="18" charset="0"/>
-                              </a:rPr>
-                            </m:ctrlPr>
-                          </m:sSubSupPr>
-                          <m:e>
-                            <m:r>
-                              <a:rPr lang="en-US" altLang="ja-JP" sz="1400" b="0" i="1" smtClean="0">
-                                <a:latin typeface="Cambria Math" panose="02040503050406030204" pitchFamily="18" charset="0"/>
-                                <a:ea typeface="Cambria Math" panose="02040503050406030204" pitchFamily="18" charset="0"/>
-                              </a:rPr>
-                              <m:t>𝑞</m:t>
-                            </m:r>
-                          </m:e>
-                          <m:sub>
-                            <m:r>
-                              <a:rPr lang="en-US" altLang="ja-JP" sz="1400" b="0" i="1" smtClean="0">
-                                <a:latin typeface="Cambria Math" panose="02040503050406030204" pitchFamily="18" charset="0"/>
-                                <a:ea typeface="Cambria Math" panose="02040503050406030204" pitchFamily="18" charset="0"/>
-                              </a:rPr>
-                              <m:t>𝑖</m:t>
-                            </m:r>
-                            <m:r>
-                              <a:rPr lang="en-US" altLang="ja-JP" sz="1400" b="0" i="1" smtClean="0">
-                                <a:latin typeface="Cambria Math" panose="02040503050406030204" pitchFamily="18" charset="0"/>
-                                <a:ea typeface="Cambria Math" panose="02040503050406030204" pitchFamily="18" charset="0"/>
-                              </a:rPr>
-                              <m:t>−1/2</m:t>
-                            </m:r>
-                          </m:sub>
-                          <m:sup>
-                            <m:r>
-                              <a:rPr lang="en-US" altLang="ja-JP" sz="1400" b="0" i="1" smtClean="0">
-                                <a:latin typeface="Cambria Math" panose="02040503050406030204" pitchFamily="18" charset="0"/>
-                                <a:ea typeface="Cambria Math" panose="02040503050406030204" pitchFamily="18" charset="0"/>
-                              </a:rPr>
-                              <m:t>𝑏𝑐</m:t>
-                            </m:r>
-                          </m:sup>
-                        </m:sSubSup>
+                        </m:sSub>
                       </m:e>
                     </m:d>
-                    <m:r>
-                      <a:rPr kumimoji="1" lang="en-US" altLang="ja-JP" sz="1400" b="0" i="1" smtClean="0">
-                        <a:latin typeface="Cambria Math" panose="02040503050406030204" pitchFamily="18" charset="0"/>
-                      </a:rPr>
-                      <m:t>=0</m:t>
-                    </m:r>
                   </m:oMath>
+                </a14:m>
+                <a:endParaRPr lang="en-US" altLang="ja-JP" sz="1400" i="1" dirty="0">
+                  <a:latin typeface="Cambria Math" panose="02040503050406030204" pitchFamily="18" charset="0"/>
+                  <a:ea typeface="Cambria Math" panose="02040503050406030204" pitchFamily="18" charset="0"/>
+                </a:endParaRPr>
+              </a:p>
+              <a:p>
+                <a14:m>
+                  <m:oMathPara xmlns:m="http://schemas.openxmlformats.org/officeDocument/2006/math">
+                    <m:oMathParaPr>
+                      <m:jc m:val="centerGroup"/>
+                    </m:oMathParaPr>
+                    <m:oMath xmlns:m="http://schemas.openxmlformats.org/officeDocument/2006/math">
+                      <m:r>
+                        <a:rPr kumimoji="1" lang="en-US" altLang="ja-JP" sz="1400" b="0" i="1" smtClean="0">
+                          <a:latin typeface="Cambria Math" panose="02040503050406030204" pitchFamily="18" charset="0"/>
+                        </a:rPr>
+                        <m:t>+</m:t>
+                      </m:r>
+                      <m:r>
+                        <a:rPr kumimoji="1" lang="en-US" altLang="ja-JP" sz="1400" b="0" i="1" smtClean="0">
+                          <a:latin typeface="Cambria Math" panose="02040503050406030204" pitchFamily="18" charset="0"/>
+                        </a:rPr>
+                        <m:t>𝑄</m:t>
+                      </m:r>
+                      <m:r>
+                        <a:rPr kumimoji="1" lang="en-US" altLang="ja-JP" sz="1400" b="0" i="1" smtClean="0">
+                          <a:latin typeface="Cambria Math" panose="02040503050406030204" pitchFamily="18" charset="0"/>
+                        </a:rPr>
+                        <m:t>+</m:t>
+                      </m:r>
+                      <m:f>
+                        <m:fPr>
+                          <m:ctrlPr>
+                            <a:rPr lang="en-US" altLang="ja-JP" sz="1400" i="1">
+                              <a:latin typeface="Cambria Math" panose="02040503050406030204" pitchFamily="18" charset="0"/>
+                            </a:rPr>
+                          </m:ctrlPr>
+                        </m:fPr>
+                        <m:num>
+                          <m:r>
+                            <a:rPr lang="en-US" altLang="ja-JP" sz="1400" i="1">
+                              <a:latin typeface="Cambria Math" panose="02040503050406030204" pitchFamily="18" charset="0"/>
+                            </a:rPr>
+                            <m:t>1</m:t>
+                          </m:r>
+                        </m:num>
+                        <m:den>
+                          <m:r>
+                            <a:rPr lang="en-US" altLang="ja-JP" sz="1400" i="1">
+                              <a:latin typeface="Cambria Math" panose="02040503050406030204" pitchFamily="18" charset="0"/>
+                              <a:ea typeface="Cambria Math" panose="02040503050406030204" pitchFamily="18" charset="0"/>
+                            </a:rPr>
+                            <m:t>∆</m:t>
+                          </m:r>
+                          <m:r>
+                            <a:rPr lang="en-US" altLang="ja-JP" sz="1400" i="1">
+                              <a:latin typeface="Cambria Math" panose="02040503050406030204" pitchFamily="18" charset="0"/>
+                              <a:ea typeface="Cambria Math" panose="02040503050406030204" pitchFamily="18" charset="0"/>
+                            </a:rPr>
+                            <m:t>𝑥</m:t>
+                          </m:r>
+                        </m:den>
+                      </m:f>
+                      <m:d>
+                        <m:dPr>
+                          <m:begChr m:val="["/>
+                          <m:endChr m:val="]"/>
+                          <m:ctrlPr>
+                            <a:rPr lang="en-US" altLang="ja-JP" sz="1400" i="1" smtClean="0">
+                              <a:latin typeface="Cambria Math" panose="02040503050406030204" pitchFamily="18" charset="0"/>
+                              <a:ea typeface="Cambria Math" panose="02040503050406030204" pitchFamily="18" charset="0"/>
+                            </a:rPr>
+                          </m:ctrlPr>
+                        </m:dPr>
+                        <m:e>
+                          <m:sSubSup>
+                            <m:sSubSupPr>
+                              <m:ctrlPr>
+                                <a:rPr lang="en-US" altLang="ja-JP" sz="1400" i="1" smtClean="0">
+                                  <a:latin typeface="Cambria Math" panose="02040503050406030204" pitchFamily="18" charset="0"/>
+                                  <a:ea typeface="Cambria Math" panose="02040503050406030204" pitchFamily="18" charset="0"/>
+                                </a:rPr>
+                              </m:ctrlPr>
+                            </m:sSubSupPr>
+                            <m:e>
+                              <m:r>
+                                <a:rPr lang="en-US" altLang="ja-JP" sz="1400" b="0" i="1" smtClean="0">
+                                  <a:latin typeface="Cambria Math" panose="02040503050406030204" pitchFamily="18" charset="0"/>
+                                  <a:ea typeface="Cambria Math" panose="02040503050406030204" pitchFamily="18" charset="0"/>
+                                </a:rPr>
+                                <m:t>𝑞</m:t>
+                              </m:r>
+                            </m:e>
+                            <m:sub>
+                              <m:r>
+                                <a:rPr lang="en-US" altLang="ja-JP" sz="1400" b="0" i="1" smtClean="0">
+                                  <a:latin typeface="Cambria Math" panose="02040503050406030204" pitchFamily="18" charset="0"/>
+                                  <a:ea typeface="Cambria Math" panose="02040503050406030204" pitchFamily="18" charset="0"/>
+                                </a:rPr>
+                                <m:t>𝑖</m:t>
+                              </m:r>
+                              <m:r>
+                                <a:rPr lang="en-US" altLang="ja-JP" sz="1400" b="0" i="1" smtClean="0">
+                                  <a:latin typeface="Cambria Math" panose="02040503050406030204" pitchFamily="18" charset="0"/>
+                                  <a:ea typeface="Cambria Math" panose="02040503050406030204" pitchFamily="18" charset="0"/>
+                                </a:rPr>
+                                <m:t>+1/2</m:t>
+                              </m:r>
+                            </m:sub>
+                            <m:sup>
+                              <m:r>
+                                <a:rPr lang="en-US" altLang="ja-JP" sz="1400" b="0" i="1" smtClean="0">
+                                  <a:latin typeface="Cambria Math" panose="02040503050406030204" pitchFamily="18" charset="0"/>
+                                  <a:ea typeface="Cambria Math" panose="02040503050406030204" pitchFamily="18" charset="0"/>
+                                </a:rPr>
+                                <m:t>𝑏𝑐</m:t>
+                              </m:r>
+                            </m:sup>
+                          </m:sSubSup>
+                          <m:r>
+                            <a:rPr lang="en-US" altLang="ja-JP" sz="1400" i="1">
+                              <a:latin typeface="Cambria Math" panose="02040503050406030204" pitchFamily="18" charset="0"/>
+                              <a:ea typeface="Cambria Math" panose="02040503050406030204" pitchFamily="18" charset="0"/>
+                            </a:rPr>
+                            <m:t>∗</m:t>
+                          </m:r>
+                          <m:d>
+                            <m:dPr>
+                              <m:ctrlPr>
+                                <a:rPr lang="en-US" altLang="ja-JP" sz="1400" i="1">
+                                  <a:latin typeface="Cambria Math" panose="02040503050406030204" pitchFamily="18" charset="0"/>
+                                  <a:ea typeface="Cambria Math" panose="02040503050406030204" pitchFamily="18" charset="0"/>
+                                </a:rPr>
+                              </m:ctrlPr>
+                            </m:dPr>
+                            <m:e>
+                              <m:r>
+                                <a:rPr lang="en-US" altLang="ja-JP" sz="1400" i="1">
+                                  <a:latin typeface="Cambria Math" panose="02040503050406030204" pitchFamily="18" charset="0"/>
+                                  <a:ea typeface="Cambria Math" panose="02040503050406030204" pitchFamily="18" charset="0"/>
+                                </a:rPr>
+                                <m:t>1−</m:t>
+                              </m:r>
+                              <m:sSub>
+                                <m:sSubPr>
+                                  <m:ctrlPr>
+                                    <a:rPr lang="en-US" altLang="ja-JP" sz="1400" i="1">
+                                      <a:latin typeface="Cambria Math" panose="02040503050406030204" pitchFamily="18" charset="0"/>
+                                      <a:ea typeface="Cambria Math" panose="02040503050406030204" pitchFamily="18" charset="0"/>
+                                    </a:rPr>
+                                  </m:ctrlPr>
+                                </m:sSubPr>
+                                <m:e>
+                                  <m:r>
+                                    <a:rPr lang="en-US" altLang="ja-JP" sz="1400" i="1">
+                                      <a:latin typeface="Cambria Math" panose="02040503050406030204" pitchFamily="18" charset="0"/>
+                                      <a:ea typeface="Cambria Math" panose="02040503050406030204" pitchFamily="18" charset="0"/>
+                                    </a:rPr>
+                                    <m:t>𝑚</m:t>
+                                  </m:r>
+                                </m:e>
+                                <m:sub>
+                                  <m:r>
+                                    <a:rPr lang="en-US" altLang="ja-JP" sz="1400" i="1">
+                                      <a:latin typeface="Cambria Math" panose="02040503050406030204" pitchFamily="18" charset="0"/>
+                                      <a:ea typeface="Cambria Math" panose="02040503050406030204" pitchFamily="18" charset="0"/>
+                                    </a:rPr>
+                                    <m:t>𝑖</m:t>
+                                  </m:r>
+                                  <m:r>
+                                    <a:rPr lang="en-US" altLang="ja-JP" sz="1400" i="1">
+                                      <a:latin typeface="Cambria Math" panose="02040503050406030204" pitchFamily="18" charset="0"/>
+                                      <a:ea typeface="Cambria Math" panose="02040503050406030204" pitchFamily="18" charset="0"/>
+                                    </a:rPr>
+                                    <m:t>+1</m:t>
+                                  </m:r>
+                                </m:sub>
+                              </m:sSub>
+                            </m:e>
+                          </m:d>
+                          <m:r>
+                            <a:rPr lang="en-US" altLang="ja-JP" sz="1400" b="0" i="1" smtClean="0">
+                              <a:latin typeface="Cambria Math" panose="02040503050406030204" pitchFamily="18" charset="0"/>
+                              <a:ea typeface="Cambria Math" panose="02040503050406030204" pitchFamily="18" charset="0"/>
+                            </a:rPr>
+                            <m:t>−</m:t>
+                          </m:r>
+                          <m:sSubSup>
+                            <m:sSubSupPr>
+                              <m:ctrlPr>
+                                <a:rPr lang="en-US" altLang="ja-JP" sz="1400" b="0" i="1" smtClean="0">
+                                  <a:latin typeface="Cambria Math" panose="02040503050406030204" pitchFamily="18" charset="0"/>
+                                  <a:ea typeface="Cambria Math" panose="02040503050406030204" pitchFamily="18" charset="0"/>
+                                </a:rPr>
+                              </m:ctrlPr>
+                            </m:sSubSupPr>
+                            <m:e>
+                              <m:r>
+                                <a:rPr lang="en-US" altLang="ja-JP" sz="1400" b="0" i="1" smtClean="0">
+                                  <a:latin typeface="Cambria Math" panose="02040503050406030204" pitchFamily="18" charset="0"/>
+                                  <a:ea typeface="Cambria Math" panose="02040503050406030204" pitchFamily="18" charset="0"/>
+                                </a:rPr>
+                                <m:t>𝑞</m:t>
+                              </m:r>
+                            </m:e>
+                            <m:sub>
+                              <m:r>
+                                <a:rPr lang="en-US" altLang="ja-JP" sz="1400" b="0" i="1" smtClean="0">
+                                  <a:latin typeface="Cambria Math" panose="02040503050406030204" pitchFamily="18" charset="0"/>
+                                  <a:ea typeface="Cambria Math" panose="02040503050406030204" pitchFamily="18" charset="0"/>
+                                </a:rPr>
+                                <m:t>𝑖</m:t>
+                              </m:r>
+                              <m:r>
+                                <a:rPr lang="en-US" altLang="ja-JP" sz="1400" b="0" i="1" smtClean="0">
+                                  <a:latin typeface="Cambria Math" panose="02040503050406030204" pitchFamily="18" charset="0"/>
+                                  <a:ea typeface="Cambria Math" panose="02040503050406030204" pitchFamily="18" charset="0"/>
+                                </a:rPr>
+                                <m:t>−</m:t>
+                              </m:r>
+                              <m:f>
+                                <m:fPr>
+                                  <m:ctrlPr>
+                                    <a:rPr lang="en-US" altLang="ja-JP" sz="1400" b="0" i="1" smtClean="0">
+                                      <a:latin typeface="Cambria Math" panose="02040503050406030204" pitchFamily="18" charset="0"/>
+                                      <a:ea typeface="Cambria Math" panose="02040503050406030204" pitchFamily="18" charset="0"/>
+                                    </a:rPr>
+                                  </m:ctrlPr>
+                                </m:fPr>
+                                <m:num>
+                                  <m:r>
+                                    <a:rPr lang="en-US" altLang="ja-JP" sz="1400" b="0" i="1" smtClean="0">
+                                      <a:latin typeface="Cambria Math" panose="02040503050406030204" pitchFamily="18" charset="0"/>
+                                      <a:ea typeface="Cambria Math" panose="02040503050406030204" pitchFamily="18" charset="0"/>
+                                    </a:rPr>
+                                    <m:t>1</m:t>
+                                  </m:r>
+                                </m:num>
+                                <m:den>
+                                  <m:r>
+                                    <a:rPr lang="en-US" altLang="ja-JP" sz="1400" b="0" i="1" smtClean="0">
+                                      <a:latin typeface="Cambria Math" panose="02040503050406030204" pitchFamily="18" charset="0"/>
+                                      <a:ea typeface="Cambria Math" panose="02040503050406030204" pitchFamily="18" charset="0"/>
+                                    </a:rPr>
+                                    <m:t>2</m:t>
+                                  </m:r>
+                                </m:den>
+                              </m:f>
+                            </m:sub>
+                            <m:sup>
+                              <m:r>
+                                <a:rPr lang="en-US" altLang="ja-JP" sz="1400" b="0" i="1" smtClean="0">
+                                  <a:latin typeface="Cambria Math" panose="02040503050406030204" pitchFamily="18" charset="0"/>
+                                  <a:ea typeface="Cambria Math" panose="02040503050406030204" pitchFamily="18" charset="0"/>
+                                </a:rPr>
+                                <m:t>𝑏𝑐</m:t>
+                              </m:r>
+                            </m:sup>
+                          </m:sSubSup>
+                          <m:r>
+                            <a:rPr lang="en-US" altLang="ja-JP" sz="1400" i="1">
+                              <a:latin typeface="Cambria Math" panose="02040503050406030204" pitchFamily="18" charset="0"/>
+                              <a:ea typeface="Cambria Math" panose="02040503050406030204" pitchFamily="18" charset="0"/>
+                            </a:rPr>
+                            <m:t>∗(1−</m:t>
+                          </m:r>
+                          <m:sSub>
+                            <m:sSubPr>
+                              <m:ctrlPr>
+                                <a:rPr lang="en-US" altLang="ja-JP" sz="1400" i="1">
+                                  <a:latin typeface="Cambria Math" panose="02040503050406030204" pitchFamily="18" charset="0"/>
+                                  <a:ea typeface="Cambria Math" panose="02040503050406030204" pitchFamily="18" charset="0"/>
+                                </a:rPr>
+                              </m:ctrlPr>
+                            </m:sSubPr>
+                            <m:e>
+                              <m:r>
+                                <a:rPr lang="en-US" altLang="ja-JP" sz="1400" i="1">
+                                  <a:latin typeface="Cambria Math" panose="02040503050406030204" pitchFamily="18" charset="0"/>
+                                  <a:ea typeface="Cambria Math" panose="02040503050406030204" pitchFamily="18" charset="0"/>
+                                </a:rPr>
+                                <m:t>𝑚</m:t>
+                              </m:r>
+                            </m:e>
+                            <m:sub>
+                              <m:r>
+                                <a:rPr lang="en-US" altLang="ja-JP" sz="1400" i="1">
+                                  <a:latin typeface="Cambria Math" panose="02040503050406030204" pitchFamily="18" charset="0"/>
+                                  <a:ea typeface="Cambria Math" panose="02040503050406030204" pitchFamily="18" charset="0"/>
+                                </a:rPr>
+                                <m:t>𝑖</m:t>
+                              </m:r>
+                              <m:r>
+                                <a:rPr lang="en-US" altLang="ja-JP" sz="1400" i="1">
+                                  <a:latin typeface="Cambria Math" panose="02040503050406030204" pitchFamily="18" charset="0"/>
+                                  <a:ea typeface="Cambria Math" panose="02040503050406030204" pitchFamily="18" charset="0"/>
+                                </a:rPr>
+                                <m:t>−1</m:t>
+                              </m:r>
+                            </m:sub>
+                          </m:sSub>
+                          <m:r>
+                            <a:rPr lang="en-US" altLang="ja-JP" sz="1400" b="0" i="1" smtClean="0">
+                              <a:latin typeface="Cambria Math" panose="02040503050406030204" pitchFamily="18" charset="0"/>
+                              <a:ea typeface="Cambria Math" panose="02040503050406030204" pitchFamily="18" charset="0"/>
+                            </a:rPr>
+                            <m:t>)</m:t>
+                          </m:r>
+                        </m:e>
+                      </m:d>
+                      <m:r>
+                        <a:rPr kumimoji="1" lang="en-US" altLang="ja-JP" sz="1400" b="0" i="1" smtClean="0">
+                          <a:latin typeface="Cambria Math" panose="02040503050406030204" pitchFamily="18" charset="0"/>
+                        </a:rPr>
+                        <m:t>=0</m:t>
+                      </m:r>
+                    </m:oMath>
+                  </m:oMathPara>
                 </a14:m>
                 <a:endParaRPr kumimoji="1" lang="ja-JP" altLang="en-US" sz="1400"/>
               </a:p>
@@ -32549,7 +32708,7 @@
             <p:spPr>
               <a:xfrm>
                 <a:off x="602165" y="2241636"/>
-                <a:ext cx="10705171" cy="330924"/>
+                <a:ext cx="10705171" cy="786497"/>
               </a:xfrm>
               <a:prstGeom prst="rect">
                 <a:avLst/>
@@ -32557,7 +32716,7 @@
               <a:blipFill>
                 <a:blip r:embed="rId3"/>
                 <a:stretch>
-                  <a:fillRect l="-474" b="-18519"/>
+                  <a:fillRect l="-474" b="-4762"/>
                 </a:stretch>
               </a:blipFill>
             </p:spPr>
@@ -32576,8 +32735,8 @@
           </p:sp>
         </mc:Fallback>
       </mc:AlternateContent>
-      <mc:AlternateContent xmlns:mc="http://schemas.openxmlformats.org/markup-compatibility/2006">
-        <mc:Choice xmlns:a14="http://schemas.microsoft.com/office/drawing/2010/main" Requires="a14">
+      <mc:AlternateContent xmlns:mc="http://schemas.openxmlformats.org/markup-compatibility/2006" xmlns:a14="http://schemas.microsoft.com/office/drawing/2010/main">
+        <mc:Choice Requires="a14">
           <p:sp>
             <p:nvSpPr>
               <p:cNvPr id="4" name="テキスト ボックス 3">
@@ -33004,13 +33163,7 @@
                                     <a:rPr lang="en-US" altLang="ja-JP" sz="1400" i="1">
                                       <a:latin typeface="Cambria Math" panose="02040503050406030204" pitchFamily="18" charset="0"/>
                                     </a:rPr>
-                                    <m:t>−</m:t>
-                                  </m:r>
-                                  <m:r>
-                                    <a:rPr lang="en-US" altLang="ja-JP" sz="1400" i="1">
-                                      <a:latin typeface="Cambria Math" panose="02040503050406030204" pitchFamily="18" charset="0"/>
-                                    </a:rPr>
-                                    <m:t>1/2</m:t>
+                                    <m:t>−1/2</m:t>
                                   </m:r>
                                 </m:sub>
                               </m:sSub>
@@ -33711,7 +33864,6 @@
                 </a:endParaRPr>
               </a:p>
               <a:p>
-                <a:pPr/>
                 <a:r>
                   <a:rPr kumimoji="1" lang="en-US" altLang="ja-JP" sz="1400" b="0" dirty="0"/>
                   <a:t>+</a:t>
@@ -33885,7 +34037,7 @@
             </p:txBody>
           </p:sp>
         </mc:Choice>
-        <mc:Fallback>
+        <mc:Fallback xmlns="">
           <p:sp>
             <p:nvSpPr>
               <p:cNvPr id="4" name="テキスト ボックス 3">
@@ -33947,7 +34099,7 @@
             <p:spPr>
               <a:xfrm>
                 <a:off x="602164" y="4986453"/>
-                <a:ext cx="10705171" cy="1067152"/>
+                <a:ext cx="10705171" cy="1172565"/>
               </a:xfrm>
               <a:prstGeom prst="rect">
                 <a:avLst/>
@@ -33960,7 +34112,6 @@
               </a:bodyPr>
               <a:lstStyle/>
               <a:p>
-                <a:pPr/>
                 <a14:m>
                   <m:oMath xmlns:m="http://schemas.openxmlformats.org/officeDocument/2006/math">
                     <m:sSub>
@@ -34469,13 +34620,11 @@
                 </a:endParaRPr>
               </a:p>
               <a:p>
-                <a:pPr/>
                 <a:endParaRPr lang="en-US" altLang="ja-JP" sz="1400" b="0" dirty="0">
                   <a:ea typeface="Cambria Math" panose="02040503050406030204" pitchFamily="18" charset="0"/>
                 </a:endParaRPr>
               </a:p>
               <a:p>
-                <a:pPr/>
                 <a14:m>
                   <m:oMath xmlns:m="http://schemas.openxmlformats.org/officeDocument/2006/math">
                     <m:sSub>
@@ -34839,6 +34988,67 @@
                             <a:latin typeface="Cambria Math" panose="02040503050406030204" pitchFamily="18" charset="0"/>
                             <a:ea typeface="Cambria Math" panose="02040503050406030204" pitchFamily="18" charset="0"/>
                           </a:rPr>
+                          <m:t>∗</m:t>
+                        </m:r>
+                        <m:d>
+                          <m:dPr>
+                            <m:ctrlPr>
+                              <a:rPr lang="en-US" altLang="ja-JP" sz="1400" i="1">
+                                <a:latin typeface="Cambria Math" panose="02040503050406030204" pitchFamily="18" charset="0"/>
+                                <a:ea typeface="Cambria Math" panose="02040503050406030204" pitchFamily="18" charset="0"/>
+                              </a:rPr>
+                            </m:ctrlPr>
+                          </m:dPr>
+                          <m:e>
+                            <m:r>
+                              <a:rPr lang="en-US" altLang="ja-JP" sz="1400" i="1">
+                                <a:latin typeface="Cambria Math" panose="02040503050406030204" pitchFamily="18" charset="0"/>
+                                <a:ea typeface="Cambria Math" panose="02040503050406030204" pitchFamily="18" charset="0"/>
+                              </a:rPr>
+                              <m:t>1−</m:t>
+                            </m:r>
+                            <m:sSub>
+                              <m:sSubPr>
+                                <m:ctrlPr>
+                                  <a:rPr lang="en-US" altLang="ja-JP" sz="1400" i="1">
+                                    <a:latin typeface="Cambria Math" panose="02040503050406030204" pitchFamily="18" charset="0"/>
+                                    <a:ea typeface="Cambria Math" panose="02040503050406030204" pitchFamily="18" charset="0"/>
+                                  </a:rPr>
+                                </m:ctrlPr>
+                              </m:sSubPr>
+                              <m:e>
+                                <m:r>
+                                  <a:rPr lang="en-US" altLang="ja-JP" sz="1400" i="1">
+                                    <a:latin typeface="Cambria Math" panose="02040503050406030204" pitchFamily="18" charset="0"/>
+                                    <a:ea typeface="Cambria Math" panose="02040503050406030204" pitchFamily="18" charset="0"/>
+                                  </a:rPr>
+                                  <m:t>𝑚</m:t>
+                                </m:r>
+                              </m:e>
+                              <m:sub>
+                                <m:r>
+                                  <a:rPr lang="en-US" altLang="ja-JP" sz="1400" i="1">
+                                    <a:latin typeface="Cambria Math" panose="02040503050406030204" pitchFamily="18" charset="0"/>
+                                    <a:ea typeface="Cambria Math" panose="02040503050406030204" pitchFamily="18" charset="0"/>
+                                  </a:rPr>
+                                  <m:t>𝑖</m:t>
+                                </m:r>
+                                <m:r>
+                                  <a:rPr lang="en-US" altLang="ja-JP" sz="1400" i="1">
+                                    <a:latin typeface="Cambria Math" panose="02040503050406030204" pitchFamily="18" charset="0"/>
+                                    <a:ea typeface="Cambria Math" panose="02040503050406030204" pitchFamily="18" charset="0"/>
+                                  </a:rPr>
+                                  <m:t>+1</m:t>
+                                </m:r>
+                              </m:sub>
+                            </m:sSub>
+                          </m:e>
+                        </m:d>
+                        <m:r>
+                          <a:rPr lang="en-US" altLang="ja-JP" sz="1400" i="1">
+                            <a:latin typeface="Cambria Math" panose="02040503050406030204" pitchFamily="18" charset="0"/>
+                            <a:ea typeface="Cambria Math" panose="02040503050406030204" pitchFamily="18" charset="0"/>
+                          </a:rPr>
                           <m:t>−</m:t>
                         </m:r>
                         <m:sSubSup>
@@ -34872,8 +35082,36 @@
                                 <a:latin typeface="Cambria Math" panose="02040503050406030204" pitchFamily="18" charset="0"/>
                                 <a:ea typeface="Cambria Math" panose="02040503050406030204" pitchFamily="18" charset="0"/>
                               </a:rPr>
-                              <m:t>−1/2</m:t>
+                              <m:t>−</m:t>
                             </m:r>
+                            <m:f>
+                              <m:fPr>
+                                <m:ctrlPr>
+                                  <a:rPr lang="en-US" altLang="ja-JP" sz="1400" i="1">
+                                    <a:latin typeface="Cambria Math" panose="02040503050406030204" pitchFamily="18" charset="0"/>
+                                    <a:ea typeface="Cambria Math" panose="02040503050406030204" pitchFamily="18" charset="0"/>
+                                  </a:rPr>
+                                </m:ctrlPr>
+                              </m:fPr>
+                              <m:num>
+                                <m:r>
+                                  <a:rPr lang="en-US" altLang="ja-JP" sz="1400" i="1">
+                                    <a:latin typeface="Cambria Math" panose="02040503050406030204" pitchFamily="18" charset="0"/>
+                                    <a:ea typeface="Cambria Math" panose="02040503050406030204" pitchFamily="18" charset="0"/>
+                                  </a:rPr>
+                                  <m:t>1</m:t>
+                                </m:r>
+                              </m:num>
+                              <m:den>
+                                <m:r>
+                                  <a:rPr lang="en-US" altLang="ja-JP" sz="1400" i="1">
+                                    <a:latin typeface="Cambria Math" panose="02040503050406030204" pitchFamily="18" charset="0"/>
+                                    <a:ea typeface="Cambria Math" panose="02040503050406030204" pitchFamily="18" charset="0"/>
+                                  </a:rPr>
+                                  <m:t>2</m:t>
+                                </m:r>
+                              </m:den>
+                            </m:f>
                           </m:sub>
                           <m:sup>
                             <m:r>
@@ -34885,6 +35123,55 @@
                             </m:r>
                           </m:sup>
                         </m:sSubSup>
+                        <m:r>
+                          <a:rPr lang="en-US" altLang="ja-JP" sz="1400" i="1">
+                            <a:latin typeface="Cambria Math" panose="02040503050406030204" pitchFamily="18" charset="0"/>
+                            <a:ea typeface="Cambria Math" panose="02040503050406030204" pitchFamily="18" charset="0"/>
+                          </a:rPr>
+                          <m:t>∗(1−</m:t>
+                        </m:r>
+                        <m:sSub>
+                          <m:sSubPr>
+                            <m:ctrlPr>
+                              <a:rPr lang="en-US" altLang="ja-JP" sz="1400" i="1">
+                                <a:latin typeface="Cambria Math" panose="02040503050406030204" pitchFamily="18" charset="0"/>
+                                <a:ea typeface="Cambria Math" panose="02040503050406030204" pitchFamily="18" charset="0"/>
+                              </a:rPr>
+                            </m:ctrlPr>
+                          </m:sSubPr>
+                          <m:e>
+                            <m:r>
+                              <a:rPr lang="en-US" altLang="ja-JP" sz="1400" i="1">
+                                <a:latin typeface="Cambria Math" panose="02040503050406030204" pitchFamily="18" charset="0"/>
+                                <a:ea typeface="Cambria Math" panose="02040503050406030204" pitchFamily="18" charset="0"/>
+                              </a:rPr>
+                              <m:t>𝑚</m:t>
+                            </m:r>
+                          </m:e>
+                          <m:sub>
+                            <m:r>
+                              <a:rPr lang="en-US" altLang="ja-JP" sz="1400" i="1">
+                                <a:latin typeface="Cambria Math" panose="02040503050406030204" pitchFamily="18" charset="0"/>
+                                <a:ea typeface="Cambria Math" panose="02040503050406030204" pitchFamily="18" charset="0"/>
+                              </a:rPr>
+                              <m:t>𝑖</m:t>
+                            </m:r>
+                            <m:r>
+                              <a:rPr lang="en-US" altLang="ja-JP" sz="1400" i="1">
+                                <a:latin typeface="Cambria Math" panose="02040503050406030204" pitchFamily="18" charset="0"/>
+                                <a:ea typeface="Cambria Math" panose="02040503050406030204" pitchFamily="18" charset="0"/>
+                              </a:rPr>
+                              <m:t>−1</m:t>
+                            </m:r>
+                          </m:sub>
+                        </m:sSub>
+                        <m:r>
+                          <a:rPr lang="en-US" altLang="ja-JP" sz="1400" i="1">
+                            <a:latin typeface="Cambria Math" panose="02040503050406030204" pitchFamily="18" charset="0"/>
+                            <a:ea typeface="Cambria Math" panose="02040503050406030204" pitchFamily="18" charset="0"/>
+                          </a:rPr>
+                          <m:t>)</m:t>
+                        </m:r>
                       </m:e>
                     </m:d>
                     <m:r>
@@ -34898,7 +35185,6 @@
                 <a:endParaRPr lang="ja-JP" altLang="en-US" sz="1400"/>
               </a:p>
               <a:p>
-                <a:pPr/>
                 <a:endParaRPr lang="en-US" altLang="ja-JP" sz="1400" i="1" dirty="0">
                   <a:latin typeface="Cambria Math" panose="02040503050406030204" pitchFamily="18" charset="0"/>
                   <a:ea typeface="Cambria Math" panose="02040503050406030204" pitchFamily="18" charset="0"/>
@@ -34925,7 +35211,7 @@
             <p:spPr>
               <a:xfrm>
                 <a:off x="602164" y="4986453"/>
-                <a:ext cx="10705171" cy="1067152"/>
+                <a:ext cx="10705171" cy="1172565"/>
               </a:xfrm>
               <a:prstGeom prst="rect">
                 <a:avLst/>
